--- a/项目报告/合同管理系统ppt.pptx
+++ b/项目报告/合同管理系统ppt.pptx
@@ -5,20 +5,20 @@
     <p:sldMasterId id="2147483648" r:id="rId1"/>
   </p:sldMasterIdLst>
   <p:sldIdLst>
-    <p:sldId id="256" r:id="rId3"/>
-    <p:sldId id="257" r:id="rId4"/>
-    <p:sldId id="258" r:id="rId5"/>
-    <p:sldId id="259" r:id="rId6"/>
-    <p:sldId id="260" r:id="rId7"/>
-    <p:sldId id="261" r:id="rId8"/>
-    <p:sldId id="262" r:id="rId9"/>
-    <p:sldId id="263" r:id="rId10"/>
-    <p:sldId id="264" r:id="rId11"/>
-    <p:sldId id="265" r:id="rId12"/>
-    <p:sldId id="266" r:id="rId13"/>
-    <p:sldId id="267" r:id="rId14"/>
-    <p:sldId id="268" r:id="rId15"/>
-    <p:sldId id="269" r:id="rId16"/>
+    <p:sldId id="256" r:id="rId2"/>
+    <p:sldId id="257" r:id="rId3"/>
+    <p:sldId id="258" r:id="rId4"/>
+    <p:sldId id="259" r:id="rId5"/>
+    <p:sldId id="260" r:id="rId6"/>
+    <p:sldId id="261" r:id="rId7"/>
+    <p:sldId id="262" r:id="rId8"/>
+    <p:sldId id="263" r:id="rId9"/>
+    <p:sldId id="264" r:id="rId10"/>
+    <p:sldId id="265" r:id="rId11"/>
+    <p:sldId id="266" r:id="rId12"/>
+    <p:sldId id="267" r:id="rId13"/>
+    <p:sldId id="268" r:id="rId14"/>
+    <p:sldId id="269" r:id="rId15"/>
   </p:sldIdLst>
   <p:sldSz cx="12192000" cy="6858000"/>
   <p:notesSz cx="6858000" cy="9144000"/>
@@ -132,6 +132,9 @@
         </p15:guide>
       </p15:sldGuideLst>
     </p:ext>
+    <p:ext uri="{2D200454-40CA-4A62-9FC3-DE9A4176ACB9}">
+      <p15:notesGuideLst xmlns:p15="http://schemas.microsoft.com/office/powerpoint/2012/main"/>
+    </p:ext>
   </p:extLst>
 </p:presentation>
 </file>
@@ -162,7 +165,7 @@
           <p:nvPr>
             <p:ph type="ctrTitle"/>
             <p:custDataLst>
-              <p:tags r:id="rId2"/>
+              <p:tags r:id="rId1"/>
             </p:custDataLst>
           </p:nvPr>
         </p:nvSpPr>
@@ -186,7 +189,6 @@
               <a:rPr lang="zh-CN" altLang="en-US" dirty="0"/>
               <a:t>单击此处编辑母版标题样式</a:t>
             </a:r>
-            <a:endParaRPr lang="zh-CN" altLang="en-US" dirty="0"/>
           </a:p>
         </p:txBody>
       </p:sp>
@@ -199,7 +201,7 @@
           <p:nvPr>
             <p:ph type="subTitle" idx="1"/>
             <p:custDataLst>
-              <p:tags r:id="rId3"/>
+              <p:tags r:id="rId2"/>
             </p:custDataLst>
           </p:nvPr>
         </p:nvSpPr>
@@ -259,7 +261,6 @@
               <a:rPr lang="zh-CN" altLang="en-US" dirty="0"/>
               <a:t>单击此处编辑母版副标题样式</a:t>
             </a:r>
-            <a:endParaRPr lang="zh-CN" altLang="en-US" dirty="0"/>
           </a:p>
         </p:txBody>
       </p:sp>
@@ -272,7 +273,7 @@
           <p:nvPr>
             <p:ph type="dt" sz="half" idx="10"/>
             <p:custDataLst>
-              <p:tags r:id="rId4"/>
+              <p:tags r:id="rId3"/>
             </p:custDataLst>
           </p:nvPr>
         </p:nvSpPr>
@@ -283,6 +284,7 @@
           <a:p>
             <a:fld id="{760FBDFE-C587-4B4C-A407-44438C67B59E}" type="datetimeFigureOut">
               <a:rPr lang="zh-CN" altLang="en-US" smtClean="0"/>
+              <a:t>2025/6/12</a:t>
             </a:fld>
             <a:endParaRPr lang="zh-CN" altLang="en-US"/>
           </a:p>
@@ -297,7 +299,7 @@
           <p:nvPr>
             <p:ph type="ftr" sz="quarter" idx="11"/>
             <p:custDataLst>
-              <p:tags r:id="rId5"/>
+              <p:tags r:id="rId4"/>
             </p:custDataLst>
           </p:nvPr>
         </p:nvSpPr>
@@ -319,7 +321,7 @@
           <p:nvPr>
             <p:ph type="sldNum" sz="quarter" idx="12"/>
             <p:custDataLst>
-              <p:tags r:id="rId6"/>
+              <p:tags r:id="rId5"/>
             </p:custDataLst>
           </p:nvPr>
         </p:nvSpPr>
@@ -330,6 +332,7 @@
           <a:p>
             <a:fld id="{49AE70B2-8BF9-45C0-BB95-33D1B9D3A854}" type="slidenum">
               <a:rPr lang="zh-CN" altLang="en-US" smtClean="0"/>
+              <a:t>‹#›</a:t>
             </a:fld>
             <a:endParaRPr lang="zh-CN" altLang="en-US" dirty="0"/>
           </a:p>
@@ -369,7 +372,7 @@
           <p:nvPr>
             <p:ph type="dt" sz="half" idx="10"/>
             <p:custDataLst>
-              <p:tags r:id="rId2"/>
+              <p:tags r:id="rId1"/>
             </p:custDataLst>
           </p:nvPr>
         </p:nvSpPr>
@@ -380,6 +383,7 @@
           <a:p>
             <a:fld id="{760FBDFE-C587-4B4C-A407-44438C67B59E}" type="datetimeFigureOut">
               <a:rPr lang="zh-CN" altLang="en-US" smtClean="0"/>
+              <a:t>2025/6/12</a:t>
             </a:fld>
             <a:endParaRPr lang="zh-CN" altLang="en-US"/>
           </a:p>
@@ -394,7 +398,7 @@
           <p:nvPr>
             <p:ph type="ftr" sz="quarter" idx="11"/>
             <p:custDataLst>
-              <p:tags r:id="rId3"/>
+              <p:tags r:id="rId2"/>
             </p:custDataLst>
           </p:nvPr>
         </p:nvSpPr>
@@ -416,7 +420,7 @@
           <p:nvPr>
             <p:ph type="sldNum" sz="quarter" idx="12"/>
             <p:custDataLst>
-              <p:tags r:id="rId4"/>
+              <p:tags r:id="rId3"/>
             </p:custDataLst>
           </p:nvPr>
         </p:nvSpPr>
@@ -427,6 +431,7 @@
           <a:p>
             <a:fld id="{49AE70B2-8BF9-45C0-BB95-33D1B9D3A854}" type="slidenum">
               <a:rPr lang="zh-CN" altLang="en-US" smtClean="0"/>
+              <a:t>‹#›</a:t>
             </a:fld>
             <a:endParaRPr lang="zh-CN" altLang="en-US"/>
           </a:p>
@@ -441,7 +446,7 @@
           <p:nvPr>
             <p:ph sz="quarter" idx="13"/>
             <p:custDataLst>
-              <p:tags r:id="rId5"/>
+              <p:tags r:id="rId4"/>
             </p:custDataLst>
           </p:nvPr>
         </p:nvSpPr>
@@ -460,7 +465,6 @@
               <a:rPr lang="zh-CN" altLang="en-US" dirty="0"/>
               <a:t>单击此处编辑母版文本样式</a:t>
             </a:r>
-            <a:endParaRPr lang="zh-CN" altLang="en-US" dirty="0"/>
           </a:p>
           <a:p>
             <a:pPr lvl="1"/>
@@ -468,7 +472,6 @@
               <a:rPr lang="zh-CN" altLang="en-US" dirty="0"/>
               <a:t>第二级</a:t>
             </a:r>
-            <a:endParaRPr lang="zh-CN" altLang="en-US" dirty="0"/>
           </a:p>
           <a:p>
             <a:pPr lvl="2"/>
@@ -476,7 +479,6 @@
               <a:rPr lang="zh-CN" altLang="en-US" dirty="0"/>
               <a:t>第三级</a:t>
             </a:r>
-            <a:endParaRPr lang="zh-CN" altLang="en-US" dirty="0"/>
           </a:p>
           <a:p>
             <a:pPr lvl="3"/>
@@ -484,7 +486,6 @@
               <a:rPr lang="zh-CN" altLang="en-US" dirty="0"/>
               <a:t>第四级</a:t>
             </a:r>
-            <a:endParaRPr lang="zh-CN" altLang="en-US" dirty="0"/>
           </a:p>
           <a:p>
             <a:pPr lvl="4"/>
@@ -492,7 +493,6 @@
               <a:rPr lang="zh-CN" altLang="en-US" dirty="0"/>
               <a:t>第五级</a:t>
             </a:r>
-            <a:endParaRPr lang="zh-CN" altLang="en-US" dirty="0"/>
           </a:p>
         </p:txBody>
       </p:sp>
@@ -530,7 +530,7 @@
           <p:nvPr>
             <p:ph type="dt" sz="half" idx="10"/>
             <p:custDataLst>
-              <p:tags r:id="rId2"/>
+              <p:tags r:id="rId1"/>
             </p:custDataLst>
           </p:nvPr>
         </p:nvSpPr>
@@ -541,6 +541,7 @@
           <a:p>
             <a:fld id="{760FBDFE-C587-4B4C-A407-44438C67B59E}" type="datetimeFigureOut">
               <a:rPr lang="zh-CN" altLang="en-US" smtClean="0"/>
+              <a:t>2025/6/12</a:t>
             </a:fld>
             <a:endParaRPr lang="zh-CN" altLang="en-US"/>
           </a:p>
@@ -555,7 +556,7 @@
           <p:nvPr>
             <p:ph type="ftr" sz="quarter" idx="11"/>
             <p:custDataLst>
-              <p:tags r:id="rId3"/>
+              <p:tags r:id="rId2"/>
             </p:custDataLst>
           </p:nvPr>
         </p:nvSpPr>
@@ -577,7 +578,7 @@
           <p:nvPr>
             <p:ph type="sldNum" sz="quarter" idx="12"/>
             <p:custDataLst>
-              <p:tags r:id="rId4"/>
+              <p:tags r:id="rId3"/>
             </p:custDataLst>
           </p:nvPr>
         </p:nvSpPr>
@@ -588,6 +589,7 @@
           <a:p>
             <a:fld id="{49AE70B2-8BF9-45C0-BB95-33D1B9D3A854}" type="slidenum">
               <a:rPr lang="zh-CN" altLang="en-US" smtClean="0"/>
+              <a:t>‹#›</a:t>
             </a:fld>
             <a:endParaRPr lang="zh-CN" altLang="en-US"/>
           </a:p>
@@ -602,7 +604,7 @@
           <p:nvPr>
             <p:ph type="title" hasCustomPrompt="1"/>
             <p:custDataLst>
-              <p:tags r:id="rId5"/>
+              <p:tags r:id="rId4"/>
             </p:custDataLst>
           </p:nvPr>
         </p:nvSpPr>
@@ -624,10 +626,9 @@
           <a:p>
             <a:pPr lvl="0"/>
             <a:r>
-              <a:rPr lang="zh-CN" altLang="en-US" smtClean="0"/>
+              <a:rPr lang="zh-CN" altLang="en-US"/>
               <a:t>单击此处编辑标题</a:t>
             </a:r>
-            <a:endParaRPr lang="zh-CN" altLang="en-US"/>
           </a:p>
         </p:txBody>
       </p:sp>
@@ -640,7 +641,7 @@
           <p:nvPr>
             <p:ph type="body" sz="quarter" idx="13"/>
             <p:custDataLst>
-              <p:tags r:id="rId6"/>
+              <p:tags r:id="rId5"/>
             </p:custDataLst>
           </p:nvPr>
         </p:nvSpPr>
@@ -669,7 +670,6 @@
               <a:rPr lang="zh-CN" altLang="en-US" dirty="0"/>
               <a:t>单击此处编辑母版文本样式</a:t>
             </a:r>
-            <a:endParaRPr lang="zh-CN" altLang="en-US" dirty="0"/>
           </a:p>
         </p:txBody>
       </p:sp>
@@ -707,7 +707,7 @@
           <p:nvPr>
             <p:ph type="title"/>
             <p:custDataLst>
-              <p:tags r:id="rId2"/>
+              <p:tags r:id="rId1"/>
             </p:custDataLst>
           </p:nvPr>
         </p:nvSpPr>
@@ -725,10 +725,9 @@
           <a:p>
             <a:pPr lvl="0"/>
             <a:r>
-              <a:rPr lang="zh-CN" altLang="en-US" smtClean="0"/>
+              <a:rPr lang="zh-CN" altLang="en-US"/>
               <a:t>单击此处编辑母版标题样式</a:t>
             </a:r>
-            <a:endParaRPr lang="zh-CN" altLang="en-US"/>
           </a:p>
         </p:txBody>
       </p:sp>
@@ -741,7 +740,7 @@
           <p:nvPr>
             <p:ph idx="1"/>
             <p:custDataLst>
-              <p:tags r:id="rId3"/>
+              <p:tags r:id="rId2"/>
             </p:custDataLst>
           </p:nvPr>
         </p:nvSpPr>
@@ -759,42 +758,37 @@
           <a:p>
             <a:pPr lvl="0"/>
             <a:r>
-              <a:rPr lang="zh-CN" altLang="en-US" smtClean="0"/>
+              <a:rPr lang="zh-CN" altLang="en-US"/>
               <a:t>单击此处编辑母版文本样式</a:t>
             </a:r>
-            <a:endParaRPr lang="zh-CN" altLang="en-US" smtClean="0"/>
           </a:p>
           <a:p>
             <a:pPr lvl="1"/>
             <a:r>
-              <a:rPr lang="zh-CN" altLang="en-US" smtClean="0"/>
+              <a:rPr lang="zh-CN" altLang="en-US"/>
               <a:t>第二级</a:t>
             </a:r>
-            <a:endParaRPr lang="zh-CN" altLang="en-US" smtClean="0"/>
           </a:p>
           <a:p>
             <a:pPr lvl="2"/>
             <a:r>
-              <a:rPr lang="zh-CN" altLang="en-US" smtClean="0"/>
+              <a:rPr lang="zh-CN" altLang="en-US"/>
               <a:t>第三级</a:t>
             </a:r>
-            <a:endParaRPr lang="zh-CN" altLang="en-US" smtClean="0"/>
           </a:p>
           <a:p>
             <a:pPr lvl="3"/>
             <a:r>
-              <a:rPr lang="zh-CN" altLang="en-US" smtClean="0"/>
+              <a:rPr lang="zh-CN" altLang="en-US"/>
               <a:t>第四级</a:t>
             </a:r>
-            <a:endParaRPr lang="zh-CN" altLang="en-US" smtClean="0"/>
           </a:p>
           <a:p>
             <a:pPr lvl="4"/>
             <a:r>
-              <a:rPr lang="zh-CN" altLang="en-US" smtClean="0"/>
+              <a:rPr lang="zh-CN" altLang="en-US"/>
               <a:t>第五级</a:t>
             </a:r>
-            <a:endParaRPr lang="zh-CN" altLang="en-US"/>
           </a:p>
         </p:txBody>
       </p:sp>
@@ -807,7 +801,7 @@
           <p:nvPr>
             <p:ph type="dt" sz="half" idx="10"/>
             <p:custDataLst>
-              <p:tags r:id="rId4"/>
+              <p:tags r:id="rId3"/>
             </p:custDataLst>
           </p:nvPr>
         </p:nvSpPr>
@@ -818,6 +812,7 @@
           <a:p>
             <a:fld id="{760FBDFE-C587-4B4C-A407-44438C67B59E}" type="datetimeFigureOut">
               <a:rPr lang="zh-CN" altLang="en-US" smtClean="0"/>
+              <a:t>2025/6/12</a:t>
             </a:fld>
             <a:endParaRPr lang="zh-CN" altLang="en-US"/>
           </a:p>
@@ -832,7 +827,7 @@
           <p:nvPr>
             <p:ph type="ftr" sz="quarter" idx="11"/>
             <p:custDataLst>
-              <p:tags r:id="rId5"/>
+              <p:tags r:id="rId4"/>
             </p:custDataLst>
           </p:nvPr>
         </p:nvSpPr>
@@ -854,7 +849,7 @@
           <p:nvPr>
             <p:ph type="sldNum" sz="quarter" idx="12"/>
             <p:custDataLst>
-              <p:tags r:id="rId6"/>
+              <p:tags r:id="rId5"/>
             </p:custDataLst>
           </p:nvPr>
         </p:nvSpPr>
@@ -865,6 +860,7 @@
           <a:p>
             <a:fld id="{49AE70B2-8BF9-45C0-BB95-33D1B9D3A854}" type="slidenum">
               <a:rPr lang="zh-CN" altLang="en-US" smtClean="0"/>
+              <a:t>‹#›</a:t>
             </a:fld>
             <a:endParaRPr lang="zh-CN" altLang="en-US"/>
           </a:p>
@@ -904,7 +900,7 @@
           <p:nvPr>
             <p:ph type="title" hasCustomPrompt="1"/>
             <p:custDataLst>
-              <p:tags r:id="rId2"/>
+              <p:tags r:id="rId1"/>
             </p:custDataLst>
           </p:nvPr>
         </p:nvSpPr>
@@ -928,7 +924,6 @@
               <a:rPr lang="zh-CN" altLang="en-US" dirty="0"/>
               <a:t>单击此处编辑标题</a:t>
             </a:r>
-            <a:endParaRPr lang="zh-CN" altLang="en-US" dirty="0"/>
           </a:p>
         </p:txBody>
       </p:sp>
@@ -941,7 +936,7 @@
           <p:nvPr>
             <p:ph type="body" idx="1" hasCustomPrompt="1"/>
             <p:custDataLst>
-              <p:tags r:id="rId3"/>
+              <p:tags r:id="rId2"/>
             </p:custDataLst>
           </p:nvPr>
         </p:nvSpPr>
@@ -1054,7 +1049,6 @@
               <a:rPr lang="zh-CN" altLang="en-US" dirty="0"/>
               <a:t>单击此处编辑文本</a:t>
             </a:r>
-            <a:endParaRPr lang="zh-CN" altLang="en-US" dirty="0"/>
           </a:p>
         </p:txBody>
       </p:sp>
@@ -1067,7 +1061,7 @@
           <p:nvPr>
             <p:ph type="dt" sz="half" idx="10"/>
             <p:custDataLst>
-              <p:tags r:id="rId4"/>
+              <p:tags r:id="rId3"/>
             </p:custDataLst>
           </p:nvPr>
         </p:nvSpPr>
@@ -1078,6 +1072,7 @@
           <a:p>
             <a:fld id="{760FBDFE-C587-4B4C-A407-44438C67B59E}" type="datetimeFigureOut">
               <a:rPr lang="zh-CN" altLang="en-US" smtClean="0"/>
+              <a:t>2025/6/12</a:t>
             </a:fld>
             <a:endParaRPr lang="zh-CN" altLang="en-US"/>
           </a:p>
@@ -1092,7 +1087,7 @@
           <p:nvPr>
             <p:ph type="ftr" sz="quarter" idx="11"/>
             <p:custDataLst>
-              <p:tags r:id="rId5"/>
+              <p:tags r:id="rId4"/>
             </p:custDataLst>
           </p:nvPr>
         </p:nvSpPr>
@@ -1114,7 +1109,7 @@
           <p:nvPr>
             <p:ph type="sldNum" sz="quarter" idx="12"/>
             <p:custDataLst>
-              <p:tags r:id="rId6"/>
+              <p:tags r:id="rId5"/>
             </p:custDataLst>
           </p:nvPr>
         </p:nvSpPr>
@@ -1125,6 +1120,7 @@
           <a:p>
             <a:fld id="{49AE70B2-8BF9-45C0-BB95-33D1B9D3A854}" type="slidenum">
               <a:rPr lang="zh-CN" altLang="en-US" smtClean="0"/>
+              <a:t>‹#›</a:t>
             </a:fld>
             <a:endParaRPr lang="zh-CN" altLang="en-US"/>
           </a:p>
@@ -1164,7 +1160,7 @@
           <p:nvPr>
             <p:ph type="title"/>
             <p:custDataLst>
-              <p:tags r:id="rId2"/>
+              <p:tags r:id="rId1"/>
             </p:custDataLst>
           </p:nvPr>
         </p:nvSpPr>
@@ -1182,10 +1178,9 @@
           <a:p>
             <a:pPr lvl="0"/>
             <a:r>
-              <a:rPr lang="zh-CN" altLang="en-US" smtClean="0"/>
+              <a:rPr lang="zh-CN" altLang="en-US"/>
               <a:t>单击此处编辑母版标题样式</a:t>
             </a:r>
-            <a:endParaRPr lang="zh-CN" altLang="en-US"/>
           </a:p>
         </p:txBody>
       </p:sp>
@@ -1198,7 +1193,7 @@
           <p:nvPr>
             <p:ph sz="half" idx="1"/>
             <p:custDataLst>
-              <p:tags r:id="rId3"/>
+              <p:tags r:id="rId2"/>
             </p:custDataLst>
           </p:nvPr>
         </p:nvSpPr>
@@ -1216,42 +1211,37 @@
           <a:p>
             <a:pPr lvl="0"/>
             <a:r>
-              <a:rPr lang="zh-CN" altLang="en-US" smtClean="0"/>
+              <a:rPr lang="zh-CN" altLang="en-US"/>
               <a:t>单击此处编辑母版文本样式</a:t>
             </a:r>
-            <a:endParaRPr lang="zh-CN" altLang="en-US" smtClean="0"/>
           </a:p>
           <a:p>
             <a:pPr lvl="1"/>
             <a:r>
-              <a:rPr lang="zh-CN" altLang="en-US" smtClean="0"/>
+              <a:rPr lang="zh-CN" altLang="en-US"/>
               <a:t>第二级</a:t>
             </a:r>
-            <a:endParaRPr lang="zh-CN" altLang="en-US" smtClean="0"/>
           </a:p>
           <a:p>
             <a:pPr lvl="2"/>
             <a:r>
-              <a:rPr lang="zh-CN" altLang="en-US" smtClean="0"/>
+              <a:rPr lang="zh-CN" altLang="en-US"/>
               <a:t>第三级</a:t>
             </a:r>
-            <a:endParaRPr lang="zh-CN" altLang="en-US" smtClean="0"/>
           </a:p>
           <a:p>
             <a:pPr lvl="3"/>
             <a:r>
-              <a:rPr lang="zh-CN" altLang="en-US" smtClean="0"/>
+              <a:rPr lang="zh-CN" altLang="en-US"/>
               <a:t>第四级</a:t>
             </a:r>
-            <a:endParaRPr lang="zh-CN" altLang="en-US" smtClean="0"/>
           </a:p>
           <a:p>
             <a:pPr lvl="4"/>
             <a:r>
-              <a:rPr lang="zh-CN" altLang="en-US" smtClean="0"/>
+              <a:rPr lang="zh-CN" altLang="en-US"/>
               <a:t>第五级</a:t>
             </a:r>
-            <a:endParaRPr lang="zh-CN" altLang="en-US"/>
           </a:p>
         </p:txBody>
       </p:sp>
@@ -1264,7 +1254,7 @@
           <p:nvPr>
             <p:ph sz="half" idx="2"/>
             <p:custDataLst>
-              <p:tags r:id="rId4"/>
+              <p:tags r:id="rId3"/>
             </p:custDataLst>
           </p:nvPr>
         </p:nvSpPr>
@@ -1285,7 +1275,6 @@
               <a:rPr lang="zh-CN" altLang="en-US" dirty="0"/>
               <a:t>单击此处编辑母版文本样式</a:t>
             </a:r>
-            <a:endParaRPr lang="zh-CN" altLang="en-US" dirty="0"/>
           </a:p>
           <a:p>
             <a:pPr lvl="1"/>
@@ -1293,7 +1282,6 @@
               <a:rPr lang="zh-CN" altLang="en-US" dirty="0"/>
               <a:t>第二级</a:t>
             </a:r>
-            <a:endParaRPr lang="zh-CN" altLang="en-US" dirty="0"/>
           </a:p>
           <a:p>
             <a:pPr lvl="2"/>
@@ -1301,7 +1289,6 @@
               <a:rPr lang="zh-CN" altLang="en-US" dirty="0"/>
               <a:t>第三级</a:t>
             </a:r>
-            <a:endParaRPr lang="zh-CN" altLang="en-US" dirty="0"/>
           </a:p>
           <a:p>
             <a:pPr lvl="3"/>
@@ -1309,7 +1296,6 @@
               <a:rPr lang="zh-CN" altLang="en-US" dirty="0"/>
               <a:t>第四级</a:t>
             </a:r>
-            <a:endParaRPr lang="zh-CN" altLang="en-US" dirty="0"/>
           </a:p>
           <a:p>
             <a:pPr lvl="4"/>
@@ -1317,7 +1303,6 @@
               <a:rPr lang="zh-CN" altLang="en-US" dirty="0"/>
               <a:t>第五级</a:t>
             </a:r>
-            <a:endParaRPr lang="zh-CN" altLang="en-US" dirty="0"/>
           </a:p>
         </p:txBody>
       </p:sp>
@@ -1330,7 +1315,7 @@
           <p:nvPr>
             <p:ph type="dt" sz="half" idx="10"/>
             <p:custDataLst>
-              <p:tags r:id="rId5"/>
+              <p:tags r:id="rId4"/>
             </p:custDataLst>
           </p:nvPr>
         </p:nvSpPr>
@@ -1341,6 +1326,7 @@
           <a:p>
             <a:fld id="{760FBDFE-C587-4B4C-A407-44438C67B59E}" type="datetimeFigureOut">
               <a:rPr lang="zh-CN" altLang="en-US" smtClean="0"/>
+              <a:t>2025/6/12</a:t>
             </a:fld>
             <a:endParaRPr lang="zh-CN" altLang="en-US"/>
           </a:p>
@@ -1355,7 +1341,7 @@
           <p:nvPr>
             <p:ph type="ftr" sz="quarter" idx="11"/>
             <p:custDataLst>
-              <p:tags r:id="rId6"/>
+              <p:tags r:id="rId5"/>
             </p:custDataLst>
           </p:nvPr>
         </p:nvSpPr>
@@ -1377,7 +1363,7 @@
           <p:nvPr>
             <p:ph type="sldNum" sz="quarter" idx="12"/>
             <p:custDataLst>
-              <p:tags r:id="rId7"/>
+              <p:tags r:id="rId6"/>
             </p:custDataLst>
           </p:nvPr>
         </p:nvSpPr>
@@ -1388,6 +1374,7 @@
           <a:p>
             <a:fld id="{49AE70B2-8BF9-45C0-BB95-33D1B9D3A854}" type="slidenum">
               <a:rPr lang="zh-CN" altLang="en-US" smtClean="0"/>
+              <a:t>‹#›</a:t>
             </a:fld>
             <a:endParaRPr lang="zh-CN" altLang="en-US"/>
           </a:p>
@@ -1427,7 +1414,7 @@
           <p:nvPr>
             <p:ph type="title"/>
             <p:custDataLst>
-              <p:tags r:id="rId2"/>
+              <p:tags r:id="rId1"/>
             </p:custDataLst>
           </p:nvPr>
         </p:nvSpPr>
@@ -1445,10 +1432,9 @@
           <a:p>
             <a:pPr lvl="0"/>
             <a:r>
-              <a:rPr lang="zh-CN" altLang="en-US" smtClean="0"/>
+              <a:rPr lang="zh-CN" altLang="en-US"/>
               <a:t>单击此处编辑母版标题样式</a:t>
             </a:r>
-            <a:endParaRPr lang="zh-CN" altLang="en-US"/>
           </a:p>
         </p:txBody>
       </p:sp>
@@ -1461,7 +1447,7 @@
           <p:nvPr>
             <p:ph type="body" idx="1" hasCustomPrompt="1"/>
             <p:custDataLst>
-              <p:tags r:id="rId3"/>
+              <p:tags r:id="rId2"/>
             </p:custDataLst>
           </p:nvPr>
         </p:nvSpPr>
@@ -1529,7 +1515,6 @@
               <a:rPr lang="zh-CN" altLang="en-US" dirty="0"/>
               <a:t>单击此处编辑文本</a:t>
             </a:r>
-            <a:endParaRPr lang="zh-CN" altLang="en-US" dirty="0"/>
           </a:p>
         </p:txBody>
       </p:sp>
@@ -1542,7 +1527,7 @@
           <p:nvPr>
             <p:ph sz="half" idx="2"/>
             <p:custDataLst>
-              <p:tags r:id="rId4"/>
+              <p:tags r:id="rId3"/>
             </p:custDataLst>
           </p:nvPr>
         </p:nvSpPr>
@@ -1560,42 +1545,37 @@
           <a:p>
             <a:pPr lvl="0"/>
             <a:r>
-              <a:rPr lang="zh-CN" altLang="en-US" smtClean="0"/>
+              <a:rPr lang="zh-CN" altLang="en-US"/>
               <a:t>单击此处编辑母版文本样式</a:t>
             </a:r>
-            <a:endParaRPr lang="zh-CN" altLang="en-US" smtClean="0"/>
           </a:p>
           <a:p>
             <a:pPr lvl="1"/>
             <a:r>
-              <a:rPr lang="zh-CN" altLang="en-US" smtClean="0"/>
+              <a:rPr lang="zh-CN" altLang="en-US"/>
               <a:t>第二级</a:t>
             </a:r>
-            <a:endParaRPr lang="zh-CN" altLang="en-US" smtClean="0"/>
           </a:p>
           <a:p>
             <a:pPr lvl="2"/>
             <a:r>
-              <a:rPr lang="zh-CN" altLang="en-US" smtClean="0"/>
+              <a:rPr lang="zh-CN" altLang="en-US"/>
               <a:t>第三级</a:t>
             </a:r>
-            <a:endParaRPr lang="zh-CN" altLang="en-US" smtClean="0"/>
           </a:p>
           <a:p>
             <a:pPr lvl="3"/>
             <a:r>
-              <a:rPr lang="zh-CN" altLang="en-US" smtClean="0"/>
+              <a:rPr lang="zh-CN" altLang="en-US"/>
               <a:t>第四级</a:t>
             </a:r>
-            <a:endParaRPr lang="zh-CN" altLang="en-US" smtClean="0"/>
           </a:p>
           <a:p>
             <a:pPr lvl="4"/>
             <a:r>
-              <a:rPr lang="zh-CN" altLang="en-US" smtClean="0"/>
+              <a:rPr lang="zh-CN" altLang="en-US"/>
               <a:t>第五级</a:t>
             </a:r>
-            <a:endParaRPr lang="zh-CN" altLang="en-US"/>
           </a:p>
         </p:txBody>
       </p:sp>
@@ -1608,7 +1588,7 @@
           <p:nvPr>
             <p:ph type="body" sz="quarter" idx="3" hasCustomPrompt="1"/>
             <p:custDataLst>
-              <p:tags r:id="rId5"/>
+              <p:tags r:id="rId4"/>
             </p:custDataLst>
           </p:nvPr>
         </p:nvSpPr>
@@ -1673,10 +1653,9 @@
           <a:p>
             <a:pPr lvl="0"/>
             <a:r>
-              <a:rPr lang="zh-CN" altLang="en-US" smtClean="0"/>
+              <a:rPr lang="zh-CN" altLang="en-US"/>
               <a:t>单击此处编辑文本</a:t>
             </a:r>
-            <a:endParaRPr lang="zh-CN" altLang="en-US"/>
           </a:p>
         </p:txBody>
       </p:sp>
@@ -1689,7 +1668,7 @@
           <p:nvPr>
             <p:ph sz="quarter" idx="4"/>
             <p:custDataLst>
-              <p:tags r:id="rId6"/>
+              <p:tags r:id="rId5"/>
             </p:custDataLst>
           </p:nvPr>
         </p:nvSpPr>
@@ -1707,42 +1686,37 @@
           <a:p>
             <a:pPr lvl="0"/>
             <a:r>
-              <a:rPr lang="zh-CN" altLang="en-US" smtClean="0"/>
+              <a:rPr lang="zh-CN" altLang="en-US"/>
               <a:t>单击此处编辑母版文本样式</a:t>
             </a:r>
-            <a:endParaRPr lang="zh-CN" altLang="en-US" smtClean="0"/>
           </a:p>
           <a:p>
             <a:pPr lvl="1"/>
             <a:r>
-              <a:rPr lang="zh-CN" altLang="en-US" smtClean="0"/>
+              <a:rPr lang="zh-CN" altLang="en-US"/>
               <a:t>第二级</a:t>
             </a:r>
-            <a:endParaRPr lang="zh-CN" altLang="en-US" smtClean="0"/>
           </a:p>
           <a:p>
             <a:pPr lvl="2"/>
             <a:r>
-              <a:rPr lang="zh-CN" altLang="en-US" smtClean="0"/>
+              <a:rPr lang="zh-CN" altLang="en-US"/>
               <a:t>第三级</a:t>
             </a:r>
-            <a:endParaRPr lang="zh-CN" altLang="en-US" smtClean="0"/>
           </a:p>
           <a:p>
             <a:pPr lvl="3"/>
             <a:r>
-              <a:rPr lang="zh-CN" altLang="en-US" smtClean="0"/>
+              <a:rPr lang="zh-CN" altLang="en-US"/>
               <a:t>第四级</a:t>
             </a:r>
-            <a:endParaRPr lang="zh-CN" altLang="en-US" smtClean="0"/>
           </a:p>
           <a:p>
             <a:pPr lvl="4"/>
             <a:r>
-              <a:rPr lang="zh-CN" altLang="en-US" smtClean="0"/>
+              <a:rPr lang="zh-CN" altLang="en-US"/>
               <a:t>第五级</a:t>
             </a:r>
-            <a:endParaRPr lang="zh-CN" altLang="en-US"/>
           </a:p>
         </p:txBody>
       </p:sp>
@@ -1755,7 +1729,7 @@
           <p:nvPr>
             <p:ph type="dt" sz="half" idx="10"/>
             <p:custDataLst>
-              <p:tags r:id="rId7"/>
+              <p:tags r:id="rId6"/>
             </p:custDataLst>
           </p:nvPr>
         </p:nvSpPr>
@@ -1766,6 +1740,7 @@
           <a:p>
             <a:fld id="{760FBDFE-C587-4B4C-A407-44438C67B59E}" type="datetimeFigureOut">
               <a:rPr lang="zh-CN" altLang="en-US" smtClean="0"/>
+              <a:t>2025/6/12</a:t>
             </a:fld>
             <a:endParaRPr lang="zh-CN" altLang="en-US"/>
           </a:p>
@@ -1780,7 +1755,7 @@
           <p:nvPr>
             <p:ph type="ftr" sz="quarter" idx="11"/>
             <p:custDataLst>
-              <p:tags r:id="rId8"/>
+              <p:tags r:id="rId7"/>
             </p:custDataLst>
           </p:nvPr>
         </p:nvSpPr>
@@ -1802,7 +1777,7 @@
           <p:nvPr>
             <p:ph type="sldNum" sz="quarter" idx="12"/>
             <p:custDataLst>
-              <p:tags r:id="rId9"/>
+              <p:tags r:id="rId8"/>
             </p:custDataLst>
           </p:nvPr>
         </p:nvSpPr>
@@ -1813,6 +1788,7 @@
           <a:p>
             <a:fld id="{49AE70B2-8BF9-45C0-BB95-33D1B9D3A854}" type="slidenum">
               <a:rPr lang="zh-CN" altLang="en-US" smtClean="0"/>
+              <a:t>‹#›</a:t>
             </a:fld>
             <a:endParaRPr lang="zh-CN" altLang="en-US"/>
           </a:p>
@@ -1852,7 +1828,7 @@
           <p:nvPr>
             <p:ph type="title"/>
             <p:custDataLst>
-              <p:tags r:id="rId2"/>
+              <p:tags r:id="rId1"/>
             </p:custDataLst>
           </p:nvPr>
         </p:nvSpPr>
@@ -1870,10 +1846,9 @@
           <a:p>
             <a:pPr lvl="0"/>
             <a:r>
-              <a:rPr lang="zh-CN" altLang="en-US" smtClean="0"/>
+              <a:rPr lang="zh-CN" altLang="en-US"/>
               <a:t>单击此处编辑母版标题样式</a:t>
             </a:r>
-            <a:endParaRPr lang="zh-CN" altLang="en-US"/>
           </a:p>
         </p:txBody>
       </p:sp>
@@ -1886,7 +1861,7 @@
           <p:nvPr>
             <p:ph type="dt" sz="half" idx="10"/>
             <p:custDataLst>
-              <p:tags r:id="rId3"/>
+              <p:tags r:id="rId2"/>
             </p:custDataLst>
           </p:nvPr>
         </p:nvSpPr>
@@ -1897,6 +1872,7 @@
           <a:p>
             <a:fld id="{760FBDFE-C587-4B4C-A407-44438C67B59E}" type="datetimeFigureOut">
               <a:rPr lang="zh-CN" altLang="en-US" smtClean="0"/>
+              <a:t>2025/6/12</a:t>
             </a:fld>
             <a:endParaRPr lang="zh-CN" altLang="en-US"/>
           </a:p>
@@ -1911,7 +1887,7 @@
           <p:nvPr>
             <p:ph type="ftr" sz="quarter" idx="11"/>
             <p:custDataLst>
-              <p:tags r:id="rId4"/>
+              <p:tags r:id="rId3"/>
             </p:custDataLst>
           </p:nvPr>
         </p:nvSpPr>
@@ -1933,7 +1909,7 @@
           <p:nvPr>
             <p:ph type="sldNum" sz="quarter" idx="12"/>
             <p:custDataLst>
-              <p:tags r:id="rId5"/>
+              <p:tags r:id="rId4"/>
             </p:custDataLst>
           </p:nvPr>
         </p:nvSpPr>
@@ -1944,6 +1920,7 @@
           <a:p>
             <a:fld id="{49AE70B2-8BF9-45C0-BB95-33D1B9D3A854}" type="slidenum">
               <a:rPr lang="zh-CN" altLang="en-US" smtClean="0"/>
+              <a:t>‹#›</a:t>
             </a:fld>
             <a:endParaRPr lang="zh-CN" altLang="en-US"/>
           </a:p>
@@ -1983,7 +1960,7 @@
           <p:nvPr>
             <p:ph type="dt" sz="half" idx="10"/>
             <p:custDataLst>
-              <p:tags r:id="rId2"/>
+              <p:tags r:id="rId1"/>
             </p:custDataLst>
           </p:nvPr>
         </p:nvSpPr>
@@ -1994,6 +1971,7 @@
           <a:p>
             <a:fld id="{760FBDFE-C587-4B4C-A407-44438C67B59E}" type="datetimeFigureOut">
               <a:rPr lang="zh-CN" altLang="en-US" smtClean="0"/>
+              <a:t>2025/6/12</a:t>
             </a:fld>
             <a:endParaRPr lang="zh-CN" altLang="en-US"/>
           </a:p>
@@ -2008,7 +1986,7 @@
           <p:nvPr>
             <p:ph type="ftr" sz="quarter" idx="11"/>
             <p:custDataLst>
-              <p:tags r:id="rId3"/>
+              <p:tags r:id="rId2"/>
             </p:custDataLst>
           </p:nvPr>
         </p:nvSpPr>
@@ -2030,7 +2008,7 @@
           <p:nvPr>
             <p:ph type="sldNum" sz="quarter" idx="12"/>
             <p:custDataLst>
-              <p:tags r:id="rId4"/>
+              <p:tags r:id="rId3"/>
             </p:custDataLst>
           </p:nvPr>
         </p:nvSpPr>
@@ -2041,6 +2019,7 @@
           <a:p>
             <a:fld id="{49AE70B2-8BF9-45C0-BB95-33D1B9D3A854}" type="slidenum">
               <a:rPr lang="zh-CN" altLang="en-US" smtClean="0"/>
+              <a:t>‹#›</a:t>
             </a:fld>
             <a:endParaRPr lang="zh-CN" altLang="en-US"/>
           </a:p>
@@ -2080,7 +2059,7 @@
           <p:nvPr>
             <p:ph type="pic" idx="1"/>
             <p:custDataLst>
-              <p:tags r:id="rId2"/>
+              <p:tags r:id="rId1"/>
             </p:custDataLst>
           </p:nvPr>
         </p:nvSpPr>
@@ -2115,7 +2094,7 @@
           <p:nvPr>
             <p:ph type="body" sz="half" idx="2"/>
             <p:custDataLst>
-              <p:tags r:id="rId3"/>
+              <p:tags r:id="rId2"/>
             </p:custDataLst>
           </p:nvPr>
         </p:nvSpPr>
@@ -2138,10 +2117,9 @@
           <a:p>
             <a:pPr lvl="0"/>
             <a:r>
-              <a:rPr lang="zh-CN" altLang="en-US" smtClean="0"/>
+              <a:rPr lang="zh-CN" altLang="en-US"/>
               <a:t>单击此处编辑母版文本样式</a:t>
             </a:r>
-            <a:endParaRPr lang="zh-CN" altLang="en-US"/>
           </a:p>
         </p:txBody>
       </p:sp>
@@ -2154,7 +2132,7 @@
           <p:nvPr>
             <p:ph type="dt" sz="half" idx="10"/>
             <p:custDataLst>
-              <p:tags r:id="rId4"/>
+              <p:tags r:id="rId3"/>
             </p:custDataLst>
           </p:nvPr>
         </p:nvSpPr>
@@ -2165,6 +2143,7 @@
           <a:p>
             <a:fld id="{9EFD9D74-47D9-4702-A33C-335B63B48DBF}" type="datetimeFigureOut">
               <a:rPr lang="zh-CN" altLang="en-US" smtClean="0"/>
+              <a:t>2025/6/12</a:t>
             </a:fld>
             <a:endParaRPr lang="zh-CN" altLang="en-US" dirty="0"/>
           </a:p>
@@ -2179,7 +2158,7 @@
           <p:nvPr>
             <p:ph type="ftr" sz="quarter" idx="11"/>
             <p:custDataLst>
-              <p:tags r:id="rId5"/>
+              <p:tags r:id="rId4"/>
             </p:custDataLst>
           </p:nvPr>
         </p:nvSpPr>
@@ -2201,7 +2180,7 @@
           <p:nvPr>
             <p:ph type="sldNum" sz="quarter" idx="12"/>
             <p:custDataLst>
-              <p:tags r:id="rId6"/>
+              <p:tags r:id="rId5"/>
             </p:custDataLst>
           </p:nvPr>
         </p:nvSpPr>
@@ -2212,6 +2191,7 @@
           <a:p>
             <a:fld id="{FABC47A4-756D-490B-A52F-7D9E2C9FC05F}" type="slidenum">
               <a:rPr lang="zh-CN" altLang="en-US" smtClean="0"/>
+              <a:t>‹#›</a:t>
             </a:fld>
             <a:endParaRPr lang="zh-CN" altLang="en-US"/>
           </a:p>
@@ -2226,19 +2206,19 @@
           <p:nvPr>
             <p:ph type="title"/>
             <p:custDataLst>
-              <p:tags r:id="rId7"/>
+              <p:tags r:id="rId6"/>
             </p:custDataLst>
           </p:nvPr>
         </p:nvSpPr>
         <p:spPr/>
         <p:txBody>
           <a:bodyPr/>
+          <a:lstStyle/>
           <a:p>
             <a:r>
               <a:rPr lang="zh-CN" altLang="en-US"/>
               <a:t>单击此处编辑母版标题样式</a:t>
             </a:r>
-            <a:endParaRPr lang="zh-CN" altLang="en-US"/>
           </a:p>
         </p:txBody>
       </p:sp>
@@ -2276,7 +2256,7 @@
           <p:nvPr>
             <p:ph type="title" orient="vert" hasCustomPrompt="1"/>
             <p:custDataLst>
-              <p:tags r:id="rId2"/>
+              <p:tags r:id="rId1"/>
             </p:custDataLst>
           </p:nvPr>
         </p:nvSpPr>
@@ -2299,10 +2279,9 @@
           <a:p>
             <a:pPr lvl="0"/>
             <a:r>
-              <a:rPr lang="zh-CN" altLang="en-US" smtClean="0"/>
+              <a:rPr lang="zh-CN" altLang="en-US"/>
               <a:t>单击此处编辑标题</a:t>
             </a:r>
-            <a:endParaRPr lang="zh-CN" altLang="en-US"/>
           </a:p>
         </p:txBody>
       </p:sp>
@@ -2315,7 +2294,7 @@
           <p:nvPr>
             <p:ph type="body" orient="vert" idx="1"/>
             <p:custDataLst>
-              <p:tags r:id="rId3"/>
+              <p:tags r:id="rId2"/>
             </p:custDataLst>
           </p:nvPr>
         </p:nvSpPr>
@@ -2353,7 +2332,6 @@
               <a:rPr lang="zh-CN" altLang="en-US" dirty="0"/>
               <a:t>单击此处编辑母版文本样式</a:t>
             </a:r>
-            <a:endParaRPr lang="zh-CN" altLang="en-US" dirty="0"/>
           </a:p>
           <a:p>
             <a:pPr lvl="1"/>
@@ -2361,7 +2339,6 @@
               <a:rPr lang="zh-CN" altLang="en-US" dirty="0"/>
               <a:t>第二级</a:t>
             </a:r>
-            <a:endParaRPr lang="zh-CN" altLang="en-US" dirty="0"/>
           </a:p>
           <a:p>
             <a:pPr lvl="2"/>
@@ -2369,7 +2346,6 @@
               <a:rPr lang="zh-CN" altLang="en-US" dirty="0"/>
               <a:t>第三级</a:t>
             </a:r>
-            <a:endParaRPr lang="zh-CN" altLang="en-US" dirty="0"/>
           </a:p>
           <a:p>
             <a:pPr lvl="3"/>
@@ -2377,7 +2353,6 @@
               <a:rPr lang="zh-CN" altLang="en-US" dirty="0"/>
               <a:t>第四级</a:t>
             </a:r>
-            <a:endParaRPr lang="zh-CN" altLang="en-US" dirty="0"/>
           </a:p>
           <a:p>
             <a:pPr lvl="4"/>
@@ -2385,7 +2360,6 @@
               <a:rPr lang="zh-CN" altLang="en-US" dirty="0"/>
               <a:t>第五级</a:t>
             </a:r>
-            <a:endParaRPr lang="zh-CN" altLang="en-US" dirty="0"/>
           </a:p>
         </p:txBody>
       </p:sp>
@@ -2398,7 +2372,7 @@
           <p:nvPr>
             <p:ph type="dt" sz="half" idx="10"/>
             <p:custDataLst>
-              <p:tags r:id="rId4"/>
+              <p:tags r:id="rId3"/>
             </p:custDataLst>
           </p:nvPr>
         </p:nvSpPr>
@@ -2409,6 +2383,7 @@
           <a:p>
             <a:fld id="{760FBDFE-C587-4B4C-A407-44438C67B59E}" type="datetimeFigureOut">
               <a:rPr lang="zh-CN" altLang="en-US" smtClean="0"/>
+              <a:t>2025/6/12</a:t>
             </a:fld>
             <a:endParaRPr lang="zh-CN" altLang="en-US"/>
           </a:p>
@@ -2423,7 +2398,7 @@
           <p:nvPr>
             <p:ph type="ftr" sz="quarter" idx="11"/>
             <p:custDataLst>
-              <p:tags r:id="rId5"/>
+              <p:tags r:id="rId4"/>
             </p:custDataLst>
           </p:nvPr>
         </p:nvSpPr>
@@ -2445,7 +2420,7 @@
           <p:nvPr>
             <p:ph type="sldNum" sz="quarter" idx="12"/>
             <p:custDataLst>
-              <p:tags r:id="rId6"/>
+              <p:tags r:id="rId5"/>
             </p:custDataLst>
           </p:nvPr>
         </p:nvSpPr>
@@ -2456,6 +2431,7 @@
           <a:p>
             <a:fld id="{49AE70B2-8BF9-45C0-BB95-33D1B9D3A854}" type="slidenum">
               <a:rPr lang="zh-CN" altLang="en-US" smtClean="0"/>
+              <a:t>‹#›</a:t>
             </a:fld>
             <a:endParaRPr lang="zh-CN" altLang="en-US"/>
           </a:p>
@@ -2500,7 +2476,7 @@
           <p:nvPr>
             <p:ph type="title"/>
             <p:custDataLst>
-              <p:tags r:id="rId12"/>
+              <p:tags r:id="rId14"/>
             </p:custDataLst>
           </p:nvPr>
         </p:nvSpPr>
@@ -2523,7 +2499,6 @@
               <a:rPr lang="zh-CN" altLang="en-US" dirty="0"/>
               <a:t>单击此处编辑母版标题样式</a:t>
             </a:r>
-            <a:endParaRPr lang="zh-CN" altLang="en-US" dirty="0"/>
           </a:p>
         </p:txBody>
       </p:sp>
@@ -2536,7 +2511,7 @@
           <p:nvPr>
             <p:ph type="body" idx="1"/>
             <p:custDataLst>
-              <p:tags r:id="rId13"/>
+              <p:tags r:id="rId15"/>
             </p:custDataLst>
           </p:nvPr>
         </p:nvSpPr>
@@ -2560,7 +2535,6 @@
               <a:rPr lang="zh-CN" altLang="en-US" dirty="0"/>
               <a:t>单击此处编辑母版文本样式</a:t>
             </a:r>
-            <a:endParaRPr lang="zh-CN" altLang="en-US" dirty="0"/>
           </a:p>
           <a:p>
             <a:pPr lvl="1"/>
@@ -2568,7 +2542,6 @@
               <a:rPr lang="zh-CN" altLang="en-US" dirty="0"/>
               <a:t>第二级</a:t>
             </a:r>
-            <a:endParaRPr lang="zh-CN" altLang="en-US" dirty="0"/>
           </a:p>
           <a:p>
             <a:pPr lvl="2"/>
@@ -2576,7 +2549,6 @@
               <a:rPr lang="zh-CN" altLang="en-US" dirty="0"/>
               <a:t>第三级</a:t>
             </a:r>
-            <a:endParaRPr lang="zh-CN" altLang="en-US" dirty="0"/>
           </a:p>
           <a:p>
             <a:pPr lvl="3"/>
@@ -2584,7 +2556,6 @@
               <a:rPr lang="zh-CN" altLang="en-US" dirty="0"/>
               <a:t>第四级</a:t>
             </a:r>
-            <a:endParaRPr lang="zh-CN" altLang="en-US" dirty="0"/>
           </a:p>
           <a:p>
             <a:pPr lvl="4"/>
@@ -2592,7 +2563,6 @@
               <a:rPr lang="zh-CN" altLang="en-US" dirty="0"/>
               <a:t>第五级</a:t>
             </a:r>
-            <a:endParaRPr lang="zh-CN" altLang="en-US" dirty="0"/>
           </a:p>
         </p:txBody>
       </p:sp>
@@ -2605,7 +2575,7 @@
           <p:nvPr>
             <p:ph type="dt" sz="half" idx="2"/>
             <p:custDataLst>
-              <p:tags r:id="rId14"/>
+              <p:tags r:id="rId16"/>
             </p:custDataLst>
           </p:nvPr>
         </p:nvSpPr>
@@ -2636,6 +2606,7 @@
           <a:p>
             <a:fld id="{760FBDFE-C587-4B4C-A407-44438C67B59E}" type="datetimeFigureOut">
               <a:rPr lang="zh-CN" altLang="en-US" smtClean="0"/>
+              <a:t>2025/6/12</a:t>
             </a:fld>
             <a:endParaRPr lang="zh-CN" altLang="en-US"/>
           </a:p>
@@ -2650,7 +2621,7 @@
           <p:nvPr>
             <p:ph type="ftr" sz="quarter" idx="3"/>
             <p:custDataLst>
-              <p:tags r:id="rId15"/>
+              <p:tags r:id="rId17"/>
             </p:custDataLst>
           </p:nvPr>
         </p:nvSpPr>
@@ -2692,7 +2663,7 @@
           <p:nvPr>
             <p:ph type="sldNum" sz="quarter" idx="4"/>
             <p:custDataLst>
-              <p:tags r:id="rId16"/>
+              <p:tags r:id="rId18"/>
             </p:custDataLst>
           </p:nvPr>
         </p:nvSpPr>
@@ -2723,6 +2694,7 @@
           <a:p>
             <a:fld id="{49AE70B2-8BF9-45C0-BB95-33D1B9D3A854}" type="slidenum">
               <a:rPr lang="zh-CN" altLang="en-US" smtClean="0"/>
+              <a:t>‹#›</a:t>
             </a:fld>
             <a:endParaRPr lang="zh-CN" altLang="en-US" dirty="0"/>
           </a:p>
@@ -2730,7 +2702,7 @@
       </p:sp>
     </p:spTree>
     <p:custDataLst>
-      <p:tags r:id="rId17"/>
+      <p:tags r:id="rId13"/>
     </p:custDataLst>
   </p:cSld>
   <p:clrMap bg1="lt1" tx1="dk1" bg2="lt2" tx2="dk2" accent1="accent1" accent2="accent2" accent3="accent3" accent4="accent4" accent5="accent5" accent6="accent6" hlink="hlink" folHlink="folHlink"/>
@@ -3101,13 +3073,14 @@
           <p:nvPr>
             <p:ph type="ctrTitle"/>
             <p:custDataLst>
-              <p:tags r:id="rId1"/>
+              <p:tags r:id="rId2"/>
             </p:custDataLst>
           </p:nvPr>
         </p:nvSpPr>
         <p:spPr/>
         <p:txBody>
           <a:bodyPr/>
+          <a:lstStyle/>
           <a:p>
             <a:endParaRPr lang="zh-CN" altLang="zh-CN"/>
           </a:p>
@@ -3122,13 +3095,14 @@
           <p:nvPr>
             <p:ph type="subTitle" idx="1"/>
             <p:custDataLst>
-              <p:tags r:id="rId2"/>
+              <p:tags r:id="rId3"/>
             </p:custDataLst>
           </p:nvPr>
         </p:nvSpPr>
         <p:spPr/>
         <p:txBody>
           <a:bodyPr/>
+          <a:lstStyle/>
           <a:p>
             <a:endParaRPr lang="zh-CN" altLang="en-US"/>
           </a:p>
@@ -3136,7 +3110,7 @@
       </p:sp>
     </p:spTree>
     <p:custDataLst>
-      <p:tags r:id="rId3"/>
+      <p:tags r:id="rId1"/>
     </p:custDataLst>
   </p:cSld>
   <p:clrMapOvr>
@@ -3177,7 +3151,7 @@
             <a:avLst/>
           </a:prstGeom>
           <a:blipFill dpi="0" rotWithShape="1">
-            <a:blip r:embed="rId1"/>
+            <a:blip r:embed="rId13"/>
             <a:srcRect/>
             <a:tile tx="0" ty="165100" sx="100000" sy="100000" flip="none" algn="ctr"/>
           </a:blipFill>
@@ -3248,13 +3222,6 @@
               </a:rPr>
               <a:t>系统管理</a:t>
             </a:r>
-            <a:endParaRPr lang="zh-CN" altLang="en-US" sz="3200" dirty="0">
-              <a:solidFill>
-                <a:schemeClr val="bg1"/>
-              </a:solidFill>
-              <a:latin typeface="黑体" panose="02010609060101010101" pitchFamily="49" charset="-122"/>
-              <a:ea typeface="黑体" panose="02010609060101010101" pitchFamily="49" charset="-122"/>
-            </a:endParaRPr>
           </a:p>
         </p:txBody>
       </p:sp>
@@ -3264,7 +3231,7 @@
           <p:cNvGrpSpPr/>
           <p:nvPr>
             <p:custDataLst>
-              <p:tags r:id="rId2"/>
+              <p:tags r:id="rId1"/>
             </p:custDataLst>
           </p:nvPr>
         </p:nvGrpSpPr>
@@ -3296,7 +3263,7 @@
               <p:cNvSpPr/>
               <p:nvPr>
                 <p:custDataLst>
-                  <p:tags r:id="rId3"/>
+                  <p:tags r:id="rId8"/>
                 </p:custDataLst>
               </p:nvPr>
             </p:nvSpPr>
@@ -3436,13 +3403,6 @@
                   </a:rPr>
                   <a:t>分配合同</a:t>
                 </a:r>
-                <a:endParaRPr lang="zh-CN" altLang="en-US" sz="2800" b="1" kern="1200" spc="100" dirty="0">
-                  <a:solidFill>
-                    <a:schemeClr val="bg1"/>
-                  </a:solidFill>
-                  <a:latin typeface="黑体" panose="02010609060101010101" pitchFamily="49" charset="-122"/>
-                  <a:ea typeface="黑体" panose="02010609060101010101" pitchFamily="49" charset="-122"/>
-                </a:endParaRPr>
               </a:p>
             </p:txBody>
           </p:sp>
@@ -3452,7 +3412,7 @@
               <p:cNvSpPr/>
               <p:nvPr>
                 <p:custDataLst>
-                  <p:tags r:id="rId4"/>
+                  <p:tags r:id="rId9"/>
                 </p:custDataLst>
               </p:nvPr>
             </p:nvSpPr>
@@ -3592,13 +3552,6 @@
                   </a:rPr>
                   <a:t>用户管理</a:t>
                 </a:r>
-                <a:endParaRPr lang="zh-CN" altLang="en-US" sz="2800" b="1" kern="1200" spc="100" dirty="0">
-                  <a:solidFill>
-                    <a:schemeClr val="bg1"/>
-                  </a:solidFill>
-                  <a:latin typeface="黑体" panose="02010609060101010101" pitchFamily="49" charset="-122"/>
-                  <a:ea typeface="黑体" panose="02010609060101010101" pitchFamily="49" charset="-122"/>
-                </a:endParaRPr>
               </a:p>
             </p:txBody>
           </p:sp>
@@ -3608,7 +3561,7 @@
               <p:cNvSpPr/>
               <p:nvPr>
                 <p:custDataLst>
-                  <p:tags r:id="rId5"/>
+                  <p:tags r:id="rId10"/>
                 </p:custDataLst>
               </p:nvPr>
             </p:nvSpPr>
@@ -3748,13 +3701,6 @@
                   </a:rPr>
                   <a:t>角色管理</a:t>
                 </a:r>
-                <a:endParaRPr lang="zh-CN" altLang="en-US" sz="2800" b="1" kern="1200" spc="100" dirty="0">
-                  <a:solidFill>
-                    <a:schemeClr val="bg1"/>
-                  </a:solidFill>
-                  <a:latin typeface="黑体" panose="02010609060101010101" pitchFamily="49" charset="-122"/>
-                  <a:ea typeface="黑体" panose="02010609060101010101" pitchFamily="49" charset="-122"/>
-                </a:endParaRPr>
               </a:p>
             </p:txBody>
           </p:sp>
@@ -3764,7 +3710,7 @@
               <p:cNvSpPr/>
               <p:nvPr>
                 <p:custDataLst>
-                  <p:tags r:id="rId6"/>
+                  <p:tags r:id="rId11"/>
                 </p:custDataLst>
               </p:nvPr>
             </p:nvSpPr>
@@ -3904,13 +3850,6 @@
                   </a:rPr>
                   <a:t>功能管理</a:t>
                 </a:r>
-                <a:endParaRPr lang="zh-CN" altLang="en-US" sz="2800" b="1" kern="1200" spc="100" dirty="0">
-                  <a:solidFill>
-                    <a:schemeClr val="bg1"/>
-                  </a:solidFill>
-                  <a:latin typeface="黑体" panose="02010609060101010101" pitchFamily="49" charset="-122"/>
-                  <a:ea typeface="黑体" panose="02010609060101010101" pitchFamily="49" charset="-122"/>
-                </a:endParaRPr>
               </a:p>
             </p:txBody>
           </p:sp>
@@ -3921,7 +3860,7 @@
             <p:cNvSpPr txBox="1"/>
             <p:nvPr>
               <p:custDataLst>
-                <p:tags r:id="rId7"/>
+                <p:tags r:id="rId4"/>
               </p:custDataLst>
             </p:nvPr>
           </p:nvSpPr>
@@ -3964,7 +3903,7 @@
             <p:cNvSpPr txBox="1"/>
             <p:nvPr>
               <p:custDataLst>
-                <p:tags r:id="rId8"/>
+                <p:tags r:id="rId5"/>
               </p:custDataLst>
             </p:nvPr>
           </p:nvSpPr>
@@ -4001,11 +3940,6 @@
                 </a:rPr>
                 <a:t>。</a:t>
               </a:r>
-              <a:endParaRPr lang="zh-CN" altLang="en-US" sz="1600" dirty="0">
-                <a:effectLst/>
-                <a:latin typeface="黑体" panose="02010609060101010101" pitchFamily="49" charset="-122"/>
-                <a:ea typeface="黑体" panose="02010609060101010101" pitchFamily="49" charset="-122"/>
-              </a:endParaRPr>
             </a:p>
             <a:p>
               <a:pPr algn="ctr">
@@ -4038,7 +3972,7 @@
             <p:cNvSpPr txBox="1"/>
             <p:nvPr>
               <p:custDataLst>
-                <p:tags r:id="rId9"/>
+                <p:tags r:id="rId6"/>
               </p:custDataLst>
             </p:nvPr>
           </p:nvSpPr>
@@ -4075,11 +4009,6 @@
                 </a:rPr>
                 <a:t>。</a:t>
               </a:r>
-              <a:endParaRPr lang="zh-CN" altLang="en-US" sz="1600" dirty="0">
-                <a:effectLst/>
-                <a:latin typeface="黑体" panose="02010609060101010101" pitchFamily="49" charset="-122"/>
-                <a:ea typeface="黑体" panose="02010609060101010101" pitchFamily="49" charset="-122"/>
-              </a:endParaRPr>
             </a:p>
             <a:p>
               <a:pPr algn="ctr">
@@ -4112,7 +4041,7 @@
             <p:cNvSpPr txBox="1"/>
             <p:nvPr>
               <p:custDataLst>
-                <p:tags r:id="rId10"/>
+                <p:tags r:id="rId7"/>
               </p:custDataLst>
             </p:nvPr>
           </p:nvSpPr>
@@ -4170,7 +4099,7 @@
           <p:cNvSpPr/>
           <p:nvPr>
             <p:custDataLst>
-              <p:tags r:id="rId11"/>
+              <p:tags r:id="rId2"/>
             </p:custDataLst>
           </p:nvPr>
         </p:nvSpPr>
@@ -4326,7 +4255,7 @@
           <p:cNvSpPr txBox="1"/>
           <p:nvPr>
             <p:custDataLst>
-              <p:tags r:id="rId12"/>
+              <p:tags r:id="rId3"/>
             </p:custDataLst>
           </p:nvPr>
         </p:nvSpPr>
@@ -4403,7 +4332,7 @@
           <p:nvPr/>
         </p:nvPicPr>
         <p:blipFill rotWithShape="1">
-          <a:blip r:embed="rId1" cstate="print">
+          <a:blip r:embed="rId2" cstate="print">
             <a:extLst>
               <a:ext uri="{28A0092B-C50C-407E-A947-70E740481C1C}">
                 <a14:useLocalDpi xmlns:a14="http://schemas.microsoft.com/office/drawing/2010/main" val="0"/>
@@ -4458,13 +4387,6 @@
               </a:rPr>
               <a:t>第三部分</a:t>
             </a:r>
-            <a:endParaRPr lang="zh-CN" altLang="en-US" sz="2800" dirty="0">
-              <a:solidFill>
-                <a:schemeClr val="bg1"/>
-              </a:solidFill>
-              <a:latin typeface="黑体" panose="02010609060101010101" pitchFamily="49" charset="-122"/>
-              <a:ea typeface="黑体" panose="02010609060101010101" pitchFamily="49" charset="-122"/>
-            </a:endParaRPr>
           </a:p>
         </p:txBody>
       </p:sp>
@@ -4506,14 +4428,6 @@
               </a:rPr>
               <a:t>小组分工与贡献</a:t>
             </a:r>
-            <a:endParaRPr lang="zh-CN" altLang="en-US" sz="5400" dirty="0">
-              <a:solidFill>
-                <a:schemeClr val="bg1"/>
-              </a:solidFill>
-              <a:latin typeface="黑体" panose="02010609060101010101" pitchFamily="49" charset="-122"/>
-              <a:ea typeface="黑体" panose="02010609060101010101" pitchFamily="49" charset="-122"/>
-              <a:cs typeface="阿里巴巴普惠体 B" panose="00020600040101010101" pitchFamily="18" charset="-122"/>
-            </a:endParaRPr>
           </a:p>
         </p:txBody>
       </p:sp>
@@ -4657,7 +4571,7 @@
             <p:nvPr/>
           </p:nvPicPr>
           <p:blipFill rotWithShape="1">
-            <a:blip r:embed="rId1" cstate="print">
+            <a:blip r:embed="rId9" cstate="print">
               <a:duotone>
                 <a:schemeClr val="bg2">
                   <a:shade val="45000"/>
@@ -4750,7 +4664,7 @@
             <a:avLst/>
           </a:prstGeom>
           <a:blipFill dpi="0" rotWithShape="1">
-            <a:blip r:embed="rId2"/>
+            <a:blip r:embed="rId10"/>
             <a:srcRect/>
             <a:tile tx="0" ty="0" sx="100000" sy="100000" flip="none" algn="ctr"/>
           </a:blipFill>
@@ -4821,13 +4735,6 @@
               </a:rPr>
               <a:t>具体分工</a:t>
             </a:r>
-            <a:endParaRPr lang="zh-CN" altLang="en-US" sz="2400" dirty="0">
-              <a:solidFill>
-                <a:schemeClr val="bg1"/>
-              </a:solidFill>
-              <a:latin typeface="黑体" panose="02010609060101010101" pitchFamily="49" charset="-122"/>
-              <a:ea typeface="黑体" panose="02010609060101010101" pitchFamily="49" charset="-122"/>
-            </a:endParaRPr>
           </a:p>
         </p:txBody>
       </p:sp>
@@ -4837,7 +4744,7 @@
           <p:cNvSpPr/>
           <p:nvPr>
             <p:custDataLst>
-              <p:tags r:id="rId3"/>
+              <p:tags r:id="rId1"/>
             </p:custDataLst>
           </p:nvPr>
         </p:nvSpPr>
@@ -4887,7 +4794,7 @@
           <p:cNvGrpSpPr/>
           <p:nvPr>
             <p:custDataLst>
-              <p:tags r:id="rId4"/>
+              <p:tags r:id="rId2"/>
             </p:custDataLst>
           </p:nvPr>
         </p:nvGrpSpPr>
@@ -4905,7 +4812,7 @@
             <p:cNvSpPr txBox="1"/>
             <p:nvPr>
               <p:custDataLst>
-                <p:tags r:id="rId5"/>
+                <p:tags r:id="rId6"/>
               </p:custDataLst>
             </p:nvPr>
           </p:nvSpPr>
@@ -4938,10 +4845,6 @@
                 </a:rPr>
                 <a:t>李瑞泽：项目启动报告、项目关闭报告</a:t>
               </a:r>
-              <a:endParaRPr lang="zh-CN" altLang="en-US" spc="100" dirty="0">
-                <a:latin typeface="黑体" panose="02010609060101010101" pitchFamily="49" charset="-122"/>
-                <a:ea typeface="黑体" panose="02010609060101010101" pitchFamily="49" charset="-122"/>
-              </a:endParaRPr>
             </a:p>
             <a:p>
               <a:pPr marL="342900" indent="-342900">
@@ -4957,10 +4860,6 @@
                 </a:rPr>
                 <a:t>王炳澈：项目需求分析报告</a:t>
               </a:r>
-              <a:endParaRPr lang="zh-CN" altLang="en-US" spc="100" dirty="0">
-                <a:latin typeface="黑体" panose="02010609060101010101" pitchFamily="49" charset="-122"/>
-                <a:ea typeface="黑体" panose="02010609060101010101" pitchFamily="49" charset="-122"/>
-              </a:endParaRPr>
             </a:p>
             <a:p>
               <a:pPr marL="342900" indent="-342900">
@@ -4976,10 +4875,6 @@
                 </a:rPr>
                 <a:t>张旭旸：项目设计报告</a:t>
               </a:r>
-              <a:endParaRPr lang="zh-CN" altLang="en-US" spc="100" dirty="0">
-                <a:latin typeface="黑体" panose="02010609060101010101" pitchFamily="49" charset="-122"/>
-                <a:ea typeface="黑体" panose="02010609060101010101" pitchFamily="49" charset="-122"/>
-              </a:endParaRPr>
             </a:p>
             <a:p>
               <a:pPr marL="342900" indent="-342900">
@@ -4995,10 +4890,6 @@
                 </a:rPr>
                 <a:t>刘倩：项目测试报告</a:t>
               </a:r>
-              <a:endParaRPr lang="zh-CN" altLang="en-US" spc="100" dirty="0">
-                <a:latin typeface="黑体" panose="02010609060101010101" pitchFamily="49" charset="-122"/>
-                <a:ea typeface="黑体" panose="02010609060101010101" pitchFamily="49" charset="-122"/>
-              </a:endParaRPr>
             </a:p>
             <a:p>
               <a:pPr marL="342900" indent="-342900">
@@ -5021,10 +4912,6 @@
                 </a:rPr>
                 <a:t>ppt</a:t>
               </a:r>
-              <a:endParaRPr lang="en-US" altLang="zh-CN" spc="100" dirty="0">
-                <a:latin typeface="黑体" panose="02010609060101010101" pitchFamily="49" charset="-122"/>
-                <a:ea typeface="黑体" panose="02010609060101010101" pitchFamily="49" charset="-122"/>
-              </a:endParaRPr>
             </a:p>
           </p:txBody>
         </p:sp>
@@ -5034,7 +4921,7 @@
             <p:cNvSpPr txBox="1"/>
             <p:nvPr>
               <p:custDataLst>
-                <p:tags r:id="rId6"/>
+                <p:tags r:id="rId7"/>
               </p:custDataLst>
             </p:nvPr>
           </p:nvSpPr>
@@ -5068,10 +4955,6 @@
                 </a:rPr>
                 <a:t>ppt</a:t>
               </a:r>
-              <a:endParaRPr lang="en-US" altLang="zh-CN" sz="2800" b="1" spc="100" dirty="0">
-                <a:latin typeface="黑体" panose="02010609060101010101" pitchFamily="49" charset="-122"/>
-                <a:ea typeface="黑体" panose="02010609060101010101" pitchFamily="49" charset="-122"/>
-              </a:endParaRPr>
             </a:p>
           </p:txBody>
         </p:sp>
@@ -5082,7 +4965,7 @@
           <p:cNvSpPr/>
           <p:nvPr>
             <p:custDataLst>
-              <p:tags r:id="rId7"/>
+              <p:tags r:id="rId3"/>
             </p:custDataLst>
           </p:nvPr>
         </p:nvSpPr>
@@ -5132,7 +5015,7 @@
           <p:cNvSpPr txBox="1"/>
           <p:nvPr>
             <p:custDataLst>
-              <p:tags r:id="rId8"/>
+              <p:tags r:id="rId4"/>
             </p:custDataLst>
           </p:nvPr>
         </p:nvSpPr>
@@ -5165,10 +5048,6 @@
               </a:rPr>
               <a:t>李瑞泽：合同管理</a:t>
             </a:r>
-            <a:endParaRPr lang="zh-CN" altLang="en-US" spc="100" dirty="0">
-              <a:latin typeface="黑体" panose="02010609060101010101" pitchFamily="49" charset="-122"/>
-              <a:ea typeface="黑体" panose="02010609060101010101" pitchFamily="49" charset="-122"/>
-            </a:endParaRPr>
           </a:p>
           <a:p>
             <a:pPr marL="342900" indent="-342900">
@@ -5184,10 +5063,6 @@
               </a:rPr>
               <a:t>王炳澈：合同管理</a:t>
             </a:r>
-            <a:endParaRPr lang="zh-CN" altLang="en-US" spc="100" dirty="0">
-              <a:latin typeface="黑体" panose="02010609060101010101" pitchFamily="49" charset="-122"/>
-              <a:ea typeface="黑体" panose="02010609060101010101" pitchFamily="49" charset="-122"/>
-            </a:endParaRPr>
           </a:p>
           <a:p>
             <a:pPr marL="342900" indent="-342900">
@@ -5203,10 +5078,6 @@
               </a:rPr>
               <a:t>张旭旸：系统管理</a:t>
             </a:r>
-            <a:endParaRPr lang="zh-CN" altLang="en-US" spc="100" dirty="0">
-              <a:latin typeface="黑体" panose="02010609060101010101" pitchFamily="49" charset="-122"/>
-              <a:ea typeface="黑体" panose="02010609060101010101" pitchFamily="49" charset="-122"/>
-            </a:endParaRPr>
           </a:p>
           <a:p>
             <a:pPr marL="342900" indent="-342900">
@@ -5222,10 +5093,6 @@
               </a:rPr>
               <a:t>刘倩：数据管理、注册登录</a:t>
             </a:r>
-            <a:endParaRPr lang="zh-CN" altLang="en-US" spc="100" dirty="0">
-              <a:latin typeface="黑体" panose="02010609060101010101" pitchFamily="49" charset="-122"/>
-              <a:ea typeface="黑体" panose="02010609060101010101" pitchFamily="49" charset="-122"/>
-            </a:endParaRPr>
           </a:p>
           <a:p>
             <a:pPr marL="342900" indent="-342900">
@@ -5254,7 +5121,7 @@
           <p:cNvSpPr txBox="1"/>
           <p:nvPr>
             <p:custDataLst>
-              <p:tags r:id="rId9"/>
+              <p:tags r:id="rId5"/>
             </p:custDataLst>
           </p:nvPr>
         </p:nvSpPr>
@@ -5351,13 +5218,6 @@
               </a:rPr>
               <a:t>成员贡献度</a:t>
             </a:r>
-            <a:endParaRPr lang="zh-CN" altLang="en-US" sz="3200" b="1" dirty="0">
-              <a:solidFill>
-                <a:schemeClr val="bg1"/>
-              </a:solidFill>
-              <a:latin typeface="黑体" panose="02010609060101010101" pitchFamily="49" charset="-122"/>
-              <a:ea typeface="黑体" panose="02010609060101010101" pitchFamily="49" charset="-122"/>
-            </a:endParaRPr>
           </a:p>
         </p:txBody>
       </p:sp>
@@ -5422,7 +5282,7 @@
             <a:avLst/>
           </a:prstGeom>
           <a:blipFill dpi="0" rotWithShape="1">
-            <a:blip r:embed="rId1"/>
+            <a:blip r:embed="rId3"/>
             <a:srcRect/>
             <a:tile tx="0" ty="0" sx="100000" sy="100000" flip="none" algn="ctr"/>
           </a:blipFill>
@@ -5461,7 +5321,7 @@
           <p:cNvSpPr txBox="1"/>
           <p:nvPr>
             <p:custDataLst>
-              <p:tags r:id="rId2"/>
+              <p:tags r:id="rId1"/>
             </p:custDataLst>
           </p:nvPr>
         </p:nvSpPr>
@@ -5492,7 +5352,31 @@
                 <a:latin typeface="黑体" panose="02010609060101010101" pitchFamily="49" charset="-122"/>
                 <a:ea typeface="黑体" panose="02010609060101010101" pitchFamily="49" charset="-122"/>
               </a:rPr>
-              <a:t>李瑞泽％</a:t>
+              <a:t>李瑞泽</a:t>
+            </a:r>
+            <a:r>
+              <a:rPr lang="en-US" altLang="zh-CN" sz="3200" spc="100" dirty="0">
+                <a:solidFill>
+                  <a:schemeClr val="bg2">
+                    <a:lumMod val="25000"/>
+                  </a:schemeClr>
+                </a:solidFill>
+                <a:latin typeface="黑体" panose="02010609060101010101" pitchFamily="49" charset="-122"/>
+                <a:ea typeface="黑体" panose="02010609060101010101" pitchFamily="49" charset="-122"/>
+              </a:rPr>
+              <a:t>20</a:t>
+            </a:r>
+            <a:r>
+              <a:rPr lang="zh-CN" altLang="en-US" sz="3200" spc="100" dirty="0">
+                <a:solidFill>
+                  <a:schemeClr val="bg2">
+                    <a:lumMod val="25000"/>
+                  </a:schemeClr>
+                </a:solidFill>
+                <a:latin typeface="黑体" panose="02010609060101010101" pitchFamily="49" charset="-122"/>
+                <a:ea typeface="黑体" panose="02010609060101010101" pitchFamily="49" charset="-122"/>
+              </a:rPr>
+              <a:t>％</a:t>
             </a:r>
             <a:endParaRPr lang="en-US" altLang="zh-CN" sz="3200" spc="100" dirty="0">
               <a:solidFill>
@@ -5516,17 +5400,32 @@
                 <a:latin typeface="黑体" panose="02010609060101010101" pitchFamily="49" charset="-122"/>
                 <a:ea typeface="黑体" panose="02010609060101010101" pitchFamily="49" charset="-122"/>
               </a:rPr>
-              <a:t>刘倩％</a:t>
+              <a:t>刘倩</a:t>
             </a:r>
-            <a:endParaRPr lang="zh-CN" altLang="en-US" sz="3200" spc="100" dirty="0">
-              <a:solidFill>
-                <a:schemeClr val="bg2">
-                  <a:lumMod val="25000"/>
-                </a:schemeClr>
-              </a:solidFill>
-              <a:latin typeface="黑体" panose="02010609060101010101" pitchFamily="49" charset="-122"/>
-              <a:ea typeface="黑体" panose="02010609060101010101" pitchFamily="49" charset="-122"/>
-            </a:endParaRPr>
+            <a:r>
+              <a:rPr lang="en-US" altLang="zh-CN" sz="3200" spc="100" dirty="0">
+                <a:solidFill>
+                  <a:schemeClr val="bg2">
+                    <a:lumMod val="25000"/>
+                  </a:schemeClr>
+                </a:solidFill>
+                <a:latin typeface="黑体" panose="02010609060101010101" pitchFamily="49" charset="-122"/>
+                <a:ea typeface="黑体" panose="02010609060101010101" pitchFamily="49" charset="-122"/>
+              </a:rPr>
+              <a:t>20</a:t>
+            </a:r>
+            <a:r>
+              <a:rPr lang="zh-CN" altLang="en-US" sz="3200" spc="100" dirty="0">
+                <a:solidFill>
+                  <a:schemeClr val="bg2">
+                    <a:lumMod val="25000"/>
+                  </a:schemeClr>
+                </a:solidFill>
+                <a:latin typeface="黑体" panose="02010609060101010101" pitchFamily="49" charset="-122"/>
+                <a:ea typeface="黑体" panose="02010609060101010101" pitchFamily="49" charset="-122"/>
+              </a:rPr>
+              <a:t>％</a:t>
+            </a:r>
           </a:p>
           <a:p>
             <a:pPr algn="ctr"/>
@@ -5540,17 +5439,32 @@
                 <a:latin typeface="黑体" panose="02010609060101010101" pitchFamily="49" charset="-122"/>
                 <a:ea typeface="黑体" panose="02010609060101010101" pitchFamily="49" charset="-122"/>
               </a:rPr>
-              <a:t>蒋运霞％</a:t>
+              <a:t>蒋运霞</a:t>
             </a:r>
-            <a:endParaRPr lang="zh-CN" altLang="en-US" sz="3200" spc="100" dirty="0">
-              <a:solidFill>
-                <a:schemeClr val="bg2">
-                  <a:lumMod val="25000"/>
-                </a:schemeClr>
-              </a:solidFill>
-              <a:latin typeface="黑体" panose="02010609060101010101" pitchFamily="49" charset="-122"/>
-              <a:ea typeface="黑体" panose="02010609060101010101" pitchFamily="49" charset="-122"/>
-            </a:endParaRPr>
+            <a:r>
+              <a:rPr lang="en-US" altLang="zh-CN" sz="3200" spc="100" dirty="0">
+                <a:solidFill>
+                  <a:schemeClr val="bg2">
+                    <a:lumMod val="25000"/>
+                  </a:schemeClr>
+                </a:solidFill>
+                <a:latin typeface="黑体" panose="02010609060101010101" pitchFamily="49" charset="-122"/>
+                <a:ea typeface="黑体" panose="02010609060101010101" pitchFamily="49" charset="-122"/>
+              </a:rPr>
+              <a:t>20</a:t>
+            </a:r>
+            <a:r>
+              <a:rPr lang="zh-CN" altLang="en-US" sz="3200" spc="100" dirty="0">
+                <a:solidFill>
+                  <a:schemeClr val="bg2">
+                    <a:lumMod val="25000"/>
+                  </a:schemeClr>
+                </a:solidFill>
+                <a:latin typeface="黑体" panose="02010609060101010101" pitchFamily="49" charset="-122"/>
+                <a:ea typeface="黑体" panose="02010609060101010101" pitchFamily="49" charset="-122"/>
+              </a:rPr>
+              <a:t>％</a:t>
+            </a:r>
           </a:p>
           <a:p>
             <a:pPr algn="ctr"/>
@@ -5564,17 +5478,32 @@
                 <a:latin typeface="黑体" panose="02010609060101010101" pitchFamily="49" charset="-122"/>
                 <a:ea typeface="黑体" panose="02010609060101010101" pitchFamily="49" charset="-122"/>
               </a:rPr>
-              <a:t>王炳澈％</a:t>
+              <a:t>王炳澈</a:t>
             </a:r>
-            <a:endParaRPr lang="zh-CN" altLang="en-US" sz="3200" spc="100" dirty="0">
-              <a:solidFill>
-                <a:schemeClr val="bg2">
-                  <a:lumMod val="25000"/>
-                </a:schemeClr>
-              </a:solidFill>
-              <a:latin typeface="黑体" panose="02010609060101010101" pitchFamily="49" charset="-122"/>
-              <a:ea typeface="黑体" panose="02010609060101010101" pitchFamily="49" charset="-122"/>
-            </a:endParaRPr>
+            <a:r>
+              <a:rPr lang="en-US" altLang="zh-CN" sz="3200" spc="100" dirty="0">
+                <a:solidFill>
+                  <a:schemeClr val="bg2">
+                    <a:lumMod val="25000"/>
+                  </a:schemeClr>
+                </a:solidFill>
+                <a:latin typeface="黑体" panose="02010609060101010101" pitchFamily="49" charset="-122"/>
+                <a:ea typeface="黑体" panose="02010609060101010101" pitchFamily="49" charset="-122"/>
+              </a:rPr>
+              <a:t>20</a:t>
+            </a:r>
+            <a:r>
+              <a:rPr lang="zh-CN" altLang="en-US" sz="3200" spc="100" dirty="0">
+                <a:solidFill>
+                  <a:schemeClr val="bg2">
+                    <a:lumMod val="25000"/>
+                  </a:schemeClr>
+                </a:solidFill>
+                <a:latin typeface="黑体" panose="02010609060101010101" pitchFamily="49" charset="-122"/>
+                <a:ea typeface="黑体" panose="02010609060101010101" pitchFamily="49" charset="-122"/>
+              </a:rPr>
+              <a:t>％</a:t>
+            </a:r>
           </a:p>
           <a:p>
             <a:pPr algn="ctr"/>
@@ -5588,7 +5517,31 @@
                 <a:latin typeface="黑体" panose="02010609060101010101" pitchFamily="49" charset="-122"/>
                 <a:ea typeface="黑体" panose="02010609060101010101" pitchFamily="49" charset="-122"/>
               </a:rPr>
-              <a:t>张旭旸％</a:t>
+              <a:t>张旭旸</a:t>
+            </a:r>
+            <a:r>
+              <a:rPr lang="en-US" altLang="zh-CN" sz="3200" spc="100">
+                <a:solidFill>
+                  <a:schemeClr val="bg2">
+                    <a:lumMod val="25000"/>
+                  </a:schemeClr>
+                </a:solidFill>
+                <a:latin typeface="黑体" panose="02010609060101010101" pitchFamily="49" charset="-122"/>
+                <a:ea typeface="黑体" panose="02010609060101010101" pitchFamily="49" charset="-122"/>
+              </a:rPr>
+              <a:t>20</a:t>
+            </a:r>
+            <a:r>
+              <a:rPr lang="zh-CN" altLang="en-US" sz="3200" spc="100">
+                <a:solidFill>
+                  <a:schemeClr val="bg2">
+                    <a:lumMod val="25000"/>
+                  </a:schemeClr>
+                </a:solidFill>
+                <a:latin typeface="黑体" panose="02010609060101010101" pitchFamily="49" charset="-122"/>
+                <a:ea typeface="黑体" panose="02010609060101010101" pitchFamily="49" charset="-122"/>
+              </a:rPr>
+              <a:t>％</a:t>
             </a:r>
             <a:endParaRPr lang="zh-CN" altLang="en-US" sz="3200" spc="100" dirty="0">
               <a:solidFill>
@@ -5636,7 +5589,7 @@
           <p:nvPr/>
         </p:nvPicPr>
         <p:blipFill rotWithShape="1">
-          <a:blip r:embed="rId1" cstate="print">
+          <a:blip r:embed="rId2" cstate="print">
             <a:extLst>
               <a:ext uri="{28A0092B-C50C-407E-A947-70E740481C1C}">
                 <a14:useLocalDpi xmlns:a14="http://schemas.microsoft.com/office/drawing/2010/main" val="0"/>
@@ -5693,16 +5646,6 @@
               </a:rPr>
               <a:t>恳请各位老师批评指正</a:t>
             </a:r>
-            <a:endParaRPr lang="zh-CN" altLang="en-US" sz="6600" spc="100">
-              <a:ln>
-                <a:solidFill>
-                  <a:schemeClr val="bg1"/>
-                </a:solidFill>
-              </a:ln>
-              <a:noFill/>
-              <a:latin typeface="+mj-ea"/>
-              <a:ea typeface="+mj-ea"/>
-            </a:endParaRPr>
           </a:p>
         </p:txBody>
       </p:sp>
@@ -5738,13 +5681,6 @@
               </a:rPr>
               <a:t>恳请各位老师批评指正</a:t>
             </a:r>
-            <a:endParaRPr lang="zh-CN" altLang="en-US" sz="6600" spc="100" dirty="0">
-              <a:solidFill>
-                <a:schemeClr val="bg1"/>
-              </a:solidFill>
-              <a:latin typeface="黑体" panose="02010609060101010101" pitchFamily="49" charset="-122"/>
-              <a:ea typeface="黑体" panose="02010609060101010101" pitchFamily="49" charset="-122"/>
-            </a:endParaRPr>
           </a:p>
         </p:txBody>
       </p:sp>
@@ -5831,7 +5767,7 @@
           <p:nvPr/>
         </p:nvPicPr>
         <p:blipFill rotWithShape="1">
-          <a:blip r:embed="rId1" cstate="print">
+          <a:blip r:embed="rId2" cstate="print">
             <a:extLst>
               <a:ext uri="{28A0092B-C50C-407E-A947-70E740481C1C}">
                 <a14:useLocalDpi xmlns:a14="http://schemas.microsoft.com/office/drawing/2010/main" val="0"/>
@@ -5942,13 +5878,6 @@
               </a:rPr>
               <a:t>合同管理系统最终答辩</a:t>
             </a:r>
-            <a:endParaRPr lang="zh-CN" altLang="en-US" sz="6600" spc="100" dirty="0">
-              <a:solidFill>
-                <a:schemeClr val="bg1"/>
-              </a:solidFill>
-              <a:latin typeface="黑体" panose="02010609060101010101" pitchFamily="49" charset="-122"/>
-              <a:ea typeface="黑体" panose="02010609060101010101" pitchFamily="49" charset="-122"/>
-            </a:endParaRPr>
           </a:p>
         </p:txBody>
       </p:sp>
@@ -6137,13 +6066,6 @@
                 </a:rPr>
                 <a:t>张旭旸</a:t>
               </a:r>
-              <a:endParaRPr lang="zh-CN" altLang="en-US" dirty="0">
-                <a:solidFill>
-                  <a:srgbClr val="A8CEE1"/>
-                </a:solidFill>
-                <a:latin typeface="黑体" panose="02010609060101010101" pitchFamily="49" charset="-122"/>
-                <a:ea typeface="黑体" panose="02010609060101010101" pitchFamily="49" charset="-122"/>
-              </a:endParaRPr>
             </a:p>
           </p:txBody>
         </p:sp>
@@ -6227,7 +6149,7 @@
             <p:nvPr/>
           </p:nvPicPr>
           <p:blipFill rotWithShape="1">
-            <a:blip r:embed="rId1" cstate="print">
+            <a:blip r:embed="rId12" cstate="print">
               <a:duotone>
                 <a:schemeClr val="bg2">
                   <a:shade val="45000"/>
@@ -6320,7 +6242,7 @@
             <a:avLst/>
           </a:prstGeom>
           <a:blipFill dpi="0" rotWithShape="1">
-            <a:blip r:embed="rId2"/>
+            <a:blip r:embed="rId13"/>
             <a:srcRect/>
             <a:tile tx="0" ty="1384300" sx="100000" sy="100000" flip="none" algn="br"/>
           </a:blipFill>
@@ -6359,7 +6281,7 @@
           <p:cNvSpPr txBox="1"/>
           <p:nvPr>
             <p:custDataLst>
-              <p:tags r:id="rId3"/>
+              <p:tags r:id="rId1"/>
             </p:custDataLst>
           </p:nvPr>
         </p:nvSpPr>
@@ -6392,15 +6314,6 @@
               </a:rPr>
               <a:t>项目简介与背景</a:t>
             </a:r>
-            <a:endParaRPr lang="zh-CN" altLang="en-US" sz="2400" dirty="0">
-              <a:solidFill>
-                <a:schemeClr val="bg2">
-                  <a:lumMod val="25000"/>
-                </a:schemeClr>
-              </a:solidFill>
-              <a:latin typeface="黑体" panose="02010609060101010101" pitchFamily="49" charset="-122"/>
-              <a:ea typeface="黑体" panose="02010609060101010101" pitchFamily="49" charset="-122"/>
-            </a:endParaRPr>
           </a:p>
         </p:txBody>
       </p:sp>
@@ -6410,7 +6323,7 @@
           <p:cNvSpPr txBox="1"/>
           <p:nvPr>
             <p:custDataLst>
-              <p:tags r:id="rId4"/>
+              <p:tags r:id="rId2"/>
             </p:custDataLst>
           </p:nvPr>
         </p:nvSpPr>
@@ -6443,15 +6356,6 @@
               </a:rPr>
               <a:t>小组分工与贡献</a:t>
             </a:r>
-            <a:endParaRPr lang="zh-CN" altLang="en-US" sz="2400" dirty="0">
-              <a:solidFill>
-                <a:schemeClr val="bg2">
-                  <a:lumMod val="25000"/>
-                </a:schemeClr>
-              </a:solidFill>
-              <a:latin typeface="黑体" panose="02010609060101010101" pitchFamily="49" charset="-122"/>
-              <a:ea typeface="黑体" panose="02010609060101010101" pitchFamily="49" charset="-122"/>
-            </a:endParaRPr>
           </a:p>
         </p:txBody>
       </p:sp>
@@ -6461,7 +6365,7 @@
           <p:cNvSpPr txBox="1"/>
           <p:nvPr>
             <p:custDataLst>
-              <p:tags r:id="rId5"/>
+              <p:tags r:id="rId3"/>
             </p:custDataLst>
           </p:nvPr>
         </p:nvSpPr>
@@ -6494,15 +6398,6 @@
               </a:rPr>
               <a:t>项目核心功能</a:t>
             </a:r>
-            <a:endParaRPr lang="zh-CN" altLang="en-US" sz="2400" dirty="0">
-              <a:solidFill>
-                <a:schemeClr val="bg2">
-                  <a:lumMod val="25000"/>
-                </a:schemeClr>
-              </a:solidFill>
-              <a:latin typeface="黑体" panose="02010609060101010101" pitchFamily="49" charset="-122"/>
-              <a:ea typeface="黑体" panose="02010609060101010101" pitchFamily="49" charset="-122"/>
-            </a:endParaRPr>
           </a:p>
         </p:txBody>
       </p:sp>
@@ -6556,16 +6451,6 @@
                 </a:rPr>
                 <a:t>目录</a:t>
               </a:r>
-              <a:endParaRPr lang="zh-CN" altLang="en-US" sz="8800">
-                <a:ln>
-                  <a:solidFill>
-                    <a:schemeClr val="tx1"/>
-                  </a:solidFill>
-                </a:ln>
-                <a:noFill/>
-                <a:latin typeface="+mj-ea"/>
-                <a:ea typeface="+mj-ea"/>
-              </a:endParaRPr>
             </a:p>
           </p:txBody>
         </p:sp>
@@ -6604,15 +6489,6 @@
                 </a:rPr>
                 <a:t>目录</a:t>
               </a:r>
-              <a:endParaRPr lang="zh-CN" altLang="en-US" sz="8800" dirty="0">
-                <a:solidFill>
-                  <a:schemeClr val="bg2">
-                    <a:lumMod val="25000"/>
-                  </a:schemeClr>
-                </a:solidFill>
-                <a:latin typeface="黑体" panose="02010609060101010101" pitchFamily="49" charset="-122"/>
-                <a:ea typeface="黑体" panose="02010609060101010101" pitchFamily="49" charset="-122"/>
-              </a:endParaRPr>
             </a:p>
           </p:txBody>
         </p:sp>
@@ -6623,7 +6499,7 @@
           <p:cNvGrpSpPr/>
           <p:nvPr>
             <p:custDataLst>
-              <p:tags r:id="rId6"/>
+              <p:tags r:id="rId4"/>
             </p:custDataLst>
           </p:nvPr>
         </p:nvGrpSpPr>
@@ -6641,7 +6517,7 @@
             <p:cNvSpPr txBox="1"/>
             <p:nvPr>
               <p:custDataLst>
-                <p:tags r:id="rId7"/>
+                <p:tags r:id="rId9"/>
               </p:custDataLst>
             </p:nvPr>
           </p:nvSpPr>
@@ -6693,7 +6569,7 @@
             <p:cNvSpPr txBox="1"/>
             <p:nvPr>
               <p:custDataLst>
-                <p:tags r:id="rId8"/>
+                <p:tags r:id="rId10"/>
               </p:custDataLst>
             </p:nvPr>
           </p:nvSpPr>
@@ -6744,7 +6620,7 @@
           <p:cNvSpPr txBox="1"/>
           <p:nvPr>
             <p:custDataLst>
-              <p:tags r:id="rId9"/>
+              <p:tags r:id="rId5"/>
             </p:custDataLst>
           </p:nvPr>
         </p:nvSpPr>
@@ -6796,7 +6672,7 @@
           <p:cNvSpPr txBox="1"/>
           <p:nvPr>
             <p:custDataLst>
-              <p:tags r:id="rId10"/>
+              <p:tags r:id="rId6"/>
             </p:custDataLst>
           </p:nvPr>
         </p:nvSpPr>
@@ -6846,7 +6722,7 @@
           <p:cNvSpPr txBox="1"/>
           <p:nvPr>
             <p:custDataLst>
-              <p:tags r:id="rId11"/>
+              <p:tags r:id="rId7"/>
             </p:custDataLst>
           </p:nvPr>
         </p:nvSpPr>
@@ -6898,7 +6774,7 @@
           <p:cNvSpPr txBox="1"/>
           <p:nvPr>
             <p:custDataLst>
-              <p:tags r:id="rId12"/>
+              <p:tags r:id="rId8"/>
             </p:custDataLst>
           </p:nvPr>
         </p:nvSpPr>
@@ -6976,7 +6852,7 @@
           <p:nvPr/>
         </p:nvPicPr>
         <p:blipFill rotWithShape="1">
-          <a:blip r:embed="rId1" cstate="print">
+          <a:blip r:embed="rId2" cstate="print">
             <a:extLst>
               <a:ext uri="{28A0092B-C50C-407E-A947-70E740481C1C}">
                 <a14:useLocalDpi xmlns:a14="http://schemas.microsoft.com/office/drawing/2010/main" val="0"/>
@@ -7061,13 +6937,6 @@
               </a:rPr>
               <a:t>第一部分</a:t>
             </a:r>
-            <a:endParaRPr lang="zh-CN" altLang="en-US" sz="2800">
-              <a:solidFill>
-                <a:schemeClr val="bg1"/>
-              </a:solidFill>
-              <a:latin typeface="+mj-ea"/>
-              <a:ea typeface="+mj-ea"/>
-            </a:endParaRPr>
           </a:p>
         </p:txBody>
       </p:sp>
@@ -7109,14 +6978,6 @@
               </a:rPr>
               <a:t>项目简介与背景</a:t>
             </a:r>
-            <a:endParaRPr lang="zh-CN" altLang="en-US" sz="5400" dirty="0">
-              <a:solidFill>
-                <a:schemeClr val="bg1"/>
-              </a:solidFill>
-              <a:latin typeface="黑体" panose="02010609060101010101" pitchFamily="49" charset="-122"/>
-              <a:ea typeface="黑体" panose="02010609060101010101" pitchFamily="49" charset="-122"/>
-              <a:cs typeface="阿里巴巴普惠体 B" panose="00020600040101010101" pitchFamily="18" charset="-122"/>
-            </a:endParaRPr>
           </a:p>
         </p:txBody>
       </p:sp>
@@ -7290,13 +7151,6 @@
               </a:rPr>
               <a:t>项目简介</a:t>
             </a:r>
-            <a:endParaRPr lang="zh-CN" altLang="en-US" sz="2400" dirty="0">
-              <a:solidFill>
-                <a:schemeClr val="bg1"/>
-              </a:solidFill>
-              <a:latin typeface="黑体" panose="02010609060101010101" pitchFamily="49" charset="-122"/>
-              <a:ea typeface="黑体" panose="02010609060101010101" pitchFamily="49" charset="-122"/>
-            </a:endParaRPr>
           </a:p>
         </p:txBody>
       </p:sp>
@@ -7324,7 +7178,7 @@
             <p:cNvSpPr/>
             <p:nvPr>
               <p:custDataLst>
-                <p:tags r:id="rId2"/>
+                <p:tags r:id="rId8"/>
               </p:custDataLst>
             </p:nvPr>
           </p:nvSpPr>
@@ -7337,7 +7191,7 @@
               <a:avLst/>
             </a:prstGeom>
             <a:blipFill dpi="0" rotWithShape="1">
-              <a:blip r:embed="rId3"/>
+              <a:blip r:embed="rId14"/>
               <a:srcRect/>
               <a:tile tx="0" ty="0" sx="100000" sy="100000" flip="none" algn="ctr"/>
             </a:blipFill>
@@ -7390,7 +7244,7 @@
               <p:cNvSpPr/>
               <p:nvPr>
                 <p:custDataLst>
-                  <p:tags r:id="rId4"/>
+                  <p:tags r:id="rId9"/>
                 </p:custDataLst>
               </p:nvPr>
             </p:nvSpPr>
@@ -7440,7 +7294,7 @@
               <p:cNvSpPr/>
               <p:nvPr>
                 <p:custDataLst>
-                  <p:tags r:id="rId5"/>
+                  <p:tags r:id="rId10"/>
                 </p:custDataLst>
               </p:nvPr>
             </p:nvSpPr>
@@ -7520,7 +7374,7 @@
                 <p:cNvSpPr txBox="1"/>
                 <p:nvPr>
                   <p:custDataLst>
-                    <p:tags r:id="rId6"/>
+                    <p:tags r:id="rId11"/>
                   </p:custDataLst>
                 </p:nvPr>
               </p:nvSpPr>
@@ -7584,7 +7438,6 @@
                     <a:rPr lang="zh-CN" altLang="en-US" sz="1600" dirty="0"/>
                     <a:t>。</a:t>
                   </a:r>
-                  <a:endParaRPr lang="zh-CN" altLang="en-US" sz="1600" dirty="0"/>
                 </a:p>
                 <a:p>
                   <a:pPr>
@@ -7609,7 +7462,7 @@
                 <p:cNvSpPr txBox="1"/>
                 <p:nvPr>
                   <p:custDataLst>
-                    <p:tags r:id="rId7"/>
+                    <p:tags r:id="rId12"/>
                   </p:custDataLst>
                 </p:nvPr>
               </p:nvSpPr>
@@ -7636,10 +7489,6 @@
                     </a:rPr>
                     <a:t>系统概述</a:t>
                   </a:r>
-                  <a:endParaRPr lang="zh-CN" altLang="en-US" sz="2400" b="1" dirty="0">
-                    <a:latin typeface="黑体" panose="02010609060101010101" pitchFamily="49" charset="-122"/>
-                    <a:ea typeface="黑体" panose="02010609060101010101" pitchFamily="49" charset="-122"/>
-                  </a:endParaRPr>
                 </a:p>
                 <a:p>
                   <a:endParaRPr lang="zh-CN" altLang="en-US" sz="2400" b="1" spc="100" dirty="0">
@@ -7663,7 +7512,7 @@
           <p:cNvSpPr/>
           <p:nvPr>
             <p:custDataLst>
-              <p:tags r:id="rId8"/>
+              <p:tags r:id="rId2"/>
             </p:custDataLst>
           </p:nvPr>
         </p:nvSpPr>
@@ -7676,7 +7525,7 @@
             <a:avLst/>
           </a:prstGeom>
           <a:blipFill dpi="0" rotWithShape="1">
-            <a:blip r:embed="rId3"/>
+            <a:blip r:embed="rId14"/>
             <a:srcRect/>
             <a:tile tx="0" ty="0" sx="100000" sy="100000" flip="none" algn="ctr"/>
           </a:blipFill>
@@ -7715,7 +7564,7 @@
           <p:cNvSpPr/>
           <p:nvPr>
             <p:custDataLst>
-              <p:tags r:id="rId9"/>
+              <p:tags r:id="rId3"/>
             </p:custDataLst>
           </p:nvPr>
         </p:nvSpPr>
@@ -7765,7 +7614,7 @@
           <p:cNvSpPr/>
           <p:nvPr>
             <p:custDataLst>
-              <p:tags r:id="rId10"/>
+              <p:tags r:id="rId4"/>
             </p:custDataLst>
           </p:nvPr>
         </p:nvSpPr>
@@ -7831,7 +7680,7 @@
           <p:cNvGrpSpPr/>
           <p:nvPr>
             <p:custDataLst>
-              <p:tags r:id="rId11"/>
+              <p:tags r:id="rId5"/>
             </p:custDataLst>
           </p:nvPr>
         </p:nvGrpSpPr>
@@ -7849,7 +7698,7 @@
             <p:cNvSpPr txBox="1"/>
             <p:nvPr>
               <p:custDataLst>
-                <p:tags r:id="rId12"/>
+                <p:tags r:id="rId6"/>
               </p:custDataLst>
             </p:nvPr>
           </p:nvSpPr>
@@ -7993,7 +7842,7 @@
             <p:cNvSpPr txBox="1"/>
             <p:nvPr>
               <p:custDataLst>
-                <p:tags r:id="rId13"/>
+                <p:tags r:id="rId7"/>
               </p:custDataLst>
             </p:nvPr>
           </p:nvSpPr>
@@ -8025,15 +7874,6 @@
                 </a:rPr>
                 <a:t>项目特色</a:t>
               </a:r>
-              <a:endParaRPr lang="zh-CN" altLang="en-US" sz="2400" b="1" spc="100" dirty="0">
-                <a:solidFill>
-                  <a:schemeClr val="bg2">
-                    <a:lumMod val="25000"/>
-                  </a:schemeClr>
-                </a:solidFill>
-                <a:latin typeface="黑体" panose="02010609060101010101" pitchFamily="49" charset="-122"/>
-                <a:ea typeface="黑体" panose="02010609060101010101" pitchFamily="49" charset="-122"/>
-              </a:endParaRPr>
             </a:p>
           </p:txBody>
         </p:sp>
@@ -8072,7 +7912,7 @@
           <p:nvPr/>
         </p:nvPicPr>
         <p:blipFill rotWithShape="1">
-          <a:blip r:embed="rId1" cstate="print">
+          <a:blip r:embed="rId2" cstate="print">
             <a:extLst>
               <a:ext uri="{28A0092B-C50C-407E-A947-70E740481C1C}">
                 <a14:useLocalDpi xmlns:a14="http://schemas.microsoft.com/office/drawing/2010/main" val="0"/>
@@ -8126,13 +7966,6 @@
               </a:rPr>
               <a:t>第二部分</a:t>
             </a:r>
-            <a:endParaRPr lang="zh-CN" altLang="en-US" sz="2800" dirty="0">
-              <a:solidFill>
-                <a:schemeClr val="bg1"/>
-              </a:solidFill>
-              <a:latin typeface="黑体" panose="02010609060101010101" pitchFamily="49" charset="-122"/>
-              <a:ea typeface="黑体" panose="02010609060101010101" pitchFamily="49" charset="-122"/>
-            </a:endParaRPr>
           </a:p>
         </p:txBody>
       </p:sp>
@@ -8174,14 +8007,6 @@
               </a:rPr>
               <a:t>项目核心功能</a:t>
             </a:r>
-            <a:endParaRPr lang="zh-CN" altLang="en-US" sz="5400" dirty="0">
-              <a:solidFill>
-                <a:schemeClr val="bg1"/>
-              </a:solidFill>
-              <a:latin typeface="黑体" panose="02010609060101010101" pitchFamily="49" charset="-122"/>
-              <a:ea typeface="黑体" panose="02010609060101010101" pitchFamily="49" charset="-122"/>
-              <a:cs typeface="阿里巴巴普惠体 B" panose="00020600040101010101" pitchFamily="18" charset="-122"/>
-            </a:endParaRPr>
           </a:p>
         </p:txBody>
       </p:sp>
@@ -8317,7 +8142,7 @@
             <a:avLst/>
           </a:prstGeom>
           <a:blipFill dpi="0" rotWithShape="1">
-            <a:blip r:embed="rId1"/>
+            <a:blip r:embed="rId6"/>
             <a:srcRect/>
             <a:tile tx="0" ty="165100" sx="100000" sy="100000" flip="none" algn="ctr"/>
           </a:blipFill>
@@ -8388,13 +8213,6 @@
               </a:rPr>
               <a:t>合同管理系统</a:t>
             </a:r>
-            <a:endParaRPr lang="zh-CN" altLang="en-US" sz="3200" dirty="0">
-              <a:solidFill>
-                <a:schemeClr val="bg1"/>
-              </a:solidFill>
-              <a:latin typeface="+mj-ea"/>
-              <a:ea typeface="+mj-ea"/>
-            </a:endParaRPr>
           </a:p>
         </p:txBody>
       </p:sp>
@@ -8418,7 +8236,7 @@
             <p:cNvSpPr/>
             <p:nvPr>
               <p:custDataLst>
-                <p:tags r:id="rId2"/>
+                <p:tags r:id="rId1"/>
               </p:custDataLst>
             </p:nvPr>
           </p:nvSpPr>
@@ -8558,13 +8376,6 @@
                 </a:rPr>
                 <a:t>合同处理</a:t>
               </a:r>
-              <a:endParaRPr lang="zh-CN" altLang="en-US" sz="3200" b="1" kern="1200" spc="100" dirty="0">
-                <a:solidFill>
-                  <a:schemeClr val="bg1"/>
-                </a:solidFill>
-                <a:latin typeface="黑体" panose="02010609060101010101" pitchFamily="49" charset="-122"/>
-                <a:ea typeface="黑体" panose="02010609060101010101" pitchFamily="49" charset="-122"/>
-              </a:endParaRPr>
             </a:p>
           </p:txBody>
         </p:sp>
@@ -8574,7 +8385,7 @@
             <p:cNvSpPr/>
             <p:nvPr>
               <p:custDataLst>
-                <p:tags r:id="rId3"/>
+                <p:tags r:id="rId2"/>
               </p:custDataLst>
             </p:nvPr>
           </p:nvSpPr>
@@ -8730,7 +8541,7 @@
             <p:cNvSpPr/>
             <p:nvPr>
               <p:custDataLst>
-                <p:tags r:id="rId4"/>
+                <p:tags r:id="rId3"/>
               </p:custDataLst>
             </p:nvPr>
           </p:nvSpPr>
@@ -8870,13 +8681,6 @@
                 </a:rPr>
                 <a:t>基础数据管理</a:t>
               </a:r>
-              <a:endParaRPr lang="zh-CN" altLang="en-US" sz="3200" b="1" kern="1200" spc="100" dirty="0">
-                <a:solidFill>
-                  <a:schemeClr val="bg1"/>
-                </a:solidFill>
-                <a:latin typeface="黑体" panose="02010609060101010101" pitchFamily="49" charset="-122"/>
-                <a:ea typeface="黑体" panose="02010609060101010101" pitchFamily="49" charset="-122"/>
-              </a:endParaRPr>
             </a:p>
           </p:txBody>
         </p:sp>
@@ -8886,7 +8690,7 @@
             <p:cNvSpPr/>
             <p:nvPr>
               <p:custDataLst>
-                <p:tags r:id="rId5"/>
+                <p:tags r:id="rId4"/>
               </p:custDataLst>
             </p:nvPr>
           </p:nvSpPr>
@@ -9046,7 +8850,7 @@
           <p:nvPr/>
         </p:nvPicPr>
         <p:blipFill>
-          <a:blip r:embed="rId6">
+          <a:blip r:embed="rId7">
             <a:extLst>
               <a:ext uri="{28A0092B-C50C-407E-A947-70E740481C1C}">
                 <a14:useLocalDpi xmlns:a14="http://schemas.microsoft.com/office/drawing/2010/main" val="0"/>
@@ -9107,7 +8911,7 @@
             <a:avLst/>
           </a:prstGeom>
           <a:blipFill dpi="0" rotWithShape="1">
-            <a:blip r:embed="rId1"/>
+            <a:blip r:embed="rId13"/>
             <a:srcRect/>
             <a:tile tx="0" ty="165100" sx="100000" sy="100000" flip="none" algn="ctr"/>
           </a:blipFill>
@@ -9178,13 +8982,6 @@
               </a:rPr>
               <a:t>合同处理</a:t>
             </a:r>
-            <a:endParaRPr lang="zh-CN" altLang="en-US" sz="3200" dirty="0">
-              <a:solidFill>
-                <a:schemeClr val="bg1"/>
-              </a:solidFill>
-              <a:latin typeface="黑体" panose="02010609060101010101" pitchFamily="49" charset="-122"/>
-              <a:ea typeface="黑体" panose="02010609060101010101" pitchFamily="49" charset="-122"/>
-            </a:endParaRPr>
           </a:p>
         </p:txBody>
       </p:sp>
@@ -9194,16 +8991,16 @@
           <p:cNvGrpSpPr/>
           <p:nvPr>
             <p:custDataLst>
-              <p:tags r:id="rId2"/>
+              <p:tags r:id="rId1"/>
             </p:custDataLst>
           </p:nvPr>
         </p:nvGrpSpPr>
         <p:grpSpPr>
           <a:xfrm>
             <a:off x="0" y="3429000"/>
-            <a:ext cx="9730179" cy="2502695"/>
+            <a:ext cx="12050461" cy="2502695"/>
             <a:chOff x="683084" y="2489751"/>
-            <a:chExt cx="8700285" cy="2830137"/>
+            <a:chExt cx="10774976" cy="2830137"/>
           </a:xfrm>
         </p:grpSpPr>
         <p:grpSp>
@@ -9226,7 +9023,7 @@
               <p:cNvSpPr/>
               <p:nvPr>
                 <p:custDataLst>
-                  <p:tags r:id="rId3"/>
+                  <p:tags r:id="rId8"/>
                 </p:custDataLst>
               </p:nvPr>
             </p:nvSpPr>
@@ -9383,7 +9180,7 @@
               <p:cNvSpPr/>
               <p:nvPr>
                 <p:custDataLst>
-                  <p:tags r:id="rId4"/>
+                  <p:tags r:id="rId9"/>
                 </p:custDataLst>
               </p:nvPr>
             </p:nvSpPr>
@@ -9539,7 +9336,7 @@
               <p:cNvSpPr/>
               <p:nvPr>
                 <p:custDataLst>
-                  <p:tags r:id="rId5"/>
+                  <p:tags r:id="rId10"/>
                 </p:custDataLst>
               </p:nvPr>
             </p:nvSpPr>
@@ -9695,7 +9492,7 @@
               <p:cNvSpPr/>
               <p:nvPr>
                 <p:custDataLst>
-                  <p:tags r:id="rId6"/>
+                  <p:tags r:id="rId11"/>
                 </p:custDataLst>
               </p:nvPr>
             </p:nvSpPr>
@@ -9826,22 +9623,15 @@
                   <a:buNone/>
                 </a:pPr>
                 <a:r>
-                  <a:rPr lang="zh-CN" altLang="en-US" sz="2800" b="1" spc="100" dirty="0">
+                  <a:rPr lang="zh-CN" altLang="en-US" sz="2800" b="1" kern="1200" spc="100" dirty="0">
                     <a:solidFill>
                       <a:schemeClr val="bg1"/>
                     </a:solidFill>
                     <a:latin typeface="黑体" panose="02010609060101010101" pitchFamily="49" charset="-122"/>
                     <a:ea typeface="黑体" panose="02010609060101010101" pitchFamily="49" charset="-122"/>
                   </a:rPr>
-                  <a:t>签订</a:t>
+                  <a:t>审批</a:t>
                 </a:r>
-                <a:endParaRPr lang="zh-CN" altLang="en-US" sz="2800" b="1" kern="1200" spc="100" dirty="0">
-                  <a:solidFill>
-                    <a:schemeClr val="bg1"/>
-                  </a:solidFill>
-                  <a:latin typeface="黑体" panose="02010609060101010101" pitchFamily="49" charset="-122"/>
-                  <a:ea typeface="黑体" panose="02010609060101010101" pitchFamily="49" charset="-122"/>
-                </a:endParaRPr>
               </a:p>
             </p:txBody>
           </p:sp>
@@ -9852,7 +9642,7 @@
             <p:cNvSpPr txBox="1"/>
             <p:nvPr>
               <p:custDataLst>
-                <p:tags r:id="rId7"/>
+                <p:tags r:id="rId4"/>
               </p:custDataLst>
             </p:nvPr>
           </p:nvSpPr>
@@ -9896,11 +9686,6 @@
                 </a:rPr>
                 <a:t>填写完成后保存，即可创建新合同文档。</a:t>
               </a:r>
-              <a:endParaRPr lang="zh-CN" altLang="en-US" sz="1600" dirty="0">
-                <a:effectLst/>
-                <a:latin typeface="黑体" panose="02010609060101010101" pitchFamily="49" charset="-122"/>
-                <a:ea typeface="黑体" panose="02010609060101010101" pitchFamily="49" charset="-122"/>
-              </a:endParaRPr>
             </a:p>
             <a:p>
               <a:pPr algn="ctr">
@@ -9933,7 +9718,7 @@
             <p:cNvSpPr txBox="1"/>
             <p:nvPr>
               <p:custDataLst>
-                <p:tags r:id="rId8"/>
+                <p:tags r:id="rId5"/>
               </p:custDataLst>
             </p:nvPr>
           </p:nvSpPr>
@@ -9962,11 +9747,6 @@
                 </a:rPr>
                 <a:t>进入会签页面，可查看待会签的合同列表。</a:t>
               </a:r>
-              <a:endParaRPr lang="zh-CN" altLang="en-US" sz="1600" dirty="0">
-                <a:effectLst/>
-                <a:latin typeface="黑体" panose="02010609060101010101" pitchFamily="49" charset="-122"/>
-                <a:ea typeface="黑体" panose="02010609060101010101" pitchFamily="49" charset="-122"/>
-              </a:endParaRPr>
             </a:p>
             <a:p>
               <a:pPr algn="l"/>
@@ -9984,9 +9764,6 @@
                 </a:rPr>
                 <a:t>。</a:t>
               </a:r>
-              <a:endParaRPr lang="zh-CN" altLang="en-US" sz="1600" dirty="0">
-                <a:effectLst/>
-              </a:endParaRPr>
             </a:p>
             <a:p>
               <a:pPr algn="ctr">
@@ -10019,7 +9796,7 @@
             <p:cNvSpPr txBox="1"/>
             <p:nvPr>
               <p:custDataLst>
-                <p:tags r:id="rId9"/>
+                <p:tags r:id="rId6"/>
               </p:custDataLst>
             </p:nvPr>
           </p:nvSpPr>
@@ -10048,11 +9825,6 @@
                 </a:rPr>
                 <a:t>可下载初稿文件进行查看和修改，修改完成后，上传定稿文件。</a:t>
               </a:r>
-              <a:endParaRPr lang="zh-CN" altLang="en-US" sz="1600" dirty="0">
-                <a:effectLst/>
-                <a:latin typeface="黑体" panose="02010609060101010101" pitchFamily="49" charset="-122"/>
-                <a:ea typeface="黑体" panose="02010609060101010101" pitchFamily="49" charset="-122"/>
-              </a:endParaRPr>
             </a:p>
             <a:p>
               <a:pPr algn="l"/>
@@ -10064,11 +9836,6 @@
                 </a:rPr>
                 <a:t>确认信息无误后点击提交，完成合同定稿流程。</a:t>
               </a:r>
-              <a:endParaRPr lang="zh-CN" altLang="en-US" sz="1600" dirty="0">
-                <a:effectLst/>
-                <a:latin typeface="黑体" panose="02010609060101010101" pitchFamily="49" charset="-122"/>
-                <a:ea typeface="黑体" panose="02010609060101010101" pitchFamily="49" charset="-122"/>
-              </a:endParaRPr>
             </a:p>
             <a:p>
               <a:pPr algn="ctr">
@@ -10101,13 +9868,13 @@
             <p:cNvSpPr txBox="1"/>
             <p:nvPr>
               <p:custDataLst>
-                <p:tags r:id="rId10"/>
+                <p:tags r:id="rId7"/>
               </p:custDataLst>
             </p:nvPr>
           </p:nvSpPr>
           <p:spPr>
             <a:xfrm>
-              <a:off x="7224645" y="3512811"/>
+              <a:off x="9299336" y="3557354"/>
               <a:ext cx="2158724" cy="1550336"/>
             </a:xfrm>
             <a:prstGeom prst="rect">
@@ -10130,11 +9897,6 @@
                 </a:rPr>
                 <a:t>进入签订合同页面，查看待签订的合同列表。</a:t>
               </a:r>
-              <a:endParaRPr lang="zh-CN" altLang="en-US" sz="1600" dirty="0">
-                <a:effectLst/>
-                <a:latin typeface="黑体" panose="02010609060101010101" pitchFamily="49" charset="-122"/>
-                <a:ea typeface="黑体" panose="02010609060101010101" pitchFamily="49" charset="-122"/>
-              </a:endParaRPr>
             </a:p>
             <a:p>
               <a:pPr algn="l"/>
@@ -10146,11 +9908,6 @@
                 </a:rPr>
                 <a:t>点击签订合同按钮，执行合同签订流程。</a:t>
               </a:r>
-              <a:endParaRPr lang="zh-CN" altLang="en-US" sz="1600" dirty="0">
-                <a:effectLst/>
-                <a:latin typeface="黑体" panose="02010609060101010101" pitchFamily="49" charset="-122"/>
-                <a:ea typeface="黑体" panose="02010609060101010101" pitchFamily="49" charset="-122"/>
-              </a:endParaRPr>
             </a:p>
             <a:p>
               <a:pPr algn="ctr">
@@ -10178,7 +9935,7 @@
           <p:cNvSpPr/>
           <p:nvPr>
             <p:custDataLst>
-              <p:tags r:id="rId11"/>
+              <p:tags r:id="rId2"/>
             </p:custDataLst>
           </p:nvPr>
         </p:nvSpPr>
@@ -10309,14 +10066,14 @@
               <a:buNone/>
             </a:pPr>
             <a:r>
-              <a:rPr lang="zh-CN" altLang="en-US" sz="3200" b="1" kern="1200" spc="100" dirty="0">
+              <a:rPr lang="zh-CN" altLang="en-US" sz="3200" b="1" spc="100" dirty="0">
                 <a:solidFill>
                   <a:schemeClr val="bg1"/>
                 </a:solidFill>
                 <a:latin typeface="黑体" panose="02010609060101010101" pitchFamily="49" charset="-122"/>
                 <a:ea typeface="黑体" panose="02010609060101010101" pitchFamily="49" charset="-122"/>
               </a:rPr>
-              <a:t>审批</a:t>
+              <a:t>签订</a:t>
             </a:r>
             <a:endParaRPr lang="zh-CN" altLang="en-US" sz="3200" b="1" kern="1200" spc="100" dirty="0">
               <a:solidFill>
@@ -10334,13 +10091,13 @@
           <p:cNvSpPr txBox="1"/>
           <p:nvPr>
             <p:custDataLst>
-              <p:tags r:id="rId12"/>
+              <p:tags r:id="rId3"/>
             </p:custDataLst>
           </p:nvPr>
         </p:nvSpPr>
         <p:spPr>
           <a:xfrm>
-            <a:off x="9636199" y="4333694"/>
+            <a:off x="7307735" y="4352176"/>
             <a:ext cx="2414262" cy="1383665"/>
           </a:xfrm>
           <a:prstGeom prst="rect">
@@ -10363,11 +10120,6 @@
               </a:rPr>
               <a:t>进入审批合同页面，查看待审批合同列表。</a:t>
             </a:r>
-            <a:endParaRPr lang="zh-CN" altLang="en-US" sz="1600" dirty="0">
-              <a:effectLst/>
-              <a:latin typeface="黑体" panose="02010609060101010101" pitchFamily="49" charset="-122"/>
-              <a:ea typeface="黑体" panose="02010609060101010101" pitchFamily="49" charset="-122"/>
-            </a:endParaRPr>
           </a:p>
           <a:p>
             <a:pPr algn="l"/>
@@ -10385,9 +10137,6 @@
               </a:rPr>
               <a:t>。</a:t>
             </a:r>
-            <a:endParaRPr lang="zh-CN" altLang="en-US" dirty="0">
-              <a:effectLst/>
-            </a:endParaRPr>
           </a:p>
           <a:p>
             <a:pPr algn="l"/>
@@ -10460,13 +10209,6 @@
               </a:rPr>
               <a:t>信息查询</a:t>
             </a:r>
-            <a:endParaRPr lang="zh-CN" altLang="en-US" sz="2400" dirty="0">
-              <a:solidFill>
-                <a:schemeClr val="bg1"/>
-              </a:solidFill>
-              <a:latin typeface="黑体" panose="02010609060101010101" pitchFamily="49" charset="-122"/>
-              <a:ea typeface="黑体" panose="02010609060101010101" pitchFamily="49" charset="-122"/>
-            </a:endParaRPr>
           </a:p>
         </p:txBody>
       </p:sp>
@@ -10490,7 +10232,7 @@
             <p:cNvSpPr/>
             <p:nvPr>
               <p:custDataLst>
-                <p:tags r:id="rId1"/>
+                <p:tags r:id="rId6"/>
               </p:custDataLst>
             </p:nvPr>
           </p:nvSpPr>
@@ -10540,7 +10282,7 @@
             <p:cNvSpPr/>
             <p:nvPr>
               <p:custDataLst>
-                <p:tags r:id="rId2"/>
+                <p:tags r:id="rId7"/>
               </p:custDataLst>
             </p:nvPr>
           </p:nvSpPr>
@@ -10620,7 +10362,7 @@
               <p:cNvSpPr txBox="1"/>
               <p:nvPr>
                 <p:custDataLst>
-                  <p:tags r:id="rId3"/>
+                  <p:tags r:id="rId8"/>
                 </p:custDataLst>
               </p:nvPr>
             </p:nvSpPr>
@@ -10705,10 +10447,6 @@
                   </a:rPr>
                   <a:t>详情页面可进行打印、作废合同操作。</a:t>
                 </a:r>
-                <a:endParaRPr lang="zh-CN" altLang="en-US" sz="1600" dirty="0">
-                  <a:latin typeface="黑体" panose="02010609060101010101" pitchFamily="49" charset="-122"/>
-                  <a:ea typeface="黑体" panose="02010609060101010101" pitchFamily="49" charset="-122"/>
-                </a:endParaRPr>
               </a:p>
               <a:p>
                 <a:pPr>
@@ -10741,7 +10479,7 @@
               <p:cNvSpPr txBox="1"/>
               <p:nvPr>
                 <p:custDataLst>
-                  <p:tags r:id="rId4"/>
+                  <p:tags r:id="rId9"/>
                 </p:custDataLst>
               </p:nvPr>
             </p:nvSpPr>
@@ -10768,10 +10506,6 @@
                   </a:rPr>
                   <a:t>合同查询</a:t>
                 </a:r>
-                <a:endParaRPr lang="zh-CN" altLang="en-US" sz="2400" b="1" dirty="0">
-                  <a:latin typeface="黑体" panose="02010609060101010101" pitchFamily="49" charset="-122"/>
-                  <a:ea typeface="黑体" panose="02010609060101010101" pitchFamily="49" charset="-122"/>
-                </a:endParaRPr>
               </a:p>
               <a:p>
                 <a:endParaRPr lang="zh-CN" altLang="en-US" sz="2400" b="1" spc="100" dirty="0">
@@ -10794,7 +10528,7 @@
           <p:cNvSpPr/>
           <p:nvPr>
             <p:custDataLst>
-              <p:tags r:id="rId5"/>
+              <p:tags r:id="rId1"/>
             </p:custDataLst>
           </p:nvPr>
         </p:nvSpPr>
@@ -10844,7 +10578,7 @@
           <p:cNvSpPr/>
           <p:nvPr>
             <p:custDataLst>
-              <p:tags r:id="rId6"/>
+              <p:tags r:id="rId2"/>
             </p:custDataLst>
           </p:nvPr>
         </p:nvSpPr>
@@ -10910,7 +10644,7 @@
           <p:cNvGrpSpPr/>
           <p:nvPr>
             <p:custDataLst>
-              <p:tags r:id="rId7"/>
+              <p:tags r:id="rId3"/>
             </p:custDataLst>
           </p:nvPr>
         </p:nvGrpSpPr>
@@ -10928,7 +10662,7 @@
             <p:cNvSpPr txBox="1"/>
             <p:nvPr>
               <p:custDataLst>
-                <p:tags r:id="rId8"/>
+                <p:tags r:id="rId4"/>
               </p:custDataLst>
             </p:nvPr>
           </p:nvSpPr>
@@ -10985,7 +10719,7 @@
             <p:cNvSpPr txBox="1"/>
             <p:nvPr>
               <p:custDataLst>
-                <p:tags r:id="rId9"/>
+                <p:tags r:id="rId5"/>
               </p:custDataLst>
             </p:nvPr>
           </p:nvSpPr>
@@ -11017,15 +10751,6 @@
                 </a:rPr>
                 <a:t>合同统计</a:t>
               </a:r>
-              <a:endParaRPr lang="zh-CN" altLang="en-US" sz="2400" b="1" spc="100" dirty="0">
-                <a:solidFill>
-                  <a:schemeClr val="bg2">
-                    <a:lumMod val="25000"/>
-                  </a:schemeClr>
-                </a:solidFill>
-                <a:latin typeface="黑体" panose="02010609060101010101" pitchFamily="49" charset="-122"/>
-                <a:ea typeface="黑体" panose="02010609060101010101" pitchFamily="49" charset="-122"/>
-              </a:endParaRPr>
             </a:p>
           </p:txBody>
         </p:sp>
@@ -11039,7 +10764,7 @@
           <p:nvPr/>
         </p:nvPicPr>
         <p:blipFill>
-          <a:blip r:embed="rId10"/>
+          <a:blip r:embed="rId11"/>
           <a:stretch>
             <a:fillRect/>
           </a:stretch>
@@ -11091,7 +10816,7 @@
           <p:nvPr/>
         </p:nvPicPr>
         <p:blipFill>
-          <a:blip r:embed="rId11"/>
+          <a:blip r:embed="rId12"/>
           <a:stretch>
             <a:fillRect/>
           </a:stretch>
@@ -11143,7 +10868,21 @@
 </file>
 
 <file path=ppt/tags/tag1.xml><?xml version="1.0" encoding="utf-8"?>
-<p:tagLst xmlns:p="http://schemas.openxmlformats.org/presentationml/2006/main">
+<p:tagLst xmlns:a="http://schemas.openxmlformats.org/drawingml/2006/main" xmlns:r="http://schemas.openxmlformats.org/officeDocument/2006/relationships" xmlns:p="http://schemas.openxmlformats.org/presentationml/2006/main">
+  <p:tag name="KSO_WM_TEMPLATE_THUMBS_INDEX" val="1、4、7、12、13、14、15、16、17、18、20、24、25、28、33、36、40、43、44"/>
+  <p:tag name="KSO_WM_TEMPLATE_SUBCATEGORY" val="19"/>
+  <p:tag name="KSO_WM_TAG_VERSION" val="1.0"/>
+  <p:tag name="KSO_WM_BEAUTIFY_FLAG" val="#wm#"/>
+  <p:tag name="KSO_WM_TEMPLATE_CATEGORY" val="custom"/>
+  <p:tag name="KSO_WM_TEMPLATE_INDEX" val="20205081"/>
+  <p:tag name="KSO_WM_TEMPLATE_MASTER_TYPE" val="0"/>
+  <p:tag name="KSO_WM_TEMPLATE_COLOR_TYPE" val="1"/>
+  <p:tag name="KSO_WM_UNIT_SHOW_EDIT_AREA_INDICATION" val="1"/>
+</p:tagLst>
+</file>
+
+<file path=ppt/tags/tag10.xml><?xml version="1.0" encoding="utf-8"?>
+<p:tagLst xmlns:a="http://schemas.openxmlformats.org/drawingml/2006/main" xmlns:r="http://schemas.openxmlformats.org/officeDocument/2006/relationships" xmlns:p="http://schemas.openxmlformats.org/presentationml/2006/main">
   <p:tag name="KSO_WM_UNIT_HIGHLIGHT" val="0"/>
   <p:tag name="KSO_WM_UNIT_COMPATIBLE" val="0"/>
   <p:tag name="KSO_WM_UNIT_DIAGRAM_ISNUMVISUAL" val="0"/>
@@ -11155,8 +10894,141 @@
 </p:tagLst>
 </file>
 
-<file path=ppt/tags/tag10.xml><?xml version="1.0" encoding="utf-8"?>
-<p:tagLst xmlns:p="http://schemas.openxmlformats.org/presentationml/2006/main">
+<file path=ppt/tags/tag100.xml><?xml version="1.0" encoding="utf-8"?>
+<p:tagLst xmlns:a="http://schemas.openxmlformats.org/drawingml/2006/main" xmlns:r="http://schemas.openxmlformats.org/officeDocument/2006/relationships" xmlns:p="http://schemas.openxmlformats.org/presentationml/2006/main">
+  <p:tag name="KSO_WM_DIAGRAM_VIRTUALLY_FRAME" val="{&quot;height&quot;:180.6536034572031,&quot;left&quot;:46.28535433070865,&quot;top&quot;:247.75,&quot;width&quot;:858.9646456692914}"/>
+</p:tagLst>
+</file>
+
+<file path=ppt/tags/tag101.xml><?xml version="1.0" encoding="utf-8"?>
+<p:tagLst xmlns:a="http://schemas.openxmlformats.org/drawingml/2006/main" xmlns:r="http://schemas.openxmlformats.org/officeDocument/2006/relationships" xmlns:p="http://schemas.openxmlformats.org/presentationml/2006/main">
+  <p:tag name="KSO_WM_DIAGRAM_VIRTUALLY_FRAME" val="{&quot;height&quot;:180.6536034572031,&quot;left&quot;:46.28535433070865,&quot;top&quot;:247.75,&quot;width&quot;:858.9646456692914}"/>
+</p:tagLst>
+</file>
+
+<file path=ppt/tags/tag102.xml><?xml version="1.0" encoding="utf-8"?>
+<p:tagLst xmlns:a="http://schemas.openxmlformats.org/drawingml/2006/main" xmlns:r="http://schemas.openxmlformats.org/officeDocument/2006/relationships" xmlns:p="http://schemas.openxmlformats.org/presentationml/2006/main">
+  <p:tag name="KSO_WM_DIAGRAM_VIRTUALLY_FRAME" val="{&quot;height&quot;:168.1604724409449,&quot;left&quot;:46.28535433070865,&quot;top&quot;:247.75,&quot;width&quot;:858.9646456692914}"/>
+</p:tagLst>
+</file>
+
+<file path=ppt/tags/tag103.xml><?xml version="1.0" encoding="utf-8"?>
+<p:tagLst xmlns:a="http://schemas.openxmlformats.org/drawingml/2006/main" xmlns:r="http://schemas.openxmlformats.org/officeDocument/2006/relationships" xmlns:p="http://schemas.openxmlformats.org/presentationml/2006/main">
+  <p:tag name="KSO_WM_DIAGRAM_VIRTUALLY_FRAME" val="{&quot;height&quot;:392.15519685039374,&quot;left&quot;:54.75,&quot;top&quot;:116.57039370078739,&quot;width&quot;:852.1158267716535}"/>
+</p:tagLst>
+</file>
+
+<file path=ppt/tags/tag104.xml><?xml version="1.0" encoding="utf-8"?>
+<p:tagLst xmlns:a="http://schemas.openxmlformats.org/drawingml/2006/main" xmlns:r="http://schemas.openxmlformats.org/officeDocument/2006/relationships" xmlns:p="http://schemas.openxmlformats.org/presentationml/2006/main">
+  <p:tag name="KSO_WM_DIAGRAM_VIRTUALLY_FRAME" val="{&quot;height&quot;:392.15519685039374,&quot;left&quot;:54.75,&quot;top&quot;:116.57039370078739,&quot;width&quot;:852.1158267716535}"/>
+</p:tagLst>
+</file>
+
+<file path=ppt/tags/tag105.xml><?xml version="1.0" encoding="utf-8"?>
+<p:tagLst xmlns:a="http://schemas.openxmlformats.org/drawingml/2006/main" xmlns:r="http://schemas.openxmlformats.org/officeDocument/2006/relationships" xmlns:p="http://schemas.openxmlformats.org/presentationml/2006/main">
+  <p:tag name="KSO_WM_DIAGRAM_VIRTUALLY_FRAME" val="{&quot;height&quot;:392.15519685039374,&quot;left&quot;:54.75,&quot;top&quot;:116.57039370078739,&quot;width&quot;:852.1158267716535}"/>
+</p:tagLst>
+</file>
+
+<file path=ppt/tags/tag106.xml><?xml version="1.0" encoding="utf-8"?>
+<p:tagLst xmlns:a="http://schemas.openxmlformats.org/drawingml/2006/main" xmlns:r="http://schemas.openxmlformats.org/officeDocument/2006/relationships" xmlns:p="http://schemas.openxmlformats.org/presentationml/2006/main">
+  <p:tag name="KSO_WM_DIAGRAM_VIRTUALLY_FRAME" val="{&quot;height&quot;:392.15519685039374,&quot;left&quot;:54.75,&quot;top&quot;:116.57039370078739,&quot;width&quot;:852.1158267716535}"/>
+</p:tagLst>
+</file>
+
+<file path=ppt/tags/tag107.xml><?xml version="1.0" encoding="utf-8"?>
+<p:tagLst xmlns:a="http://schemas.openxmlformats.org/drawingml/2006/main" xmlns:r="http://schemas.openxmlformats.org/officeDocument/2006/relationships" xmlns:p="http://schemas.openxmlformats.org/presentationml/2006/main">
+  <p:tag name="KSO_WM_DIAGRAM_VIRTUALLY_FRAME" val="{&quot;height&quot;:392.15519685039374,&quot;left&quot;:54.75,&quot;top&quot;:116.57039370078739,&quot;width&quot;:852.1158267716535}"/>
+</p:tagLst>
+</file>
+
+<file path=ppt/tags/tag108.xml><?xml version="1.0" encoding="utf-8"?>
+<p:tagLst xmlns:a="http://schemas.openxmlformats.org/drawingml/2006/main" xmlns:r="http://schemas.openxmlformats.org/officeDocument/2006/relationships" xmlns:p="http://schemas.openxmlformats.org/presentationml/2006/main">
+  <p:tag name="KSO_WM_DIAGRAM_VIRTUALLY_FRAME" val="{&quot;height&quot;:392.15519685039374,&quot;left&quot;:54.75,&quot;top&quot;:116.57039370078739,&quot;width&quot;:852.1158267716535}"/>
+</p:tagLst>
+</file>
+
+<file path=ppt/tags/tag109.xml><?xml version="1.0" encoding="utf-8"?>
+<p:tagLst xmlns:a="http://schemas.openxmlformats.org/drawingml/2006/main" xmlns:r="http://schemas.openxmlformats.org/officeDocument/2006/relationships" xmlns:p="http://schemas.openxmlformats.org/presentationml/2006/main">
+  <p:tag name="KSO_WM_DIAGRAM_VIRTUALLY_FRAME" val="{&quot;height&quot;:392.15519685039374,&quot;left&quot;:54.75,&quot;top&quot;:116.57039370078739,&quot;width&quot;:852.1158267716535}"/>
+</p:tagLst>
+</file>
+
+<file path=ppt/tags/tag11.xml><?xml version="1.0" encoding="utf-8"?>
+<p:tagLst xmlns:a="http://schemas.openxmlformats.org/drawingml/2006/main" xmlns:r="http://schemas.openxmlformats.org/officeDocument/2006/relationships" xmlns:p="http://schemas.openxmlformats.org/presentationml/2006/main">
+  <p:tag name="KSO_WM_UNIT_HIGHLIGHT" val="0"/>
+  <p:tag name="KSO_WM_UNIT_COMPATIBLE" val="0"/>
+  <p:tag name="KSO_WM_UNIT_DIAGRAM_ISNUMVISUAL" val="0"/>
+  <p:tag name="KSO_WM_UNIT_DIAGRAM_ISREFERUNIT" val="0"/>
+  <p:tag name="KSO_WM_UNIT_ID" val="_1**"/>
+  <p:tag name="KSO_WM_UNIT_LAYERLEVEL" val="1"/>
+  <p:tag name="KSO_WM_TAG_VERSION" val="1.0"/>
+  <p:tag name="KSO_WM_BEAUTIFY_FLAG" val="#wm#"/>
+</p:tagLst>
+</file>
+
+<file path=ppt/tags/tag110.xml><?xml version="1.0" encoding="utf-8"?>
+<p:tagLst xmlns:a="http://schemas.openxmlformats.org/drawingml/2006/main" xmlns:r="http://schemas.openxmlformats.org/officeDocument/2006/relationships" xmlns:p="http://schemas.openxmlformats.org/presentationml/2006/main">
+  <p:tag name="KSO_WM_DIAGRAM_VIRTUALLY_FRAME" val="{&quot;height&quot;:392.15519685039374,&quot;left&quot;:54.75,&quot;top&quot;:116.57039370078739,&quot;width&quot;:852.1158267716535}"/>
+</p:tagLst>
+</file>
+
+<file path=ppt/tags/tag111.xml><?xml version="1.0" encoding="utf-8"?>
+<p:tagLst xmlns:a="http://schemas.openxmlformats.org/drawingml/2006/main" xmlns:r="http://schemas.openxmlformats.org/officeDocument/2006/relationships" xmlns:p="http://schemas.openxmlformats.org/presentationml/2006/main">
+  <p:tag name="KSO_WM_DIAGRAM_VIRTUALLY_FRAME" val="{&quot;height&quot;:392.15519685039374,&quot;left&quot;:54.75,&quot;top&quot;:116.57039370078739,&quot;width&quot;:852.1158267716535}"/>
+</p:tagLst>
+</file>
+
+<file path=ppt/tags/tag112.xml><?xml version="1.0" encoding="utf-8"?>
+<p:tagLst xmlns:a="http://schemas.openxmlformats.org/drawingml/2006/main" xmlns:r="http://schemas.openxmlformats.org/officeDocument/2006/relationships" xmlns:p="http://schemas.openxmlformats.org/presentationml/2006/main">
+  <p:tag name="KSO_WM_DIAGRAM_VIRTUALLY_FRAME" val="{&quot;height&quot;:180.6536034572031,&quot;left&quot;:46.28535433070865,&quot;top&quot;:247.75,&quot;width&quot;:858.9646456692914}"/>
+</p:tagLst>
+</file>
+
+<file path=ppt/tags/tag113.xml><?xml version="1.0" encoding="utf-8"?>
+<p:tagLst xmlns:a="http://schemas.openxmlformats.org/drawingml/2006/main" xmlns:r="http://schemas.openxmlformats.org/officeDocument/2006/relationships" xmlns:p="http://schemas.openxmlformats.org/presentationml/2006/main">
+  <p:tag name="KSO_WM_DIAGRAM_VIRTUALLY_FRAME" val="{&quot;height&quot;:180.6536034572031,&quot;left&quot;:46.28535433070865,&quot;top&quot;:247.75,&quot;width&quot;:858.9646456692914}"/>
+</p:tagLst>
+</file>
+
+<file path=ppt/tags/tag114.xml><?xml version="1.0" encoding="utf-8"?>
+<p:tagLst xmlns:a="http://schemas.openxmlformats.org/drawingml/2006/main" xmlns:r="http://schemas.openxmlformats.org/officeDocument/2006/relationships" xmlns:p="http://schemas.openxmlformats.org/presentationml/2006/main">
+  <p:tag name="KSO_WM_DIAGRAM_VIRTUALLY_FRAME" val="{&quot;height&quot;:168.1604724409449,&quot;left&quot;:46.28535433070865,&quot;top&quot;:247.75,&quot;width&quot;:858.9646456692914}"/>
+</p:tagLst>
+</file>
+
+<file path=ppt/tags/tag115.xml><?xml version="1.0" encoding="utf-8"?>
+<p:tagLst xmlns:a="http://schemas.openxmlformats.org/drawingml/2006/main" xmlns:r="http://schemas.openxmlformats.org/officeDocument/2006/relationships" xmlns:p="http://schemas.openxmlformats.org/presentationml/2006/main">
+  <p:tag name="KSO_WM_DIAGRAM_VIRTUALLY_FRAME" val="{&quot;height&quot;:180.6536034572031,&quot;left&quot;:46.28535433070865,&quot;top&quot;:247.75,&quot;width&quot;:858.9646456692914}"/>
+</p:tagLst>
+</file>
+
+<file path=ppt/tags/tag116.xml><?xml version="1.0" encoding="utf-8"?>
+<p:tagLst xmlns:a="http://schemas.openxmlformats.org/drawingml/2006/main" xmlns:r="http://schemas.openxmlformats.org/officeDocument/2006/relationships" xmlns:p="http://schemas.openxmlformats.org/presentationml/2006/main">
+  <p:tag name="KSO_WM_DIAGRAM_VIRTUALLY_FRAME" val="{&quot;height&quot;:180.6536034572031,&quot;left&quot;:46.28535433070865,&quot;top&quot;:247.75,&quot;width&quot;:858.9646456692914}"/>
+</p:tagLst>
+</file>
+
+<file path=ppt/tags/tag117.xml><?xml version="1.0" encoding="utf-8"?>
+<p:tagLst xmlns:a="http://schemas.openxmlformats.org/drawingml/2006/main" xmlns:r="http://schemas.openxmlformats.org/officeDocument/2006/relationships" xmlns:p="http://schemas.openxmlformats.org/presentationml/2006/main">
+  <p:tag name="KSO_WM_DIAGRAM_VIRTUALLY_FRAME" val="{&quot;height&quot;:180.6536034572031,&quot;left&quot;:46.28535433070865,&quot;top&quot;:247.75,&quot;width&quot;:858.9646456692914}"/>
+</p:tagLst>
+</file>
+
+<file path=ppt/tags/tag118.xml><?xml version="1.0" encoding="utf-8"?>
+<p:tagLst xmlns:a="http://schemas.openxmlformats.org/drawingml/2006/main" xmlns:r="http://schemas.openxmlformats.org/officeDocument/2006/relationships" xmlns:p="http://schemas.openxmlformats.org/presentationml/2006/main">
+  <p:tag name="KSO_WM_DIAGRAM_VIRTUALLY_FRAME" val="{&quot;height&quot;:168.1604724409449,&quot;left&quot;:46.28535433070865,&quot;top&quot;:247.75,&quot;width&quot;:858.9646456692914}"/>
+</p:tagLst>
+</file>
+
+<file path=ppt/tags/tag119.xml><?xml version="1.0" encoding="utf-8"?>
+<p:tagLst xmlns:a="http://schemas.openxmlformats.org/drawingml/2006/main" xmlns:r="http://schemas.openxmlformats.org/officeDocument/2006/relationships" xmlns:p="http://schemas.openxmlformats.org/presentationml/2006/main">
+  <p:tag name="KSO_WM_DIAGRAM_VIRTUALLY_FRAME" val="{&quot;height&quot;:180.6536034572031,&quot;left&quot;:46.28535433070865,&quot;top&quot;:247.75,&quot;width&quot;:858.9646456692914}"/>
+</p:tagLst>
+</file>
+
+<file path=ppt/tags/tag12.xml><?xml version="1.0" encoding="utf-8"?>
+<p:tagLst xmlns:a="http://schemas.openxmlformats.org/drawingml/2006/main" xmlns:r="http://schemas.openxmlformats.org/officeDocument/2006/relationships" xmlns:p="http://schemas.openxmlformats.org/presentationml/2006/main">
   <p:tag name="KSO_WM_UNIT_HIGHLIGHT" val="0"/>
   <p:tag name="KSO_WM_UNIT_COMPATIBLE" val="0"/>
   <p:tag name="KSO_WM_UNIT_DIAGRAM_ISNUMVISUAL" val="0"/>
@@ -11168,68 +11040,126 @@
 </p:tagLst>
 </file>
 
-<file path=ppt/tags/tag100.xml><?xml version="1.0" encoding="utf-8"?>
-<p:tagLst xmlns:p="http://schemas.openxmlformats.org/presentationml/2006/main">
+<file path=ppt/tags/tag120.xml><?xml version="1.0" encoding="utf-8"?>
+<p:tagLst xmlns:a="http://schemas.openxmlformats.org/drawingml/2006/main" xmlns:r="http://schemas.openxmlformats.org/officeDocument/2006/relationships" xmlns:p="http://schemas.openxmlformats.org/presentationml/2006/main">
+  <p:tag name="KSO_WM_DIAGRAM_VIRTUALLY_FRAME" val="{&quot;height&quot;:180.6536034572031,&quot;left&quot;:46.28535433070865,&quot;top&quot;:247.75,&quot;width&quot;:858.9646456692914}"/>
+</p:tagLst>
+</file>
+
+<file path=ppt/tags/tag121.xml><?xml version="1.0" encoding="utf-8"?>
+<p:tagLst xmlns:a="http://schemas.openxmlformats.org/drawingml/2006/main" xmlns:r="http://schemas.openxmlformats.org/officeDocument/2006/relationships" xmlns:p="http://schemas.openxmlformats.org/presentationml/2006/main">
+  <p:tag name="KSO_WM_DIAGRAM_VIRTUALLY_FRAME" val="{&quot;height&quot;:180.6536034572031,&quot;left&quot;:46.28535433070865,&quot;top&quot;:247.75,&quot;width&quot;:858.9646456692914}"/>
+</p:tagLst>
+</file>
+
+<file path=ppt/tags/tag122.xml><?xml version="1.0" encoding="utf-8"?>
+<p:tagLst xmlns:a="http://schemas.openxmlformats.org/drawingml/2006/main" xmlns:r="http://schemas.openxmlformats.org/officeDocument/2006/relationships" xmlns:p="http://schemas.openxmlformats.org/presentationml/2006/main">
   <p:tag name="KSO_WM_DIAGRAM_VIRTUALLY_FRAME" val="{&quot;height&quot;:168.1604724409449,&quot;left&quot;:46.28535433070865,&quot;top&quot;:247.75,&quot;width&quot;:858.9646456692914}"/>
 </p:tagLst>
 </file>
 
-<file path=ppt/tags/tag101.xml><?xml version="1.0" encoding="utf-8"?>
-<p:tagLst xmlns:p="http://schemas.openxmlformats.org/presentationml/2006/main">
-  <p:tag name="KSO_WM_DIAGRAM_VIRTUALLY_FRAME" val="{&quot;height&quot;:180.6536034572031,&quot;left&quot;:46.28535433070865,&quot;top&quot;:247.75,&quot;width&quot;:858.9646456692914}"/>
-</p:tagLst>
-</file>
-
-<file path=ppt/tags/tag102.xml><?xml version="1.0" encoding="utf-8"?>
-<p:tagLst xmlns:p="http://schemas.openxmlformats.org/presentationml/2006/main">
-  <p:tag name="KSO_WM_DIAGRAM_VIRTUALLY_FRAME" val="{&quot;height&quot;:168.1604724409449,&quot;left&quot;:46.28535433070865,&quot;top&quot;:247.75,&quot;width&quot;:858.9646456692914}"/>
-</p:tagLst>
-</file>
-
-<file path=ppt/tags/tag103.xml><?xml version="1.0" encoding="utf-8"?>
-<p:tagLst xmlns:p="http://schemas.openxmlformats.org/presentationml/2006/main">
-  <p:tag name="KSO_WM_DIAGRAM_VIRTUALLY_FRAME" val="{&quot;height&quot;:392.15519685039374,&quot;left&quot;:54.75,&quot;top&quot;:116.57039370078739,&quot;width&quot;:852.1158267716535}"/>
-</p:tagLst>
-</file>
-
-<file path=ppt/tags/tag104.xml><?xml version="1.0" encoding="utf-8"?>
-<p:tagLst xmlns:p="http://schemas.openxmlformats.org/presentationml/2006/main">
-  <p:tag name="KSO_WM_DIAGRAM_VIRTUALLY_FRAME" val="{&quot;height&quot;:392.15519685039374,&quot;left&quot;:54.75,&quot;top&quot;:116.57039370078739,&quot;width&quot;:852.1158267716535}"/>
-</p:tagLst>
-</file>
-
-<file path=ppt/tags/tag105.xml><?xml version="1.0" encoding="utf-8"?>
-<p:tagLst xmlns:p="http://schemas.openxmlformats.org/presentationml/2006/main">
-  <p:tag name="KSO_WM_DIAGRAM_VIRTUALLY_FRAME" val="{&quot;height&quot;:392.15519685039374,&quot;left&quot;:54.75,&quot;top&quot;:116.57039370078739,&quot;width&quot;:852.1158267716535}"/>
-</p:tagLst>
-</file>
-
-<file path=ppt/tags/tag106.xml><?xml version="1.0" encoding="utf-8"?>
-<p:tagLst xmlns:p="http://schemas.openxmlformats.org/presentationml/2006/main">
-  <p:tag name="KSO_WM_DIAGRAM_VIRTUALLY_FRAME" val="{&quot;height&quot;:392.15519685039374,&quot;left&quot;:54.75,&quot;top&quot;:116.57039370078739,&quot;width&quot;:852.1158267716535}"/>
-</p:tagLst>
-</file>
-
-<file path=ppt/tags/tag107.xml><?xml version="1.0" encoding="utf-8"?>
-<p:tagLst xmlns:p="http://schemas.openxmlformats.org/presentationml/2006/main">
-  <p:tag name="KSO_WM_DIAGRAM_VIRTUALLY_FRAME" val="{&quot;height&quot;:392.15519685039374,&quot;left&quot;:54.75,&quot;top&quot;:116.57039370078739,&quot;width&quot;:852.1158267716535}"/>
-</p:tagLst>
-</file>
-
-<file path=ppt/tags/tag108.xml><?xml version="1.0" encoding="utf-8"?>
-<p:tagLst xmlns:p="http://schemas.openxmlformats.org/presentationml/2006/main">
-  <p:tag name="KSO_WM_DIAGRAM_VIRTUALLY_FRAME" val="{&quot;height&quot;:392.15519685039374,&quot;left&quot;:54.75,&quot;top&quot;:116.57039370078739,&quot;width&quot;:852.1158267716535}"/>
-</p:tagLst>
-</file>
-
-<file path=ppt/tags/tag109.xml><?xml version="1.0" encoding="utf-8"?>
-<p:tagLst xmlns:p="http://schemas.openxmlformats.org/presentationml/2006/main">
-  <p:tag name="KSO_WM_DIAGRAM_VIRTUALLY_FRAME" val="{&quot;height&quot;:392.15519685039374,&quot;left&quot;:54.75,&quot;top&quot;:116.57039370078739,&quot;width&quot;:852.1158267716535}"/>
-</p:tagLst>
-</file>
-
-<file path=ppt/tags/tag11.xml><?xml version="1.0" encoding="utf-8"?>
-<p:tagLst xmlns:p="http://schemas.openxmlformats.org/presentationml/2006/main">
+<file path=ppt/tags/tag123.xml><?xml version="1.0" encoding="utf-8"?>
+<p:tagLst xmlns:a="http://schemas.openxmlformats.org/drawingml/2006/main" xmlns:r="http://schemas.openxmlformats.org/officeDocument/2006/relationships" xmlns:p="http://schemas.openxmlformats.org/presentationml/2006/main">
+  <p:tag name="KSO_WM_DIAGRAM_VIRTUALLY_FRAME" val="{&quot;height&quot;:312.50811023622043,&quot;left&quot;:514.8,&quot;top&quot;:142.8,&quot;width&quot;:390.450010450192}"/>
+</p:tagLst>
+</file>
+
+<file path=ppt/tags/tag124.xml><?xml version="1.0" encoding="utf-8"?>
+<p:tagLst xmlns:a="http://schemas.openxmlformats.org/drawingml/2006/main" xmlns:r="http://schemas.openxmlformats.org/officeDocument/2006/relationships" xmlns:p="http://schemas.openxmlformats.org/presentationml/2006/main">
+  <p:tag name="KSO_WM_DIAGRAM_VIRTUALLY_FRAME" val="{&quot;height&quot;:312.50811023622043,&quot;left&quot;:514.8,&quot;top&quot;:142.8,&quot;width&quot;:390.450010450192}"/>
+</p:tagLst>
+</file>
+
+<file path=ppt/tags/tag125.xml><?xml version="1.0" encoding="utf-8"?>
+<p:tagLst xmlns:a="http://schemas.openxmlformats.org/drawingml/2006/main" xmlns:r="http://schemas.openxmlformats.org/officeDocument/2006/relationships" xmlns:p="http://schemas.openxmlformats.org/presentationml/2006/main">
+  <p:tag name="KSO_WM_DIAGRAM_VIRTUALLY_FRAME" val="{&quot;height&quot;:312.50811023622043,&quot;left&quot;:514.8,&quot;top&quot;:142.8,&quot;width&quot;:390.450010450192}"/>
+</p:tagLst>
+</file>
+
+<file path=ppt/tags/tag126.xml><?xml version="1.0" encoding="utf-8"?>
+<p:tagLst xmlns:a="http://schemas.openxmlformats.org/drawingml/2006/main" xmlns:r="http://schemas.openxmlformats.org/officeDocument/2006/relationships" xmlns:p="http://schemas.openxmlformats.org/presentationml/2006/main">
+  <p:tag name="KSO_WM_DIAGRAM_VIRTUALLY_FRAME" val="{&quot;height&quot;:312.50811023622043,&quot;left&quot;:514.8,&quot;top&quot;:142.8,&quot;width&quot;:390.450010450192}"/>
+</p:tagLst>
+</file>
+
+<file path=ppt/tags/tag127.xml><?xml version="1.0" encoding="utf-8"?>
+<p:tagLst xmlns:a="http://schemas.openxmlformats.org/drawingml/2006/main" xmlns:r="http://schemas.openxmlformats.org/officeDocument/2006/relationships" xmlns:p="http://schemas.openxmlformats.org/presentationml/2006/main">
+  <p:tag name="KSO_WM_DIAGRAM_VIRTUALLY_FRAME" val="{&quot;height&quot;:312.50811023622043,&quot;left&quot;:514.8,&quot;top&quot;:142.8,&quot;width&quot;:390.450010450192}"/>
+</p:tagLst>
+</file>
+
+<file path=ppt/tags/tag128.xml><?xml version="1.0" encoding="utf-8"?>
+<p:tagLst xmlns:a="http://schemas.openxmlformats.org/drawingml/2006/main" xmlns:r="http://schemas.openxmlformats.org/officeDocument/2006/relationships" xmlns:p="http://schemas.openxmlformats.org/presentationml/2006/main">
+  <p:tag name="KSO_WM_DIAGRAM_VIRTUALLY_FRAME" val="{&quot;height&quot;:312.50811023622043,&quot;left&quot;:514.8,&quot;top&quot;:142.8,&quot;width&quot;:390.450010450192}"/>
+</p:tagLst>
+</file>
+
+<file path=ppt/tags/tag129.xml><?xml version="1.0" encoding="utf-8"?>
+<p:tagLst xmlns:a="http://schemas.openxmlformats.org/drawingml/2006/main" xmlns:r="http://schemas.openxmlformats.org/officeDocument/2006/relationships" xmlns:p="http://schemas.openxmlformats.org/presentationml/2006/main">
+  <p:tag name="KSO_WM_DIAGRAM_VIRTUALLY_FRAME" val="{&quot;height&quot;:312.50811023622043,&quot;left&quot;:514.8,&quot;top&quot;:142.8,&quot;width&quot;:390.450010450192}"/>
+</p:tagLst>
+</file>
+
+<file path=ppt/tags/tag13.xml><?xml version="1.0" encoding="utf-8"?>
+<p:tagLst xmlns:a="http://schemas.openxmlformats.org/drawingml/2006/main" xmlns:r="http://schemas.openxmlformats.org/officeDocument/2006/relationships" xmlns:p="http://schemas.openxmlformats.org/presentationml/2006/main">
+  <p:tag name="KSO_WM_UNIT_HIGHLIGHT" val="0"/>
+  <p:tag name="KSO_WM_UNIT_COMPATIBLE" val="0"/>
+  <p:tag name="KSO_WM_UNIT_DIAGRAM_ISNUMVISUAL" val="0"/>
+  <p:tag name="KSO_WM_UNIT_DIAGRAM_ISREFERUNIT" val="0"/>
+  <p:tag name="KSO_WM_UNIT_ID" val="_2**"/>
+  <p:tag name="KSO_WM_UNIT_LAYERLEVEL" val="1"/>
+  <p:tag name="KSO_WM_TAG_VERSION" val="1.0"/>
+  <p:tag name="KSO_WM_BEAUTIFY_FLAG" val="#wm#"/>
+</p:tagLst>
+</file>
+
+<file path=ppt/tags/tag130.xml><?xml version="1.0" encoding="utf-8"?>
+<p:tagLst xmlns:a="http://schemas.openxmlformats.org/drawingml/2006/main" xmlns:r="http://schemas.openxmlformats.org/officeDocument/2006/relationships" xmlns:p="http://schemas.openxmlformats.org/presentationml/2006/main">
+  <p:tag name="KSO_WM_DIAGRAM_VIRTUALLY_FRAME" val="{&quot;height&quot;:331.6637007874016,&quot;left&quot;:421.3802362204724,&quot;top&quot;:158.08629921259842,&quot;width&quot;:483.5697637795276}"/>
+</p:tagLst>
+</file>
+
+<file path=ppt/tags/tag14.xml><?xml version="1.0" encoding="utf-8"?>
+<p:tagLst xmlns:a="http://schemas.openxmlformats.org/drawingml/2006/main" xmlns:r="http://schemas.openxmlformats.org/officeDocument/2006/relationships" xmlns:p="http://schemas.openxmlformats.org/presentationml/2006/main">
+  <p:tag name="KSO_WM_UNIT_HIGHLIGHT" val="0"/>
+  <p:tag name="KSO_WM_UNIT_COMPATIBLE" val="0"/>
+  <p:tag name="KSO_WM_UNIT_DIAGRAM_ISNUMVISUAL" val="0"/>
+  <p:tag name="KSO_WM_UNIT_DIAGRAM_ISREFERUNIT" val="0"/>
+  <p:tag name="KSO_WM_UNIT_ID" val="_2**"/>
+  <p:tag name="KSO_WM_UNIT_LAYERLEVEL" val="1"/>
+  <p:tag name="KSO_WM_TAG_VERSION" val="1.0"/>
+  <p:tag name="KSO_WM_BEAUTIFY_FLAG" val="#wm#"/>
+</p:tagLst>
+</file>
+
+<file path=ppt/tags/tag15.xml><?xml version="1.0" encoding="utf-8"?>
+<p:tagLst xmlns:a="http://schemas.openxmlformats.org/drawingml/2006/main" xmlns:r="http://schemas.openxmlformats.org/officeDocument/2006/relationships" xmlns:p="http://schemas.openxmlformats.org/presentationml/2006/main">
+  <p:tag name="KSO_WM_UNIT_HIGHLIGHT" val="0"/>
+  <p:tag name="KSO_WM_UNIT_COMPATIBLE" val="0"/>
+  <p:tag name="KSO_WM_UNIT_DIAGRAM_ISNUMVISUAL" val="0"/>
+  <p:tag name="KSO_WM_UNIT_DIAGRAM_ISREFERUNIT" val="0"/>
+  <p:tag name="KSO_WM_UNIT_ID" val="_2**"/>
+  <p:tag name="KSO_WM_UNIT_LAYERLEVEL" val="1"/>
+  <p:tag name="KSO_WM_TAG_VERSION" val="1.0"/>
+  <p:tag name="KSO_WM_BEAUTIFY_FLAG" val="#wm#"/>
+</p:tagLst>
+</file>
+
+<file path=ppt/tags/tag16.xml><?xml version="1.0" encoding="utf-8"?>
+<p:tagLst xmlns:a="http://schemas.openxmlformats.org/drawingml/2006/main" xmlns:r="http://schemas.openxmlformats.org/officeDocument/2006/relationships" xmlns:p="http://schemas.openxmlformats.org/presentationml/2006/main">
+  <p:tag name="KSO_WM_UNIT_HIGHLIGHT" val="0"/>
+  <p:tag name="KSO_WM_UNIT_COMPATIBLE" val="0"/>
+  <p:tag name="KSO_WM_UNIT_DIAGRAM_ISNUMVISUAL" val="0"/>
+  <p:tag name="KSO_WM_UNIT_DIAGRAM_ISREFERUNIT" val="0"/>
+  <p:tag name="KSO_WM_UNIT_ID" val="_2**"/>
+  <p:tag name="KSO_WM_UNIT_LAYERLEVEL" val="1"/>
+  <p:tag name="KSO_WM_TAG_VERSION" val="1.0"/>
+  <p:tag name="KSO_WM_BEAUTIFY_FLAG" val="#wm#"/>
+</p:tagLst>
+</file>
+
+<file path=ppt/tags/tag17.xml><?xml version="1.0" encoding="utf-8"?>
+<p:tagLst xmlns:a="http://schemas.openxmlformats.org/drawingml/2006/main" xmlns:r="http://schemas.openxmlformats.org/officeDocument/2006/relationships" xmlns:p="http://schemas.openxmlformats.org/presentationml/2006/main">
   <p:tag name="KSO_WM_UNIT_HIGHLIGHT" val="0"/>
   <p:tag name="KSO_WM_UNIT_COMPATIBLE" val="0"/>
   <p:tag name="KSO_WM_UNIT_DIAGRAM_ISNUMVISUAL" val="0"/>
@@ -11241,68 +11171,8 @@
 </p:tagLst>
 </file>
 
-<file path=ppt/tags/tag110.xml><?xml version="1.0" encoding="utf-8"?>
-<p:tagLst xmlns:p="http://schemas.openxmlformats.org/presentationml/2006/main">
-  <p:tag name="KSO_WM_DIAGRAM_VIRTUALLY_FRAME" val="{&quot;height&quot;:392.15519685039374,&quot;left&quot;:54.75,&quot;top&quot;:116.57039370078739,&quot;width&quot;:852.1158267716535}"/>
-</p:tagLst>
-</file>
-
-<file path=ppt/tags/tag111.xml><?xml version="1.0" encoding="utf-8"?>
-<p:tagLst xmlns:p="http://schemas.openxmlformats.org/presentationml/2006/main">
-  <p:tag name="KSO_WM_DIAGRAM_VIRTUALLY_FRAME" val="{&quot;height&quot;:392.15519685039374,&quot;left&quot;:54.75,&quot;top&quot;:116.57039370078739,&quot;width&quot;:852.1158267716535}"/>
-</p:tagLst>
-</file>
-
-<file path=ppt/tags/tag112.xml><?xml version="1.0" encoding="utf-8"?>
-<p:tagLst xmlns:p="http://schemas.openxmlformats.org/presentationml/2006/main">
-  <p:tag name="KSO_WM_DIAGRAM_VIRTUALLY_FRAME" val="{&quot;height&quot;:180.6536034572031,&quot;left&quot;:46.28535433070865,&quot;top&quot;:247.75,&quot;width&quot;:858.9646456692914}"/>
-</p:tagLst>
-</file>
-
-<file path=ppt/tags/tag113.xml><?xml version="1.0" encoding="utf-8"?>
-<p:tagLst xmlns:p="http://schemas.openxmlformats.org/presentationml/2006/main">
-  <p:tag name="KSO_WM_DIAGRAM_VIRTUALLY_FRAME" val="{&quot;height&quot;:180.6536034572031,&quot;left&quot;:46.28535433070865,&quot;top&quot;:247.75,&quot;width&quot;:858.9646456692914}"/>
-</p:tagLst>
-</file>
-
-<file path=ppt/tags/tag114.xml><?xml version="1.0" encoding="utf-8"?>
-<p:tagLst xmlns:p="http://schemas.openxmlformats.org/presentationml/2006/main">
-  <p:tag name="KSO_WM_DIAGRAM_VIRTUALLY_FRAME" val="{&quot;height&quot;:180.6536034572031,&quot;left&quot;:46.28535433070865,&quot;top&quot;:247.75,&quot;width&quot;:858.9646456692914}"/>
-</p:tagLst>
-</file>
-
-<file path=ppt/tags/tag115.xml><?xml version="1.0" encoding="utf-8"?>
-<p:tagLst xmlns:p="http://schemas.openxmlformats.org/presentationml/2006/main">
-  <p:tag name="KSO_WM_DIAGRAM_VIRTUALLY_FRAME" val="{&quot;height&quot;:180.6536034572031,&quot;left&quot;:46.28535433070865,&quot;top&quot;:247.75,&quot;width&quot;:858.9646456692914}"/>
-</p:tagLst>
-</file>
-
-<file path=ppt/tags/tag116.xml><?xml version="1.0" encoding="utf-8"?>
-<p:tagLst xmlns:p="http://schemas.openxmlformats.org/presentationml/2006/main">
-  <p:tag name="KSO_WM_DIAGRAM_VIRTUALLY_FRAME" val="{&quot;height&quot;:168.1604724409449,&quot;left&quot;:46.28535433070865,&quot;top&quot;:247.75,&quot;width&quot;:858.9646456692914}"/>
-</p:tagLst>
-</file>
-
-<file path=ppt/tags/tag117.xml><?xml version="1.0" encoding="utf-8"?>
-<p:tagLst xmlns:p="http://schemas.openxmlformats.org/presentationml/2006/main">
-  <p:tag name="KSO_WM_DIAGRAM_VIRTUALLY_FRAME" val="{&quot;height&quot;:180.6536034572031,&quot;left&quot;:46.28535433070865,&quot;top&quot;:247.75,&quot;width&quot;:858.9646456692914}"/>
-</p:tagLst>
-</file>
-
-<file path=ppt/tags/tag118.xml><?xml version="1.0" encoding="utf-8"?>
-<p:tagLst xmlns:p="http://schemas.openxmlformats.org/presentationml/2006/main">
-  <p:tag name="KSO_WM_DIAGRAM_VIRTUALLY_FRAME" val="{&quot;height&quot;:180.6536034572031,&quot;left&quot;:46.28535433070865,&quot;top&quot;:247.75,&quot;width&quot;:858.9646456692914}"/>
-</p:tagLst>
-</file>
-
-<file path=ppt/tags/tag119.xml><?xml version="1.0" encoding="utf-8"?>
-<p:tagLst xmlns:p="http://schemas.openxmlformats.org/presentationml/2006/main">
-  <p:tag name="KSO_WM_DIAGRAM_VIRTUALLY_FRAME" val="{&quot;height&quot;:180.6536034572031,&quot;left&quot;:46.28535433070865,&quot;top&quot;:247.75,&quot;width&quot;:858.9646456692914}"/>
-</p:tagLst>
-</file>
-
-<file path=ppt/tags/tag12.xml><?xml version="1.0" encoding="utf-8"?>
-<p:tagLst xmlns:p="http://schemas.openxmlformats.org/presentationml/2006/main">
+<file path=ppt/tags/tag18.xml><?xml version="1.0" encoding="utf-8"?>
+<p:tagLst xmlns:a="http://schemas.openxmlformats.org/drawingml/2006/main" xmlns:r="http://schemas.openxmlformats.org/officeDocument/2006/relationships" xmlns:p="http://schemas.openxmlformats.org/presentationml/2006/main">
   <p:tag name="KSO_WM_UNIT_HIGHLIGHT" val="0"/>
   <p:tag name="KSO_WM_UNIT_COMPATIBLE" val="0"/>
   <p:tag name="KSO_WM_UNIT_DIAGRAM_ISNUMVISUAL" val="0"/>
@@ -11314,68 +11184,8 @@
 </p:tagLst>
 </file>
 
-<file path=ppt/tags/tag120.xml><?xml version="1.0" encoding="utf-8"?>
-<p:tagLst xmlns:p="http://schemas.openxmlformats.org/presentationml/2006/main">
-  <p:tag name="KSO_WM_DIAGRAM_VIRTUALLY_FRAME" val="{&quot;height&quot;:168.1604724409449,&quot;left&quot;:46.28535433070865,&quot;top&quot;:247.75,&quot;width&quot;:858.9646456692914}"/>
-</p:tagLst>
-</file>
-
-<file path=ppt/tags/tag121.xml><?xml version="1.0" encoding="utf-8"?>
-<p:tagLst xmlns:p="http://schemas.openxmlformats.org/presentationml/2006/main">
-  <p:tag name="KSO_WM_DIAGRAM_VIRTUALLY_FRAME" val="{&quot;height&quot;:180.6536034572031,&quot;left&quot;:46.28535433070865,&quot;top&quot;:247.75,&quot;width&quot;:858.9646456692914}"/>
-</p:tagLst>
-</file>
-
-<file path=ppt/tags/tag122.xml><?xml version="1.0" encoding="utf-8"?>
-<p:tagLst xmlns:p="http://schemas.openxmlformats.org/presentationml/2006/main">
-  <p:tag name="KSO_WM_DIAGRAM_VIRTUALLY_FRAME" val="{&quot;height&quot;:168.1604724409449,&quot;left&quot;:46.28535433070865,&quot;top&quot;:247.75,&quot;width&quot;:858.9646456692914}"/>
-</p:tagLst>
-</file>
-
-<file path=ppt/tags/tag123.xml><?xml version="1.0" encoding="utf-8"?>
-<p:tagLst xmlns:p="http://schemas.openxmlformats.org/presentationml/2006/main">
-  <p:tag name="KSO_WM_DIAGRAM_VIRTUALLY_FRAME" val="{&quot;height&quot;:312.50811023622043,&quot;left&quot;:514.8,&quot;top&quot;:142.8,&quot;width&quot;:390.450010450192}"/>
-</p:tagLst>
-</file>
-
-<file path=ppt/tags/tag124.xml><?xml version="1.0" encoding="utf-8"?>
-<p:tagLst xmlns:p="http://schemas.openxmlformats.org/presentationml/2006/main">
-  <p:tag name="KSO_WM_DIAGRAM_VIRTUALLY_FRAME" val="{&quot;height&quot;:312.50811023622043,&quot;left&quot;:514.8,&quot;top&quot;:142.8,&quot;width&quot;:390.450010450192}"/>
-</p:tagLst>
-</file>
-
-<file path=ppt/tags/tag125.xml><?xml version="1.0" encoding="utf-8"?>
-<p:tagLst xmlns:p="http://schemas.openxmlformats.org/presentationml/2006/main">
-  <p:tag name="KSO_WM_DIAGRAM_VIRTUALLY_FRAME" val="{&quot;height&quot;:312.50811023622043,&quot;left&quot;:514.8,&quot;top&quot;:142.8,&quot;width&quot;:390.450010450192}"/>
-</p:tagLst>
-</file>
-
-<file path=ppt/tags/tag126.xml><?xml version="1.0" encoding="utf-8"?>
-<p:tagLst xmlns:p="http://schemas.openxmlformats.org/presentationml/2006/main">
-  <p:tag name="KSO_WM_DIAGRAM_VIRTUALLY_FRAME" val="{&quot;height&quot;:312.50811023622043,&quot;left&quot;:514.8,&quot;top&quot;:142.8,&quot;width&quot;:390.450010450192}"/>
-</p:tagLst>
-</file>
-
-<file path=ppt/tags/tag127.xml><?xml version="1.0" encoding="utf-8"?>
-<p:tagLst xmlns:p="http://schemas.openxmlformats.org/presentationml/2006/main">
-  <p:tag name="KSO_WM_DIAGRAM_VIRTUALLY_FRAME" val="{&quot;height&quot;:312.50811023622043,&quot;left&quot;:514.8,&quot;top&quot;:142.8,&quot;width&quot;:390.450010450192}"/>
-</p:tagLst>
-</file>
-
-<file path=ppt/tags/tag128.xml><?xml version="1.0" encoding="utf-8"?>
-<p:tagLst xmlns:p="http://schemas.openxmlformats.org/presentationml/2006/main">
-  <p:tag name="KSO_WM_DIAGRAM_VIRTUALLY_FRAME" val="{&quot;height&quot;:312.50811023622043,&quot;left&quot;:514.8,&quot;top&quot;:142.8,&quot;width&quot;:390.450010450192}"/>
-</p:tagLst>
-</file>
-
-<file path=ppt/tags/tag129.xml><?xml version="1.0" encoding="utf-8"?>
-<p:tagLst xmlns:p="http://schemas.openxmlformats.org/presentationml/2006/main">
-  <p:tag name="KSO_WM_DIAGRAM_VIRTUALLY_FRAME" val="{&quot;height&quot;:312.50811023622043,&quot;left&quot;:514.8,&quot;top&quot;:142.8,&quot;width&quot;:390.450010450192}"/>
-</p:tagLst>
-</file>
-
-<file path=ppt/tags/tag13.xml><?xml version="1.0" encoding="utf-8"?>
-<p:tagLst xmlns:p="http://schemas.openxmlformats.org/presentationml/2006/main">
+<file path=ppt/tags/tag19.xml><?xml version="1.0" encoding="utf-8"?>
+<p:tagLst xmlns:a="http://schemas.openxmlformats.org/drawingml/2006/main" xmlns:r="http://schemas.openxmlformats.org/officeDocument/2006/relationships" xmlns:p="http://schemas.openxmlformats.org/presentationml/2006/main">
   <p:tag name="KSO_WM_UNIT_HIGHLIGHT" val="0"/>
   <p:tag name="KSO_WM_UNIT_COMPATIBLE" val="0"/>
   <p:tag name="KSO_WM_UNIT_DIAGRAM_ISNUMVISUAL" val="0"/>
@@ -11387,625 +11197,8 @@
 </p:tagLst>
 </file>
 
-<file path=ppt/tags/tag130.xml><?xml version="1.0" encoding="utf-8"?>
-<p:tagLst xmlns:p="http://schemas.openxmlformats.org/presentationml/2006/main">
-  <p:tag name="KSO_WM_DIAGRAM_VIRTUALLY_FRAME" val="{&quot;height&quot;:331.6637007874016,&quot;left&quot;:421.3802362204724,&quot;top&quot;:158.08629921259842,&quot;width&quot;:483.5697637795276}"/>
-</p:tagLst>
-</file>
-
-<file path=ppt/tags/tag14.xml><?xml version="1.0" encoding="utf-8"?>
-<p:tagLst xmlns:p="http://schemas.openxmlformats.org/presentationml/2006/main">
-  <p:tag name="KSO_WM_UNIT_HIGHLIGHT" val="0"/>
-  <p:tag name="KSO_WM_UNIT_COMPATIBLE" val="0"/>
-  <p:tag name="KSO_WM_UNIT_DIAGRAM_ISNUMVISUAL" val="0"/>
-  <p:tag name="KSO_WM_UNIT_DIAGRAM_ISREFERUNIT" val="0"/>
-  <p:tag name="KSO_WM_UNIT_ID" val="_3**"/>
-  <p:tag name="KSO_WM_UNIT_LAYERLEVEL" val="1"/>
-  <p:tag name="KSO_WM_TAG_VERSION" val="1.0"/>
-  <p:tag name="KSO_WM_BEAUTIFY_FLAG" val="#wm#"/>
-</p:tagLst>
-</file>
-
-<file path=ppt/tags/tag15.xml><?xml version="1.0" encoding="utf-8"?>
-<p:tagLst xmlns:p="http://schemas.openxmlformats.org/presentationml/2006/main">
-  <p:tag name="KSO_WM_UNIT_HIGHLIGHT" val="0"/>
-  <p:tag name="KSO_WM_UNIT_COMPATIBLE" val="0"/>
-  <p:tag name="KSO_WM_UNIT_DIAGRAM_ISNUMVISUAL" val="0"/>
-  <p:tag name="KSO_WM_UNIT_DIAGRAM_ISREFERUNIT" val="0"/>
-  <p:tag name="KSO_WM_UNIT_ID" val="_3**"/>
-  <p:tag name="KSO_WM_UNIT_LAYERLEVEL" val="1"/>
-  <p:tag name="KSO_WM_TAG_VERSION" val="1.0"/>
-  <p:tag name="KSO_WM_BEAUTIFY_FLAG" val="#wm#"/>
-</p:tagLst>
-</file>
-
-<file path=ppt/tags/tag16.xml><?xml version="1.0" encoding="utf-8"?>
-<p:tagLst xmlns:p="http://schemas.openxmlformats.org/presentationml/2006/main">
-  <p:tag name="KSO_WM_UNIT_HIGHLIGHT" val="0"/>
-  <p:tag name="KSO_WM_UNIT_COMPATIBLE" val="0"/>
-  <p:tag name="KSO_WM_UNIT_DIAGRAM_ISNUMVISUAL" val="0"/>
-  <p:tag name="KSO_WM_UNIT_DIAGRAM_ISREFERUNIT" val="0"/>
-  <p:tag name="KSO_WM_UNIT_ID" val="_4**"/>
-  <p:tag name="KSO_WM_UNIT_LAYERLEVEL" val="1"/>
-  <p:tag name="KSO_WM_TAG_VERSION" val="1.0"/>
-  <p:tag name="KSO_WM_BEAUTIFY_FLAG" val="#wm#"/>
-</p:tagLst>
-</file>
-
-<file path=ppt/tags/tag17.xml><?xml version="1.0" encoding="utf-8"?>
-<p:tagLst xmlns:p="http://schemas.openxmlformats.org/presentationml/2006/main">
-  <p:tag name="KSO_WM_UNIT_HIGHLIGHT" val="0"/>
-  <p:tag name="KSO_WM_UNIT_COMPATIBLE" val="0"/>
-  <p:tag name="KSO_WM_UNIT_DIAGRAM_ISNUMVISUAL" val="0"/>
-  <p:tag name="KSO_WM_UNIT_DIAGRAM_ISREFERUNIT" val="0"/>
-  <p:tag name="KSO_WM_UNIT_ID" val="_4**"/>
-  <p:tag name="KSO_WM_UNIT_LAYERLEVEL" val="1"/>
-  <p:tag name="KSO_WM_TAG_VERSION" val="1.0"/>
-  <p:tag name="KSO_WM_BEAUTIFY_FLAG" val="#wm#"/>
-</p:tagLst>
-</file>
-
-<file path=ppt/tags/tag18.xml><?xml version="1.0" encoding="utf-8"?>
-<p:tagLst xmlns:p="http://schemas.openxmlformats.org/presentationml/2006/main">
-  <p:tag name="KSO_WM_UNIT_HIGHLIGHT" val="0"/>
-  <p:tag name="KSO_WM_UNIT_COMPATIBLE" val="0"/>
-  <p:tag name="KSO_WM_UNIT_DIAGRAM_ISNUMVISUAL" val="0"/>
-  <p:tag name="KSO_WM_UNIT_DIAGRAM_ISREFERUNIT" val="0"/>
-  <p:tag name="KSO_WM_UNIT_ID" val="_4**"/>
-  <p:tag name="KSO_WM_UNIT_LAYERLEVEL" val="1"/>
-  <p:tag name="KSO_WM_TAG_VERSION" val="1.0"/>
-  <p:tag name="KSO_WM_BEAUTIFY_FLAG" val="#wm#"/>
-</p:tagLst>
-</file>
-
-<file path=ppt/tags/tag19.xml><?xml version="1.0" encoding="utf-8"?>
-<p:tagLst xmlns:p="http://schemas.openxmlformats.org/presentationml/2006/main">
-  <p:tag name="KSO_WM_UNIT_HIGHLIGHT" val="0"/>
-  <p:tag name="KSO_WM_UNIT_COMPATIBLE" val="0"/>
-  <p:tag name="KSO_WM_UNIT_DIAGRAM_ISNUMVISUAL" val="0"/>
-  <p:tag name="KSO_WM_UNIT_DIAGRAM_ISREFERUNIT" val="0"/>
-  <p:tag name="KSO_WM_UNIT_ID" val="_4**"/>
-  <p:tag name="KSO_WM_UNIT_LAYERLEVEL" val="1"/>
-  <p:tag name="KSO_WM_TAG_VERSION" val="1.0"/>
-  <p:tag name="KSO_WM_BEAUTIFY_FLAG" val="#wm#"/>
-</p:tagLst>
-</file>
-
 <file path=ppt/tags/tag2.xml><?xml version="1.0" encoding="utf-8"?>
-<p:tagLst xmlns:p="http://schemas.openxmlformats.org/presentationml/2006/main">
-  <p:tag name="KSO_WM_UNIT_HIGHLIGHT" val="0"/>
-  <p:tag name="KSO_WM_UNIT_COMPATIBLE" val="0"/>
-  <p:tag name="KSO_WM_UNIT_DIAGRAM_ISNUMVISUAL" val="0"/>
-  <p:tag name="KSO_WM_UNIT_DIAGRAM_ISREFERUNIT" val="0"/>
-  <p:tag name="KSO_WM_UNIT_ID" val="_1**"/>
-  <p:tag name="KSO_WM_UNIT_LAYERLEVEL" val="1"/>
-  <p:tag name="KSO_WM_TAG_VERSION" val="1.0"/>
-  <p:tag name="KSO_WM_BEAUTIFY_FLAG" val="#wm#"/>
-</p:tagLst>
-</file>
-
-<file path=ppt/tags/tag20.xml><?xml version="1.0" encoding="utf-8"?>
-<p:tagLst xmlns:p="http://schemas.openxmlformats.org/presentationml/2006/main">
-  <p:tag name="KSO_WM_UNIT_HIGHLIGHT" val="0"/>
-  <p:tag name="KSO_WM_UNIT_COMPATIBLE" val="0"/>
-  <p:tag name="KSO_WM_UNIT_DIAGRAM_ISNUMVISUAL" val="0"/>
-  <p:tag name="KSO_WM_UNIT_DIAGRAM_ISREFERUNIT" val="0"/>
-  <p:tag name="KSO_WM_UNIT_ID" val="_4**"/>
-  <p:tag name="KSO_WM_UNIT_LAYERLEVEL" val="1"/>
-  <p:tag name="KSO_WM_TAG_VERSION" val="1.0"/>
-  <p:tag name="KSO_WM_BEAUTIFY_FLAG" val="#wm#"/>
-</p:tagLst>
-</file>
-
-<file path=ppt/tags/tag21.xml><?xml version="1.0" encoding="utf-8"?>
-<p:tagLst xmlns:p="http://schemas.openxmlformats.org/presentationml/2006/main">
-  <p:tag name="KSO_WM_UNIT_HIGHLIGHT" val="0"/>
-  <p:tag name="KSO_WM_UNIT_COMPATIBLE" val="0"/>
-  <p:tag name="KSO_WM_UNIT_DIAGRAM_ISNUMVISUAL" val="0"/>
-  <p:tag name="KSO_WM_UNIT_DIAGRAM_ISREFERUNIT" val="0"/>
-  <p:tag name="KSO_WM_UNIT_ID" val="_4**"/>
-  <p:tag name="KSO_WM_UNIT_LAYERLEVEL" val="1"/>
-  <p:tag name="KSO_WM_TAG_VERSION" val="1.0"/>
-  <p:tag name="KSO_WM_BEAUTIFY_FLAG" val="#wm#"/>
-</p:tagLst>
-</file>
-
-<file path=ppt/tags/tag22.xml><?xml version="1.0" encoding="utf-8"?>
-<p:tagLst xmlns:p="http://schemas.openxmlformats.org/presentationml/2006/main">
-  <p:tag name="KSO_WM_UNIT_HIGHLIGHT" val="0"/>
-  <p:tag name="KSO_WM_UNIT_COMPATIBLE" val="0"/>
-  <p:tag name="KSO_WM_UNIT_DIAGRAM_ISNUMVISUAL" val="0"/>
-  <p:tag name="KSO_WM_UNIT_DIAGRAM_ISREFERUNIT" val="0"/>
-  <p:tag name="KSO_WM_UNIT_ID" val="_5**"/>
-  <p:tag name="KSO_WM_UNIT_LAYERLEVEL" val="1"/>
-  <p:tag name="KSO_WM_TAG_VERSION" val="1.0"/>
-  <p:tag name="KSO_WM_BEAUTIFY_FLAG" val="#wm#"/>
-</p:tagLst>
-</file>
-
-<file path=ppt/tags/tag23.xml><?xml version="1.0" encoding="utf-8"?>
-<p:tagLst xmlns:p="http://schemas.openxmlformats.org/presentationml/2006/main">
-  <p:tag name="KSO_WM_UNIT_HIGHLIGHT" val="0"/>
-  <p:tag name="KSO_WM_UNIT_COMPATIBLE" val="0"/>
-  <p:tag name="KSO_WM_UNIT_DIAGRAM_ISNUMVISUAL" val="0"/>
-  <p:tag name="KSO_WM_UNIT_DIAGRAM_ISREFERUNIT" val="0"/>
-  <p:tag name="KSO_WM_UNIT_ID" val="_5**"/>
-  <p:tag name="KSO_WM_UNIT_LAYERLEVEL" val="1"/>
-  <p:tag name="KSO_WM_TAG_VERSION" val="1.0"/>
-  <p:tag name="KSO_WM_BEAUTIFY_FLAG" val="#wm#"/>
-</p:tagLst>
-</file>
-
-<file path=ppt/tags/tag24.xml><?xml version="1.0" encoding="utf-8"?>
-<p:tagLst xmlns:p="http://schemas.openxmlformats.org/presentationml/2006/main">
-  <p:tag name="KSO_WM_UNIT_HIGHLIGHT" val="0"/>
-  <p:tag name="KSO_WM_UNIT_COMPATIBLE" val="0"/>
-  <p:tag name="KSO_WM_UNIT_DIAGRAM_ISNUMVISUAL" val="0"/>
-  <p:tag name="KSO_WM_UNIT_DIAGRAM_ISREFERUNIT" val="0"/>
-  <p:tag name="KSO_WM_UNIT_ID" val="_5**"/>
-  <p:tag name="KSO_WM_UNIT_LAYERLEVEL" val="1"/>
-  <p:tag name="KSO_WM_TAG_VERSION" val="1.0"/>
-  <p:tag name="KSO_WM_BEAUTIFY_FLAG" val="#wm#"/>
-</p:tagLst>
-</file>
-
-<file path=ppt/tags/tag25.xml><?xml version="1.0" encoding="utf-8"?>
-<p:tagLst xmlns:p="http://schemas.openxmlformats.org/presentationml/2006/main">
-  <p:tag name="KSO_WM_UNIT_HIGHLIGHT" val="0"/>
-  <p:tag name="KSO_WM_UNIT_COMPATIBLE" val="0"/>
-  <p:tag name="KSO_WM_UNIT_DIAGRAM_ISNUMVISUAL" val="0"/>
-  <p:tag name="KSO_WM_UNIT_DIAGRAM_ISREFERUNIT" val="0"/>
-  <p:tag name="KSO_WM_UNIT_ID" val="_5**"/>
-  <p:tag name="KSO_WM_UNIT_LAYERLEVEL" val="1"/>
-  <p:tag name="KSO_WM_TAG_VERSION" val="1.0"/>
-  <p:tag name="KSO_WM_BEAUTIFY_FLAG" val="#wm#"/>
-</p:tagLst>
-</file>
-
-<file path=ppt/tags/tag26.xml><?xml version="1.0" encoding="utf-8"?>
-<p:tagLst xmlns:p="http://schemas.openxmlformats.org/presentationml/2006/main">
-  <p:tag name="KSO_WM_UNIT_HIGHLIGHT" val="0"/>
-  <p:tag name="KSO_WM_UNIT_COMPATIBLE" val="0"/>
-  <p:tag name="KSO_WM_UNIT_DIAGRAM_ISNUMVISUAL" val="0"/>
-  <p:tag name="KSO_WM_UNIT_DIAGRAM_ISREFERUNIT" val="0"/>
-  <p:tag name="KSO_WM_UNIT_ID" val="_5**"/>
-  <p:tag name="KSO_WM_UNIT_LAYERLEVEL" val="1"/>
-  <p:tag name="KSO_WM_TAG_VERSION" val="1.0"/>
-  <p:tag name="KSO_WM_BEAUTIFY_FLAG" val="#wm#"/>
-</p:tagLst>
-</file>
-
-<file path=ppt/tags/tag27.xml><?xml version="1.0" encoding="utf-8"?>
-<p:tagLst xmlns:p="http://schemas.openxmlformats.org/presentationml/2006/main">
-  <p:tag name="KSO_WM_UNIT_HIGHLIGHT" val="0"/>
-  <p:tag name="KSO_WM_UNIT_COMPATIBLE" val="0"/>
-  <p:tag name="KSO_WM_UNIT_DIAGRAM_ISNUMVISUAL" val="0"/>
-  <p:tag name="KSO_WM_UNIT_DIAGRAM_ISREFERUNIT" val="0"/>
-  <p:tag name="KSO_WM_UNIT_ID" val="_5**"/>
-  <p:tag name="KSO_WM_UNIT_LAYERLEVEL" val="1"/>
-  <p:tag name="KSO_WM_TAG_VERSION" val="1.0"/>
-  <p:tag name="KSO_WM_BEAUTIFY_FLAG" val="#wm#"/>
-</p:tagLst>
-</file>
-
-<file path=ppt/tags/tag28.xml><?xml version="1.0" encoding="utf-8"?>
-<p:tagLst xmlns:p="http://schemas.openxmlformats.org/presentationml/2006/main">
-  <p:tag name="KSO_WM_UNIT_HIGHLIGHT" val="0"/>
-  <p:tag name="KSO_WM_UNIT_COMPATIBLE" val="0"/>
-  <p:tag name="KSO_WM_UNIT_DIAGRAM_ISNUMVISUAL" val="0"/>
-  <p:tag name="KSO_WM_UNIT_DIAGRAM_ISREFERUNIT" val="0"/>
-  <p:tag name="KSO_WM_UNIT_ID" val="_5**"/>
-  <p:tag name="KSO_WM_UNIT_LAYERLEVEL" val="1"/>
-  <p:tag name="KSO_WM_TAG_VERSION" val="1.0"/>
-  <p:tag name="KSO_WM_BEAUTIFY_FLAG" val="#wm#"/>
-</p:tagLst>
-</file>
-
-<file path=ppt/tags/tag29.xml><?xml version="1.0" encoding="utf-8"?>
-<p:tagLst xmlns:p="http://schemas.openxmlformats.org/presentationml/2006/main">
-  <p:tag name="KSO_WM_UNIT_HIGHLIGHT" val="0"/>
-  <p:tag name="KSO_WM_UNIT_COMPATIBLE" val="0"/>
-  <p:tag name="KSO_WM_UNIT_DIAGRAM_ISNUMVISUAL" val="0"/>
-  <p:tag name="KSO_WM_UNIT_DIAGRAM_ISREFERUNIT" val="0"/>
-  <p:tag name="KSO_WM_UNIT_ID" val="_5**"/>
-  <p:tag name="KSO_WM_UNIT_LAYERLEVEL" val="1"/>
-  <p:tag name="KSO_WM_TAG_VERSION" val="1.0"/>
-  <p:tag name="KSO_WM_BEAUTIFY_FLAG" val="#wm#"/>
-</p:tagLst>
-</file>
-
-<file path=ppt/tags/tag3.xml><?xml version="1.0" encoding="utf-8"?>
-<p:tagLst xmlns:p="http://schemas.openxmlformats.org/presentationml/2006/main">
-  <p:tag name="KSO_WM_UNIT_HIGHLIGHT" val="0"/>
-  <p:tag name="KSO_WM_UNIT_COMPATIBLE" val="0"/>
-  <p:tag name="KSO_WM_UNIT_DIAGRAM_ISNUMVISUAL" val="0"/>
-  <p:tag name="KSO_WM_UNIT_DIAGRAM_ISREFERUNIT" val="0"/>
-  <p:tag name="KSO_WM_UNIT_ID" val="_1**"/>
-  <p:tag name="KSO_WM_UNIT_LAYERLEVEL" val="1"/>
-  <p:tag name="KSO_WM_TAG_VERSION" val="1.0"/>
-  <p:tag name="KSO_WM_BEAUTIFY_FLAG" val="#wm#"/>
-</p:tagLst>
-</file>
-
-<file path=ppt/tags/tag30.xml><?xml version="1.0" encoding="utf-8"?>
-<p:tagLst xmlns:p="http://schemas.openxmlformats.org/presentationml/2006/main">
-  <p:tag name="KSO_WM_UNIT_HIGHLIGHT" val="0"/>
-  <p:tag name="KSO_WM_UNIT_COMPATIBLE" val="0"/>
-  <p:tag name="KSO_WM_UNIT_DIAGRAM_ISNUMVISUAL" val="0"/>
-  <p:tag name="KSO_WM_UNIT_DIAGRAM_ISREFERUNIT" val="0"/>
-  <p:tag name="KSO_WM_UNIT_ID" val="_6**"/>
-  <p:tag name="KSO_WM_UNIT_LAYERLEVEL" val="1"/>
-  <p:tag name="KSO_WM_TAG_VERSION" val="1.0"/>
-  <p:tag name="KSO_WM_BEAUTIFY_FLAG" val="#wm#"/>
-</p:tagLst>
-</file>
-
-<file path=ppt/tags/tag31.xml><?xml version="1.0" encoding="utf-8"?>
-<p:tagLst xmlns:p="http://schemas.openxmlformats.org/presentationml/2006/main">
-  <p:tag name="KSO_WM_UNIT_HIGHLIGHT" val="0"/>
-  <p:tag name="KSO_WM_UNIT_COMPATIBLE" val="0"/>
-  <p:tag name="KSO_WM_UNIT_DIAGRAM_ISNUMVISUAL" val="0"/>
-  <p:tag name="KSO_WM_UNIT_DIAGRAM_ISREFERUNIT" val="0"/>
-  <p:tag name="KSO_WM_UNIT_ID" val="_6**"/>
-  <p:tag name="KSO_WM_UNIT_LAYERLEVEL" val="1"/>
-  <p:tag name="KSO_WM_TAG_VERSION" val="1.0"/>
-  <p:tag name="KSO_WM_BEAUTIFY_FLAG" val="#wm#"/>
-</p:tagLst>
-</file>
-
-<file path=ppt/tags/tag32.xml><?xml version="1.0" encoding="utf-8"?>
-<p:tagLst xmlns:p="http://schemas.openxmlformats.org/presentationml/2006/main">
-  <p:tag name="KSO_WM_UNIT_HIGHLIGHT" val="0"/>
-  <p:tag name="KSO_WM_UNIT_COMPATIBLE" val="0"/>
-  <p:tag name="KSO_WM_UNIT_DIAGRAM_ISNUMVISUAL" val="0"/>
-  <p:tag name="KSO_WM_UNIT_DIAGRAM_ISREFERUNIT" val="0"/>
-  <p:tag name="KSO_WM_UNIT_ID" val="_6**"/>
-  <p:tag name="KSO_WM_UNIT_LAYERLEVEL" val="1"/>
-  <p:tag name="KSO_WM_TAG_VERSION" val="1.0"/>
-  <p:tag name="KSO_WM_BEAUTIFY_FLAG" val="#wm#"/>
-</p:tagLst>
-</file>
-
-<file path=ppt/tags/tag33.xml><?xml version="1.0" encoding="utf-8"?>
-<p:tagLst xmlns:p="http://schemas.openxmlformats.org/presentationml/2006/main">
-  <p:tag name="KSO_WM_UNIT_HIGHLIGHT" val="0"/>
-  <p:tag name="KSO_WM_UNIT_COMPATIBLE" val="0"/>
-  <p:tag name="KSO_WM_UNIT_DIAGRAM_ISNUMVISUAL" val="0"/>
-  <p:tag name="KSO_WM_UNIT_DIAGRAM_ISREFERUNIT" val="0"/>
-  <p:tag name="KSO_WM_UNIT_ID" val="_6**"/>
-  <p:tag name="KSO_WM_UNIT_LAYERLEVEL" val="1"/>
-  <p:tag name="KSO_WM_TAG_VERSION" val="1.0"/>
-  <p:tag name="KSO_WM_BEAUTIFY_FLAG" val="#wm#"/>
-</p:tagLst>
-</file>
-
-<file path=ppt/tags/tag34.xml><?xml version="1.0" encoding="utf-8"?>
-<p:tagLst xmlns:p="http://schemas.openxmlformats.org/presentationml/2006/main">
-  <p:tag name="KSO_WM_UNIT_HIGHLIGHT" val="0"/>
-  <p:tag name="KSO_WM_UNIT_COMPATIBLE" val="0"/>
-  <p:tag name="KSO_WM_UNIT_DIAGRAM_ISNUMVISUAL" val="0"/>
-  <p:tag name="KSO_WM_UNIT_DIAGRAM_ISREFERUNIT" val="0"/>
-  <p:tag name="KSO_WM_UNIT_ID" val="_7**"/>
-  <p:tag name="KSO_WM_UNIT_LAYERLEVEL" val="1"/>
-  <p:tag name="KSO_WM_TAG_VERSION" val="1.0"/>
-  <p:tag name="KSO_WM_BEAUTIFY_FLAG" val="#wm#"/>
-</p:tagLst>
-</file>
-
-<file path=ppt/tags/tag35.xml><?xml version="1.0" encoding="utf-8"?>
-<p:tagLst xmlns:p="http://schemas.openxmlformats.org/presentationml/2006/main">
-  <p:tag name="KSO_WM_UNIT_HIGHLIGHT" val="0"/>
-  <p:tag name="KSO_WM_UNIT_COMPATIBLE" val="0"/>
-  <p:tag name="KSO_WM_UNIT_DIAGRAM_ISNUMVISUAL" val="0"/>
-  <p:tag name="KSO_WM_UNIT_DIAGRAM_ISREFERUNIT" val="0"/>
-  <p:tag name="KSO_WM_UNIT_ID" val="_7**"/>
-  <p:tag name="KSO_WM_UNIT_LAYERLEVEL" val="1"/>
-  <p:tag name="KSO_WM_TAG_VERSION" val="1.0"/>
-  <p:tag name="KSO_WM_BEAUTIFY_FLAG" val="#wm#"/>
-</p:tagLst>
-</file>
-
-<file path=ppt/tags/tag36.xml><?xml version="1.0" encoding="utf-8"?>
-<p:tagLst xmlns:p="http://schemas.openxmlformats.org/presentationml/2006/main">
-  <p:tag name="KSO_WM_UNIT_HIGHLIGHT" val="0"/>
-  <p:tag name="KSO_WM_UNIT_COMPATIBLE" val="0"/>
-  <p:tag name="KSO_WM_UNIT_DIAGRAM_ISNUMVISUAL" val="0"/>
-  <p:tag name="KSO_WM_UNIT_DIAGRAM_ISREFERUNIT" val="0"/>
-  <p:tag name="KSO_WM_UNIT_ID" val="_7**"/>
-  <p:tag name="KSO_WM_UNIT_LAYERLEVEL" val="1"/>
-  <p:tag name="KSO_WM_TAG_VERSION" val="1.0"/>
-  <p:tag name="KSO_WM_BEAUTIFY_FLAG" val="#wm#"/>
-</p:tagLst>
-</file>
-
-<file path=ppt/tags/tag37.xml><?xml version="1.0" encoding="utf-8"?>
-<p:tagLst xmlns:p="http://schemas.openxmlformats.org/presentationml/2006/main">
-  <p:tag name="KSO_WM_UNIT_HIGHLIGHT" val="0"/>
-  <p:tag name="KSO_WM_UNIT_COMPATIBLE" val="0"/>
-  <p:tag name="KSO_WM_UNIT_DIAGRAM_ISNUMVISUAL" val="0"/>
-  <p:tag name="KSO_WM_UNIT_DIAGRAM_ISREFERUNIT" val="0"/>
-  <p:tag name="KSO_WM_UNIT_ID" val="_8**"/>
-  <p:tag name="KSO_WM_UNIT_LAYERLEVEL" val="1"/>
-  <p:tag name="KSO_WM_TAG_VERSION" val="1.0"/>
-  <p:tag name="KSO_WM_BEAUTIFY_FLAG" val="#wm#"/>
-</p:tagLst>
-</file>
-
-<file path=ppt/tags/tag38.xml><?xml version="1.0" encoding="utf-8"?>
-<p:tagLst xmlns:p="http://schemas.openxmlformats.org/presentationml/2006/main">
-  <p:tag name="KSO_WM_UNIT_HIGHLIGHT" val="0"/>
-  <p:tag name="KSO_WM_UNIT_COMPATIBLE" val="0"/>
-  <p:tag name="KSO_WM_UNIT_DIAGRAM_ISNUMVISUAL" val="0"/>
-  <p:tag name="KSO_WM_UNIT_DIAGRAM_ISREFERUNIT" val="0"/>
-  <p:tag name="KSO_WM_UNIT_ID" val="_8**"/>
-  <p:tag name="KSO_WM_UNIT_LAYERLEVEL" val="1"/>
-  <p:tag name="KSO_WM_TAG_VERSION" val="1.0"/>
-  <p:tag name="KSO_WM_BEAUTIFY_FLAG" val="#wm#"/>
-</p:tagLst>
-</file>
-
-<file path=ppt/tags/tag39.xml><?xml version="1.0" encoding="utf-8"?>
-<p:tagLst xmlns:p="http://schemas.openxmlformats.org/presentationml/2006/main">
-  <p:tag name="KSO_WM_UNIT_HIGHLIGHT" val="0"/>
-  <p:tag name="KSO_WM_UNIT_COMPATIBLE" val="0"/>
-  <p:tag name="KSO_WM_UNIT_DIAGRAM_ISNUMVISUAL" val="0"/>
-  <p:tag name="KSO_WM_UNIT_DIAGRAM_ISREFERUNIT" val="0"/>
-  <p:tag name="KSO_WM_UNIT_ID" val="_8**"/>
-  <p:tag name="KSO_WM_UNIT_LAYERLEVEL" val="1"/>
-  <p:tag name="KSO_WM_TAG_VERSION" val="1.0"/>
-  <p:tag name="KSO_WM_BEAUTIFY_FLAG" val="#wm#"/>
-</p:tagLst>
-</file>
-
-<file path=ppt/tags/tag4.xml><?xml version="1.0" encoding="utf-8"?>
-<p:tagLst xmlns:p="http://schemas.openxmlformats.org/presentationml/2006/main">
-  <p:tag name="KSO_WM_UNIT_HIGHLIGHT" val="0"/>
-  <p:tag name="KSO_WM_UNIT_COMPATIBLE" val="0"/>
-  <p:tag name="KSO_WM_UNIT_DIAGRAM_ISNUMVISUAL" val="0"/>
-  <p:tag name="KSO_WM_UNIT_DIAGRAM_ISREFERUNIT" val="0"/>
-  <p:tag name="KSO_WM_UNIT_ID" val="_1**"/>
-  <p:tag name="KSO_WM_UNIT_LAYERLEVEL" val="1"/>
-  <p:tag name="KSO_WM_TAG_VERSION" val="1.0"/>
-  <p:tag name="KSO_WM_BEAUTIFY_FLAG" val="#wm#"/>
-</p:tagLst>
-</file>
-
-<file path=ppt/tags/tag40.xml><?xml version="1.0" encoding="utf-8"?>
-<p:tagLst xmlns:p="http://schemas.openxmlformats.org/presentationml/2006/main">
-  <p:tag name="KSO_WM_UNIT_HIGHLIGHT" val="0"/>
-  <p:tag name="KSO_WM_UNIT_COMPATIBLE" val="0"/>
-  <p:tag name="KSO_WM_UNIT_DIAGRAM_ISNUMVISUAL" val="0"/>
-  <p:tag name="KSO_WM_UNIT_DIAGRAM_ISREFERUNIT" val="0"/>
-  <p:tag name="KSO_WM_UNIT_ID" val="_8**"/>
-  <p:tag name="KSO_WM_UNIT_LAYERLEVEL" val="1"/>
-  <p:tag name="KSO_WM_TAG_VERSION" val="1.0"/>
-  <p:tag name="KSO_WM_BEAUTIFY_FLAG" val="#wm#"/>
-</p:tagLst>
-</file>
-
-<file path=ppt/tags/tag41.xml><?xml version="1.0" encoding="utf-8"?>
-<p:tagLst xmlns:p="http://schemas.openxmlformats.org/presentationml/2006/main">
-  <p:tag name="KSO_WM_UNIT_HIGHLIGHT" val="0"/>
-  <p:tag name="KSO_WM_UNIT_COMPATIBLE" val="0"/>
-  <p:tag name="KSO_WM_UNIT_DIAGRAM_ISNUMVISUAL" val="0"/>
-  <p:tag name="KSO_WM_UNIT_DIAGRAM_ISREFERUNIT" val="0"/>
-  <p:tag name="KSO_WM_UNIT_ID" val="_8**"/>
-  <p:tag name="KSO_WM_UNIT_LAYERLEVEL" val="1"/>
-  <p:tag name="KSO_WM_TAG_VERSION" val="1.0"/>
-  <p:tag name="KSO_WM_BEAUTIFY_FLAG" val="#wm#"/>
-</p:tagLst>
-</file>
-
-<file path=ppt/tags/tag42.xml><?xml version="1.0" encoding="utf-8"?>
-<p:tagLst xmlns:p="http://schemas.openxmlformats.org/presentationml/2006/main">
-  <p:tag name="KSO_WM_UNIT_HIGHLIGHT" val="0"/>
-  <p:tag name="KSO_WM_UNIT_COMPATIBLE" val="0"/>
-  <p:tag name="KSO_WM_UNIT_DIAGRAM_ISNUMVISUAL" val="0"/>
-  <p:tag name="KSO_WM_UNIT_DIAGRAM_ISREFERUNIT" val="0"/>
-  <p:tag name="KSO_WM_UNIT_ID" val="_8**"/>
-  <p:tag name="KSO_WM_UNIT_LAYERLEVEL" val="1"/>
-  <p:tag name="KSO_WM_TAG_VERSION" val="1.0"/>
-  <p:tag name="KSO_WM_BEAUTIFY_FLAG" val="#wm#"/>
-</p:tagLst>
-</file>
-
-<file path=ppt/tags/tag43.xml><?xml version="1.0" encoding="utf-8"?>
-<p:tagLst xmlns:p="http://schemas.openxmlformats.org/presentationml/2006/main">
-  <p:tag name="KSO_WM_UNIT_HIGHLIGHT" val="0"/>
-  <p:tag name="KSO_WM_UNIT_COMPATIBLE" val="0"/>
-  <p:tag name="KSO_WM_UNIT_DIAGRAM_ISNUMVISUAL" val="0"/>
-  <p:tag name="KSO_WM_UNIT_DIAGRAM_ISREFERUNIT" val="0"/>
-  <p:tag name="KSO_WM_UNIT_ID" val="_9**"/>
-  <p:tag name="KSO_WM_UNIT_LAYERLEVEL" val="1"/>
-  <p:tag name="KSO_WM_TAG_VERSION" val="1.0"/>
-  <p:tag name="KSO_WM_BEAUTIFY_FLAG" val="#wm#"/>
-</p:tagLst>
-</file>
-
-<file path=ppt/tags/tag44.xml><?xml version="1.0" encoding="utf-8"?>
-<p:tagLst xmlns:p="http://schemas.openxmlformats.org/presentationml/2006/main">
-  <p:tag name="KSO_WM_UNIT_HIGHLIGHT" val="0"/>
-  <p:tag name="KSO_WM_UNIT_COMPATIBLE" val="0"/>
-  <p:tag name="KSO_WM_UNIT_DIAGRAM_ISNUMVISUAL" val="0"/>
-  <p:tag name="KSO_WM_UNIT_DIAGRAM_ISREFERUNIT" val="0"/>
-  <p:tag name="KSO_WM_UNIT_ID" val="_9**"/>
-  <p:tag name="KSO_WM_UNIT_LAYERLEVEL" val="1"/>
-  <p:tag name="KSO_WM_TAG_VERSION" val="1.0"/>
-  <p:tag name="KSO_WM_BEAUTIFY_FLAG" val="#wm#"/>
-</p:tagLst>
-</file>
-
-<file path=ppt/tags/tag45.xml><?xml version="1.0" encoding="utf-8"?>
-<p:tagLst xmlns:p="http://schemas.openxmlformats.org/presentationml/2006/main">
-  <p:tag name="KSO_WM_UNIT_HIGHLIGHT" val="0"/>
-  <p:tag name="KSO_WM_UNIT_COMPATIBLE" val="0"/>
-  <p:tag name="KSO_WM_UNIT_DIAGRAM_ISNUMVISUAL" val="0"/>
-  <p:tag name="KSO_WM_UNIT_DIAGRAM_ISREFERUNIT" val="0"/>
-  <p:tag name="KSO_WM_UNIT_ID" val="_9**"/>
-  <p:tag name="KSO_WM_UNIT_LAYERLEVEL" val="1"/>
-  <p:tag name="KSO_WM_TAG_VERSION" val="1.0"/>
-  <p:tag name="KSO_WM_BEAUTIFY_FLAG" val="#wm#"/>
-</p:tagLst>
-</file>
-
-<file path=ppt/tags/tag46.xml><?xml version="1.0" encoding="utf-8"?>
-<p:tagLst xmlns:p="http://schemas.openxmlformats.org/presentationml/2006/main">
-  <p:tag name="KSO_WM_UNIT_HIGHLIGHT" val="0"/>
-  <p:tag name="KSO_WM_UNIT_COMPATIBLE" val="0"/>
-  <p:tag name="KSO_WM_UNIT_DIAGRAM_ISNUMVISUAL" val="0"/>
-  <p:tag name="KSO_WM_UNIT_DIAGRAM_ISREFERUNIT" val="0"/>
-  <p:tag name="KSO_WM_UNIT_ID" val="_9**"/>
-  <p:tag name="KSO_WM_UNIT_LAYERLEVEL" val="1"/>
-  <p:tag name="KSO_WM_TAG_VERSION" val="1.0"/>
-  <p:tag name="KSO_WM_BEAUTIFY_FLAG" val="#wm#"/>
-</p:tagLst>
-</file>
-
-<file path=ppt/tags/tag47.xml><?xml version="1.0" encoding="utf-8"?>
-<p:tagLst xmlns:p="http://schemas.openxmlformats.org/presentationml/2006/main">
-  <p:tag name="KSO_WM_UNIT_HIGHLIGHT" val="0"/>
-  <p:tag name="KSO_WM_UNIT_COMPATIBLE" val="0"/>
-  <p:tag name="KSO_WM_UNIT_DIAGRAM_ISNUMVISUAL" val="0"/>
-  <p:tag name="KSO_WM_UNIT_DIAGRAM_ISREFERUNIT" val="0"/>
-  <p:tag name="KSO_WM_UNIT_ID" val="_9**"/>
-  <p:tag name="KSO_WM_UNIT_LAYERLEVEL" val="1"/>
-  <p:tag name="KSO_WM_TAG_VERSION" val="1.0"/>
-  <p:tag name="KSO_WM_BEAUTIFY_FLAG" val="#wm#"/>
-</p:tagLst>
-</file>
-
-<file path=ppt/tags/tag48.xml><?xml version="1.0" encoding="utf-8"?>
-<p:tagLst xmlns:p="http://schemas.openxmlformats.org/presentationml/2006/main">
-  <p:tag name="KSO_WM_UNIT_HIGHLIGHT" val="0"/>
-  <p:tag name="KSO_WM_UNIT_COMPATIBLE" val="0"/>
-  <p:tag name="KSO_WM_UNIT_DIAGRAM_ISNUMVISUAL" val="0"/>
-  <p:tag name="KSO_WM_UNIT_DIAGRAM_ISREFERUNIT" val="0"/>
-  <p:tag name="KSO_WM_UNIT_ID" val="_10**"/>
-  <p:tag name="KSO_WM_UNIT_LAYERLEVEL" val="1"/>
-  <p:tag name="KSO_WM_TAG_VERSION" val="1.0"/>
-  <p:tag name="KSO_WM_BEAUTIFY_FLAG" val="#wm#"/>
-</p:tagLst>
-</file>
-
-<file path=ppt/tags/tag49.xml><?xml version="1.0" encoding="utf-8"?>
-<p:tagLst xmlns:p="http://schemas.openxmlformats.org/presentationml/2006/main">
-  <p:tag name="KSO_WM_UNIT_HIGHLIGHT" val="0"/>
-  <p:tag name="KSO_WM_UNIT_COMPATIBLE" val="0"/>
-  <p:tag name="KSO_WM_UNIT_DIAGRAM_ISNUMVISUAL" val="0"/>
-  <p:tag name="KSO_WM_UNIT_DIAGRAM_ISREFERUNIT" val="0"/>
-  <p:tag name="KSO_WM_UNIT_ID" val="_10**"/>
-  <p:tag name="KSO_WM_UNIT_LAYERLEVEL" val="1"/>
-  <p:tag name="KSO_WM_TAG_VERSION" val="1.0"/>
-  <p:tag name="KSO_WM_BEAUTIFY_FLAG" val="#wm#"/>
-</p:tagLst>
-</file>
-
-<file path=ppt/tags/tag5.xml><?xml version="1.0" encoding="utf-8"?>
-<p:tagLst xmlns:p="http://schemas.openxmlformats.org/presentationml/2006/main">
-  <p:tag name="KSO_WM_UNIT_HIGHLIGHT" val="0"/>
-  <p:tag name="KSO_WM_UNIT_COMPATIBLE" val="0"/>
-  <p:tag name="KSO_WM_UNIT_DIAGRAM_ISNUMVISUAL" val="0"/>
-  <p:tag name="KSO_WM_UNIT_DIAGRAM_ISREFERUNIT" val="0"/>
-  <p:tag name="KSO_WM_UNIT_ID" val="_1**"/>
-  <p:tag name="KSO_WM_UNIT_LAYERLEVEL" val="1"/>
-  <p:tag name="KSO_WM_TAG_VERSION" val="1.0"/>
-  <p:tag name="KSO_WM_BEAUTIFY_FLAG" val="#wm#"/>
-</p:tagLst>
-</file>
-
-<file path=ppt/tags/tag50.xml><?xml version="1.0" encoding="utf-8"?>
-<p:tagLst xmlns:p="http://schemas.openxmlformats.org/presentationml/2006/main">
-  <p:tag name="KSO_WM_UNIT_HIGHLIGHT" val="0"/>
-  <p:tag name="KSO_WM_UNIT_COMPATIBLE" val="0"/>
-  <p:tag name="KSO_WM_UNIT_DIAGRAM_ISNUMVISUAL" val="0"/>
-  <p:tag name="KSO_WM_UNIT_DIAGRAM_ISREFERUNIT" val="0"/>
-  <p:tag name="KSO_WM_UNIT_ID" val="_10**"/>
-  <p:tag name="KSO_WM_UNIT_LAYERLEVEL" val="1"/>
-  <p:tag name="KSO_WM_TAG_VERSION" val="1.0"/>
-  <p:tag name="KSO_WM_BEAUTIFY_FLAG" val="#wm#"/>
-</p:tagLst>
-</file>
-
-<file path=ppt/tags/tag51.xml><?xml version="1.0" encoding="utf-8"?>
-<p:tagLst xmlns:p="http://schemas.openxmlformats.org/presentationml/2006/main">
-  <p:tag name="KSO_WM_UNIT_HIGHLIGHT" val="0"/>
-  <p:tag name="KSO_WM_UNIT_COMPATIBLE" val="0"/>
-  <p:tag name="KSO_WM_UNIT_DIAGRAM_ISNUMVISUAL" val="0"/>
-  <p:tag name="KSO_WM_UNIT_DIAGRAM_ISREFERUNIT" val="0"/>
-  <p:tag name="KSO_WM_UNIT_ID" val="_10**"/>
-  <p:tag name="KSO_WM_UNIT_LAYERLEVEL" val="1"/>
-  <p:tag name="KSO_WM_TAG_VERSION" val="1.0"/>
-  <p:tag name="KSO_WM_BEAUTIFY_FLAG" val="#wm#"/>
-</p:tagLst>
-</file>
-
-<file path=ppt/tags/tag52.xml><?xml version="1.0" encoding="utf-8"?>
-<p:tagLst xmlns:p="http://schemas.openxmlformats.org/presentationml/2006/main">
-  <p:tag name="KSO_WM_UNIT_HIGHLIGHT" val="0"/>
-  <p:tag name="KSO_WM_UNIT_COMPATIBLE" val="0"/>
-  <p:tag name="KSO_WM_UNIT_DIAGRAM_ISNUMVISUAL" val="0"/>
-  <p:tag name="KSO_WM_UNIT_DIAGRAM_ISREFERUNIT" val="0"/>
-  <p:tag name="KSO_WM_UNIT_ID" val="_11**"/>
-  <p:tag name="KSO_WM_UNIT_LAYERLEVEL" val="1"/>
-  <p:tag name="KSO_WM_TAG_VERSION" val="1.0"/>
-  <p:tag name="KSO_WM_BEAUTIFY_FLAG" val="#wm#"/>
-</p:tagLst>
-</file>
-
-<file path=ppt/tags/tag53.xml><?xml version="1.0" encoding="utf-8"?>
-<p:tagLst xmlns:p="http://schemas.openxmlformats.org/presentationml/2006/main">
-  <p:tag name="KSO_WM_UNIT_HIGHLIGHT" val="0"/>
-  <p:tag name="KSO_WM_UNIT_COMPATIBLE" val="0"/>
-  <p:tag name="KSO_WM_UNIT_DIAGRAM_ISNUMVISUAL" val="0"/>
-  <p:tag name="KSO_WM_UNIT_DIAGRAM_ISREFERUNIT" val="0"/>
-  <p:tag name="KSO_WM_UNIT_ID" val="_11**"/>
-  <p:tag name="KSO_WM_UNIT_LAYERLEVEL" val="1"/>
-  <p:tag name="KSO_WM_TAG_VERSION" val="1.0"/>
-  <p:tag name="KSO_WM_BEAUTIFY_FLAG" val="#wm#"/>
-</p:tagLst>
-</file>
-
-<file path=ppt/tags/tag54.xml><?xml version="1.0" encoding="utf-8"?>
-<p:tagLst xmlns:p="http://schemas.openxmlformats.org/presentationml/2006/main">
-  <p:tag name="KSO_WM_UNIT_HIGHLIGHT" val="0"/>
-  <p:tag name="KSO_WM_UNIT_COMPATIBLE" val="0"/>
-  <p:tag name="KSO_WM_UNIT_DIAGRAM_ISNUMVISUAL" val="0"/>
-  <p:tag name="KSO_WM_UNIT_DIAGRAM_ISREFERUNIT" val="0"/>
-  <p:tag name="KSO_WM_UNIT_ID" val="_11**"/>
-  <p:tag name="KSO_WM_UNIT_LAYERLEVEL" val="1"/>
-  <p:tag name="KSO_WM_TAG_VERSION" val="1.0"/>
-  <p:tag name="KSO_WM_BEAUTIFY_FLAG" val="#wm#"/>
-</p:tagLst>
-</file>
-
-<file path=ppt/tags/tag55.xml><?xml version="1.0" encoding="utf-8"?>
-<p:tagLst xmlns:p="http://schemas.openxmlformats.org/presentationml/2006/main">
-  <p:tag name="KSO_WM_UNIT_HIGHLIGHT" val="0"/>
-  <p:tag name="KSO_WM_UNIT_COMPATIBLE" val="0"/>
-  <p:tag name="KSO_WM_UNIT_DIAGRAM_ISNUMVISUAL" val="0"/>
-  <p:tag name="KSO_WM_UNIT_DIAGRAM_ISREFERUNIT" val="0"/>
-  <p:tag name="KSO_WM_UNIT_ID" val="_11**"/>
-  <p:tag name="KSO_WM_UNIT_LAYERLEVEL" val="1"/>
-  <p:tag name="KSO_WM_TAG_VERSION" val="1.0"/>
-  <p:tag name="KSO_WM_BEAUTIFY_FLAG" val="#wm#"/>
-</p:tagLst>
-</file>
-
-<file path=ppt/tags/tag56.xml><?xml version="1.0" encoding="utf-8"?>
-<p:tagLst xmlns:p="http://schemas.openxmlformats.org/presentationml/2006/main">
-  <p:tag name="KSO_WM_UNIT_HIGHLIGHT" val="0"/>
-  <p:tag name="KSO_WM_UNIT_COMPATIBLE" val="0"/>
-  <p:tag name="KSO_WM_UNIT_DIAGRAM_ISNUMVISUAL" val="0"/>
-  <p:tag name="KSO_WM_UNIT_DIAGRAM_ISREFERUNIT" val="0"/>
-  <p:tag name="KSO_WM_UNIT_ID" val="_11**"/>
-  <p:tag name="KSO_WM_UNIT_LAYERLEVEL" val="1"/>
-  <p:tag name="KSO_WM_TAG_VERSION" val="1.0"/>
-  <p:tag name="KSO_WM_BEAUTIFY_FLAG" val="#wm#"/>
-</p:tagLst>
-</file>
-
-<file path=ppt/tags/tag57.xml><?xml version="1.0" encoding="utf-8"?>
-<p:tagLst xmlns:p="http://schemas.openxmlformats.org/presentationml/2006/main">
+<p:tagLst xmlns:a="http://schemas.openxmlformats.org/drawingml/2006/main" xmlns:r="http://schemas.openxmlformats.org/officeDocument/2006/relationships" xmlns:p="http://schemas.openxmlformats.org/presentationml/2006/main">
   <p:tag name="KSO_WM_UNIT_HIGHLIGHT" val="0"/>
   <p:tag name="KSO_WM_UNIT_COMPATIBLE" val="0"/>
   <p:tag name="KSO_WM_UNIT_DIAGRAM_ISNUMVISUAL" val="0"/>
@@ -12019,8 +11212,138 @@
 </p:tagLst>
 </file>
 
-<file path=ppt/tags/tag58.xml><?xml version="1.0" encoding="utf-8"?>
-<p:tagLst xmlns:p="http://schemas.openxmlformats.org/presentationml/2006/main">
+<file path=ppt/tags/tag20.xml><?xml version="1.0" encoding="utf-8"?>
+<p:tagLst xmlns:a="http://schemas.openxmlformats.org/drawingml/2006/main" xmlns:r="http://schemas.openxmlformats.org/officeDocument/2006/relationships" xmlns:p="http://schemas.openxmlformats.org/presentationml/2006/main">
+  <p:tag name="KSO_WM_UNIT_HIGHLIGHT" val="0"/>
+  <p:tag name="KSO_WM_UNIT_COMPATIBLE" val="0"/>
+  <p:tag name="KSO_WM_UNIT_DIAGRAM_ISNUMVISUAL" val="0"/>
+  <p:tag name="KSO_WM_UNIT_DIAGRAM_ISREFERUNIT" val="0"/>
+  <p:tag name="KSO_WM_UNIT_ID" val="_3**"/>
+  <p:tag name="KSO_WM_UNIT_LAYERLEVEL" val="1"/>
+  <p:tag name="KSO_WM_TAG_VERSION" val="1.0"/>
+  <p:tag name="KSO_WM_BEAUTIFY_FLAG" val="#wm#"/>
+</p:tagLst>
+</file>
+
+<file path=ppt/tags/tag21.xml><?xml version="1.0" encoding="utf-8"?>
+<p:tagLst xmlns:a="http://schemas.openxmlformats.org/drawingml/2006/main" xmlns:r="http://schemas.openxmlformats.org/officeDocument/2006/relationships" xmlns:p="http://schemas.openxmlformats.org/presentationml/2006/main">
+  <p:tag name="KSO_WM_UNIT_HIGHLIGHT" val="0"/>
+  <p:tag name="KSO_WM_UNIT_COMPATIBLE" val="0"/>
+  <p:tag name="KSO_WM_UNIT_DIAGRAM_ISNUMVISUAL" val="0"/>
+  <p:tag name="KSO_WM_UNIT_DIAGRAM_ISREFERUNIT" val="0"/>
+  <p:tag name="KSO_WM_UNIT_ID" val="_3**"/>
+  <p:tag name="KSO_WM_UNIT_LAYERLEVEL" val="1"/>
+  <p:tag name="KSO_WM_TAG_VERSION" val="1.0"/>
+  <p:tag name="KSO_WM_BEAUTIFY_FLAG" val="#wm#"/>
+</p:tagLst>
+</file>
+
+<file path=ppt/tags/tag22.xml><?xml version="1.0" encoding="utf-8"?>
+<p:tagLst xmlns:a="http://schemas.openxmlformats.org/drawingml/2006/main" xmlns:r="http://schemas.openxmlformats.org/officeDocument/2006/relationships" xmlns:p="http://schemas.openxmlformats.org/presentationml/2006/main">
+  <p:tag name="KSO_WM_UNIT_HIGHLIGHT" val="0"/>
+  <p:tag name="KSO_WM_UNIT_COMPATIBLE" val="0"/>
+  <p:tag name="KSO_WM_UNIT_DIAGRAM_ISNUMVISUAL" val="0"/>
+  <p:tag name="KSO_WM_UNIT_DIAGRAM_ISREFERUNIT" val="0"/>
+  <p:tag name="KSO_WM_UNIT_ID" val="_4**"/>
+  <p:tag name="KSO_WM_UNIT_LAYERLEVEL" val="1"/>
+  <p:tag name="KSO_WM_TAG_VERSION" val="1.0"/>
+  <p:tag name="KSO_WM_BEAUTIFY_FLAG" val="#wm#"/>
+</p:tagLst>
+</file>
+
+<file path=ppt/tags/tag23.xml><?xml version="1.0" encoding="utf-8"?>
+<p:tagLst xmlns:a="http://schemas.openxmlformats.org/drawingml/2006/main" xmlns:r="http://schemas.openxmlformats.org/officeDocument/2006/relationships" xmlns:p="http://schemas.openxmlformats.org/presentationml/2006/main">
+  <p:tag name="KSO_WM_UNIT_HIGHLIGHT" val="0"/>
+  <p:tag name="KSO_WM_UNIT_COMPATIBLE" val="0"/>
+  <p:tag name="KSO_WM_UNIT_DIAGRAM_ISNUMVISUAL" val="0"/>
+  <p:tag name="KSO_WM_UNIT_DIAGRAM_ISREFERUNIT" val="0"/>
+  <p:tag name="KSO_WM_UNIT_ID" val="_4**"/>
+  <p:tag name="KSO_WM_UNIT_LAYERLEVEL" val="1"/>
+  <p:tag name="KSO_WM_TAG_VERSION" val="1.0"/>
+  <p:tag name="KSO_WM_BEAUTIFY_FLAG" val="#wm#"/>
+</p:tagLst>
+</file>
+
+<file path=ppt/tags/tag24.xml><?xml version="1.0" encoding="utf-8"?>
+<p:tagLst xmlns:a="http://schemas.openxmlformats.org/drawingml/2006/main" xmlns:r="http://schemas.openxmlformats.org/officeDocument/2006/relationships" xmlns:p="http://schemas.openxmlformats.org/presentationml/2006/main">
+  <p:tag name="KSO_WM_UNIT_HIGHLIGHT" val="0"/>
+  <p:tag name="KSO_WM_UNIT_COMPATIBLE" val="0"/>
+  <p:tag name="KSO_WM_UNIT_DIAGRAM_ISNUMVISUAL" val="0"/>
+  <p:tag name="KSO_WM_UNIT_DIAGRAM_ISREFERUNIT" val="0"/>
+  <p:tag name="KSO_WM_UNIT_ID" val="_4**"/>
+  <p:tag name="KSO_WM_UNIT_LAYERLEVEL" val="1"/>
+  <p:tag name="KSO_WM_TAG_VERSION" val="1.0"/>
+  <p:tag name="KSO_WM_BEAUTIFY_FLAG" val="#wm#"/>
+</p:tagLst>
+</file>
+
+<file path=ppt/tags/tag25.xml><?xml version="1.0" encoding="utf-8"?>
+<p:tagLst xmlns:a="http://schemas.openxmlformats.org/drawingml/2006/main" xmlns:r="http://schemas.openxmlformats.org/officeDocument/2006/relationships" xmlns:p="http://schemas.openxmlformats.org/presentationml/2006/main">
+  <p:tag name="KSO_WM_UNIT_HIGHLIGHT" val="0"/>
+  <p:tag name="KSO_WM_UNIT_COMPATIBLE" val="0"/>
+  <p:tag name="KSO_WM_UNIT_DIAGRAM_ISNUMVISUAL" val="0"/>
+  <p:tag name="KSO_WM_UNIT_DIAGRAM_ISREFERUNIT" val="0"/>
+  <p:tag name="KSO_WM_UNIT_ID" val="_4**"/>
+  <p:tag name="KSO_WM_UNIT_LAYERLEVEL" val="1"/>
+  <p:tag name="KSO_WM_TAG_VERSION" val="1.0"/>
+  <p:tag name="KSO_WM_BEAUTIFY_FLAG" val="#wm#"/>
+</p:tagLst>
+</file>
+
+<file path=ppt/tags/tag26.xml><?xml version="1.0" encoding="utf-8"?>
+<p:tagLst xmlns:a="http://schemas.openxmlformats.org/drawingml/2006/main" xmlns:r="http://schemas.openxmlformats.org/officeDocument/2006/relationships" xmlns:p="http://schemas.openxmlformats.org/presentationml/2006/main">
+  <p:tag name="KSO_WM_UNIT_HIGHLIGHT" val="0"/>
+  <p:tag name="KSO_WM_UNIT_COMPATIBLE" val="0"/>
+  <p:tag name="KSO_WM_UNIT_DIAGRAM_ISNUMVISUAL" val="0"/>
+  <p:tag name="KSO_WM_UNIT_DIAGRAM_ISREFERUNIT" val="0"/>
+  <p:tag name="KSO_WM_UNIT_ID" val="_4**"/>
+  <p:tag name="KSO_WM_UNIT_LAYERLEVEL" val="1"/>
+  <p:tag name="KSO_WM_TAG_VERSION" val="1.0"/>
+  <p:tag name="KSO_WM_BEAUTIFY_FLAG" val="#wm#"/>
+</p:tagLst>
+</file>
+
+<file path=ppt/tags/tag27.xml><?xml version="1.0" encoding="utf-8"?>
+<p:tagLst xmlns:a="http://schemas.openxmlformats.org/drawingml/2006/main" xmlns:r="http://schemas.openxmlformats.org/officeDocument/2006/relationships" xmlns:p="http://schemas.openxmlformats.org/presentationml/2006/main">
+  <p:tag name="KSO_WM_UNIT_HIGHLIGHT" val="0"/>
+  <p:tag name="KSO_WM_UNIT_COMPATIBLE" val="0"/>
+  <p:tag name="KSO_WM_UNIT_DIAGRAM_ISNUMVISUAL" val="0"/>
+  <p:tag name="KSO_WM_UNIT_DIAGRAM_ISREFERUNIT" val="0"/>
+  <p:tag name="KSO_WM_UNIT_ID" val="_4**"/>
+  <p:tag name="KSO_WM_UNIT_LAYERLEVEL" val="1"/>
+  <p:tag name="KSO_WM_TAG_VERSION" val="1.0"/>
+  <p:tag name="KSO_WM_BEAUTIFY_FLAG" val="#wm#"/>
+</p:tagLst>
+</file>
+
+<file path=ppt/tags/tag28.xml><?xml version="1.0" encoding="utf-8"?>
+<p:tagLst xmlns:a="http://schemas.openxmlformats.org/drawingml/2006/main" xmlns:r="http://schemas.openxmlformats.org/officeDocument/2006/relationships" xmlns:p="http://schemas.openxmlformats.org/presentationml/2006/main">
+  <p:tag name="KSO_WM_UNIT_HIGHLIGHT" val="0"/>
+  <p:tag name="KSO_WM_UNIT_COMPATIBLE" val="0"/>
+  <p:tag name="KSO_WM_UNIT_DIAGRAM_ISNUMVISUAL" val="0"/>
+  <p:tag name="KSO_WM_UNIT_DIAGRAM_ISREFERUNIT" val="0"/>
+  <p:tag name="KSO_WM_UNIT_ID" val="_5**"/>
+  <p:tag name="KSO_WM_UNIT_LAYERLEVEL" val="1"/>
+  <p:tag name="KSO_WM_TAG_VERSION" val="1.0"/>
+  <p:tag name="KSO_WM_BEAUTIFY_FLAG" val="#wm#"/>
+</p:tagLst>
+</file>
+
+<file path=ppt/tags/tag29.xml><?xml version="1.0" encoding="utf-8"?>
+<p:tagLst xmlns:a="http://schemas.openxmlformats.org/drawingml/2006/main" xmlns:r="http://schemas.openxmlformats.org/officeDocument/2006/relationships" xmlns:p="http://schemas.openxmlformats.org/presentationml/2006/main">
+  <p:tag name="KSO_WM_UNIT_HIGHLIGHT" val="0"/>
+  <p:tag name="KSO_WM_UNIT_COMPATIBLE" val="0"/>
+  <p:tag name="KSO_WM_UNIT_DIAGRAM_ISNUMVISUAL" val="0"/>
+  <p:tag name="KSO_WM_UNIT_DIAGRAM_ISREFERUNIT" val="0"/>
+  <p:tag name="KSO_WM_UNIT_ID" val="_5**"/>
+  <p:tag name="KSO_WM_UNIT_LAYERLEVEL" val="1"/>
+  <p:tag name="KSO_WM_TAG_VERSION" val="1.0"/>
+  <p:tag name="KSO_WM_BEAUTIFY_FLAG" val="#wm#"/>
+</p:tagLst>
+</file>
+
+<file path=ppt/tags/tag3.xml><?xml version="1.0" encoding="utf-8"?>
+<p:tagLst xmlns:a="http://schemas.openxmlformats.org/drawingml/2006/main" xmlns:r="http://schemas.openxmlformats.org/officeDocument/2006/relationships" xmlns:p="http://schemas.openxmlformats.org/presentationml/2006/main">
   <p:tag name="KSO_WM_UNIT_HIGHLIGHT" val="0"/>
   <p:tag name="KSO_WM_UNIT_COMPATIBLE" val="0"/>
   <p:tag name="KSO_WM_UNIT_DIAGRAM_ISNUMVISUAL" val="0"/>
@@ -12034,8 +11357,138 @@
 </p:tagLst>
 </file>
 
-<file path=ppt/tags/tag59.xml><?xml version="1.0" encoding="utf-8"?>
-<p:tagLst xmlns:p="http://schemas.openxmlformats.org/presentationml/2006/main">
+<file path=ppt/tags/tag30.xml><?xml version="1.0" encoding="utf-8"?>
+<p:tagLst xmlns:a="http://schemas.openxmlformats.org/drawingml/2006/main" xmlns:r="http://schemas.openxmlformats.org/officeDocument/2006/relationships" xmlns:p="http://schemas.openxmlformats.org/presentationml/2006/main">
+  <p:tag name="KSO_WM_UNIT_HIGHLIGHT" val="0"/>
+  <p:tag name="KSO_WM_UNIT_COMPATIBLE" val="0"/>
+  <p:tag name="KSO_WM_UNIT_DIAGRAM_ISNUMVISUAL" val="0"/>
+  <p:tag name="KSO_WM_UNIT_DIAGRAM_ISREFERUNIT" val="0"/>
+  <p:tag name="KSO_WM_UNIT_ID" val="_5**"/>
+  <p:tag name="KSO_WM_UNIT_LAYERLEVEL" val="1"/>
+  <p:tag name="KSO_WM_TAG_VERSION" val="1.0"/>
+  <p:tag name="KSO_WM_BEAUTIFY_FLAG" val="#wm#"/>
+</p:tagLst>
+</file>
+
+<file path=ppt/tags/tag31.xml><?xml version="1.0" encoding="utf-8"?>
+<p:tagLst xmlns:a="http://schemas.openxmlformats.org/drawingml/2006/main" xmlns:r="http://schemas.openxmlformats.org/officeDocument/2006/relationships" xmlns:p="http://schemas.openxmlformats.org/presentationml/2006/main">
+  <p:tag name="KSO_WM_UNIT_HIGHLIGHT" val="0"/>
+  <p:tag name="KSO_WM_UNIT_COMPATIBLE" val="0"/>
+  <p:tag name="KSO_WM_UNIT_DIAGRAM_ISNUMVISUAL" val="0"/>
+  <p:tag name="KSO_WM_UNIT_DIAGRAM_ISREFERUNIT" val="0"/>
+  <p:tag name="KSO_WM_UNIT_ID" val="_5**"/>
+  <p:tag name="KSO_WM_UNIT_LAYERLEVEL" val="1"/>
+  <p:tag name="KSO_WM_TAG_VERSION" val="1.0"/>
+  <p:tag name="KSO_WM_BEAUTIFY_FLAG" val="#wm#"/>
+</p:tagLst>
+</file>
+
+<file path=ppt/tags/tag32.xml><?xml version="1.0" encoding="utf-8"?>
+<p:tagLst xmlns:a="http://schemas.openxmlformats.org/drawingml/2006/main" xmlns:r="http://schemas.openxmlformats.org/officeDocument/2006/relationships" xmlns:p="http://schemas.openxmlformats.org/presentationml/2006/main">
+  <p:tag name="KSO_WM_UNIT_HIGHLIGHT" val="0"/>
+  <p:tag name="KSO_WM_UNIT_COMPATIBLE" val="0"/>
+  <p:tag name="KSO_WM_UNIT_DIAGRAM_ISNUMVISUAL" val="0"/>
+  <p:tag name="KSO_WM_UNIT_DIAGRAM_ISREFERUNIT" val="0"/>
+  <p:tag name="KSO_WM_UNIT_ID" val="_5**"/>
+  <p:tag name="KSO_WM_UNIT_LAYERLEVEL" val="1"/>
+  <p:tag name="KSO_WM_TAG_VERSION" val="1.0"/>
+  <p:tag name="KSO_WM_BEAUTIFY_FLAG" val="#wm#"/>
+</p:tagLst>
+</file>
+
+<file path=ppt/tags/tag33.xml><?xml version="1.0" encoding="utf-8"?>
+<p:tagLst xmlns:a="http://schemas.openxmlformats.org/drawingml/2006/main" xmlns:r="http://schemas.openxmlformats.org/officeDocument/2006/relationships" xmlns:p="http://schemas.openxmlformats.org/presentationml/2006/main">
+  <p:tag name="KSO_WM_UNIT_HIGHLIGHT" val="0"/>
+  <p:tag name="KSO_WM_UNIT_COMPATIBLE" val="0"/>
+  <p:tag name="KSO_WM_UNIT_DIAGRAM_ISNUMVISUAL" val="0"/>
+  <p:tag name="KSO_WM_UNIT_DIAGRAM_ISREFERUNIT" val="0"/>
+  <p:tag name="KSO_WM_UNIT_ID" val="_5**"/>
+  <p:tag name="KSO_WM_UNIT_LAYERLEVEL" val="1"/>
+  <p:tag name="KSO_WM_TAG_VERSION" val="1.0"/>
+  <p:tag name="KSO_WM_BEAUTIFY_FLAG" val="#wm#"/>
+</p:tagLst>
+</file>
+
+<file path=ppt/tags/tag34.xml><?xml version="1.0" encoding="utf-8"?>
+<p:tagLst xmlns:a="http://schemas.openxmlformats.org/drawingml/2006/main" xmlns:r="http://schemas.openxmlformats.org/officeDocument/2006/relationships" xmlns:p="http://schemas.openxmlformats.org/presentationml/2006/main">
+  <p:tag name="KSO_WM_UNIT_HIGHLIGHT" val="0"/>
+  <p:tag name="KSO_WM_UNIT_COMPATIBLE" val="0"/>
+  <p:tag name="KSO_WM_UNIT_DIAGRAM_ISNUMVISUAL" val="0"/>
+  <p:tag name="KSO_WM_UNIT_DIAGRAM_ISREFERUNIT" val="0"/>
+  <p:tag name="KSO_WM_UNIT_ID" val="_5**"/>
+  <p:tag name="KSO_WM_UNIT_LAYERLEVEL" val="1"/>
+  <p:tag name="KSO_WM_TAG_VERSION" val="1.0"/>
+  <p:tag name="KSO_WM_BEAUTIFY_FLAG" val="#wm#"/>
+</p:tagLst>
+</file>
+
+<file path=ppt/tags/tag35.xml><?xml version="1.0" encoding="utf-8"?>
+<p:tagLst xmlns:a="http://schemas.openxmlformats.org/drawingml/2006/main" xmlns:r="http://schemas.openxmlformats.org/officeDocument/2006/relationships" xmlns:p="http://schemas.openxmlformats.org/presentationml/2006/main">
+  <p:tag name="KSO_WM_UNIT_HIGHLIGHT" val="0"/>
+  <p:tag name="KSO_WM_UNIT_COMPATIBLE" val="0"/>
+  <p:tag name="KSO_WM_UNIT_DIAGRAM_ISNUMVISUAL" val="0"/>
+  <p:tag name="KSO_WM_UNIT_DIAGRAM_ISREFERUNIT" val="0"/>
+  <p:tag name="KSO_WM_UNIT_ID" val="_5**"/>
+  <p:tag name="KSO_WM_UNIT_LAYERLEVEL" val="1"/>
+  <p:tag name="KSO_WM_TAG_VERSION" val="1.0"/>
+  <p:tag name="KSO_WM_BEAUTIFY_FLAG" val="#wm#"/>
+</p:tagLst>
+</file>
+
+<file path=ppt/tags/tag36.xml><?xml version="1.0" encoding="utf-8"?>
+<p:tagLst xmlns:a="http://schemas.openxmlformats.org/drawingml/2006/main" xmlns:r="http://schemas.openxmlformats.org/officeDocument/2006/relationships" xmlns:p="http://schemas.openxmlformats.org/presentationml/2006/main">
+  <p:tag name="KSO_WM_UNIT_HIGHLIGHT" val="0"/>
+  <p:tag name="KSO_WM_UNIT_COMPATIBLE" val="0"/>
+  <p:tag name="KSO_WM_UNIT_DIAGRAM_ISNUMVISUAL" val="0"/>
+  <p:tag name="KSO_WM_UNIT_DIAGRAM_ISREFERUNIT" val="0"/>
+  <p:tag name="KSO_WM_UNIT_ID" val="_6**"/>
+  <p:tag name="KSO_WM_UNIT_LAYERLEVEL" val="1"/>
+  <p:tag name="KSO_WM_TAG_VERSION" val="1.0"/>
+  <p:tag name="KSO_WM_BEAUTIFY_FLAG" val="#wm#"/>
+</p:tagLst>
+</file>
+
+<file path=ppt/tags/tag37.xml><?xml version="1.0" encoding="utf-8"?>
+<p:tagLst xmlns:a="http://schemas.openxmlformats.org/drawingml/2006/main" xmlns:r="http://schemas.openxmlformats.org/officeDocument/2006/relationships" xmlns:p="http://schemas.openxmlformats.org/presentationml/2006/main">
+  <p:tag name="KSO_WM_UNIT_HIGHLIGHT" val="0"/>
+  <p:tag name="KSO_WM_UNIT_COMPATIBLE" val="0"/>
+  <p:tag name="KSO_WM_UNIT_DIAGRAM_ISNUMVISUAL" val="0"/>
+  <p:tag name="KSO_WM_UNIT_DIAGRAM_ISREFERUNIT" val="0"/>
+  <p:tag name="KSO_WM_UNIT_ID" val="_6**"/>
+  <p:tag name="KSO_WM_UNIT_LAYERLEVEL" val="1"/>
+  <p:tag name="KSO_WM_TAG_VERSION" val="1.0"/>
+  <p:tag name="KSO_WM_BEAUTIFY_FLAG" val="#wm#"/>
+</p:tagLst>
+</file>
+
+<file path=ppt/tags/tag38.xml><?xml version="1.0" encoding="utf-8"?>
+<p:tagLst xmlns:a="http://schemas.openxmlformats.org/drawingml/2006/main" xmlns:r="http://schemas.openxmlformats.org/officeDocument/2006/relationships" xmlns:p="http://schemas.openxmlformats.org/presentationml/2006/main">
+  <p:tag name="KSO_WM_UNIT_HIGHLIGHT" val="0"/>
+  <p:tag name="KSO_WM_UNIT_COMPATIBLE" val="0"/>
+  <p:tag name="KSO_WM_UNIT_DIAGRAM_ISNUMVISUAL" val="0"/>
+  <p:tag name="KSO_WM_UNIT_DIAGRAM_ISREFERUNIT" val="0"/>
+  <p:tag name="KSO_WM_UNIT_ID" val="_6**"/>
+  <p:tag name="KSO_WM_UNIT_LAYERLEVEL" val="1"/>
+  <p:tag name="KSO_WM_TAG_VERSION" val="1.0"/>
+  <p:tag name="KSO_WM_BEAUTIFY_FLAG" val="#wm#"/>
+</p:tagLst>
+</file>
+
+<file path=ppt/tags/tag39.xml><?xml version="1.0" encoding="utf-8"?>
+<p:tagLst xmlns:a="http://schemas.openxmlformats.org/drawingml/2006/main" xmlns:r="http://schemas.openxmlformats.org/officeDocument/2006/relationships" xmlns:p="http://schemas.openxmlformats.org/presentationml/2006/main">
+  <p:tag name="KSO_WM_UNIT_HIGHLIGHT" val="0"/>
+  <p:tag name="KSO_WM_UNIT_COMPATIBLE" val="0"/>
+  <p:tag name="KSO_WM_UNIT_DIAGRAM_ISNUMVISUAL" val="0"/>
+  <p:tag name="KSO_WM_UNIT_DIAGRAM_ISREFERUNIT" val="0"/>
+  <p:tag name="KSO_WM_UNIT_ID" val="_6**"/>
+  <p:tag name="KSO_WM_UNIT_LAYERLEVEL" val="1"/>
+  <p:tag name="KSO_WM_TAG_VERSION" val="1.0"/>
+  <p:tag name="KSO_WM_BEAUTIFY_FLAG" val="#wm#"/>
+</p:tagLst>
+</file>
+
+<file path=ppt/tags/tag4.xml><?xml version="1.0" encoding="utf-8"?>
+<p:tagLst xmlns:a="http://schemas.openxmlformats.org/drawingml/2006/main" xmlns:r="http://schemas.openxmlformats.org/officeDocument/2006/relationships" xmlns:p="http://schemas.openxmlformats.org/presentationml/2006/main">
   <p:tag name="KSO_WM_UNIT_HIGHLIGHT" val="0"/>
   <p:tag name="KSO_WM_UNIT_COMPATIBLE" val="0"/>
   <p:tag name="KSO_WM_UNIT_DIAGRAM_ISNUMVISUAL" val="0"/>
@@ -12047,21 +11500,138 @@
 </p:tagLst>
 </file>
 
-<file path=ppt/tags/tag6.xml><?xml version="1.0" encoding="utf-8"?>
-<p:tagLst xmlns:p="http://schemas.openxmlformats.org/presentationml/2006/main">
+<file path=ppt/tags/tag40.xml><?xml version="1.0" encoding="utf-8"?>
+<p:tagLst xmlns:a="http://schemas.openxmlformats.org/drawingml/2006/main" xmlns:r="http://schemas.openxmlformats.org/officeDocument/2006/relationships" xmlns:p="http://schemas.openxmlformats.org/presentationml/2006/main">
   <p:tag name="KSO_WM_UNIT_HIGHLIGHT" val="0"/>
   <p:tag name="KSO_WM_UNIT_COMPATIBLE" val="0"/>
   <p:tag name="KSO_WM_UNIT_DIAGRAM_ISNUMVISUAL" val="0"/>
   <p:tag name="KSO_WM_UNIT_DIAGRAM_ISREFERUNIT" val="0"/>
-  <p:tag name="KSO_WM_UNIT_ID" val="_2**"/>
+  <p:tag name="KSO_WM_UNIT_ID" val="_7**"/>
   <p:tag name="KSO_WM_UNIT_LAYERLEVEL" val="1"/>
   <p:tag name="KSO_WM_TAG_VERSION" val="1.0"/>
   <p:tag name="KSO_WM_BEAUTIFY_FLAG" val="#wm#"/>
 </p:tagLst>
 </file>
 
-<file path=ppt/tags/tag60.xml><?xml version="1.0" encoding="utf-8"?>
-<p:tagLst xmlns:p="http://schemas.openxmlformats.org/presentationml/2006/main">
+<file path=ppt/tags/tag41.xml><?xml version="1.0" encoding="utf-8"?>
+<p:tagLst xmlns:a="http://schemas.openxmlformats.org/drawingml/2006/main" xmlns:r="http://schemas.openxmlformats.org/officeDocument/2006/relationships" xmlns:p="http://schemas.openxmlformats.org/presentationml/2006/main">
+  <p:tag name="KSO_WM_UNIT_HIGHLIGHT" val="0"/>
+  <p:tag name="KSO_WM_UNIT_COMPATIBLE" val="0"/>
+  <p:tag name="KSO_WM_UNIT_DIAGRAM_ISNUMVISUAL" val="0"/>
+  <p:tag name="KSO_WM_UNIT_DIAGRAM_ISREFERUNIT" val="0"/>
+  <p:tag name="KSO_WM_UNIT_ID" val="_7**"/>
+  <p:tag name="KSO_WM_UNIT_LAYERLEVEL" val="1"/>
+  <p:tag name="KSO_WM_TAG_VERSION" val="1.0"/>
+  <p:tag name="KSO_WM_BEAUTIFY_FLAG" val="#wm#"/>
+</p:tagLst>
+</file>
+
+<file path=ppt/tags/tag42.xml><?xml version="1.0" encoding="utf-8"?>
+<p:tagLst xmlns:a="http://schemas.openxmlformats.org/drawingml/2006/main" xmlns:r="http://schemas.openxmlformats.org/officeDocument/2006/relationships" xmlns:p="http://schemas.openxmlformats.org/presentationml/2006/main">
+  <p:tag name="KSO_WM_UNIT_HIGHLIGHT" val="0"/>
+  <p:tag name="KSO_WM_UNIT_COMPATIBLE" val="0"/>
+  <p:tag name="KSO_WM_UNIT_DIAGRAM_ISNUMVISUAL" val="0"/>
+  <p:tag name="KSO_WM_UNIT_DIAGRAM_ISREFERUNIT" val="0"/>
+  <p:tag name="KSO_WM_UNIT_ID" val="_7**"/>
+  <p:tag name="KSO_WM_UNIT_LAYERLEVEL" val="1"/>
+  <p:tag name="KSO_WM_TAG_VERSION" val="1.0"/>
+  <p:tag name="KSO_WM_BEAUTIFY_FLAG" val="#wm#"/>
+</p:tagLst>
+</file>
+
+<file path=ppt/tags/tag43.xml><?xml version="1.0" encoding="utf-8"?>
+<p:tagLst xmlns:a="http://schemas.openxmlformats.org/drawingml/2006/main" xmlns:r="http://schemas.openxmlformats.org/officeDocument/2006/relationships" xmlns:p="http://schemas.openxmlformats.org/presentationml/2006/main">
+  <p:tag name="KSO_WM_UNIT_HIGHLIGHT" val="0"/>
+  <p:tag name="KSO_WM_UNIT_COMPATIBLE" val="0"/>
+  <p:tag name="KSO_WM_UNIT_DIAGRAM_ISNUMVISUAL" val="0"/>
+  <p:tag name="KSO_WM_UNIT_DIAGRAM_ISREFERUNIT" val="0"/>
+  <p:tag name="KSO_WM_UNIT_ID" val="_8**"/>
+  <p:tag name="KSO_WM_UNIT_LAYERLEVEL" val="1"/>
+  <p:tag name="KSO_WM_TAG_VERSION" val="1.0"/>
+  <p:tag name="KSO_WM_BEAUTIFY_FLAG" val="#wm#"/>
+</p:tagLst>
+</file>
+
+<file path=ppt/tags/tag44.xml><?xml version="1.0" encoding="utf-8"?>
+<p:tagLst xmlns:a="http://schemas.openxmlformats.org/drawingml/2006/main" xmlns:r="http://schemas.openxmlformats.org/officeDocument/2006/relationships" xmlns:p="http://schemas.openxmlformats.org/presentationml/2006/main">
+  <p:tag name="KSO_WM_UNIT_HIGHLIGHT" val="0"/>
+  <p:tag name="KSO_WM_UNIT_COMPATIBLE" val="0"/>
+  <p:tag name="KSO_WM_UNIT_DIAGRAM_ISNUMVISUAL" val="0"/>
+  <p:tag name="KSO_WM_UNIT_DIAGRAM_ISREFERUNIT" val="0"/>
+  <p:tag name="KSO_WM_UNIT_ID" val="_8**"/>
+  <p:tag name="KSO_WM_UNIT_LAYERLEVEL" val="1"/>
+  <p:tag name="KSO_WM_TAG_VERSION" val="1.0"/>
+  <p:tag name="KSO_WM_BEAUTIFY_FLAG" val="#wm#"/>
+</p:tagLst>
+</file>
+
+<file path=ppt/tags/tag45.xml><?xml version="1.0" encoding="utf-8"?>
+<p:tagLst xmlns:a="http://schemas.openxmlformats.org/drawingml/2006/main" xmlns:r="http://schemas.openxmlformats.org/officeDocument/2006/relationships" xmlns:p="http://schemas.openxmlformats.org/presentationml/2006/main">
+  <p:tag name="KSO_WM_UNIT_HIGHLIGHT" val="0"/>
+  <p:tag name="KSO_WM_UNIT_COMPATIBLE" val="0"/>
+  <p:tag name="KSO_WM_UNIT_DIAGRAM_ISNUMVISUAL" val="0"/>
+  <p:tag name="KSO_WM_UNIT_DIAGRAM_ISREFERUNIT" val="0"/>
+  <p:tag name="KSO_WM_UNIT_ID" val="_8**"/>
+  <p:tag name="KSO_WM_UNIT_LAYERLEVEL" val="1"/>
+  <p:tag name="KSO_WM_TAG_VERSION" val="1.0"/>
+  <p:tag name="KSO_WM_BEAUTIFY_FLAG" val="#wm#"/>
+</p:tagLst>
+</file>
+
+<file path=ppt/tags/tag46.xml><?xml version="1.0" encoding="utf-8"?>
+<p:tagLst xmlns:a="http://schemas.openxmlformats.org/drawingml/2006/main" xmlns:r="http://schemas.openxmlformats.org/officeDocument/2006/relationships" xmlns:p="http://schemas.openxmlformats.org/presentationml/2006/main">
+  <p:tag name="KSO_WM_UNIT_HIGHLIGHT" val="0"/>
+  <p:tag name="KSO_WM_UNIT_COMPATIBLE" val="0"/>
+  <p:tag name="KSO_WM_UNIT_DIAGRAM_ISNUMVISUAL" val="0"/>
+  <p:tag name="KSO_WM_UNIT_DIAGRAM_ISREFERUNIT" val="0"/>
+  <p:tag name="KSO_WM_UNIT_ID" val="_8**"/>
+  <p:tag name="KSO_WM_UNIT_LAYERLEVEL" val="1"/>
+  <p:tag name="KSO_WM_TAG_VERSION" val="1.0"/>
+  <p:tag name="KSO_WM_BEAUTIFY_FLAG" val="#wm#"/>
+</p:tagLst>
+</file>
+
+<file path=ppt/tags/tag47.xml><?xml version="1.0" encoding="utf-8"?>
+<p:tagLst xmlns:a="http://schemas.openxmlformats.org/drawingml/2006/main" xmlns:r="http://schemas.openxmlformats.org/officeDocument/2006/relationships" xmlns:p="http://schemas.openxmlformats.org/presentationml/2006/main">
+  <p:tag name="KSO_WM_UNIT_HIGHLIGHT" val="0"/>
+  <p:tag name="KSO_WM_UNIT_COMPATIBLE" val="0"/>
+  <p:tag name="KSO_WM_UNIT_DIAGRAM_ISNUMVISUAL" val="0"/>
+  <p:tag name="KSO_WM_UNIT_DIAGRAM_ISREFERUNIT" val="0"/>
+  <p:tag name="KSO_WM_UNIT_ID" val="_8**"/>
+  <p:tag name="KSO_WM_UNIT_LAYERLEVEL" val="1"/>
+  <p:tag name="KSO_WM_TAG_VERSION" val="1.0"/>
+  <p:tag name="KSO_WM_BEAUTIFY_FLAG" val="#wm#"/>
+</p:tagLst>
+</file>
+
+<file path=ppt/tags/tag48.xml><?xml version="1.0" encoding="utf-8"?>
+<p:tagLst xmlns:a="http://schemas.openxmlformats.org/drawingml/2006/main" xmlns:r="http://schemas.openxmlformats.org/officeDocument/2006/relationships" xmlns:p="http://schemas.openxmlformats.org/presentationml/2006/main">
+  <p:tag name="KSO_WM_UNIT_HIGHLIGHT" val="0"/>
+  <p:tag name="KSO_WM_UNIT_COMPATIBLE" val="0"/>
+  <p:tag name="KSO_WM_UNIT_DIAGRAM_ISNUMVISUAL" val="0"/>
+  <p:tag name="KSO_WM_UNIT_DIAGRAM_ISREFERUNIT" val="0"/>
+  <p:tag name="KSO_WM_UNIT_ID" val="_8**"/>
+  <p:tag name="KSO_WM_UNIT_LAYERLEVEL" val="1"/>
+  <p:tag name="KSO_WM_TAG_VERSION" val="1.0"/>
+  <p:tag name="KSO_WM_BEAUTIFY_FLAG" val="#wm#"/>
+</p:tagLst>
+</file>
+
+<file path=ppt/tags/tag49.xml><?xml version="1.0" encoding="utf-8"?>
+<p:tagLst xmlns:a="http://schemas.openxmlformats.org/drawingml/2006/main" xmlns:r="http://schemas.openxmlformats.org/officeDocument/2006/relationships" xmlns:p="http://schemas.openxmlformats.org/presentationml/2006/main">
+  <p:tag name="KSO_WM_UNIT_HIGHLIGHT" val="0"/>
+  <p:tag name="KSO_WM_UNIT_COMPATIBLE" val="0"/>
+  <p:tag name="KSO_WM_UNIT_DIAGRAM_ISNUMVISUAL" val="0"/>
+  <p:tag name="KSO_WM_UNIT_DIAGRAM_ISREFERUNIT" val="0"/>
+  <p:tag name="KSO_WM_UNIT_ID" val="_9**"/>
+  <p:tag name="KSO_WM_UNIT_LAYERLEVEL" val="1"/>
+  <p:tag name="KSO_WM_TAG_VERSION" val="1.0"/>
+  <p:tag name="KSO_WM_BEAUTIFY_FLAG" val="#wm#"/>
+</p:tagLst>
+</file>
+
+<file path=ppt/tags/tag5.xml><?xml version="1.0" encoding="utf-8"?>
+<p:tagLst xmlns:a="http://schemas.openxmlformats.org/drawingml/2006/main" xmlns:r="http://schemas.openxmlformats.org/officeDocument/2006/relationships" xmlns:p="http://schemas.openxmlformats.org/presentationml/2006/main">
   <p:tag name="KSO_WM_UNIT_HIGHLIGHT" val="0"/>
   <p:tag name="KSO_WM_UNIT_COMPATIBLE" val="0"/>
   <p:tag name="KSO_WM_UNIT_DIAGRAM_ISNUMVISUAL" val="0"/>
@@ -12073,8 +11643,138 @@
 </p:tagLst>
 </file>
 
-<file path=ppt/tags/tag61.xml><?xml version="1.0" encoding="utf-8"?>
-<p:tagLst xmlns:p="http://schemas.openxmlformats.org/presentationml/2006/main">
+<file path=ppt/tags/tag50.xml><?xml version="1.0" encoding="utf-8"?>
+<p:tagLst xmlns:a="http://schemas.openxmlformats.org/drawingml/2006/main" xmlns:r="http://schemas.openxmlformats.org/officeDocument/2006/relationships" xmlns:p="http://schemas.openxmlformats.org/presentationml/2006/main">
+  <p:tag name="KSO_WM_UNIT_HIGHLIGHT" val="0"/>
+  <p:tag name="KSO_WM_UNIT_COMPATIBLE" val="0"/>
+  <p:tag name="KSO_WM_UNIT_DIAGRAM_ISNUMVISUAL" val="0"/>
+  <p:tag name="KSO_WM_UNIT_DIAGRAM_ISREFERUNIT" val="0"/>
+  <p:tag name="KSO_WM_UNIT_ID" val="_9**"/>
+  <p:tag name="KSO_WM_UNIT_LAYERLEVEL" val="1"/>
+  <p:tag name="KSO_WM_TAG_VERSION" val="1.0"/>
+  <p:tag name="KSO_WM_BEAUTIFY_FLAG" val="#wm#"/>
+</p:tagLst>
+</file>
+
+<file path=ppt/tags/tag51.xml><?xml version="1.0" encoding="utf-8"?>
+<p:tagLst xmlns:a="http://schemas.openxmlformats.org/drawingml/2006/main" xmlns:r="http://schemas.openxmlformats.org/officeDocument/2006/relationships" xmlns:p="http://schemas.openxmlformats.org/presentationml/2006/main">
+  <p:tag name="KSO_WM_UNIT_HIGHLIGHT" val="0"/>
+  <p:tag name="KSO_WM_UNIT_COMPATIBLE" val="0"/>
+  <p:tag name="KSO_WM_UNIT_DIAGRAM_ISNUMVISUAL" val="0"/>
+  <p:tag name="KSO_WM_UNIT_DIAGRAM_ISREFERUNIT" val="0"/>
+  <p:tag name="KSO_WM_UNIT_ID" val="_9**"/>
+  <p:tag name="KSO_WM_UNIT_LAYERLEVEL" val="1"/>
+  <p:tag name="KSO_WM_TAG_VERSION" val="1.0"/>
+  <p:tag name="KSO_WM_BEAUTIFY_FLAG" val="#wm#"/>
+</p:tagLst>
+</file>
+
+<file path=ppt/tags/tag52.xml><?xml version="1.0" encoding="utf-8"?>
+<p:tagLst xmlns:a="http://schemas.openxmlformats.org/drawingml/2006/main" xmlns:r="http://schemas.openxmlformats.org/officeDocument/2006/relationships" xmlns:p="http://schemas.openxmlformats.org/presentationml/2006/main">
+  <p:tag name="KSO_WM_UNIT_HIGHLIGHT" val="0"/>
+  <p:tag name="KSO_WM_UNIT_COMPATIBLE" val="0"/>
+  <p:tag name="KSO_WM_UNIT_DIAGRAM_ISNUMVISUAL" val="0"/>
+  <p:tag name="KSO_WM_UNIT_DIAGRAM_ISREFERUNIT" val="0"/>
+  <p:tag name="KSO_WM_UNIT_ID" val="_9**"/>
+  <p:tag name="KSO_WM_UNIT_LAYERLEVEL" val="1"/>
+  <p:tag name="KSO_WM_TAG_VERSION" val="1.0"/>
+  <p:tag name="KSO_WM_BEAUTIFY_FLAG" val="#wm#"/>
+</p:tagLst>
+</file>
+
+<file path=ppt/tags/tag53.xml><?xml version="1.0" encoding="utf-8"?>
+<p:tagLst xmlns:a="http://schemas.openxmlformats.org/drawingml/2006/main" xmlns:r="http://schemas.openxmlformats.org/officeDocument/2006/relationships" xmlns:p="http://schemas.openxmlformats.org/presentationml/2006/main">
+  <p:tag name="KSO_WM_UNIT_HIGHLIGHT" val="0"/>
+  <p:tag name="KSO_WM_UNIT_COMPATIBLE" val="0"/>
+  <p:tag name="KSO_WM_UNIT_DIAGRAM_ISNUMVISUAL" val="0"/>
+  <p:tag name="KSO_WM_UNIT_DIAGRAM_ISREFERUNIT" val="0"/>
+  <p:tag name="KSO_WM_UNIT_ID" val="_9**"/>
+  <p:tag name="KSO_WM_UNIT_LAYERLEVEL" val="1"/>
+  <p:tag name="KSO_WM_TAG_VERSION" val="1.0"/>
+  <p:tag name="KSO_WM_BEAUTIFY_FLAG" val="#wm#"/>
+</p:tagLst>
+</file>
+
+<file path=ppt/tags/tag54.xml><?xml version="1.0" encoding="utf-8"?>
+<p:tagLst xmlns:a="http://schemas.openxmlformats.org/drawingml/2006/main" xmlns:r="http://schemas.openxmlformats.org/officeDocument/2006/relationships" xmlns:p="http://schemas.openxmlformats.org/presentationml/2006/main">
+  <p:tag name="KSO_WM_UNIT_HIGHLIGHT" val="0"/>
+  <p:tag name="KSO_WM_UNIT_COMPATIBLE" val="0"/>
+  <p:tag name="KSO_WM_UNIT_DIAGRAM_ISNUMVISUAL" val="0"/>
+  <p:tag name="KSO_WM_UNIT_DIAGRAM_ISREFERUNIT" val="0"/>
+  <p:tag name="KSO_WM_UNIT_ID" val="_10**"/>
+  <p:tag name="KSO_WM_UNIT_LAYERLEVEL" val="1"/>
+  <p:tag name="KSO_WM_TAG_VERSION" val="1.0"/>
+  <p:tag name="KSO_WM_BEAUTIFY_FLAG" val="#wm#"/>
+</p:tagLst>
+</file>
+
+<file path=ppt/tags/tag55.xml><?xml version="1.0" encoding="utf-8"?>
+<p:tagLst xmlns:a="http://schemas.openxmlformats.org/drawingml/2006/main" xmlns:r="http://schemas.openxmlformats.org/officeDocument/2006/relationships" xmlns:p="http://schemas.openxmlformats.org/presentationml/2006/main">
+  <p:tag name="KSO_WM_UNIT_HIGHLIGHT" val="0"/>
+  <p:tag name="KSO_WM_UNIT_COMPATIBLE" val="0"/>
+  <p:tag name="KSO_WM_UNIT_DIAGRAM_ISNUMVISUAL" val="0"/>
+  <p:tag name="KSO_WM_UNIT_DIAGRAM_ISREFERUNIT" val="0"/>
+  <p:tag name="KSO_WM_UNIT_ID" val="_10**"/>
+  <p:tag name="KSO_WM_UNIT_LAYERLEVEL" val="1"/>
+  <p:tag name="KSO_WM_TAG_VERSION" val="1.0"/>
+  <p:tag name="KSO_WM_BEAUTIFY_FLAG" val="#wm#"/>
+</p:tagLst>
+</file>
+
+<file path=ppt/tags/tag56.xml><?xml version="1.0" encoding="utf-8"?>
+<p:tagLst xmlns:a="http://schemas.openxmlformats.org/drawingml/2006/main" xmlns:r="http://schemas.openxmlformats.org/officeDocument/2006/relationships" xmlns:p="http://schemas.openxmlformats.org/presentationml/2006/main">
+  <p:tag name="KSO_WM_UNIT_HIGHLIGHT" val="0"/>
+  <p:tag name="KSO_WM_UNIT_COMPATIBLE" val="0"/>
+  <p:tag name="KSO_WM_UNIT_DIAGRAM_ISNUMVISUAL" val="0"/>
+  <p:tag name="KSO_WM_UNIT_DIAGRAM_ISREFERUNIT" val="0"/>
+  <p:tag name="KSO_WM_UNIT_ID" val="_10**"/>
+  <p:tag name="KSO_WM_UNIT_LAYERLEVEL" val="1"/>
+  <p:tag name="KSO_WM_TAG_VERSION" val="1.0"/>
+  <p:tag name="KSO_WM_BEAUTIFY_FLAG" val="#wm#"/>
+</p:tagLst>
+</file>
+
+<file path=ppt/tags/tag57.xml><?xml version="1.0" encoding="utf-8"?>
+<p:tagLst xmlns:a="http://schemas.openxmlformats.org/drawingml/2006/main" xmlns:r="http://schemas.openxmlformats.org/officeDocument/2006/relationships" xmlns:p="http://schemas.openxmlformats.org/presentationml/2006/main">
+  <p:tag name="KSO_WM_UNIT_HIGHLIGHT" val="0"/>
+  <p:tag name="KSO_WM_UNIT_COMPATIBLE" val="0"/>
+  <p:tag name="KSO_WM_UNIT_DIAGRAM_ISNUMVISUAL" val="0"/>
+  <p:tag name="KSO_WM_UNIT_DIAGRAM_ISREFERUNIT" val="0"/>
+  <p:tag name="KSO_WM_UNIT_ID" val="_10**"/>
+  <p:tag name="KSO_WM_UNIT_LAYERLEVEL" val="1"/>
+  <p:tag name="KSO_WM_TAG_VERSION" val="1.0"/>
+  <p:tag name="KSO_WM_BEAUTIFY_FLAG" val="#wm#"/>
+</p:tagLst>
+</file>
+
+<file path=ppt/tags/tag58.xml><?xml version="1.0" encoding="utf-8"?>
+<p:tagLst xmlns:a="http://schemas.openxmlformats.org/drawingml/2006/main" xmlns:r="http://schemas.openxmlformats.org/officeDocument/2006/relationships" xmlns:p="http://schemas.openxmlformats.org/presentationml/2006/main">
+  <p:tag name="KSO_WM_UNIT_HIGHLIGHT" val="0"/>
+  <p:tag name="KSO_WM_UNIT_COMPATIBLE" val="0"/>
+  <p:tag name="KSO_WM_UNIT_DIAGRAM_ISNUMVISUAL" val="0"/>
+  <p:tag name="KSO_WM_UNIT_DIAGRAM_ISREFERUNIT" val="0"/>
+  <p:tag name="KSO_WM_UNIT_ID" val="_11**"/>
+  <p:tag name="KSO_WM_UNIT_LAYERLEVEL" val="1"/>
+  <p:tag name="KSO_WM_TAG_VERSION" val="1.0"/>
+  <p:tag name="KSO_WM_BEAUTIFY_FLAG" val="#wm#"/>
+</p:tagLst>
+</file>
+
+<file path=ppt/tags/tag59.xml><?xml version="1.0" encoding="utf-8"?>
+<p:tagLst xmlns:a="http://schemas.openxmlformats.org/drawingml/2006/main" xmlns:r="http://schemas.openxmlformats.org/officeDocument/2006/relationships" xmlns:p="http://schemas.openxmlformats.org/presentationml/2006/main">
+  <p:tag name="KSO_WM_UNIT_HIGHLIGHT" val="0"/>
+  <p:tag name="KSO_WM_UNIT_COMPATIBLE" val="0"/>
+  <p:tag name="KSO_WM_UNIT_DIAGRAM_ISNUMVISUAL" val="0"/>
+  <p:tag name="KSO_WM_UNIT_DIAGRAM_ISREFERUNIT" val="0"/>
+  <p:tag name="KSO_WM_UNIT_ID" val="_11**"/>
+  <p:tag name="KSO_WM_UNIT_LAYERLEVEL" val="1"/>
+  <p:tag name="KSO_WM_TAG_VERSION" val="1.0"/>
+  <p:tag name="KSO_WM_BEAUTIFY_FLAG" val="#wm#"/>
+</p:tagLst>
+</file>
+
+<file path=ppt/tags/tag6.xml><?xml version="1.0" encoding="utf-8"?>
+<p:tagLst xmlns:a="http://schemas.openxmlformats.org/drawingml/2006/main" xmlns:r="http://schemas.openxmlformats.org/officeDocument/2006/relationships" xmlns:p="http://schemas.openxmlformats.org/presentationml/2006/main">
   <p:tag name="KSO_WM_UNIT_HIGHLIGHT" val="0"/>
   <p:tag name="KSO_WM_UNIT_COMPATIBLE" val="0"/>
   <p:tag name="KSO_WM_UNIT_DIAGRAM_ISNUMVISUAL" val="0"/>
@@ -12086,22 +11786,68 @@
 </p:tagLst>
 </file>
 
+<file path=ppt/tags/tag60.xml><?xml version="1.0" encoding="utf-8"?>
+<p:tagLst xmlns:a="http://schemas.openxmlformats.org/drawingml/2006/main" xmlns:r="http://schemas.openxmlformats.org/officeDocument/2006/relationships" xmlns:p="http://schemas.openxmlformats.org/presentationml/2006/main">
+  <p:tag name="KSO_WM_UNIT_HIGHLIGHT" val="0"/>
+  <p:tag name="KSO_WM_UNIT_COMPATIBLE" val="0"/>
+  <p:tag name="KSO_WM_UNIT_DIAGRAM_ISNUMVISUAL" val="0"/>
+  <p:tag name="KSO_WM_UNIT_DIAGRAM_ISREFERUNIT" val="0"/>
+  <p:tag name="KSO_WM_UNIT_ID" val="_11**"/>
+  <p:tag name="KSO_WM_UNIT_LAYERLEVEL" val="1"/>
+  <p:tag name="KSO_WM_TAG_VERSION" val="1.0"/>
+  <p:tag name="KSO_WM_BEAUTIFY_FLAG" val="#wm#"/>
+</p:tagLst>
+</file>
+
+<file path=ppt/tags/tag61.xml><?xml version="1.0" encoding="utf-8"?>
+<p:tagLst xmlns:a="http://schemas.openxmlformats.org/drawingml/2006/main" xmlns:r="http://schemas.openxmlformats.org/officeDocument/2006/relationships" xmlns:p="http://schemas.openxmlformats.org/presentationml/2006/main">
+  <p:tag name="KSO_WM_UNIT_HIGHLIGHT" val="0"/>
+  <p:tag name="KSO_WM_UNIT_COMPATIBLE" val="0"/>
+  <p:tag name="KSO_WM_UNIT_DIAGRAM_ISNUMVISUAL" val="0"/>
+  <p:tag name="KSO_WM_UNIT_DIAGRAM_ISREFERUNIT" val="0"/>
+  <p:tag name="KSO_WM_UNIT_ID" val="_11**"/>
+  <p:tag name="KSO_WM_UNIT_LAYERLEVEL" val="1"/>
+  <p:tag name="KSO_WM_TAG_VERSION" val="1.0"/>
+  <p:tag name="KSO_WM_BEAUTIFY_FLAG" val="#wm#"/>
+</p:tagLst>
+</file>
+
 <file path=ppt/tags/tag62.xml><?xml version="1.0" encoding="utf-8"?>
-<p:tagLst xmlns:p="http://schemas.openxmlformats.org/presentationml/2006/main">
-  <p:tag name="KSO_WM_TEMPLATE_THUMBS_INDEX" val="1、4、7、12、13、14、15、16、17、18、20、24、25、28、33、36、40、43、44"/>
+<p:tagLst xmlns:a="http://schemas.openxmlformats.org/drawingml/2006/main" xmlns:r="http://schemas.openxmlformats.org/officeDocument/2006/relationships" xmlns:p="http://schemas.openxmlformats.org/presentationml/2006/main">
+  <p:tag name="KSO_WM_UNIT_HIGHLIGHT" val="0"/>
+  <p:tag name="KSO_WM_UNIT_COMPATIBLE" val="0"/>
+  <p:tag name="KSO_WM_UNIT_DIAGRAM_ISNUMVISUAL" val="0"/>
+  <p:tag name="KSO_WM_UNIT_DIAGRAM_ISREFERUNIT" val="0"/>
+  <p:tag name="KSO_WM_UNIT_ID" val="_11**"/>
+  <p:tag name="KSO_WM_UNIT_LAYERLEVEL" val="1"/>
+  <p:tag name="KSO_WM_TAG_VERSION" val="1.0"/>
+  <p:tag name="KSO_WM_BEAUTIFY_FLAG" val="#wm#"/>
+</p:tagLst>
+</file>
+
+<file path=ppt/tags/tag63.xml><?xml version="1.0" encoding="utf-8"?>
+<p:tagLst xmlns:a="http://schemas.openxmlformats.org/drawingml/2006/main" xmlns:r="http://schemas.openxmlformats.org/officeDocument/2006/relationships" xmlns:p="http://schemas.openxmlformats.org/presentationml/2006/main">
+  <p:tag name="KSO_WM_SLIDE_ID" val="custom20205081_1"/>
   <p:tag name="KSO_WM_TEMPLATE_SUBCATEGORY" val="19"/>
+  <p:tag name="KSO_WM_TEMPLATE_MASTER_TYPE" val="0"/>
+  <p:tag name="KSO_WM_TEMPLATE_COLOR_TYPE" val="1"/>
+  <p:tag name="KSO_WM_SLIDE_TYPE" val="title"/>
+  <p:tag name="KSO_WM_SLIDE_SUBTYPE" val="defaultBlank"/>
+  <p:tag name="KSO_WM_SLIDE_ITEM_CNT" val="0"/>
+  <p:tag name="KSO_WM_SLIDE_INDEX" val="1"/>
   <p:tag name="KSO_WM_TAG_VERSION" val="1.0"/>
   <p:tag name="KSO_WM_BEAUTIFY_FLAG" val="#wm#"/>
   <p:tag name="KSO_WM_TEMPLATE_CATEGORY" val="custom"/>
   <p:tag name="KSO_WM_TEMPLATE_INDEX" val="20205081"/>
-  <p:tag name="KSO_WM_TEMPLATE_MASTER_TYPE" val="0"/>
-  <p:tag name="KSO_WM_TEMPLATE_COLOR_TYPE" val="1"/>
+  <p:tag name="KSO_WM_SLIDE_LAYOUT" val="a_b"/>
+  <p:tag name="KSO_WM_SLIDE_LAYOUT_CNT" val="1_1"/>
   <p:tag name="KSO_WM_UNIT_SHOW_EDIT_AREA_INDICATION" val="1"/>
-</p:tagLst>
-</file>
-
-<file path=ppt/tags/tag63.xml><?xml version="1.0" encoding="utf-8"?>
-<p:tagLst xmlns:p="http://schemas.openxmlformats.org/presentationml/2006/main">
+  <p:tag name="KSO_WM_TEMPLATE_THUMBS_INDEX" val="1、4、7、12、13、14、15、16、17、18、20、24、25、28、33、36、40、43、44"/>
+</p:tagLst>
+</file>
+
+<file path=ppt/tags/tag64.xml><?xml version="1.0" encoding="utf-8"?>
+<p:tagLst xmlns:a="http://schemas.openxmlformats.org/drawingml/2006/main" xmlns:r="http://schemas.openxmlformats.org/officeDocument/2006/relationships" xmlns:p="http://schemas.openxmlformats.org/presentationml/2006/main">
   <p:tag name="KSO_WM_UNIT_ISCONTENTSTITLE" val="0"/>
   <p:tag name="KSO_WM_UNIT_ISNUMDGMTITLE" val="0"/>
   <p:tag name="KSO_WM_UNIT_NOCLEAR" val="0"/>
@@ -12122,8 +11868,8 @@
 </p:tagLst>
 </file>
 
-<file path=ppt/tags/tag64.xml><?xml version="1.0" encoding="utf-8"?>
-<p:tagLst xmlns:p="http://schemas.openxmlformats.org/presentationml/2006/main">
+<file path=ppt/tags/tag65.xml><?xml version="1.0" encoding="utf-8"?>
+<p:tagLst xmlns:a="http://schemas.openxmlformats.org/drawingml/2006/main" xmlns:r="http://schemas.openxmlformats.org/officeDocument/2006/relationships" xmlns:p="http://schemas.openxmlformats.org/presentationml/2006/main">
   <p:tag name="KSO_WM_UNIT_ISCONTENTSTITLE" val="0"/>
   <p:tag name="KSO_WM_UNIT_ISNUMDGMTITLE" val="0"/>
   <p:tag name="KSO_WM_UNIT_NOCLEAR" val="0"/>
@@ -12144,58 +11890,37 @@
 </p:tagLst>
 </file>
 
-<file path=ppt/tags/tag65.xml><?xml version="1.0" encoding="utf-8"?>
-<p:tagLst xmlns:p="http://schemas.openxmlformats.org/presentationml/2006/main">
-  <p:tag name="KSO_WM_SLIDE_ID" val="custom20205081_1"/>
-  <p:tag name="KSO_WM_TEMPLATE_SUBCATEGORY" val="19"/>
-  <p:tag name="KSO_WM_TEMPLATE_MASTER_TYPE" val="0"/>
-  <p:tag name="KSO_WM_TEMPLATE_COLOR_TYPE" val="1"/>
-  <p:tag name="KSO_WM_SLIDE_TYPE" val="title"/>
-  <p:tag name="KSO_WM_SLIDE_SUBTYPE" val="defaultBlank"/>
-  <p:tag name="KSO_WM_SLIDE_ITEM_CNT" val="0"/>
-  <p:tag name="KSO_WM_SLIDE_INDEX" val="1"/>
-  <p:tag name="KSO_WM_TAG_VERSION" val="1.0"/>
-  <p:tag name="KSO_WM_BEAUTIFY_FLAG" val="#wm#"/>
-  <p:tag name="KSO_WM_TEMPLATE_CATEGORY" val="custom"/>
-  <p:tag name="KSO_WM_TEMPLATE_INDEX" val="20205081"/>
-  <p:tag name="KSO_WM_SLIDE_LAYOUT" val="a_b"/>
-  <p:tag name="KSO_WM_SLIDE_LAYOUT_CNT" val="1_1"/>
-  <p:tag name="KSO_WM_UNIT_SHOW_EDIT_AREA_INDICATION" val="1"/>
-  <p:tag name="KSO_WM_TEMPLATE_THUMBS_INDEX" val="1、4、7、12、13、14、15、16、17、18、20、24、25、28、33、36、40、43、44"/>
-</p:tagLst>
-</file>
-
 <file path=ppt/tags/tag66.xml><?xml version="1.0" encoding="utf-8"?>
-<p:tagLst xmlns:p="http://schemas.openxmlformats.org/presentationml/2006/main">
+<p:tagLst xmlns:a="http://schemas.openxmlformats.org/drawingml/2006/main" xmlns:r="http://schemas.openxmlformats.org/officeDocument/2006/relationships" xmlns:p="http://schemas.openxmlformats.org/presentationml/2006/main">
   <p:tag name="KSO_WM_DIAGRAM_VIRTUALLY_FRAME" val="{&quot;height&quot;:155.94740157480314,&quot;left&quot;:117.46598425196851,&quot;top&quot;:62.532047244094485,&quot;width&quot;:723.7329133858267}"/>
 </p:tagLst>
 </file>
 
 <file path=ppt/tags/tag67.xml><?xml version="1.0" encoding="utf-8"?>
-<p:tagLst xmlns:p="http://schemas.openxmlformats.org/presentationml/2006/main">
+<p:tagLst xmlns:a="http://schemas.openxmlformats.org/drawingml/2006/main" xmlns:r="http://schemas.openxmlformats.org/officeDocument/2006/relationships" xmlns:p="http://schemas.openxmlformats.org/presentationml/2006/main">
   <p:tag name="KSO_WM_DIAGRAM_VIRTUALLY_FRAME" val="{&quot;height&quot;:155.94740157480314,&quot;left&quot;:117.46598425196851,&quot;top&quot;:62.532047244094485,&quot;width&quot;:723.7329133858267}"/>
 </p:tagLst>
 </file>
 
 <file path=ppt/tags/tag68.xml><?xml version="1.0" encoding="utf-8"?>
-<p:tagLst xmlns:p="http://schemas.openxmlformats.org/presentationml/2006/main">
+<p:tagLst xmlns:a="http://schemas.openxmlformats.org/drawingml/2006/main" xmlns:r="http://schemas.openxmlformats.org/officeDocument/2006/relationships" xmlns:p="http://schemas.openxmlformats.org/presentationml/2006/main">
   <p:tag name="KSO_WM_DIAGRAM_VIRTUALLY_FRAME" val="{&quot;height&quot;:155.94740157480314,&quot;left&quot;:117.46598425196851,&quot;top&quot;:62.532047244094485,&quot;width&quot;:723.7329133858267}"/>
 </p:tagLst>
 </file>
 
 <file path=ppt/tags/tag69.xml><?xml version="1.0" encoding="utf-8"?>
-<p:tagLst xmlns:p="http://schemas.openxmlformats.org/presentationml/2006/main">
+<p:tagLst xmlns:a="http://schemas.openxmlformats.org/drawingml/2006/main" xmlns:r="http://schemas.openxmlformats.org/officeDocument/2006/relationships" xmlns:p="http://schemas.openxmlformats.org/presentationml/2006/main">
   <p:tag name="KSO_WM_DIAGRAM_VIRTUALLY_FRAME" val="{&quot;height&quot;:155.94740157480314,&quot;left&quot;:117.46598425196851,&quot;top&quot;:62.532047244094485,&quot;width&quot;:723.7329133858267}"/>
 </p:tagLst>
 </file>
 
 <file path=ppt/tags/tag7.xml><?xml version="1.0" encoding="utf-8"?>
-<p:tagLst xmlns:p="http://schemas.openxmlformats.org/presentationml/2006/main">
+<p:tagLst xmlns:a="http://schemas.openxmlformats.org/drawingml/2006/main" xmlns:r="http://schemas.openxmlformats.org/officeDocument/2006/relationships" xmlns:p="http://schemas.openxmlformats.org/presentationml/2006/main">
   <p:tag name="KSO_WM_UNIT_HIGHLIGHT" val="0"/>
   <p:tag name="KSO_WM_UNIT_COMPATIBLE" val="0"/>
   <p:tag name="KSO_WM_UNIT_DIAGRAM_ISNUMVISUAL" val="0"/>
   <p:tag name="KSO_WM_UNIT_DIAGRAM_ISREFERUNIT" val="0"/>
-  <p:tag name="KSO_WM_UNIT_ID" val="_2**"/>
+  <p:tag name="KSO_WM_UNIT_ID" val="_1**"/>
   <p:tag name="KSO_WM_UNIT_LAYERLEVEL" val="1"/>
   <p:tag name="KSO_WM_TAG_VERSION" val="1.0"/>
   <p:tag name="KSO_WM_BEAUTIFY_FLAG" val="#wm#"/>
@@ -12203,72 +11928,72 @@
 </file>
 
 <file path=ppt/tags/tag70.xml><?xml version="1.0" encoding="utf-8"?>
-<p:tagLst xmlns:p="http://schemas.openxmlformats.org/presentationml/2006/main">
+<p:tagLst xmlns:a="http://schemas.openxmlformats.org/drawingml/2006/main" xmlns:r="http://schemas.openxmlformats.org/officeDocument/2006/relationships" xmlns:p="http://schemas.openxmlformats.org/presentationml/2006/main">
   <p:tag name="KSO_WM_DIAGRAM_VIRTUALLY_FRAME" val="{&quot;height&quot;:155.94740157480314,&quot;left&quot;:117.46598425196851,&quot;top&quot;:62.532047244094485,&quot;width&quot;:723.7329133858267}"/>
 </p:tagLst>
 </file>
 
 <file path=ppt/tags/tag71.xml><?xml version="1.0" encoding="utf-8"?>
-<p:tagLst xmlns:p="http://schemas.openxmlformats.org/presentationml/2006/main">
+<p:tagLst xmlns:a="http://schemas.openxmlformats.org/drawingml/2006/main" xmlns:r="http://schemas.openxmlformats.org/officeDocument/2006/relationships" xmlns:p="http://schemas.openxmlformats.org/presentationml/2006/main">
   <p:tag name="KSO_WM_DIAGRAM_VIRTUALLY_FRAME" val="{&quot;height&quot;:155.94740157480314,&quot;left&quot;:117.46598425196851,&quot;top&quot;:62.532047244094485,&quot;width&quot;:723.7329133858267}"/>
 </p:tagLst>
 </file>
 
 <file path=ppt/tags/tag72.xml><?xml version="1.0" encoding="utf-8"?>
-<p:tagLst xmlns:p="http://schemas.openxmlformats.org/presentationml/2006/main">
+<p:tagLst xmlns:a="http://schemas.openxmlformats.org/drawingml/2006/main" xmlns:r="http://schemas.openxmlformats.org/officeDocument/2006/relationships" xmlns:p="http://schemas.openxmlformats.org/presentationml/2006/main">
   <p:tag name="KSO_WM_DIAGRAM_VIRTUALLY_FRAME" val="{&quot;height&quot;:155.94740157480314,&quot;left&quot;:117.46598425196851,&quot;top&quot;:62.532047244094485,&quot;width&quot;:723.7329133858267}"/>
 </p:tagLst>
 </file>
 
 <file path=ppt/tags/tag73.xml><?xml version="1.0" encoding="utf-8"?>
-<p:tagLst xmlns:p="http://schemas.openxmlformats.org/presentationml/2006/main">
+<p:tagLst xmlns:a="http://schemas.openxmlformats.org/drawingml/2006/main" xmlns:r="http://schemas.openxmlformats.org/officeDocument/2006/relationships" xmlns:p="http://schemas.openxmlformats.org/presentationml/2006/main">
   <p:tag name="KSO_WM_DIAGRAM_VIRTUALLY_FRAME" val="{&quot;height&quot;:155.94740157480314,&quot;left&quot;:117.46598425196851,&quot;top&quot;:62.532047244094485,&quot;width&quot;:723.7329133858267}"/>
 </p:tagLst>
 </file>
 
 <file path=ppt/tags/tag74.xml><?xml version="1.0" encoding="utf-8"?>
-<p:tagLst xmlns:p="http://schemas.openxmlformats.org/presentationml/2006/main">
+<p:tagLst xmlns:a="http://schemas.openxmlformats.org/drawingml/2006/main" xmlns:r="http://schemas.openxmlformats.org/officeDocument/2006/relationships" xmlns:p="http://schemas.openxmlformats.org/presentationml/2006/main">
   <p:tag name="KSO_WM_DIAGRAM_VIRTUALLY_FRAME" val="{&quot;height&quot;:155.94740157480314,&quot;left&quot;:117.46598425196851,&quot;top&quot;:62.532047244094485,&quot;width&quot;:723.7329133858267}"/>
 </p:tagLst>
 </file>
 
 <file path=ppt/tags/tag75.xml><?xml version="1.0" encoding="utf-8"?>
-<p:tagLst xmlns:p="http://schemas.openxmlformats.org/presentationml/2006/main">
+<p:tagLst xmlns:a="http://schemas.openxmlformats.org/drawingml/2006/main" xmlns:r="http://schemas.openxmlformats.org/officeDocument/2006/relationships" xmlns:p="http://schemas.openxmlformats.org/presentationml/2006/main">
   <p:tag name="KSO_WM_DIAGRAM_VIRTUALLY_FRAME" val="{&quot;height&quot;:155.94740157480314,&quot;left&quot;:117.46598425196851,&quot;top&quot;:62.532047244094485,&quot;width&quot;:723.7329133858267}"/>
 </p:tagLst>
 </file>
 
 <file path=ppt/tags/tag76.xml><?xml version="1.0" encoding="utf-8"?>
-<p:tagLst xmlns:p="http://schemas.openxmlformats.org/presentationml/2006/main">
+<p:tagLst xmlns:a="http://schemas.openxmlformats.org/drawingml/2006/main" xmlns:r="http://schemas.openxmlformats.org/officeDocument/2006/relationships" xmlns:p="http://schemas.openxmlformats.org/presentationml/2006/main">
   <p:tag name="KSO_WM_DIAGRAM_VIRTUALLY_FRAME" val="{&quot;height&quot;:392.15519685039374,&quot;left&quot;:54.75,&quot;top&quot;:116.57039370078739,&quot;width&quot;:852.1158267716535}"/>
 </p:tagLst>
 </file>
 
 <file path=ppt/tags/tag77.xml><?xml version="1.0" encoding="utf-8"?>
-<p:tagLst xmlns:p="http://schemas.openxmlformats.org/presentationml/2006/main">
+<p:tagLst xmlns:a="http://schemas.openxmlformats.org/drawingml/2006/main" xmlns:r="http://schemas.openxmlformats.org/officeDocument/2006/relationships" xmlns:p="http://schemas.openxmlformats.org/presentationml/2006/main">
   <p:tag name="KSO_WM_DIAGRAM_VIRTUALLY_FRAME" val="{&quot;height&quot;:392.15519685039374,&quot;left&quot;:54.75,&quot;top&quot;:116.57039370078739,&quot;width&quot;:852.1158267716535}"/>
 </p:tagLst>
 </file>
 
 <file path=ppt/tags/tag78.xml><?xml version="1.0" encoding="utf-8"?>
-<p:tagLst xmlns:p="http://schemas.openxmlformats.org/presentationml/2006/main">
+<p:tagLst xmlns:a="http://schemas.openxmlformats.org/drawingml/2006/main" xmlns:r="http://schemas.openxmlformats.org/officeDocument/2006/relationships" xmlns:p="http://schemas.openxmlformats.org/presentationml/2006/main">
   <p:tag name="KSO_WM_DIAGRAM_VIRTUALLY_FRAME" val="{&quot;height&quot;:392.15519685039374,&quot;left&quot;:54.75,&quot;top&quot;:116.57039370078739,&quot;width&quot;:852.1158267716535}"/>
 </p:tagLst>
 </file>
 
 <file path=ppt/tags/tag79.xml><?xml version="1.0" encoding="utf-8"?>
-<p:tagLst xmlns:p="http://schemas.openxmlformats.org/presentationml/2006/main">
+<p:tagLst xmlns:a="http://schemas.openxmlformats.org/drawingml/2006/main" xmlns:r="http://schemas.openxmlformats.org/officeDocument/2006/relationships" xmlns:p="http://schemas.openxmlformats.org/presentationml/2006/main">
   <p:tag name="KSO_WM_DIAGRAM_VIRTUALLY_FRAME" val="{&quot;height&quot;:392.15519685039374,&quot;left&quot;:54.75,&quot;top&quot;:116.57039370078739,&quot;width&quot;:852.1158267716535}"/>
 </p:tagLst>
 </file>
 
 <file path=ppt/tags/tag8.xml><?xml version="1.0" encoding="utf-8"?>
-<p:tagLst xmlns:p="http://schemas.openxmlformats.org/presentationml/2006/main">
+<p:tagLst xmlns:a="http://schemas.openxmlformats.org/drawingml/2006/main" xmlns:r="http://schemas.openxmlformats.org/officeDocument/2006/relationships" xmlns:p="http://schemas.openxmlformats.org/presentationml/2006/main">
   <p:tag name="KSO_WM_UNIT_HIGHLIGHT" val="0"/>
   <p:tag name="KSO_WM_UNIT_COMPATIBLE" val="0"/>
   <p:tag name="KSO_WM_UNIT_DIAGRAM_ISNUMVISUAL" val="0"/>
   <p:tag name="KSO_WM_UNIT_DIAGRAM_ISREFERUNIT" val="0"/>
-  <p:tag name="KSO_WM_UNIT_ID" val="_2**"/>
+  <p:tag name="KSO_WM_UNIT_ID" val="_1**"/>
   <p:tag name="KSO_WM_UNIT_LAYERLEVEL" val="1"/>
   <p:tag name="KSO_WM_TAG_VERSION" val="1.0"/>
   <p:tag name="KSO_WM_BEAUTIFY_FLAG" val="#wm#"/>
@@ -12276,72 +12001,72 @@
 </file>
 
 <file path=ppt/tags/tag80.xml><?xml version="1.0" encoding="utf-8"?>
-<p:tagLst xmlns:p="http://schemas.openxmlformats.org/presentationml/2006/main">
+<p:tagLst xmlns:a="http://schemas.openxmlformats.org/drawingml/2006/main" xmlns:r="http://schemas.openxmlformats.org/officeDocument/2006/relationships" xmlns:p="http://schemas.openxmlformats.org/presentationml/2006/main">
   <p:tag name="KSO_WM_DIAGRAM_VIRTUALLY_FRAME" val="{&quot;height&quot;:392.15519685039374,&quot;left&quot;:54.75,&quot;top&quot;:116.57039370078739,&quot;width&quot;:852.1158267716535}"/>
 </p:tagLst>
 </file>
 
 <file path=ppt/tags/tag81.xml><?xml version="1.0" encoding="utf-8"?>
-<p:tagLst xmlns:p="http://schemas.openxmlformats.org/presentationml/2006/main">
+<p:tagLst xmlns:a="http://schemas.openxmlformats.org/drawingml/2006/main" xmlns:r="http://schemas.openxmlformats.org/officeDocument/2006/relationships" xmlns:p="http://schemas.openxmlformats.org/presentationml/2006/main">
   <p:tag name="KSO_WM_DIAGRAM_VIRTUALLY_FRAME" val="{&quot;height&quot;:392.15519685039374,&quot;left&quot;:54.75,&quot;top&quot;:116.57039370078739,&quot;width&quot;:852.1158267716535}"/>
 </p:tagLst>
 </file>
 
 <file path=ppt/tags/tag82.xml><?xml version="1.0" encoding="utf-8"?>
-<p:tagLst xmlns:p="http://schemas.openxmlformats.org/presentationml/2006/main">
+<p:tagLst xmlns:a="http://schemas.openxmlformats.org/drawingml/2006/main" xmlns:r="http://schemas.openxmlformats.org/officeDocument/2006/relationships" xmlns:p="http://schemas.openxmlformats.org/presentationml/2006/main">
   <p:tag name="KSO_WM_DIAGRAM_VIRTUALLY_FRAME" val="{&quot;height&quot;:392.15519685039374,&quot;left&quot;:54.75,&quot;top&quot;:116.57039370078739,&quot;width&quot;:852.1158267716535}"/>
 </p:tagLst>
 </file>
 
 <file path=ppt/tags/tag83.xml><?xml version="1.0" encoding="utf-8"?>
-<p:tagLst xmlns:p="http://schemas.openxmlformats.org/presentationml/2006/main">
+<p:tagLst xmlns:a="http://schemas.openxmlformats.org/drawingml/2006/main" xmlns:r="http://schemas.openxmlformats.org/officeDocument/2006/relationships" xmlns:p="http://schemas.openxmlformats.org/presentationml/2006/main">
   <p:tag name="KSO_WM_DIAGRAM_VIRTUALLY_FRAME" val="{&quot;height&quot;:392.15519685039374,&quot;left&quot;:54.75,&quot;top&quot;:116.57039370078739,&quot;width&quot;:852.1158267716535}"/>
 </p:tagLst>
 </file>
 
 <file path=ppt/tags/tag84.xml><?xml version="1.0" encoding="utf-8"?>
-<p:tagLst xmlns:p="http://schemas.openxmlformats.org/presentationml/2006/main">
+<p:tagLst xmlns:a="http://schemas.openxmlformats.org/drawingml/2006/main" xmlns:r="http://schemas.openxmlformats.org/officeDocument/2006/relationships" xmlns:p="http://schemas.openxmlformats.org/presentationml/2006/main">
   <p:tag name="KSO_WM_DIAGRAM_VIRTUALLY_FRAME" val="{&quot;height&quot;:392.15519685039374,&quot;left&quot;:54.75,&quot;top&quot;:116.57039370078739,&quot;width&quot;:852.1158267716535}"/>
 </p:tagLst>
 </file>
 
 <file path=ppt/tags/tag85.xml><?xml version="1.0" encoding="utf-8"?>
-<p:tagLst xmlns:p="http://schemas.openxmlformats.org/presentationml/2006/main">
+<p:tagLst xmlns:a="http://schemas.openxmlformats.org/drawingml/2006/main" xmlns:r="http://schemas.openxmlformats.org/officeDocument/2006/relationships" xmlns:p="http://schemas.openxmlformats.org/presentationml/2006/main">
   <p:tag name="KSO_WM_DIAGRAM_VIRTUALLY_FRAME" val="{&quot;height&quot;:392.15519685039374,&quot;left&quot;:54.75,&quot;top&quot;:116.57039370078739,&quot;width&quot;:852.1158267716535}"/>
 </p:tagLst>
 </file>
 
 <file path=ppt/tags/tag86.xml><?xml version="1.0" encoding="utf-8"?>
-<p:tagLst xmlns:p="http://schemas.openxmlformats.org/presentationml/2006/main">
+<p:tagLst xmlns:a="http://schemas.openxmlformats.org/drawingml/2006/main" xmlns:r="http://schemas.openxmlformats.org/officeDocument/2006/relationships" xmlns:p="http://schemas.openxmlformats.org/presentationml/2006/main">
   <p:tag name="KSO_WM_DIAGRAM_VIRTUALLY_FRAME" val="{&quot;height&quot;:392.15519685039374,&quot;left&quot;:54.75,&quot;top&quot;:116.57039370078739,&quot;width&quot;:852.1158267716535}"/>
 </p:tagLst>
 </file>
 
 <file path=ppt/tags/tag87.xml><?xml version="1.0" encoding="utf-8"?>
-<p:tagLst xmlns:p="http://schemas.openxmlformats.org/presentationml/2006/main">
+<p:tagLst xmlns:a="http://schemas.openxmlformats.org/drawingml/2006/main" xmlns:r="http://schemas.openxmlformats.org/officeDocument/2006/relationships" xmlns:p="http://schemas.openxmlformats.org/presentationml/2006/main">
   <p:tag name="KSO_WM_DIAGRAM_VIRTUALLY_FRAME" val="{&quot;height&quot;:392.15519685039374,&quot;left&quot;:54.75,&quot;top&quot;:116.57039370078739,&quot;width&quot;:852.1158267716535}"/>
 </p:tagLst>
 </file>
 
 <file path=ppt/tags/tag88.xml><?xml version="1.0" encoding="utf-8"?>
-<p:tagLst xmlns:p="http://schemas.openxmlformats.org/presentationml/2006/main">
+<p:tagLst xmlns:a="http://schemas.openxmlformats.org/drawingml/2006/main" xmlns:r="http://schemas.openxmlformats.org/officeDocument/2006/relationships" xmlns:p="http://schemas.openxmlformats.org/presentationml/2006/main">
   <p:tag name="KSO_WM_DIAGRAM_VIRTUALLY_FRAME" val="{&quot;height&quot;:180.6536034572031,&quot;left&quot;:46.28535433070865,&quot;top&quot;:247.75,&quot;width&quot;:858.9646456692914}"/>
 </p:tagLst>
 </file>
 
 <file path=ppt/tags/tag89.xml><?xml version="1.0" encoding="utf-8"?>
-<p:tagLst xmlns:p="http://schemas.openxmlformats.org/presentationml/2006/main">
+<p:tagLst xmlns:a="http://schemas.openxmlformats.org/drawingml/2006/main" xmlns:r="http://schemas.openxmlformats.org/officeDocument/2006/relationships" xmlns:p="http://schemas.openxmlformats.org/presentationml/2006/main">
   <p:tag name="KSO_WM_DIAGRAM_VIRTUALLY_FRAME" val="{&quot;height&quot;:180.6536034572031,&quot;left&quot;:46.28535433070865,&quot;top&quot;:247.75,&quot;width&quot;:858.9646456692914}"/>
 </p:tagLst>
 </file>
 
 <file path=ppt/tags/tag9.xml><?xml version="1.0" encoding="utf-8"?>
-<p:tagLst xmlns:p="http://schemas.openxmlformats.org/presentationml/2006/main">
+<p:tagLst xmlns:a="http://schemas.openxmlformats.org/drawingml/2006/main" xmlns:r="http://schemas.openxmlformats.org/officeDocument/2006/relationships" xmlns:p="http://schemas.openxmlformats.org/presentationml/2006/main">
   <p:tag name="KSO_WM_UNIT_HIGHLIGHT" val="0"/>
   <p:tag name="KSO_WM_UNIT_COMPATIBLE" val="0"/>
   <p:tag name="KSO_WM_UNIT_DIAGRAM_ISNUMVISUAL" val="0"/>
   <p:tag name="KSO_WM_UNIT_DIAGRAM_ISREFERUNIT" val="0"/>
-  <p:tag name="KSO_WM_UNIT_ID" val="_2**"/>
+  <p:tag name="KSO_WM_UNIT_ID" val="_1**"/>
   <p:tag name="KSO_WM_UNIT_LAYERLEVEL" val="1"/>
   <p:tag name="KSO_WM_TAG_VERSION" val="1.0"/>
   <p:tag name="KSO_WM_BEAUTIFY_FLAG" val="#wm#"/>
@@ -12349,61 +12074,61 @@
 </file>
 
 <file path=ppt/tags/tag90.xml><?xml version="1.0" encoding="utf-8"?>
-<p:tagLst xmlns:p="http://schemas.openxmlformats.org/presentationml/2006/main">
+<p:tagLst xmlns:a="http://schemas.openxmlformats.org/drawingml/2006/main" xmlns:r="http://schemas.openxmlformats.org/officeDocument/2006/relationships" xmlns:p="http://schemas.openxmlformats.org/presentationml/2006/main">
   <p:tag name="KSO_WM_DIAGRAM_VIRTUALLY_FRAME" val="{&quot;height&quot;:180.6536034572031,&quot;left&quot;:46.28535433070865,&quot;top&quot;:247.75,&quot;width&quot;:858.9646456692914}"/>
 </p:tagLst>
 </file>
 
 <file path=ppt/tags/tag91.xml><?xml version="1.0" encoding="utf-8"?>
-<p:tagLst xmlns:p="http://schemas.openxmlformats.org/presentationml/2006/main">
+<p:tagLst xmlns:a="http://schemas.openxmlformats.org/drawingml/2006/main" xmlns:r="http://schemas.openxmlformats.org/officeDocument/2006/relationships" xmlns:p="http://schemas.openxmlformats.org/presentationml/2006/main">
   <p:tag name="KSO_WM_DIAGRAM_VIRTUALLY_FRAME" val="{&quot;height&quot;:168.1604724409449,&quot;left&quot;:46.28535433070865,&quot;top&quot;:247.75,&quot;width&quot;:858.9646456692914}"/>
 </p:tagLst>
 </file>
 
 <file path=ppt/tags/tag92.xml><?xml version="1.0" encoding="utf-8"?>
-<p:tagLst xmlns:p="http://schemas.openxmlformats.org/presentationml/2006/main">
+<p:tagLst xmlns:a="http://schemas.openxmlformats.org/drawingml/2006/main" xmlns:r="http://schemas.openxmlformats.org/officeDocument/2006/relationships" xmlns:p="http://schemas.openxmlformats.org/presentationml/2006/main">
   <p:tag name="KSO_WM_DIAGRAM_VIRTUALLY_FRAME" val="{&quot;height&quot;:180.6536034572031,&quot;left&quot;:46.28535433070865,&quot;top&quot;:247.75,&quot;width&quot;:858.9646456692914}"/>
 </p:tagLst>
 </file>
 
 <file path=ppt/tags/tag93.xml><?xml version="1.0" encoding="utf-8"?>
-<p:tagLst xmlns:p="http://schemas.openxmlformats.org/presentationml/2006/main">
+<p:tagLst xmlns:a="http://schemas.openxmlformats.org/drawingml/2006/main" xmlns:r="http://schemas.openxmlformats.org/officeDocument/2006/relationships" xmlns:p="http://schemas.openxmlformats.org/presentationml/2006/main">
   <p:tag name="KSO_WM_DIAGRAM_VIRTUALLY_FRAME" val="{&quot;height&quot;:180.6536034572031,&quot;left&quot;:46.28535433070865,&quot;top&quot;:247.75,&quot;width&quot;:858.9646456692914}"/>
 </p:tagLst>
 </file>
 
 <file path=ppt/tags/tag94.xml><?xml version="1.0" encoding="utf-8"?>
-<p:tagLst xmlns:p="http://schemas.openxmlformats.org/presentationml/2006/main">
+<p:tagLst xmlns:a="http://schemas.openxmlformats.org/drawingml/2006/main" xmlns:r="http://schemas.openxmlformats.org/officeDocument/2006/relationships" xmlns:p="http://schemas.openxmlformats.org/presentationml/2006/main">
+  <p:tag name="KSO_WM_DIAGRAM_VIRTUALLY_FRAME" val="{&quot;height&quot;:168.1604724409449,&quot;left&quot;:46.28535433070865,&quot;top&quot;:247.75,&quot;width&quot;:858.9646456692914}"/>
+</p:tagLst>
+</file>
+
+<file path=ppt/tags/tag95.xml><?xml version="1.0" encoding="utf-8"?>
+<p:tagLst xmlns:a="http://schemas.openxmlformats.org/drawingml/2006/main" xmlns:r="http://schemas.openxmlformats.org/officeDocument/2006/relationships" xmlns:p="http://schemas.openxmlformats.org/presentationml/2006/main">
   <p:tag name="KSO_WM_DIAGRAM_VIRTUALLY_FRAME" val="{&quot;height&quot;:180.6536034572031,&quot;left&quot;:46.28535433070865,&quot;top&quot;:247.75,&quot;width&quot;:858.9646456692914}"/>
 </p:tagLst>
 </file>
 
-<file path=ppt/tags/tag95.xml><?xml version="1.0" encoding="utf-8"?>
-<p:tagLst xmlns:p="http://schemas.openxmlformats.org/presentationml/2006/main">
+<file path=ppt/tags/tag96.xml><?xml version="1.0" encoding="utf-8"?>
+<p:tagLst xmlns:a="http://schemas.openxmlformats.org/drawingml/2006/main" xmlns:r="http://schemas.openxmlformats.org/officeDocument/2006/relationships" xmlns:p="http://schemas.openxmlformats.org/presentationml/2006/main">
   <p:tag name="KSO_WM_DIAGRAM_VIRTUALLY_FRAME" val="{&quot;height&quot;:180.6536034572031,&quot;left&quot;:46.28535433070865,&quot;top&quot;:247.75,&quot;width&quot;:858.9646456692914}"/>
 </p:tagLst>
 </file>
 
-<file path=ppt/tags/tag96.xml><?xml version="1.0" encoding="utf-8"?>
-<p:tagLst xmlns:p="http://schemas.openxmlformats.org/presentationml/2006/main">
+<file path=ppt/tags/tag97.xml><?xml version="1.0" encoding="utf-8"?>
+<p:tagLst xmlns:a="http://schemas.openxmlformats.org/drawingml/2006/main" xmlns:r="http://schemas.openxmlformats.org/officeDocument/2006/relationships" xmlns:p="http://schemas.openxmlformats.org/presentationml/2006/main">
+  <p:tag name="KSO_WM_DIAGRAM_VIRTUALLY_FRAME" val="{&quot;height&quot;:180.6536034572031,&quot;left&quot;:46.28535433070865,&quot;top&quot;:247.75,&quot;width&quot;:858.9646456692914}"/>
+</p:tagLst>
+</file>
+
+<file path=ppt/tags/tag98.xml><?xml version="1.0" encoding="utf-8"?>
+<p:tagLst xmlns:a="http://schemas.openxmlformats.org/drawingml/2006/main" xmlns:r="http://schemas.openxmlformats.org/officeDocument/2006/relationships" xmlns:p="http://schemas.openxmlformats.org/presentationml/2006/main">
   <p:tag name="KSO_WM_DIAGRAM_VIRTUALLY_FRAME" val="{&quot;height&quot;:168.1604724409449,&quot;left&quot;:46.28535433070865,&quot;top&quot;:247.75,&quot;width&quot;:858.9646456692914}"/>
 </p:tagLst>
 </file>
 
-<file path=ppt/tags/tag97.xml><?xml version="1.0" encoding="utf-8"?>
-<p:tagLst xmlns:p="http://schemas.openxmlformats.org/presentationml/2006/main">
-  <p:tag name="KSO_WM_DIAGRAM_VIRTUALLY_FRAME" val="{&quot;height&quot;:180.6536034572031,&quot;left&quot;:46.28535433070865,&quot;top&quot;:247.75,&quot;width&quot;:858.9646456692914}"/>
-</p:tagLst>
-</file>
-
-<file path=ppt/tags/tag98.xml><?xml version="1.0" encoding="utf-8"?>
-<p:tagLst xmlns:p="http://schemas.openxmlformats.org/presentationml/2006/main">
-  <p:tag name="KSO_WM_DIAGRAM_VIRTUALLY_FRAME" val="{&quot;height&quot;:180.6536034572031,&quot;left&quot;:46.28535433070865,&quot;top&quot;:247.75,&quot;width&quot;:858.9646456692914}"/>
-</p:tagLst>
-</file>
-
 <file path=ppt/tags/tag99.xml><?xml version="1.0" encoding="utf-8"?>
-<p:tagLst xmlns:p="http://schemas.openxmlformats.org/presentationml/2006/main">
+<p:tagLst xmlns:a="http://schemas.openxmlformats.org/drawingml/2006/main" xmlns:r="http://schemas.openxmlformats.org/officeDocument/2006/relationships" xmlns:p="http://schemas.openxmlformats.org/presentationml/2006/main">
   <p:tag name="KSO_WM_DIAGRAM_VIRTUALLY_FRAME" val="{&quot;height&quot;:180.6536034572031,&quot;left&quot;:46.28535433070865,&quot;top&quot;:247.75,&quot;width&quot;:858.9646456692914}"/>
 </p:tagLst>
 </file>
@@ -12591,6 +12316,8 @@
       </a:bgFillStyleLst>
     </a:fmtScheme>
   </a:themeElements>
+  <a:objectDefaults/>
+  <a:extraClrSchemeLst/>
   <a:extLst>
     <a:ext uri="{05A4C25C-085E-4340-85A3-A5531E510DB2}">
       <thm15:themeFamily xmlns:thm15="http://schemas.microsoft.com/office/thememl/2012/main" name="Office Theme" id="{62F939B6-93AF-4DB8-9C6B-D6C7DFDC589F}" vid="{4A3C46E8-61CC-4603-A589-7422A47A8E4A}"/>

--- a/项目报告/合同管理系统ppt.pptx
+++ b/项目报告/合同管理系统ppt.pptx
@@ -5,15 +5,15 @@
     <p:sldMasterId id="2147483648" r:id="rId1"/>
   </p:sldMasterIdLst>
   <p:sldIdLst>
-    <p:sldId id="256" r:id="rId2"/>
-    <p:sldId id="257" r:id="rId3"/>
-    <p:sldId id="258" r:id="rId4"/>
-    <p:sldId id="259" r:id="rId5"/>
-    <p:sldId id="260" r:id="rId6"/>
-    <p:sldId id="261" r:id="rId7"/>
-    <p:sldId id="262" r:id="rId8"/>
-    <p:sldId id="263" r:id="rId9"/>
-    <p:sldId id="264" r:id="rId10"/>
+    <p:sldId id="257" r:id="rId2"/>
+    <p:sldId id="258" r:id="rId3"/>
+    <p:sldId id="259" r:id="rId4"/>
+    <p:sldId id="260" r:id="rId5"/>
+    <p:sldId id="261" r:id="rId6"/>
+    <p:sldId id="262" r:id="rId7"/>
+    <p:sldId id="263" r:id="rId8"/>
+    <p:sldId id="264" r:id="rId9"/>
+    <p:sldId id="284" r:id="rId10"/>
     <p:sldId id="265" r:id="rId11"/>
     <p:sldId id="266" r:id="rId12"/>
     <p:sldId id="267" r:id="rId13"/>
@@ -284,7 +284,7 @@
           <a:p>
             <a:fld id="{760FBDFE-C587-4B4C-A407-44438C67B59E}" type="datetimeFigureOut">
               <a:rPr lang="zh-CN" altLang="en-US" smtClean="0"/>
-              <a:t>2025/6/12</a:t>
+              <a:t>2025/6/13</a:t>
             </a:fld>
             <a:endParaRPr lang="zh-CN" altLang="en-US"/>
           </a:p>
@@ -383,7 +383,7 @@
           <a:p>
             <a:fld id="{760FBDFE-C587-4B4C-A407-44438C67B59E}" type="datetimeFigureOut">
               <a:rPr lang="zh-CN" altLang="en-US" smtClean="0"/>
-              <a:t>2025/6/12</a:t>
+              <a:t>2025/6/13</a:t>
             </a:fld>
             <a:endParaRPr lang="zh-CN" altLang="en-US"/>
           </a:p>
@@ -541,7 +541,7 @@
           <a:p>
             <a:fld id="{760FBDFE-C587-4B4C-A407-44438C67B59E}" type="datetimeFigureOut">
               <a:rPr lang="zh-CN" altLang="en-US" smtClean="0"/>
-              <a:t>2025/6/12</a:t>
+              <a:t>2025/6/13</a:t>
             </a:fld>
             <a:endParaRPr lang="zh-CN" altLang="en-US"/>
           </a:p>
@@ -812,7 +812,7 @@
           <a:p>
             <a:fld id="{760FBDFE-C587-4B4C-A407-44438C67B59E}" type="datetimeFigureOut">
               <a:rPr lang="zh-CN" altLang="en-US" smtClean="0"/>
-              <a:t>2025/6/12</a:t>
+              <a:t>2025/6/13</a:t>
             </a:fld>
             <a:endParaRPr lang="zh-CN" altLang="en-US"/>
           </a:p>
@@ -1072,7 +1072,7 @@
           <a:p>
             <a:fld id="{760FBDFE-C587-4B4C-A407-44438C67B59E}" type="datetimeFigureOut">
               <a:rPr lang="zh-CN" altLang="en-US" smtClean="0"/>
-              <a:t>2025/6/12</a:t>
+              <a:t>2025/6/13</a:t>
             </a:fld>
             <a:endParaRPr lang="zh-CN" altLang="en-US"/>
           </a:p>
@@ -1326,7 +1326,7 @@
           <a:p>
             <a:fld id="{760FBDFE-C587-4B4C-A407-44438C67B59E}" type="datetimeFigureOut">
               <a:rPr lang="zh-CN" altLang="en-US" smtClean="0"/>
-              <a:t>2025/6/12</a:t>
+              <a:t>2025/6/13</a:t>
             </a:fld>
             <a:endParaRPr lang="zh-CN" altLang="en-US"/>
           </a:p>
@@ -1740,7 +1740,7 @@
           <a:p>
             <a:fld id="{760FBDFE-C587-4B4C-A407-44438C67B59E}" type="datetimeFigureOut">
               <a:rPr lang="zh-CN" altLang="en-US" smtClean="0"/>
-              <a:t>2025/6/12</a:t>
+              <a:t>2025/6/13</a:t>
             </a:fld>
             <a:endParaRPr lang="zh-CN" altLang="en-US"/>
           </a:p>
@@ -1872,7 +1872,7 @@
           <a:p>
             <a:fld id="{760FBDFE-C587-4B4C-A407-44438C67B59E}" type="datetimeFigureOut">
               <a:rPr lang="zh-CN" altLang="en-US" smtClean="0"/>
-              <a:t>2025/6/12</a:t>
+              <a:t>2025/6/13</a:t>
             </a:fld>
             <a:endParaRPr lang="zh-CN" altLang="en-US"/>
           </a:p>
@@ -1971,7 +1971,7 @@
           <a:p>
             <a:fld id="{760FBDFE-C587-4B4C-A407-44438C67B59E}" type="datetimeFigureOut">
               <a:rPr lang="zh-CN" altLang="en-US" smtClean="0"/>
-              <a:t>2025/6/12</a:t>
+              <a:t>2025/6/13</a:t>
             </a:fld>
             <a:endParaRPr lang="zh-CN" altLang="en-US"/>
           </a:p>
@@ -2143,7 +2143,7 @@
           <a:p>
             <a:fld id="{9EFD9D74-47D9-4702-A33C-335B63B48DBF}" type="datetimeFigureOut">
               <a:rPr lang="zh-CN" altLang="en-US" smtClean="0"/>
-              <a:t>2025/6/12</a:t>
+              <a:t>2025/6/13</a:t>
             </a:fld>
             <a:endParaRPr lang="zh-CN" altLang="en-US" dirty="0"/>
           </a:p>
@@ -2383,7 +2383,7 @@
           <a:p>
             <a:fld id="{760FBDFE-C587-4B4C-A407-44438C67B59E}" type="datetimeFigureOut">
               <a:rPr lang="zh-CN" altLang="en-US" smtClean="0"/>
-              <a:t>2025/6/12</a:t>
+              <a:t>2025/6/13</a:t>
             </a:fld>
             <a:endParaRPr lang="zh-CN" altLang="en-US"/>
           </a:p>
@@ -2606,7 +2606,7 @@
           <a:p>
             <a:fld id="{760FBDFE-C587-4B4C-A407-44438C67B59E}" type="datetimeFigureOut">
               <a:rPr lang="zh-CN" altLang="en-US" smtClean="0"/>
-              <a:t>2025/6/12</a:t>
+              <a:t>2025/6/13</a:t>
             </a:fld>
             <a:endParaRPr lang="zh-CN" altLang="en-US"/>
           </a:p>
@@ -3064,54 +3064,350 @@
           <a:chExt cx="0" cy="0"/>
         </a:xfrm>
       </p:grpSpPr>
+      <p:pic>
+        <p:nvPicPr>
+          <p:cNvPr id="5" name="图片 4" descr="建筑的摆设布局&#10;&#10;描述已自动生成"/>
+          <p:cNvPicPr>
+            <a:picLocks noChangeAspect="1"/>
+          </p:cNvPicPr>
+          <p:nvPr/>
+        </p:nvPicPr>
+        <p:blipFill rotWithShape="1">
+          <a:blip r:embed="rId2" cstate="print">
+            <a:extLst>
+              <a:ext uri="{28A0092B-C50C-407E-A947-70E740481C1C}">
+                <a14:useLocalDpi xmlns:a14="http://schemas.microsoft.com/office/drawing/2010/main" val="0"/>
+              </a:ext>
+            </a:extLst>
+          </a:blip>
+          <a:srcRect l="22194" t="15122" r="25" b="504"/>
+          <a:stretch>
+            <a:fillRect/>
+          </a:stretch>
+        </p:blipFill>
+        <p:spPr>
+          <a:xfrm>
+            <a:off x="-1" y="0"/>
+            <a:ext cx="9506665" cy="6875145"/>
+          </a:xfrm>
+          <a:prstGeom prst="rect">
+            <a:avLst/>
+          </a:prstGeom>
+        </p:spPr>
+      </p:pic>
       <p:sp>
         <p:nvSpPr>
-          <p:cNvPr id="2" name="标题 1"/>
-          <p:cNvSpPr>
-            <a:spLocks noGrp="1"/>
-          </p:cNvSpPr>
-          <p:nvPr>
-            <p:ph type="ctrTitle"/>
-            <p:custDataLst>
-              <p:tags r:id="rId2"/>
-            </p:custDataLst>
-          </p:nvPr>
+          <p:cNvPr id="18" name="矩形 17"/>
+          <p:cNvSpPr/>
+          <p:nvPr/>
         </p:nvSpPr>
-        <p:spPr/>
+        <p:spPr>
+          <a:xfrm>
+            <a:off x="3823168" y="0"/>
+            <a:ext cx="6446520" cy="6875145"/>
+          </a:xfrm>
+          <a:prstGeom prst="rect">
+            <a:avLst/>
+          </a:prstGeom>
+          <a:gradFill>
+            <a:gsLst>
+              <a:gs pos="0">
+                <a:srgbClr val="A6CCDF">
+                  <a:alpha val="0"/>
+                </a:srgbClr>
+              </a:gs>
+              <a:gs pos="100000">
+                <a:srgbClr val="A6CCDF"/>
+              </a:gs>
+            </a:gsLst>
+            <a:lin ang="0" scaled="0"/>
+          </a:gradFill>
+          <a:ln>
+            <a:noFill/>
+          </a:ln>
+        </p:spPr>
+        <p:style>
+          <a:lnRef idx="2">
+            <a:schemeClr val="accent1">
+              <a:shade val="50000"/>
+            </a:schemeClr>
+          </a:lnRef>
+          <a:fillRef idx="1">
+            <a:schemeClr val="accent1"/>
+          </a:fillRef>
+          <a:effectRef idx="0">
+            <a:schemeClr val="accent1"/>
+          </a:effectRef>
+          <a:fontRef idx="minor">
+            <a:schemeClr val="lt1"/>
+          </a:fontRef>
+        </p:style>
         <p:txBody>
-          <a:bodyPr/>
+          <a:bodyPr rtlCol="0" anchor="ctr"/>
           <a:lstStyle/>
           <a:p>
-            <a:endParaRPr lang="zh-CN" altLang="zh-CN"/>
+            <a:pPr algn="ctr"/>
+            <a:endParaRPr lang="zh-CN" altLang="en-US"/>
           </a:p>
         </p:txBody>
       </p:sp>
       <p:sp>
         <p:nvSpPr>
-          <p:cNvPr id="3" name="副标题 2"/>
-          <p:cNvSpPr>
-            <a:spLocks noGrp="1"/>
-          </p:cNvSpPr>
-          <p:nvPr>
-            <p:ph type="subTitle" idx="1"/>
-            <p:custDataLst>
-              <p:tags r:id="rId3"/>
-            </p:custDataLst>
-          </p:nvPr>
+          <p:cNvPr id="21" name="文本框 20"/>
+          <p:cNvSpPr txBox="1"/>
+          <p:nvPr/>
         </p:nvSpPr>
-        <p:spPr/>
+        <p:spPr>
+          <a:xfrm>
+            <a:off x="2099310" y="2416459"/>
+            <a:ext cx="9946510" cy="1106805"/>
+          </a:xfrm>
+          <a:prstGeom prst="rect">
+            <a:avLst/>
+          </a:prstGeom>
+          <a:noFill/>
+        </p:spPr>
         <p:txBody>
-          <a:bodyPr/>
+          <a:bodyPr wrap="square">
+            <a:spAutoFit/>
+          </a:bodyPr>
           <a:lstStyle/>
           <a:p>
-            <a:endParaRPr lang="zh-CN" altLang="en-US"/>
+            <a:pPr algn="r"/>
+            <a:r>
+              <a:rPr lang="zh-CN" altLang="en-US" sz="6600" spc="100" dirty="0">
+                <a:solidFill>
+                  <a:schemeClr val="bg1"/>
+                </a:solidFill>
+                <a:latin typeface="黑体" panose="02010609060101010101" pitchFamily="49" charset="-122"/>
+                <a:ea typeface="黑体" panose="02010609060101010101" pitchFamily="49" charset="-122"/>
+              </a:rPr>
+              <a:t>合同管理系统最终答辩</a:t>
+            </a:r>
           </a:p>
         </p:txBody>
       </p:sp>
+      <p:sp>
+        <p:nvSpPr>
+          <p:cNvPr id="35" name="矩形 34"/>
+          <p:cNvSpPr/>
+          <p:nvPr/>
+        </p:nvSpPr>
+        <p:spPr>
+          <a:xfrm>
+            <a:off x="5913121" y="3718786"/>
+            <a:ext cx="5415280" cy="369332"/>
+          </a:xfrm>
+          <a:prstGeom prst="rect">
+            <a:avLst/>
+          </a:prstGeom>
+          <a:solidFill>
+            <a:schemeClr val="bg1"/>
+          </a:solidFill>
+          <a:ln>
+            <a:noFill/>
+          </a:ln>
+        </p:spPr>
+        <p:style>
+          <a:lnRef idx="2">
+            <a:schemeClr val="accent1">
+              <a:shade val="50000"/>
+            </a:schemeClr>
+          </a:lnRef>
+          <a:fillRef idx="1">
+            <a:schemeClr val="accent1"/>
+          </a:fillRef>
+          <a:effectRef idx="0">
+            <a:schemeClr val="accent1"/>
+          </a:effectRef>
+          <a:fontRef idx="minor">
+            <a:schemeClr val="lt1"/>
+          </a:fontRef>
+        </p:style>
+        <p:txBody>
+          <a:bodyPr rtlCol="0" anchor="ctr"/>
+          <a:lstStyle/>
+          <a:p>
+            <a:pPr algn="ctr"/>
+            <a:endParaRPr lang="zh-CN" altLang="en-US">
+              <a:solidFill>
+                <a:schemeClr val="bg1"/>
+              </a:solidFill>
+            </a:endParaRPr>
+          </a:p>
+        </p:txBody>
+      </p:sp>
+      <p:grpSp>
+        <p:nvGrpSpPr>
+          <p:cNvPr id="32" name="组合 31"/>
+          <p:cNvGrpSpPr/>
+          <p:nvPr/>
+        </p:nvGrpSpPr>
+        <p:grpSpPr>
+          <a:xfrm>
+            <a:off x="5299205" y="3718786"/>
+            <a:ext cx="6171630" cy="368300"/>
+            <a:chOff x="5299205" y="3764666"/>
+            <a:chExt cx="6171630" cy="368300"/>
+          </a:xfrm>
+        </p:grpSpPr>
+        <p:sp>
+          <p:nvSpPr>
+            <p:cNvPr id="24" name="文本框 23"/>
+            <p:cNvSpPr txBox="1"/>
+            <p:nvPr/>
+          </p:nvSpPr>
+          <p:spPr>
+            <a:xfrm>
+              <a:off x="5299205" y="3764666"/>
+              <a:ext cx="5862320" cy="368300"/>
+            </a:xfrm>
+            <a:prstGeom prst="rect">
+              <a:avLst/>
+            </a:prstGeom>
+            <a:noFill/>
+          </p:spPr>
+          <p:txBody>
+            <a:bodyPr wrap="square" rtlCol="0">
+              <a:spAutoFit/>
+            </a:bodyPr>
+            <a:lstStyle/>
+            <a:p>
+              <a:pPr algn="r"/>
+              <a:r>
+                <a:rPr lang="en-US" altLang="zh-CN" dirty="0">
+                  <a:solidFill>
+                    <a:srgbClr val="A8CEE1"/>
+                  </a:solidFill>
+                </a:rPr>
+                <a:t>    </a:t>
+              </a:r>
+              <a:r>
+                <a:rPr lang="zh-CN" altLang="en-US" dirty="0">
+                  <a:solidFill>
+                    <a:srgbClr val="A8CEE1"/>
+                  </a:solidFill>
+                  <a:latin typeface="黑体" panose="02010609060101010101" pitchFamily="49" charset="-122"/>
+                  <a:ea typeface="黑体" panose="02010609060101010101" pitchFamily="49" charset="-122"/>
+                </a:rPr>
+                <a:t>答辩人：李瑞泽</a:t>
+              </a:r>
+              <a:r>
+                <a:rPr lang="en-US" altLang="zh-CN" dirty="0">
+                  <a:solidFill>
+                    <a:srgbClr val="A8CEE1"/>
+                  </a:solidFill>
+                  <a:latin typeface="黑体" panose="02010609060101010101" pitchFamily="49" charset="-122"/>
+                  <a:ea typeface="黑体" panose="02010609060101010101" pitchFamily="49" charset="-122"/>
+                </a:rPr>
+                <a:t>  </a:t>
+              </a:r>
+              <a:r>
+                <a:rPr lang="zh-CN" altLang="en-US" dirty="0">
+                  <a:solidFill>
+                    <a:srgbClr val="A8CEE1"/>
+                  </a:solidFill>
+                  <a:latin typeface="黑体" panose="02010609060101010101" pitchFamily="49" charset="-122"/>
+                  <a:ea typeface="黑体" panose="02010609060101010101" pitchFamily="49" charset="-122"/>
+                </a:rPr>
+                <a:t>王炳澈</a:t>
+              </a:r>
+              <a:r>
+                <a:rPr lang="en-US" altLang="zh-CN" dirty="0">
+                  <a:solidFill>
+                    <a:srgbClr val="A8CEE1"/>
+                  </a:solidFill>
+                  <a:latin typeface="黑体" panose="02010609060101010101" pitchFamily="49" charset="-122"/>
+                  <a:ea typeface="黑体" panose="02010609060101010101" pitchFamily="49" charset="-122"/>
+                </a:rPr>
+                <a:t>  </a:t>
+              </a:r>
+              <a:r>
+                <a:rPr lang="zh-CN" altLang="en-US" dirty="0">
+                  <a:solidFill>
+                    <a:srgbClr val="A8CEE1"/>
+                  </a:solidFill>
+                  <a:latin typeface="黑体" panose="02010609060101010101" pitchFamily="49" charset="-122"/>
+                  <a:ea typeface="黑体" panose="02010609060101010101" pitchFamily="49" charset="-122"/>
+                </a:rPr>
+                <a:t>刘倩</a:t>
+              </a:r>
+              <a:r>
+                <a:rPr lang="en-US" altLang="zh-CN" dirty="0">
+                  <a:solidFill>
+                    <a:srgbClr val="A8CEE1"/>
+                  </a:solidFill>
+                  <a:latin typeface="黑体" panose="02010609060101010101" pitchFamily="49" charset="-122"/>
+                  <a:ea typeface="黑体" panose="02010609060101010101" pitchFamily="49" charset="-122"/>
+                </a:rPr>
+                <a:t>  </a:t>
+              </a:r>
+              <a:r>
+                <a:rPr lang="zh-CN" altLang="en-US" dirty="0">
+                  <a:solidFill>
+                    <a:srgbClr val="A8CEE1"/>
+                  </a:solidFill>
+                  <a:latin typeface="黑体" panose="02010609060101010101" pitchFamily="49" charset="-122"/>
+                  <a:ea typeface="黑体" panose="02010609060101010101" pitchFamily="49" charset="-122"/>
+                </a:rPr>
+                <a:t>蒋运霞</a:t>
+              </a:r>
+              <a:r>
+                <a:rPr lang="en-US" altLang="zh-CN" dirty="0">
+                  <a:solidFill>
+                    <a:srgbClr val="A8CEE1"/>
+                  </a:solidFill>
+                  <a:latin typeface="黑体" panose="02010609060101010101" pitchFamily="49" charset="-122"/>
+                  <a:ea typeface="黑体" panose="02010609060101010101" pitchFamily="49" charset="-122"/>
+                </a:rPr>
+                <a:t>  </a:t>
+              </a:r>
+              <a:r>
+                <a:rPr lang="zh-CN" altLang="en-US" dirty="0">
+                  <a:solidFill>
+                    <a:srgbClr val="A8CEE1"/>
+                  </a:solidFill>
+                  <a:latin typeface="黑体" panose="02010609060101010101" pitchFamily="49" charset="-122"/>
+                  <a:ea typeface="黑体" panose="02010609060101010101" pitchFamily="49" charset="-122"/>
+                </a:rPr>
+                <a:t>张旭旸</a:t>
+              </a:r>
+            </a:p>
+          </p:txBody>
+        </p:sp>
+        <p:sp>
+          <p:nvSpPr>
+            <p:cNvPr id="25" name="文本框 24"/>
+            <p:cNvSpPr txBox="1"/>
+            <p:nvPr/>
+          </p:nvSpPr>
+          <p:spPr>
+            <a:xfrm>
+              <a:off x="11160955" y="3764666"/>
+              <a:ext cx="309880" cy="368300"/>
+            </a:xfrm>
+            <a:prstGeom prst="rect">
+              <a:avLst/>
+            </a:prstGeom>
+            <a:noFill/>
+          </p:spPr>
+          <p:txBody>
+            <a:bodyPr wrap="none" rtlCol="0">
+              <a:spAutoFit/>
+            </a:bodyPr>
+            <a:lstStyle/>
+            <a:p>
+              <a:pPr algn="r"/>
+              <a:endParaRPr lang="zh-CN" altLang="en-US">
+                <a:solidFill>
+                  <a:srgbClr val="A8CEE1"/>
+                </a:solidFill>
+              </a:endParaRPr>
+            </a:p>
+          </p:txBody>
+        </p:sp>
+      </p:grpSp>
     </p:spTree>
-    <p:custDataLst>
-      <p:tags r:id="rId1"/>
-    </p:custDataLst>
   </p:cSld>
   <p:clrMapOvr>
     <a:masterClrMapping/>
@@ -5364,7 +5660,7 @@
                 <a:latin typeface="黑体" panose="02010609060101010101" pitchFamily="49" charset="-122"/>
                 <a:ea typeface="黑体" panose="02010609060101010101" pitchFamily="49" charset="-122"/>
               </a:rPr>
-              <a:t>20</a:t>
+              <a:t>20.5</a:t>
             </a:r>
             <a:r>
               <a:rPr lang="zh-CN" altLang="en-US" sz="3200" spc="100" dirty="0">
@@ -5412,7 +5708,7 @@
                 <a:latin typeface="黑体" panose="02010609060101010101" pitchFamily="49" charset="-122"/>
                 <a:ea typeface="黑体" panose="02010609060101010101" pitchFamily="49" charset="-122"/>
               </a:rPr>
-              <a:t>20</a:t>
+              <a:t>18</a:t>
             </a:r>
             <a:r>
               <a:rPr lang="zh-CN" altLang="en-US" sz="3200" spc="100" dirty="0">
@@ -5451,7 +5747,7 @@
                 <a:latin typeface="黑体" panose="02010609060101010101" pitchFamily="49" charset="-122"/>
                 <a:ea typeface="黑体" panose="02010609060101010101" pitchFamily="49" charset="-122"/>
               </a:rPr>
-              <a:t>20</a:t>
+              <a:t>20.5</a:t>
             </a:r>
             <a:r>
               <a:rPr lang="zh-CN" altLang="en-US" sz="3200" spc="100" dirty="0">
@@ -5490,7 +5786,7 @@
                 <a:latin typeface="黑体" panose="02010609060101010101" pitchFamily="49" charset="-122"/>
                 <a:ea typeface="黑体" panose="02010609060101010101" pitchFamily="49" charset="-122"/>
               </a:rPr>
-              <a:t>20</a:t>
+              <a:t>20.5</a:t>
             </a:r>
             <a:r>
               <a:rPr lang="zh-CN" altLang="en-US" sz="3200" spc="100" dirty="0">
@@ -5529,7 +5825,7 @@
                 <a:latin typeface="黑体" panose="02010609060101010101" pitchFamily="49" charset="-122"/>
                 <a:ea typeface="黑体" panose="02010609060101010101" pitchFamily="49" charset="-122"/>
               </a:rPr>
-              <a:t>20</a:t>
+              <a:t>20.5</a:t>
             </a:r>
             <a:r>
               <a:rPr lang="zh-CN" altLang="en-US" sz="3200" spc="100">
@@ -5742,374 +6038,6 @@
 </file>
 
 <file path=ppt/slides/slide2.xml><?xml version="1.0" encoding="utf-8"?>
-<p:sld xmlns:a="http://schemas.openxmlformats.org/drawingml/2006/main" xmlns:r="http://schemas.openxmlformats.org/officeDocument/2006/relationships" xmlns:p="http://schemas.openxmlformats.org/presentationml/2006/main">
-  <p:cSld>
-    <p:spTree>
-      <p:nvGrpSpPr>
-        <p:cNvPr id="1" name=""/>
-        <p:cNvGrpSpPr/>
-        <p:nvPr/>
-      </p:nvGrpSpPr>
-      <p:grpSpPr>
-        <a:xfrm>
-          <a:off x="0" y="0"/>
-          <a:ext cx="0" cy="0"/>
-          <a:chOff x="0" y="0"/>
-          <a:chExt cx="0" cy="0"/>
-        </a:xfrm>
-      </p:grpSpPr>
-      <p:pic>
-        <p:nvPicPr>
-          <p:cNvPr id="5" name="图片 4" descr="建筑的摆设布局&#10;&#10;描述已自动生成"/>
-          <p:cNvPicPr>
-            <a:picLocks noChangeAspect="1"/>
-          </p:cNvPicPr>
-          <p:nvPr/>
-        </p:nvPicPr>
-        <p:blipFill rotWithShape="1">
-          <a:blip r:embed="rId2" cstate="print">
-            <a:extLst>
-              <a:ext uri="{28A0092B-C50C-407E-A947-70E740481C1C}">
-                <a14:useLocalDpi xmlns:a14="http://schemas.microsoft.com/office/drawing/2010/main" val="0"/>
-              </a:ext>
-            </a:extLst>
-          </a:blip>
-          <a:srcRect l="22194" t="15122" r="25" b="504"/>
-          <a:stretch>
-            <a:fillRect/>
-          </a:stretch>
-        </p:blipFill>
-        <p:spPr>
-          <a:xfrm>
-            <a:off x="-1" y="0"/>
-            <a:ext cx="9506665" cy="6875145"/>
-          </a:xfrm>
-          <a:prstGeom prst="rect">
-            <a:avLst/>
-          </a:prstGeom>
-        </p:spPr>
-      </p:pic>
-      <p:sp>
-        <p:nvSpPr>
-          <p:cNvPr id="18" name="矩形 17"/>
-          <p:cNvSpPr/>
-          <p:nvPr/>
-        </p:nvSpPr>
-        <p:spPr>
-          <a:xfrm>
-            <a:off x="3823168" y="0"/>
-            <a:ext cx="6446520" cy="6875145"/>
-          </a:xfrm>
-          <a:prstGeom prst="rect">
-            <a:avLst/>
-          </a:prstGeom>
-          <a:gradFill>
-            <a:gsLst>
-              <a:gs pos="0">
-                <a:srgbClr val="A6CCDF">
-                  <a:alpha val="0"/>
-                </a:srgbClr>
-              </a:gs>
-              <a:gs pos="100000">
-                <a:srgbClr val="A6CCDF"/>
-              </a:gs>
-            </a:gsLst>
-            <a:lin ang="0" scaled="0"/>
-          </a:gradFill>
-          <a:ln>
-            <a:noFill/>
-          </a:ln>
-        </p:spPr>
-        <p:style>
-          <a:lnRef idx="2">
-            <a:schemeClr val="accent1">
-              <a:shade val="50000"/>
-            </a:schemeClr>
-          </a:lnRef>
-          <a:fillRef idx="1">
-            <a:schemeClr val="accent1"/>
-          </a:fillRef>
-          <a:effectRef idx="0">
-            <a:schemeClr val="accent1"/>
-          </a:effectRef>
-          <a:fontRef idx="minor">
-            <a:schemeClr val="lt1"/>
-          </a:fontRef>
-        </p:style>
-        <p:txBody>
-          <a:bodyPr rtlCol="0" anchor="ctr"/>
-          <a:lstStyle/>
-          <a:p>
-            <a:pPr algn="ctr"/>
-            <a:endParaRPr lang="zh-CN" altLang="en-US"/>
-          </a:p>
-        </p:txBody>
-      </p:sp>
-      <p:sp>
-        <p:nvSpPr>
-          <p:cNvPr id="21" name="文本框 20"/>
-          <p:cNvSpPr txBox="1"/>
-          <p:nvPr/>
-        </p:nvSpPr>
-        <p:spPr>
-          <a:xfrm>
-            <a:off x="2099310" y="2416459"/>
-            <a:ext cx="9946510" cy="1106805"/>
-          </a:xfrm>
-          <a:prstGeom prst="rect">
-            <a:avLst/>
-          </a:prstGeom>
-          <a:noFill/>
-        </p:spPr>
-        <p:txBody>
-          <a:bodyPr wrap="square">
-            <a:spAutoFit/>
-          </a:bodyPr>
-          <a:lstStyle/>
-          <a:p>
-            <a:pPr algn="r"/>
-            <a:r>
-              <a:rPr lang="zh-CN" altLang="en-US" sz="6600" spc="100" dirty="0">
-                <a:solidFill>
-                  <a:schemeClr val="bg1"/>
-                </a:solidFill>
-                <a:latin typeface="黑体" panose="02010609060101010101" pitchFamily="49" charset="-122"/>
-                <a:ea typeface="黑体" panose="02010609060101010101" pitchFamily="49" charset="-122"/>
-              </a:rPr>
-              <a:t>合同管理系统最终答辩</a:t>
-            </a:r>
-          </a:p>
-        </p:txBody>
-      </p:sp>
-      <p:sp>
-        <p:nvSpPr>
-          <p:cNvPr id="35" name="矩形 34"/>
-          <p:cNvSpPr/>
-          <p:nvPr/>
-        </p:nvSpPr>
-        <p:spPr>
-          <a:xfrm>
-            <a:off x="5913121" y="3718786"/>
-            <a:ext cx="5415280" cy="369332"/>
-          </a:xfrm>
-          <a:prstGeom prst="rect">
-            <a:avLst/>
-          </a:prstGeom>
-          <a:solidFill>
-            <a:schemeClr val="bg1"/>
-          </a:solidFill>
-          <a:ln>
-            <a:noFill/>
-          </a:ln>
-        </p:spPr>
-        <p:style>
-          <a:lnRef idx="2">
-            <a:schemeClr val="accent1">
-              <a:shade val="50000"/>
-            </a:schemeClr>
-          </a:lnRef>
-          <a:fillRef idx="1">
-            <a:schemeClr val="accent1"/>
-          </a:fillRef>
-          <a:effectRef idx="0">
-            <a:schemeClr val="accent1"/>
-          </a:effectRef>
-          <a:fontRef idx="minor">
-            <a:schemeClr val="lt1"/>
-          </a:fontRef>
-        </p:style>
-        <p:txBody>
-          <a:bodyPr rtlCol="0" anchor="ctr"/>
-          <a:lstStyle/>
-          <a:p>
-            <a:pPr algn="ctr"/>
-            <a:endParaRPr lang="zh-CN" altLang="en-US">
-              <a:solidFill>
-                <a:schemeClr val="bg1"/>
-              </a:solidFill>
-            </a:endParaRPr>
-          </a:p>
-        </p:txBody>
-      </p:sp>
-      <p:grpSp>
-        <p:nvGrpSpPr>
-          <p:cNvPr id="32" name="组合 31"/>
-          <p:cNvGrpSpPr/>
-          <p:nvPr/>
-        </p:nvGrpSpPr>
-        <p:grpSpPr>
-          <a:xfrm>
-            <a:off x="5299205" y="3718786"/>
-            <a:ext cx="6171630" cy="368300"/>
-            <a:chOff x="5299205" y="3764666"/>
-            <a:chExt cx="6171630" cy="368300"/>
-          </a:xfrm>
-        </p:grpSpPr>
-        <p:sp>
-          <p:nvSpPr>
-            <p:cNvPr id="24" name="文本框 23"/>
-            <p:cNvSpPr txBox="1"/>
-            <p:nvPr/>
-          </p:nvSpPr>
-          <p:spPr>
-            <a:xfrm>
-              <a:off x="5299205" y="3764666"/>
-              <a:ext cx="5862320" cy="368300"/>
-            </a:xfrm>
-            <a:prstGeom prst="rect">
-              <a:avLst/>
-            </a:prstGeom>
-            <a:noFill/>
-          </p:spPr>
-          <p:txBody>
-            <a:bodyPr wrap="square" rtlCol="0">
-              <a:spAutoFit/>
-            </a:bodyPr>
-            <a:lstStyle/>
-            <a:p>
-              <a:pPr algn="r"/>
-              <a:r>
-                <a:rPr lang="en-US" altLang="zh-CN" dirty="0">
-                  <a:solidFill>
-                    <a:srgbClr val="A8CEE1"/>
-                  </a:solidFill>
-                </a:rPr>
-                <a:t>    </a:t>
-              </a:r>
-              <a:r>
-                <a:rPr lang="zh-CN" altLang="en-US" dirty="0">
-                  <a:solidFill>
-                    <a:srgbClr val="A8CEE1"/>
-                  </a:solidFill>
-                  <a:latin typeface="黑体" panose="02010609060101010101" pitchFamily="49" charset="-122"/>
-                  <a:ea typeface="黑体" panose="02010609060101010101" pitchFamily="49" charset="-122"/>
-                </a:rPr>
-                <a:t>答辩人：李瑞泽</a:t>
-              </a:r>
-              <a:r>
-                <a:rPr lang="en-US" altLang="zh-CN" dirty="0">
-                  <a:solidFill>
-                    <a:srgbClr val="A8CEE1"/>
-                  </a:solidFill>
-                  <a:latin typeface="黑体" panose="02010609060101010101" pitchFamily="49" charset="-122"/>
-                  <a:ea typeface="黑体" panose="02010609060101010101" pitchFamily="49" charset="-122"/>
-                </a:rPr>
-                <a:t>  </a:t>
-              </a:r>
-              <a:r>
-                <a:rPr lang="zh-CN" altLang="en-US" dirty="0">
-                  <a:solidFill>
-                    <a:srgbClr val="A8CEE1"/>
-                  </a:solidFill>
-                  <a:latin typeface="黑体" panose="02010609060101010101" pitchFamily="49" charset="-122"/>
-                  <a:ea typeface="黑体" panose="02010609060101010101" pitchFamily="49" charset="-122"/>
-                </a:rPr>
-                <a:t>王炳澈</a:t>
-              </a:r>
-              <a:r>
-                <a:rPr lang="en-US" altLang="zh-CN" dirty="0">
-                  <a:solidFill>
-                    <a:srgbClr val="A8CEE1"/>
-                  </a:solidFill>
-                  <a:latin typeface="黑体" panose="02010609060101010101" pitchFamily="49" charset="-122"/>
-                  <a:ea typeface="黑体" panose="02010609060101010101" pitchFamily="49" charset="-122"/>
-                </a:rPr>
-                <a:t>  </a:t>
-              </a:r>
-              <a:r>
-                <a:rPr lang="zh-CN" altLang="en-US" dirty="0">
-                  <a:solidFill>
-                    <a:srgbClr val="A8CEE1"/>
-                  </a:solidFill>
-                  <a:latin typeface="黑体" panose="02010609060101010101" pitchFamily="49" charset="-122"/>
-                  <a:ea typeface="黑体" panose="02010609060101010101" pitchFamily="49" charset="-122"/>
-                </a:rPr>
-                <a:t>刘倩</a:t>
-              </a:r>
-              <a:r>
-                <a:rPr lang="en-US" altLang="zh-CN" dirty="0">
-                  <a:solidFill>
-                    <a:srgbClr val="A8CEE1"/>
-                  </a:solidFill>
-                  <a:latin typeface="黑体" panose="02010609060101010101" pitchFamily="49" charset="-122"/>
-                  <a:ea typeface="黑体" panose="02010609060101010101" pitchFamily="49" charset="-122"/>
-                </a:rPr>
-                <a:t>  </a:t>
-              </a:r>
-              <a:r>
-                <a:rPr lang="zh-CN" altLang="en-US" dirty="0">
-                  <a:solidFill>
-                    <a:srgbClr val="A8CEE1"/>
-                  </a:solidFill>
-                  <a:latin typeface="黑体" panose="02010609060101010101" pitchFamily="49" charset="-122"/>
-                  <a:ea typeface="黑体" panose="02010609060101010101" pitchFamily="49" charset="-122"/>
-                </a:rPr>
-                <a:t>蒋运霞</a:t>
-              </a:r>
-              <a:r>
-                <a:rPr lang="en-US" altLang="zh-CN" dirty="0">
-                  <a:solidFill>
-                    <a:srgbClr val="A8CEE1"/>
-                  </a:solidFill>
-                  <a:latin typeface="黑体" panose="02010609060101010101" pitchFamily="49" charset="-122"/>
-                  <a:ea typeface="黑体" panose="02010609060101010101" pitchFamily="49" charset="-122"/>
-                </a:rPr>
-                <a:t>  </a:t>
-              </a:r>
-              <a:r>
-                <a:rPr lang="zh-CN" altLang="en-US" dirty="0">
-                  <a:solidFill>
-                    <a:srgbClr val="A8CEE1"/>
-                  </a:solidFill>
-                  <a:latin typeface="黑体" panose="02010609060101010101" pitchFamily="49" charset="-122"/>
-                  <a:ea typeface="黑体" panose="02010609060101010101" pitchFamily="49" charset="-122"/>
-                </a:rPr>
-                <a:t>张旭旸</a:t>
-              </a:r>
-            </a:p>
-          </p:txBody>
-        </p:sp>
-        <p:sp>
-          <p:nvSpPr>
-            <p:cNvPr id="25" name="文本框 24"/>
-            <p:cNvSpPr txBox="1"/>
-            <p:nvPr/>
-          </p:nvSpPr>
-          <p:spPr>
-            <a:xfrm>
-              <a:off x="11160955" y="3764666"/>
-              <a:ext cx="309880" cy="368300"/>
-            </a:xfrm>
-            <a:prstGeom prst="rect">
-              <a:avLst/>
-            </a:prstGeom>
-            <a:noFill/>
-          </p:spPr>
-          <p:txBody>
-            <a:bodyPr wrap="none" rtlCol="0">
-              <a:spAutoFit/>
-            </a:bodyPr>
-            <a:lstStyle/>
-            <a:p>
-              <a:pPr algn="r"/>
-              <a:endParaRPr lang="zh-CN" altLang="en-US">
-                <a:solidFill>
-                  <a:srgbClr val="A8CEE1"/>
-                </a:solidFill>
-              </a:endParaRPr>
-            </a:p>
-          </p:txBody>
-        </p:sp>
-      </p:grpSp>
-    </p:spTree>
-  </p:cSld>
-  <p:clrMapOvr>
-    <a:masterClrMapping/>
-  </p:clrMapOvr>
-</p:sld>
-</file>
-
-<file path=ppt/slides/slide3.xml><?xml version="1.0" encoding="utf-8"?>
 <p:sld xmlns:a="http://schemas.openxmlformats.org/drawingml/2006/main" xmlns:r="http://schemas.openxmlformats.org/officeDocument/2006/relationships" xmlns:p="http://schemas.openxmlformats.org/presentationml/2006/main">
   <p:cSld>
     <p:spTree>
@@ -6826,7 +6754,7 @@
 </p:sld>
 </file>
 
-<file path=ppt/slides/slide4.xml><?xml version="1.0" encoding="utf-8"?>
+<file path=ppt/slides/slide3.xml><?xml version="1.0" encoding="utf-8"?>
 <p:sld xmlns:a="http://schemas.openxmlformats.org/drawingml/2006/main" xmlns:r="http://schemas.openxmlformats.org/officeDocument/2006/relationships" xmlns:p="http://schemas.openxmlformats.org/presentationml/2006/main">
   <p:cSld>
     <p:spTree>
@@ -7096,7 +7024,7 @@
 </p:sld>
 </file>
 
-<file path=ppt/slides/slide5.xml><?xml version="1.0" encoding="utf-8"?>
+<file path=ppt/slides/slide4.xml><?xml version="1.0" encoding="utf-8"?>
 <p:sld xmlns:a="http://schemas.openxmlformats.org/drawingml/2006/main" xmlns:r="http://schemas.openxmlformats.org/officeDocument/2006/relationships" xmlns:p="http://schemas.openxmlformats.org/presentationml/2006/main">
   <p:cSld>
     <p:spTree>
@@ -7886,7 +7814,7 @@
 </p:sld>
 </file>
 
-<file path=ppt/slides/slide6.xml><?xml version="1.0" encoding="utf-8"?>
+<file path=ppt/slides/slide5.xml><?xml version="1.0" encoding="utf-8"?>
 <p:sld xmlns:a="http://schemas.openxmlformats.org/drawingml/2006/main" xmlns:r="http://schemas.openxmlformats.org/officeDocument/2006/relationships" xmlns:p="http://schemas.openxmlformats.org/presentationml/2006/main">
   <p:cSld>
     <p:spTree>
@@ -8110,7 +8038,7 @@
 </p:sld>
 </file>
 
-<file path=ppt/slides/slide7.xml><?xml version="1.0" encoding="utf-8"?>
+<file path=ppt/slides/slide6.xml><?xml version="1.0" encoding="utf-8"?>
 <p:sld xmlns:a="http://schemas.openxmlformats.org/drawingml/2006/main" xmlns:r="http://schemas.openxmlformats.org/officeDocument/2006/relationships" xmlns:p="http://schemas.openxmlformats.org/presentationml/2006/main">
   <p:cSld>
     <p:spTree>
@@ -8879,7 +8807,7 @@
 </p:sld>
 </file>
 
-<file path=ppt/slides/slide8.xml><?xml version="1.0" encoding="utf-8"?>
+<file path=ppt/slides/slide7.xml><?xml version="1.0" encoding="utf-8"?>
 <p:sld xmlns:a="http://schemas.openxmlformats.org/drawingml/2006/main" xmlns:r="http://schemas.openxmlformats.org/officeDocument/2006/relationships" xmlns:p="http://schemas.openxmlformats.org/presentationml/2006/main">
   <p:cSld>
     <p:spTree>
@@ -8998,9 +8926,9 @@
         <p:grpSpPr>
           <a:xfrm>
             <a:off x="0" y="3429000"/>
-            <a:ext cx="12050461" cy="2502695"/>
+            <a:ext cx="12113412" cy="2502695"/>
             <a:chOff x="683084" y="2489751"/>
-            <a:chExt cx="10774976" cy="2830137"/>
+            <a:chExt cx="10831264" cy="2830137"/>
           </a:xfrm>
         </p:grpSpPr>
         <p:grpSp>
@@ -9012,9 +8940,9 @@
           <p:grpSpPr>
             <a:xfrm>
               <a:off x="695325" y="2489751"/>
-              <a:ext cx="8688043" cy="900287"/>
+              <a:ext cx="10819023" cy="916965"/>
               <a:chOff x="919347" y="2489751"/>
-              <a:chExt cx="8327658" cy="900287"/>
+              <a:chExt cx="10370243" cy="916965"/>
             </a:xfrm>
           </p:grpSpPr>
           <p:sp>
@@ -9498,7 +9426,7 @@
             </p:nvSpPr>
             <p:spPr>
               <a:xfrm>
-                <a:off x="7014087" y="2489751"/>
+                <a:off x="9056672" y="2506429"/>
                 <a:ext cx="2232918" cy="900287"/>
               </a:xfrm>
               <a:custGeom>
@@ -9623,15 +9551,22 @@
                   <a:buNone/>
                 </a:pPr>
                 <a:r>
-                  <a:rPr lang="zh-CN" altLang="en-US" sz="2800" b="1" kern="1200" spc="100" dirty="0">
+                  <a:rPr lang="zh-CN" altLang="en-US" sz="2800" b="1" spc="100" dirty="0">
                     <a:solidFill>
                       <a:schemeClr val="bg1"/>
                     </a:solidFill>
                     <a:latin typeface="黑体" panose="02010609060101010101" pitchFamily="49" charset="-122"/>
                     <a:ea typeface="黑体" panose="02010609060101010101" pitchFamily="49" charset="-122"/>
                   </a:rPr>
-                  <a:t>审批</a:t>
+                  <a:t>签订</a:t>
                 </a:r>
+                <a:endParaRPr lang="zh-CN" altLang="en-US" sz="2800" b="1" kern="1200" spc="100" dirty="0">
+                  <a:solidFill>
+                    <a:schemeClr val="bg1"/>
+                  </a:solidFill>
+                  <a:latin typeface="黑体" panose="02010609060101010101" pitchFamily="49" charset="-122"/>
+                  <a:ea typeface="黑体" panose="02010609060101010101" pitchFamily="49" charset="-122"/>
+                </a:endParaRPr>
               </a:p>
             </p:txBody>
           </p:sp>
@@ -9874,7 +9809,7 @@
           </p:nvSpPr>
           <p:spPr>
             <a:xfrm>
-              <a:off x="9299336" y="3557354"/>
+              <a:off x="9184799" y="3512811"/>
               <a:ext cx="2158724" cy="1550336"/>
             </a:xfrm>
             <a:prstGeom prst="rect">
@@ -9941,7 +9876,7 @@
         </p:nvSpPr>
         <p:spPr>
           <a:xfrm>
-            <a:off x="9488338" y="3428999"/>
+            <a:off x="7104854" y="3436374"/>
             <a:ext cx="2709985" cy="796125"/>
           </a:xfrm>
           <a:custGeom>
@@ -10066,22 +10001,15 @@
               <a:buNone/>
             </a:pPr>
             <a:r>
-              <a:rPr lang="zh-CN" altLang="en-US" sz="3200" b="1" spc="100" dirty="0">
+              <a:rPr lang="zh-CN" altLang="en-US" sz="3200" b="1" kern="1200" spc="100" dirty="0">
                 <a:solidFill>
                   <a:schemeClr val="bg1"/>
                 </a:solidFill>
                 <a:latin typeface="黑体" panose="02010609060101010101" pitchFamily="49" charset="-122"/>
                 <a:ea typeface="黑体" panose="02010609060101010101" pitchFamily="49" charset="-122"/>
               </a:rPr>
-              <a:t>签订</a:t>
+              <a:t>审批</a:t>
             </a:r>
-            <a:endParaRPr lang="zh-CN" altLang="en-US" sz="3200" b="1" kern="1200" spc="100" dirty="0">
-              <a:solidFill>
-                <a:schemeClr val="bg1"/>
-              </a:solidFill>
-              <a:latin typeface="黑体" panose="02010609060101010101" pitchFamily="49" charset="-122"/>
-              <a:ea typeface="黑体" panose="02010609060101010101" pitchFamily="49" charset="-122"/>
-            </a:endParaRPr>
           </a:p>
         </p:txBody>
       </p:sp>
@@ -10097,7 +10025,7 @@
         </p:nvSpPr>
         <p:spPr>
           <a:xfrm>
-            <a:off x="7307735" y="4352176"/>
+            <a:off x="7252715" y="4341069"/>
             <a:ext cx="2414262" cy="1383665"/>
           </a:xfrm>
           <a:prstGeom prst="rect">
@@ -10154,7 +10082,7 @@
 </p:sld>
 </file>
 
-<file path=ppt/slides/slide9.xml><?xml version="1.0" encoding="utf-8"?>
+<file path=ppt/slides/slide8.xml><?xml version="1.0" encoding="utf-8"?>
 <p:sld xmlns:a="http://schemas.openxmlformats.org/drawingml/2006/main" xmlns:r="http://schemas.openxmlformats.org/officeDocument/2006/relationships" xmlns:p="http://schemas.openxmlformats.org/presentationml/2006/main">
   <p:cSld>
     <p:spTree>
@@ -10867,6 +10795,762 @@
 </p:sld>
 </file>
 
+<file path=ppt/slides/slide9.xml><?xml version="1.0" encoding="utf-8"?>
+<p:sld xmlns:a="http://schemas.openxmlformats.org/drawingml/2006/main" xmlns:r="http://schemas.openxmlformats.org/officeDocument/2006/relationships" xmlns:p="http://schemas.openxmlformats.org/presentationml/2006/main">
+  <p:cSld>
+    <p:spTree>
+      <p:nvGrpSpPr>
+        <p:cNvPr id="1" name=""/>
+        <p:cNvGrpSpPr/>
+        <p:nvPr/>
+      </p:nvGrpSpPr>
+      <p:grpSpPr>
+        <a:xfrm>
+          <a:off x="0" y="0"/>
+          <a:ext cx="0" cy="0"/>
+          <a:chOff x="0" y="0"/>
+          <a:chExt cx="0" cy="0"/>
+        </a:xfrm>
+      </p:grpSpPr>
+      <p:sp>
+        <p:nvSpPr>
+          <p:cNvPr id="7" name="文本框 6"/>
+          <p:cNvSpPr txBox="1"/>
+          <p:nvPr/>
+        </p:nvSpPr>
+        <p:spPr>
+          <a:xfrm>
+            <a:off x="695325" y="378922"/>
+            <a:ext cx="2611612" cy="460375"/>
+          </a:xfrm>
+          <a:prstGeom prst="rect">
+            <a:avLst/>
+          </a:prstGeom>
+          <a:solidFill>
+            <a:srgbClr val="B4DCED"/>
+          </a:solidFill>
+          <a:ln>
+            <a:noFill/>
+          </a:ln>
+        </p:spPr>
+        <p:txBody>
+          <a:bodyPr wrap="square" rtlCol="0">
+            <a:spAutoFit/>
+          </a:bodyPr>
+          <a:lstStyle/>
+          <a:p>
+            <a:pPr algn="dist"/>
+            <a:r>
+              <a:rPr lang="zh-CN" altLang="en-US" sz="2400" dirty="0">
+                <a:solidFill>
+                  <a:schemeClr val="bg1"/>
+                </a:solidFill>
+                <a:latin typeface="黑体" panose="02010609060101010101" pitchFamily="49" charset="-122"/>
+                <a:ea typeface="黑体" panose="02010609060101010101" pitchFamily="49" charset="-122"/>
+              </a:rPr>
+              <a:t>基础数据管理</a:t>
+            </a:r>
+          </a:p>
+        </p:txBody>
+      </p:sp>
+      <p:grpSp>
+        <p:nvGrpSpPr>
+          <p:cNvPr id="16" name="组合 15"/>
+          <p:cNvGrpSpPr/>
+          <p:nvPr/>
+        </p:nvGrpSpPr>
+        <p:grpSpPr>
+          <a:xfrm>
+            <a:off x="5613601" y="1189719"/>
+            <a:ext cx="6195169" cy="2239281"/>
+            <a:chOff x="5648761" y="2204189"/>
+            <a:chExt cx="6195169" cy="2239281"/>
+          </a:xfrm>
+        </p:grpSpPr>
+        <p:sp>
+          <p:nvSpPr>
+            <p:cNvPr id="10" name="矩形 9"/>
+            <p:cNvSpPr/>
+            <p:nvPr>
+              <p:custDataLst>
+                <p:tags r:id="rId6"/>
+              </p:custDataLst>
+            </p:nvPr>
+          </p:nvSpPr>
+          <p:spPr>
+            <a:xfrm>
+              <a:off x="6557881" y="2204189"/>
+              <a:ext cx="4973956" cy="1779745"/>
+            </a:xfrm>
+            <a:prstGeom prst="rect">
+              <a:avLst/>
+            </a:prstGeom>
+            <a:noFill/>
+            <a:ln>
+              <a:solidFill>
+                <a:schemeClr val="accent1"/>
+              </a:solidFill>
+            </a:ln>
+          </p:spPr>
+          <p:style>
+            <a:lnRef idx="2">
+              <a:schemeClr val="accent1">
+                <a:shade val="50000"/>
+              </a:schemeClr>
+            </a:lnRef>
+            <a:fillRef idx="1">
+              <a:schemeClr val="accent1"/>
+            </a:fillRef>
+            <a:effectRef idx="0">
+              <a:schemeClr val="accent1"/>
+            </a:effectRef>
+            <a:fontRef idx="minor">
+              <a:schemeClr val="lt1"/>
+            </a:fontRef>
+          </p:style>
+          <p:txBody>
+            <a:bodyPr rtlCol="0" anchor="ctr"/>
+            <a:lstStyle/>
+            <a:p>
+              <a:pPr algn="ctr"/>
+              <a:endParaRPr lang="zh-CN" altLang="en-US" dirty="0"/>
+            </a:p>
+          </p:txBody>
+        </p:sp>
+        <p:sp>
+          <p:nvSpPr>
+            <p:cNvPr id="9" name="矩形 8"/>
+            <p:cNvSpPr/>
+            <p:nvPr>
+              <p:custDataLst>
+                <p:tags r:id="rId7"/>
+              </p:custDataLst>
+            </p:nvPr>
+          </p:nvSpPr>
+          <p:spPr>
+            <a:xfrm>
+              <a:off x="5648761" y="2545079"/>
+              <a:ext cx="950159" cy="1779744"/>
+            </a:xfrm>
+            <a:prstGeom prst="rect">
+              <a:avLst/>
+            </a:prstGeom>
+            <a:solidFill>
+              <a:schemeClr val="bg1"/>
+            </a:solidFill>
+            <a:ln>
+              <a:noFill/>
+            </a:ln>
+          </p:spPr>
+          <p:style>
+            <a:lnRef idx="2">
+              <a:schemeClr val="accent1">
+                <a:shade val="50000"/>
+              </a:schemeClr>
+            </a:lnRef>
+            <a:fillRef idx="1">
+              <a:schemeClr val="accent1"/>
+            </a:fillRef>
+            <a:effectRef idx="0">
+              <a:schemeClr val="accent1"/>
+            </a:effectRef>
+            <a:fontRef idx="minor">
+              <a:schemeClr val="lt1"/>
+            </a:fontRef>
+          </p:style>
+          <p:txBody>
+            <a:bodyPr rtlCol="0" anchor="ctr"/>
+            <a:lstStyle/>
+            <a:p>
+              <a:pPr algn="ctr"/>
+              <a:endParaRPr lang="zh-CN" altLang="en-US" sz="3600" dirty="0">
+                <a:solidFill>
+                  <a:schemeClr val="bg2">
+                    <a:lumMod val="25000"/>
+                  </a:schemeClr>
+                </a:solidFill>
+              </a:endParaRPr>
+            </a:p>
+          </p:txBody>
+        </p:sp>
+        <p:grpSp>
+          <p:nvGrpSpPr>
+            <p:cNvPr id="15" name="组合 14"/>
+            <p:cNvGrpSpPr/>
+            <p:nvPr/>
+          </p:nvGrpSpPr>
+          <p:grpSpPr>
+            <a:xfrm>
+              <a:off x="6557812" y="2268797"/>
+              <a:ext cx="5286118" cy="2174673"/>
+              <a:chOff x="6557812" y="2147464"/>
+              <a:chExt cx="5286118" cy="2174673"/>
+            </a:xfrm>
+          </p:grpSpPr>
+          <p:sp>
+            <p:nvSpPr>
+              <p:cNvPr id="12" name="文本框 11"/>
+              <p:cNvSpPr txBox="1"/>
+              <p:nvPr>
+                <p:custDataLst>
+                  <p:tags r:id="rId8"/>
+                </p:custDataLst>
+              </p:nvPr>
+            </p:nvSpPr>
+            <p:spPr>
+              <a:xfrm>
+                <a:off x="6557812" y="2673737"/>
+                <a:ext cx="5286118" cy="1648400"/>
+              </a:xfrm>
+              <a:prstGeom prst="rect">
+                <a:avLst/>
+              </a:prstGeom>
+              <a:noFill/>
+            </p:spPr>
+            <p:txBody>
+              <a:bodyPr wrap="square">
+                <a:spAutoFit/>
+              </a:bodyPr>
+              <a:lstStyle/>
+              <a:p>
+                <a:pPr marL="285750" indent="-285750" algn="l">
+                  <a:buFont typeface="Arial" panose="020B0604020202020204" pitchFamily="34" charset="0"/>
+                  <a:buChar char="•"/>
+                </a:pPr>
+                <a:r>
+                  <a:rPr lang="zh-CN" altLang="en-US" sz="1600" dirty="0">
+                    <a:latin typeface="黑体" panose="02010609060101010101" pitchFamily="49" charset="-122"/>
+                    <a:ea typeface="黑体" panose="02010609060101010101" pitchFamily="49" charset="-122"/>
+                  </a:rPr>
+                  <a:t>查看合同信息</a:t>
+                </a:r>
+                <a:endParaRPr lang="en-US" altLang="zh-CN" sz="1600" dirty="0">
+                  <a:latin typeface="黑体" panose="02010609060101010101" pitchFamily="49" charset="-122"/>
+                  <a:ea typeface="黑体" panose="02010609060101010101" pitchFamily="49" charset="-122"/>
+                </a:endParaRPr>
+              </a:p>
+              <a:p>
+                <a:pPr marL="285750" indent="-285750" algn="l">
+                  <a:buFont typeface="Arial" panose="020B0604020202020204" pitchFamily="34" charset="0"/>
+                  <a:buChar char="•"/>
+                </a:pPr>
+                <a:r>
+                  <a:rPr lang="zh-CN" altLang="en-US" sz="1600" dirty="0">
+                    <a:latin typeface="黑体" panose="02010609060101010101" pitchFamily="49" charset="-122"/>
+                    <a:ea typeface="黑体" panose="02010609060101010101" pitchFamily="49" charset="-122"/>
+                  </a:rPr>
+                  <a:t>添加</a:t>
+                </a:r>
+                <a:endParaRPr lang="en-US" altLang="zh-CN" sz="1600" dirty="0">
+                  <a:latin typeface="黑体" panose="02010609060101010101" pitchFamily="49" charset="-122"/>
+                  <a:ea typeface="黑体" panose="02010609060101010101" pitchFamily="49" charset="-122"/>
+                </a:endParaRPr>
+              </a:p>
+              <a:p>
+                <a:pPr marL="285750" indent="-285750" algn="l">
+                  <a:buFont typeface="Arial" panose="020B0604020202020204" pitchFamily="34" charset="0"/>
+                  <a:buChar char="•"/>
+                </a:pPr>
+                <a:r>
+                  <a:rPr lang="zh-CN" altLang="en-US" sz="1600" dirty="0">
+                    <a:latin typeface="黑体" panose="02010609060101010101" pitchFamily="49" charset="-122"/>
+                    <a:ea typeface="黑体" panose="02010609060101010101" pitchFamily="49" charset="-122"/>
+                  </a:rPr>
+                  <a:t>删除</a:t>
+                </a:r>
+                <a:endParaRPr lang="en-US" altLang="zh-CN" sz="1600" dirty="0">
+                  <a:latin typeface="黑体" panose="02010609060101010101" pitchFamily="49" charset="-122"/>
+                  <a:ea typeface="黑体" panose="02010609060101010101" pitchFamily="49" charset="-122"/>
+                </a:endParaRPr>
+              </a:p>
+              <a:p>
+                <a:pPr marL="285750" indent="-285750" algn="l">
+                  <a:buFont typeface="Arial" panose="020B0604020202020204" pitchFamily="34" charset="0"/>
+                  <a:buChar char="•"/>
+                </a:pPr>
+                <a:r>
+                  <a:rPr lang="en-US" altLang="zh-CN" sz="1600" dirty="0">
+                    <a:latin typeface="黑体" panose="02010609060101010101" pitchFamily="49" charset="-122"/>
+                    <a:ea typeface="黑体" panose="02010609060101010101" pitchFamily="49" charset="-122"/>
+                  </a:rPr>
+                  <a:t>……</a:t>
+                </a:r>
+                <a:endParaRPr lang="zh-CN" altLang="en-US" sz="1600" dirty="0">
+                  <a:latin typeface="黑体" panose="02010609060101010101" pitchFamily="49" charset="-122"/>
+                  <a:ea typeface="黑体" panose="02010609060101010101" pitchFamily="49" charset="-122"/>
+                </a:endParaRPr>
+              </a:p>
+              <a:p>
+                <a:pPr>
+                  <a:lnSpc>
+                    <a:spcPct val="120000"/>
+                  </a:lnSpc>
+                </a:pPr>
+                <a:endParaRPr lang="zh-CN" altLang="en-US" sz="1600" dirty="0"/>
+              </a:p>
+              <a:p>
+                <a:pPr>
+                  <a:lnSpc>
+                    <a:spcPct val="120000"/>
+                  </a:lnSpc>
+                </a:pPr>
+                <a:endParaRPr lang="zh-CN" altLang="en-US" sz="1600" spc="100" dirty="0">
+                  <a:solidFill>
+                    <a:schemeClr val="bg2">
+                      <a:lumMod val="25000"/>
+                    </a:schemeClr>
+                  </a:solidFill>
+                  <a:latin typeface="+mn-ea"/>
+                </a:endParaRPr>
+              </a:p>
+            </p:txBody>
+          </p:sp>
+          <p:sp>
+            <p:nvSpPr>
+              <p:cNvPr id="13" name="文本框 12"/>
+              <p:cNvSpPr txBox="1"/>
+              <p:nvPr>
+                <p:custDataLst>
+                  <p:tags r:id="rId9"/>
+                </p:custDataLst>
+              </p:nvPr>
+            </p:nvSpPr>
+            <p:spPr>
+              <a:xfrm>
+                <a:off x="6557812" y="2147464"/>
+                <a:ext cx="2169537" cy="461665"/>
+              </a:xfrm>
+              <a:prstGeom prst="rect">
+                <a:avLst/>
+              </a:prstGeom>
+              <a:noFill/>
+            </p:spPr>
+            <p:txBody>
+              <a:bodyPr wrap="square" rtlCol="0">
+                <a:spAutoFit/>
+              </a:bodyPr>
+              <a:lstStyle/>
+              <a:p>
+                <a:r>
+                  <a:rPr lang="zh-CN" altLang="en-US" sz="2400" b="1" dirty="0">
+                    <a:latin typeface="黑体" panose="02010609060101010101" pitchFamily="49" charset="-122"/>
+                    <a:ea typeface="黑体" panose="02010609060101010101" pitchFamily="49" charset="-122"/>
+                  </a:rPr>
+                  <a:t>合同信息管理</a:t>
+                </a:r>
+              </a:p>
+            </p:txBody>
+          </p:sp>
+        </p:grpSp>
+      </p:grpSp>
+      <p:sp>
+        <p:nvSpPr>
+          <p:cNvPr id="22" name="矩形 21"/>
+          <p:cNvSpPr/>
+          <p:nvPr>
+            <p:custDataLst>
+              <p:tags r:id="rId1"/>
+            </p:custDataLst>
+          </p:nvPr>
+        </p:nvSpPr>
+        <p:spPr>
+          <a:xfrm flipH="1">
+            <a:off x="695325" y="4387295"/>
+            <a:ext cx="4973956" cy="1779745"/>
+          </a:xfrm>
+          <a:prstGeom prst="rect">
+            <a:avLst/>
+          </a:prstGeom>
+          <a:noFill/>
+          <a:ln>
+            <a:solidFill>
+              <a:schemeClr val="accent1"/>
+            </a:solidFill>
+          </a:ln>
+        </p:spPr>
+        <p:style>
+          <a:lnRef idx="2">
+            <a:schemeClr val="accent1">
+              <a:shade val="50000"/>
+            </a:schemeClr>
+          </a:lnRef>
+          <a:fillRef idx="1">
+            <a:schemeClr val="accent1"/>
+          </a:fillRef>
+          <a:effectRef idx="0">
+            <a:schemeClr val="accent1"/>
+          </a:effectRef>
+          <a:fontRef idx="minor">
+            <a:schemeClr val="lt1"/>
+          </a:fontRef>
+        </p:style>
+        <p:txBody>
+          <a:bodyPr rtlCol="0" anchor="ctr"/>
+          <a:lstStyle/>
+          <a:p>
+            <a:pPr algn="ctr"/>
+            <a:endParaRPr lang="zh-CN" altLang="en-US"/>
+          </a:p>
+        </p:txBody>
+      </p:sp>
+      <p:sp>
+        <p:nvSpPr>
+          <p:cNvPr id="23" name="矩形 22"/>
+          <p:cNvSpPr/>
+          <p:nvPr>
+            <p:custDataLst>
+              <p:tags r:id="rId2"/>
+            </p:custDataLst>
+          </p:nvPr>
+        </p:nvSpPr>
+        <p:spPr>
+          <a:xfrm flipH="1">
+            <a:off x="5613601" y="4387295"/>
+            <a:ext cx="950159" cy="1779744"/>
+          </a:xfrm>
+          <a:prstGeom prst="rect">
+            <a:avLst/>
+          </a:prstGeom>
+          <a:solidFill>
+            <a:schemeClr val="bg1"/>
+          </a:solidFill>
+          <a:ln>
+            <a:noFill/>
+          </a:ln>
+        </p:spPr>
+        <p:style>
+          <a:lnRef idx="2">
+            <a:schemeClr val="accent1">
+              <a:shade val="50000"/>
+            </a:schemeClr>
+          </a:lnRef>
+          <a:fillRef idx="1">
+            <a:schemeClr val="accent1"/>
+          </a:fillRef>
+          <a:effectRef idx="0">
+            <a:schemeClr val="accent1"/>
+          </a:effectRef>
+          <a:fontRef idx="minor">
+            <a:schemeClr val="lt1"/>
+          </a:fontRef>
+        </p:style>
+        <p:txBody>
+          <a:bodyPr rtlCol="0" anchor="ctr"/>
+          <a:lstStyle/>
+          <a:p>
+            <a:pPr algn="ctr"/>
+            <a:endParaRPr lang="zh-CN" altLang="en-US" sz="3600" dirty="0">
+              <a:solidFill>
+                <a:schemeClr val="bg2">
+                  <a:lumMod val="25000"/>
+                </a:schemeClr>
+              </a:solidFill>
+            </a:endParaRPr>
+          </a:p>
+        </p:txBody>
+      </p:sp>
+      <p:grpSp>
+        <p:nvGrpSpPr>
+          <p:cNvPr id="24" name="组合 23"/>
+          <p:cNvGrpSpPr/>
+          <p:nvPr>
+            <p:custDataLst>
+              <p:tags r:id="rId3"/>
+            </p:custDataLst>
+          </p:nvPr>
+        </p:nvGrpSpPr>
+        <p:grpSpPr>
+          <a:xfrm flipH="1">
+            <a:off x="811459" y="4681725"/>
+            <a:ext cx="4772639" cy="1419325"/>
+            <a:chOff x="6628423" y="2718176"/>
+            <a:chExt cx="4772639" cy="1419325"/>
+          </a:xfrm>
+        </p:grpSpPr>
+        <p:sp>
+          <p:nvSpPr>
+            <p:cNvPr id="25" name="文本框 24"/>
+            <p:cNvSpPr txBox="1"/>
+            <p:nvPr>
+              <p:custDataLst>
+                <p:tags r:id="rId4"/>
+              </p:custDataLst>
+            </p:nvPr>
+          </p:nvSpPr>
+          <p:spPr>
+            <a:xfrm>
+              <a:off x="6628423" y="3178521"/>
+              <a:ext cx="4772639" cy="958980"/>
+            </a:xfrm>
+            <a:prstGeom prst="rect">
+              <a:avLst/>
+            </a:prstGeom>
+            <a:noFill/>
+          </p:spPr>
+          <p:txBody>
+            <a:bodyPr wrap="square">
+              <a:spAutoFit/>
+            </a:bodyPr>
+            <a:lstStyle/>
+            <a:p>
+              <a:pPr marL="285750" indent="-285750">
+                <a:lnSpc>
+                  <a:spcPct val="120000"/>
+                </a:lnSpc>
+                <a:buFont typeface="Arial" panose="020B0604020202020204" pitchFamily="34" charset="0"/>
+                <a:buChar char="•"/>
+              </a:pPr>
+              <a:r>
+                <a:rPr lang="zh-CN" altLang="en-US" sz="1600" spc="100" dirty="0">
+                  <a:solidFill>
+                    <a:schemeClr val="bg2">
+                      <a:lumMod val="25000"/>
+                    </a:schemeClr>
+                  </a:solidFill>
+                  <a:latin typeface="黑体" panose="02010609060101010101" pitchFamily="49" charset="-122"/>
+                  <a:ea typeface="黑体" panose="02010609060101010101" pitchFamily="49" charset="-122"/>
+                </a:rPr>
+                <a:t>查看当前客户信息</a:t>
+              </a:r>
+              <a:endParaRPr lang="en-US" altLang="zh-CN" sz="1600" spc="100" dirty="0">
+                <a:solidFill>
+                  <a:schemeClr val="bg2">
+                    <a:lumMod val="25000"/>
+                  </a:schemeClr>
+                </a:solidFill>
+                <a:latin typeface="黑体" panose="02010609060101010101" pitchFamily="49" charset="-122"/>
+                <a:ea typeface="黑体" panose="02010609060101010101" pitchFamily="49" charset="-122"/>
+              </a:endParaRPr>
+            </a:p>
+            <a:p>
+              <a:pPr marL="285750" indent="-285750">
+                <a:lnSpc>
+                  <a:spcPct val="120000"/>
+                </a:lnSpc>
+                <a:buFont typeface="Arial" panose="020B0604020202020204" pitchFamily="34" charset="0"/>
+                <a:buChar char="•"/>
+              </a:pPr>
+              <a:r>
+                <a:rPr lang="zh-CN" altLang="en-US" sz="1600" spc="100" dirty="0">
+                  <a:solidFill>
+                    <a:schemeClr val="bg2">
+                      <a:lumMod val="25000"/>
+                    </a:schemeClr>
+                  </a:solidFill>
+                  <a:latin typeface="黑体" panose="02010609060101010101" pitchFamily="49" charset="-122"/>
+                  <a:ea typeface="黑体" panose="02010609060101010101" pitchFamily="49" charset="-122"/>
+                </a:rPr>
+                <a:t>添加</a:t>
+              </a:r>
+              <a:endParaRPr lang="en-US" altLang="zh-CN" sz="1600" spc="100" dirty="0">
+                <a:solidFill>
+                  <a:schemeClr val="bg2">
+                    <a:lumMod val="25000"/>
+                  </a:schemeClr>
+                </a:solidFill>
+                <a:latin typeface="黑体" panose="02010609060101010101" pitchFamily="49" charset="-122"/>
+                <a:ea typeface="黑体" panose="02010609060101010101" pitchFamily="49" charset="-122"/>
+              </a:endParaRPr>
+            </a:p>
+            <a:p>
+              <a:pPr marL="285750" indent="-285750">
+                <a:lnSpc>
+                  <a:spcPct val="120000"/>
+                </a:lnSpc>
+                <a:buFont typeface="Arial" panose="020B0604020202020204" pitchFamily="34" charset="0"/>
+                <a:buChar char="•"/>
+              </a:pPr>
+              <a:r>
+                <a:rPr lang="zh-CN" altLang="en-US" sz="1600" spc="100" dirty="0">
+                  <a:solidFill>
+                    <a:schemeClr val="bg2">
+                      <a:lumMod val="25000"/>
+                    </a:schemeClr>
+                  </a:solidFill>
+                  <a:latin typeface="黑体" panose="02010609060101010101" pitchFamily="49" charset="-122"/>
+                  <a:ea typeface="黑体" panose="02010609060101010101" pitchFamily="49" charset="-122"/>
+                </a:rPr>
+                <a:t>删除</a:t>
+              </a:r>
+              <a:endParaRPr lang="zh-CN" altLang="en-US" sz="1600" dirty="0">
+                <a:latin typeface="黑体" panose="02010609060101010101" pitchFamily="49" charset="-122"/>
+                <a:ea typeface="黑体" panose="02010609060101010101" pitchFamily="49" charset="-122"/>
+              </a:endParaRPr>
+            </a:p>
+          </p:txBody>
+        </p:sp>
+        <p:sp>
+          <p:nvSpPr>
+            <p:cNvPr id="26" name="文本框 25"/>
+            <p:cNvSpPr txBox="1"/>
+            <p:nvPr>
+              <p:custDataLst>
+                <p:tags r:id="rId5"/>
+              </p:custDataLst>
+            </p:nvPr>
+          </p:nvSpPr>
+          <p:spPr>
+            <a:xfrm>
+              <a:off x="9104148" y="2718176"/>
+              <a:ext cx="2108269" cy="461665"/>
+            </a:xfrm>
+            <a:prstGeom prst="rect">
+              <a:avLst/>
+            </a:prstGeom>
+            <a:noFill/>
+          </p:spPr>
+          <p:txBody>
+            <a:bodyPr wrap="none" rtlCol="0">
+              <a:spAutoFit/>
+            </a:bodyPr>
+            <a:lstStyle/>
+            <a:p>
+              <a:r>
+                <a:rPr lang="zh-CN" altLang="en-US" sz="2400" b="1" spc="100" dirty="0">
+                  <a:solidFill>
+                    <a:schemeClr val="bg2">
+                      <a:lumMod val="25000"/>
+                    </a:schemeClr>
+                  </a:solidFill>
+                  <a:latin typeface="黑体" panose="02010609060101010101" pitchFamily="49" charset="-122"/>
+                  <a:ea typeface="黑体" panose="02010609060101010101" pitchFamily="49" charset="-122"/>
+                </a:rPr>
+                <a:t>客户类型管理</a:t>
+              </a:r>
+            </a:p>
+          </p:txBody>
+        </p:sp>
+      </p:grpSp>
+      <p:pic>
+        <p:nvPicPr>
+          <p:cNvPr id="3" name="图片 2">
+            <a:extLst>
+              <a:ext uri="{FF2B5EF4-FFF2-40B4-BE49-F238E27FC236}">
+                <a16:creationId xmlns:a16="http://schemas.microsoft.com/office/drawing/2014/main" id="{0793F7E6-415A-4673-8907-92708B9663F7}"/>
+              </a:ext>
+            </a:extLst>
+          </p:cNvPr>
+          <p:cNvPicPr>
+            <a:picLocks noChangeAspect="1"/>
+          </p:cNvPicPr>
+          <p:nvPr/>
+        </p:nvPicPr>
+        <p:blipFill rotWithShape="1">
+          <a:blip r:embed="rId11" cstate="print">
+            <a:extLst>
+              <a:ext uri="{28A0092B-C50C-407E-A947-70E740481C1C}">
+                <a14:useLocalDpi xmlns:a14="http://schemas.microsoft.com/office/drawing/2010/main" val="0"/>
+              </a:ext>
+            </a:extLst>
+          </a:blip>
+          <a:srcRect l="15336" b="27310"/>
+          <a:stretch/>
+        </p:blipFill>
+        <p:spPr>
+          <a:xfrm>
+            <a:off x="6593263" y="3097865"/>
+            <a:ext cx="5473996" cy="3629383"/>
+          </a:xfrm>
+          <a:prstGeom prst="rect">
+            <a:avLst/>
+          </a:prstGeom>
+          <a:ln w="190500" cap="sq">
+            <a:solidFill>
+              <a:srgbClr val="C8C6BD"/>
+            </a:solidFill>
+            <a:prstDash val="solid"/>
+            <a:miter lim="800000"/>
+          </a:ln>
+          <a:effectLst>
+            <a:outerShdw blurRad="254000" algn="bl" rotWithShape="0">
+              <a:srgbClr val="000000">
+                <a:alpha val="43000"/>
+              </a:srgbClr>
+            </a:outerShdw>
+          </a:effectLst>
+          <a:scene3d>
+            <a:camera prst="perspectiveFront" fov="5400000"/>
+            <a:lightRig rig="threePt" dir="t">
+              <a:rot lat="0" lon="0" rev="2100000"/>
+            </a:lightRig>
+          </a:scene3d>
+          <a:sp3d extrusionH="25400">
+            <a:bevelT w="304800" h="152400" prst="hardEdge"/>
+            <a:extrusionClr>
+              <a:srgbClr val="000000"/>
+            </a:extrusionClr>
+          </a:sp3d>
+        </p:spPr>
+      </p:pic>
+      <p:pic>
+        <p:nvPicPr>
+          <p:cNvPr id="6" name="图片 5">
+            <a:extLst>
+              <a:ext uri="{FF2B5EF4-FFF2-40B4-BE49-F238E27FC236}">
+                <a16:creationId xmlns:a16="http://schemas.microsoft.com/office/drawing/2014/main" id="{2241A503-30E7-4AE2-8AE2-4030264F8B44}"/>
+              </a:ext>
+            </a:extLst>
+          </p:cNvPr>
+          <p:cNvPicPr>
+            <a:picLocks noChangeAspect="1"/>
+          </p:cNvPicPr>
+          <p:nvPr/>
+        </p:nvPicPr>
+        <p:blipFill>
+          <a:blip r:embed="rId12"/>
+          <a:stretch>
+            <a:fillRect/>
+          </a:stretch>
+        </p:blipFill>
+        <p:spPr>
+          <a:xfrm>
+            <a:off x="195285" y="1286761"/>
+            <a:ext cx="5473996" cy="2570245"/>
+          </a:xfrm>
+          <a:prstGeom prst="rect">
+            <a:avLst/>
+          </a:prstGeom>
+          <a:ln w="190500" cap="sq">
+            <a:solidFill>
+              <a:srgbClr val="C8C6BD"/>
+            </a:solidFill>
+            <a:prstDash val="solid"/>
+            <a:miter lim="800000"/>
+          </a:ln>
+          <a:effectLst>
+            <a:outerShdw blurRad="254000" algn="bl" rotWithShape="0">
+              <a:srgbClr val="000000">
+                <a:alpha val="43000"/>
+              </a:srgbClr>
+            </a:outerShdw>
+          </a:effectLst>
+          <a:scene3d>
+            <a:camera prst="perspectiveFront" fov="5400000"/>
+            <a:lightRig rig="threePt" dir="t">
+              <a:rot lat="0" lon="0" rev="2100000"/>
+            </a:lightRig>
+          </a:scene3d>
+          <a:sp3d extrusionH="25400">
+            <a:bevelT w="304800" h="152400" prst="hardEdge"/>
+            <a:extrusionClr>
+              <a:srgbClr val="000000"/>
+            </a:extrusionClr>
+          </a:sp3d>
+        </p:spPr>
+      </p:pic>
+    </p:spTree>
+    <p:extLst>
+      <p:ext uri="{BB962C8B-B14F-4D97-AF65-F5344CB8AC3E}">
+        <p14:creationId xmlns:p14="http://schemas.microsoft.com/office/powerpoint/2010/main" val="1345891491"/>
+      </p:ext>
+    </p:extLst>
+  </p:cSld>
+  <p:clrMapOvr>
+    <a:masterClrMapping/>
+  </p:clrMapOvr>
+</p:sld>
+</file>
+
 <file path=ppt/tags/tag1.xml><?xml version="1.0" encoding="utf-8"?>
 <p:tagLst xmlns:a="http://schemas.openxmlformats.org/drawingml/2006/main" xmlns:r="http://schemas.openxmlformats.org/officeDocument/2006/relationships" xmlns:p="http://schemas.openxmlformats.org/presentationml/2006/main">
   <p:tag name="KSO_WM_TEMPLATE_THUMBS_INDEX" val="1、4、7、12、13、14、15、16、17、18、20、24、25、28、33、36、40、43、44"/>
@@ -10896,19 +11580,19 @@
 
 <file path=ppt/tags/tag100.xml><?xml version="1.0" encoding="utf-8"?>
 <p:tagLst xmlns:a="http://schemas.openxmlformats.org/drawingml/2006/main" xmlns:r="http://schemas.openxmlformats.org/officeDocument/2006/relationships" xmlns:p="http://schemas.openxmlformats.org/presentationml/2006/main">
-  <p:tag name="KSO_WM_DIAGRAM_VIRTUALLY_FRAME" val="{&quot;height&quot;:180.6536034572031,&quot;left&quot;:46.28535433070865,&quot;top&quot;:247.75,&quot;width&quot;:858.9646456692914}"/>
+  <p:tag name="KSO_WM_DIAGRAM_VIRTUALLY_FRAME" val="{&quot;height&quot;:392.15519685039374,&quot;left&quot;:54.75,&quot;top&quot;:116.57039370078739,&quot;width&quot;:852.1158267716535}"/>
 </p:tagLst>
 </file>
 
 <file path=ppt/tags/tag101.xml><?xml version="1.0" encoding="utf-8"?>
 <p:tagLst xmlns:a="http://schemas.openxmlformats.org/drawingml/2006/main" xmlns:r="http://schemas.openxmlformats.org/officeDocument/2006/relationships" xmlns:p="http://schemas.openxmlformats.org/presentationml/2006/main">
-  <p:tag name="KSO_WM_DIAGRAM_VIRTUALLY_FRAME" val="{&quot;height&quot;:180.6536034572031,&quot;left&quot;:46.28535433070865,&quot;top&quot;:247.75,&quot;width&quot;:858.9646456692914}"/>
+  <p:tag name="KSO_WM_DIAGRAM_VIRTUALLY_FRAME" val="{&quot;height&quot;:392.15519685039374,&quot;left&quot;:54.75,&quot;top&quot;:116.57039370078739,&quot;width&quot;:852.1158267716535}"/>
 </p:tagLst>
 </file>
 
 <file path=ppt/tags/tag102.xml><?xml version="1.0" encoding="utf-8"?>
 <p:tagLst xmlns:a="http://schemas.openxmlformats.org/drawingml/2006/main" xmlns:r="http://schemas.openxmlformats.org/officeDocument/2006/relationships" xmlns:p="http://schemas.openxmlformats.org/presentationml/2006/main">
-  <p:tag name="KSO_WM_DIAGRAM_VIRTUALLY_FRAME" val="{&quot;height&quot;:168.1604724409449,&quot;left&quot;:46.28535433070865,&quot;top&quot;:247.75,&quot;width&quot;:858.9646456692914}"/>
+  <p:tag name="KSO_WM_DIAGRAM_VIRTUALLY_FRAME" val="{&quot;height&quot;:392.15519685039374,&quot;left&quot;:54.75,&quot;top&quot;:116.57039370078739,&quot;width&quot;:852.1158267716535}"/>
 </p:tagLst>
 </file>
 
@@ -10981,43 +11665,43 @@
 
 <file path=ppt/tags/tag112.xml><?xml version="1.0" encoding="utf-8"?>
 <p:tagLst xmlns:a="http://schemas.openxmlformats.org/drawingml/2006/main" xmlns:r="http://schemas.openxmlformats.org/officeDocument/2006/relationships" xmlns:p="http://schemas.openxmlformats.org/presentationml/2006/main">
+  <p:tag name="KSO_WM_DIAGRAM_VIRTUALLY_FRAME" val="{&quot;height&quot;:392.15519685039374,&quot;left&quot;:54.75,&quot;top&quot;:116.57039370078739,&quot;width&quot;:852.1158267716535}"/>
+</p:tagLst>
+</file>
+
+<file path=ppt/tags/tag113.xml><?xml version="1.0" encoding="utf-8"?>
+<p:tagLst xmlns:a="http://schemas.openxmlformats.org/drawingml/2006/main" xmlns:r="http://schemas.openxmlformats.org/officeDocument/2006/relationships" xmlns:p="http://schemas.openxmlformats.org/presentationml/2006/main">
+  <p:tag name="KSO_WM_DIAGRAM_VIRTUALLY_FRAME" val="{&quot;height&quot;:392.15519685039374,&quot;left&quot;:54.75,&quot;top&quot;:116.57039370078739,&quot;width&quot;:852.1158267716535}"/>
+</p:tagLst>
+</file>
+
+<file path=ppt/tags/tag114.xml><?xml version="1.0" encoding="utf-8"?>
+<p:tagLst xmlns:a="http://schemas.openxmlformats.org/drawingml/2006/main" xmlns:r="http://schemas.openxmlformats.org/officeDocument/2006/relationships" xmlns:p="http://schemas.openxmlformats.org/presentationml/2006/main">
+  <p:tag name="KSO_WM_DIAGRAM_VIRTUALLY_FRAME" val="{&quot;height&quot;:392.15519685039374,&quot;left&quot;:54.75,&quot;top&quot;:116.57039370078739,&quot;width&quot;:852.1158267716535}"/>
+</p:tagLst>
+</file>
+
+<file path=ppt/tags/tag115.xml><?xml version="1.0" encoding="utf-8"?>
+<p:tagLst xmlns:a="http://schemas.openxmlformats.org/drawingml/2006/main" xmlns:r="http://schemas.openxmlformats.org/officeDocument/2006/relationships" xmlns:p="http://schemas.openxmlformats.org/presentationml/2006/main">
+  <p:tag name="KSO_WM_DIAGRAM_VIRTUALLY_FRAME" val="{&quot;height&quot;:392.15519685039374,&quot;left&quot;:54.75,&quot;top&quot;:116.57039370078739,&quot;width&quot;:852.1158267716535}"/>
+</p:tagLst>
+</file>
+
+<file path=ppt/tags/tag116.xml><?xml version="1.0" encoding="utf-8"?>
+<p:tagLst xmlns:a="http://schemas.openxmlformats.org/drawingml/2006/main" xmlns:r="http://schemas.openxmlformats.org/officeDocument/2006/relationships" xmlns:p="http://schemas.openxmlformats.org/presentationml/2006/main">
+  <p:tag name="KSO_WM_DIAGRAM_VIRTUALLY_FRAME" val="{&quot;height&quot;:392.15519685039374,&quot;left&quot;:54.75,&quot;top&quot;:116.57039370078739,&quot;width&quot;:852.1158267716535}"/>
+</p:tagLst>
+</file>
+
+<file path=ppt/tags/tag117.xml><?xml version="1.0" encoding="utf-8"?>
+<p:tagLst xmlns:a="http://schemas.openxmlformats.org/drawingml/2006/main" xmlns:r="http://schemas.openxmlformats.org/officeDocument/2006/relationships" xmlns:p="http://schemas.openxmlformats.org/presentationml/2006/main">
+  <p:tag name="KSO_WM_DIAGRAM_VIRTUALLY_FRAME" val="{&quot;height&quot;:392.15519685039374,&quot;left&quot;:54.75,&quot;top&quot;:116.57039370078739,&quot;width&quot;:852.1158267716535}"/>
+</p:tagLst>
+</file>
+
+<file path=ppt/tags/tag118.xml><?xml version="1.0" encoding="utf-8"?>
+<p:tagLst xmlns:a="http://schemas.openxmlformats.org/drawingml/2006/main" xmlns:r="http://schemas.openxmlformats.org/officeDocument/2006/relationships" xmlns:p="http://schemas.openxmlformats.org/presentationml/2006/main">
   <p:tag name="KSO_WM_DIAGRAM_VIRTUALLY_FRAME" val="{&quot;height&quot;:180.6536034572031,&quot;left&quot;:46.28535433070865,&quot;top&quot;:247.75,&quot;width&quot;:858.9646456692914}"/>
-</p:tagLst>
-</file>
-
-<file path=ppt/tags/tag113.xml><?xml version="1.0" encoding="utf-8"?>
-<p:tagLst xmlns:a="http://schemas.openxmlformats.org/drawingml/2006/main" xmlns:r="http://schemas.openxmlformats.org/officeDocument/2006/relationships" xmlns:p="http://schemas.openxmlformats.org/presentationml/2006/main">
-  <p:tag name="KSO_WM_DIAGRAM_VIRTUALLY_FRAME" val="{&quot;height&quot;:180.6536034572031,&quot;left&quot;:46.28535433070865,&quot;top&quot;:247.75,&quot;width&quot;:858.9646456692914}"/>
-</p:tagLst>
-</file>
-
-<file path=ppt/tags/tag114.xml><?xml version="1.0" encoding="utf-8"?>
-<p:tagLst xmlns:a="http://schemas.openxmlformats.org/drawingml/2006/main" xmlns:r="http://schemas.openxmlformats.org/officeDocument/2006/relationships" xmlns:p="http://schemas.openxmlformats.org/presentationml/2006/main">
-  <p:tag name="KSO_WM_DIAGRAM_VIRTUALLY_FRAME" val="{&quot;height&quot;:168.1604724409449,&quot;left&quot;:46.28535433070865,&quot;top&quot;:247.75,&quot;width&quot;:858.9646456692914}"/>
-</p:tagLst>
-</file>
-
-<file path=ppt/tags/tag115.xml><?xml version="1.0" encoding="utf-8"?>
-<p:tagLst xmlns:a="http://schemas.openxmlformats.org/drawingml/2006/main" xmlns:r="http://schemas.openxmlformats.org/officeDocument/2006/relationships" xmlns:p="http://schemas.openxmlformats.org/presentationml/2006/main">
-  <p:tag name="KSO_WM_DIAGRAM_VIRTUALLY_FRAME" val="{&quot;height&quot;:180.6536034572031,&quot;left&quot;:46.28535433070865,&quot;top&quot;:247.75,&quot;width&quot;:858.9646456692914}"/>
-</p:tagLst>
-</file>
-
-<file path=ppt/tags/tag116.xml><?xml version="1.0" encoding="utf-8"?>
-<p:tagLst xmlns:a="http://schemas.openxmlformats.org/drawingml/2006/main" xmlns:r="http://schemas.openxmlformats.org/officeDocument/2006/relationships" xmlns:p="http://schemas.openxmlformats.org/presentationml/2006/main">
-  <p:tag name="KSO_WM_DIAGRAM_VIRTUALLY_FRAME" val="{&quot;height&quot;:180.6536034572031,&quot;left&quot;:46.28535433070865,&quot;top&quot;:247.75,&quot;width&quot;:858.9646456692914}"/>
-</p:tagLst>
-</file>
-
-<file path=ppt/tags/tag117.xml><?xml version="1.0" encoding="utf-8"?>
-<p:tagLst xmlns:a="http://schemas.openxmlformats.org/drawingml/2006/main" xmlns:r="http://schemas.openxmlformats.org/officeDocument/2006/relationships" xmlns:p="http://schemas.openxmlformats.org/presentationml/2006/main">
-  <p:tag name="KSO_WM_DIAGRAM_VIRTUALLY_FRAME" val="{&quot;height&quot;:180.6536034572031,&quot;left&quot;:46.28535433070865,&quot;top&quot;:247.75,&quot;width&quot;:858.9646456692914}"/>
-</p:tagLst>
-</file>
-
-<file path=ppt/tags/tag118.xml><?xml version="1.0" encoding="utf-8"?>
-<p:tagLst xmlns:a="http://schemas.openxmlformats.org/drawingml/2006/main" xmlns:r="http://schemas.openxmlformats.org/officeDocument/2006/relationships" xmlns:p="http://schemas.openxmlformats.org/presentationml/2006/main">
-  <p:tag name="KSO_WM_DIAGRAM_VIRTUALLY_FRAME" val="{&quot;height&quot;:168.1604724409449,&quot;left&quot;:46.28535433070865,&quot;top&quot;:247.75,&quot;width&quot;:858.9646456692914}"/>
 </p:tagLst>
 </file>
 
@@ -11042,55 +11726,55 @@
 
 <file path=ppt/tags/tag120.xml><?xml version="1.0" encoding="utf-8"?>
 <p:tagLst xmlns:a="http://schemas.openxmlformats.org/drawingml/2006/main" xmlns:r="http://schemas.openxmlformats.org/officeDocument/2006/relationships" xmlns:p="http://schemas.openxmlformats.org/presentationml/2006/main">
+  <p:tag name="KSO_WM_DIAGRAM_VIRTUALLY_FRAME" val="{&quot;height&quot;:168.1604724409449,&quot;left&quot;:46.28535433070865,&quot;top&quot;:247.75,&quot;width&quot;:858.9646456692914}"/>
+</p:tagLst>
+</file>
+
+<file path=ppt/tags/tag121.xml><?xml version="1.0" encoding="utf-8"?>
+<p:tagLst xmlns:a="http://schemas.openxmlformats.org/drawingml/2006/main" xmlns:r="http://schemas.openxmlformats.org/officeDocument/2006/relationships" xmlns:p="http://schemas.openxmlformats.org/presentationml/2006/main">
   <p:tag name="KSO_WM_DIAGRAM_VIRTUALLY_FRAME" val="{&quot;height&quot;:180.6536034572031,&quot;left&quot;:46.28535433070865,&quot;top&quot;:247.75,&quot;width&quot;:858.9646456692914}"/>
 </p:tagLst>
 </file>
 
-<file path=ppt/tags/tag121.xml><?xml version="1.0" encoding="utf-8"?>
+<file path=ppt/tags/tag122.xml><?xml version="1.0" encoding="utf-8"?>
 <p:tagLst xmlns:a="http://schemas.openxmlformats.org/drawingml/2006/main" xmlns:r="http://schemas.openxmlformats.org/officeDocument/2006/relationships" xmlns:p="http://schemas.openxmlformats.org/presentationml/2006/main">
   <p:tag name="KSO_WM_DIAGRAM_VIRTUALLY_FRAME" val="{&quot;height&quot;:180.6536034572031,&quot;left&quot;:46.28535433070865,&quot;top&quot;:247.75,&quot;width&quot;:858.9646456692914}"/>
 </p:tagLst>
 </file>
 
-<file path=ppt/tags/tag122.xml><?xml version="1.0" encoding="utf-8"?>
+<file path=ppt/tags/tag123.xml><?xml version="1.0" encoding="utf-8"?>
+<p:tagLst xmlns:a="http://schemas.openxmlformats.org/drawingml/2006/main" xmlns:r="http://schemas.openxmlformats.org/officeDocument/2006/relationships" xmlns:p="http://schemas.openxmlformats.org/presentationml/2006/main">
+  <p:tag name="KSO_WM_DIAGRAM_VIRTUALLY_FRAME" val="{&quot;height&quot;:180.6536034572031,&quot;left&quot;:46.28535433070865,&quot;top&quot;:247.75,&quot;width&quot;:858.9646456692914}"/>
+</p:tagLst>
+</file>
+
+<file path=ppt/tags/tag124.xml><?xml version="1.0" encoding="utf-8"?>
 <p:tagLst xmlns:a="http://schemas.openxmlformats.org/drawingml/2006/main" xmlns:r="http://schemas.openxmlformats.org/officeDocument/2006/relationships" xmlns:p="http://schemas.openxmlformats.org/presentationml/2006/main">
   <p:tag name="KSO_WM_DIAGRAM_VIRTUALLY_FRAME" val="{&quot;height&quot;:168.1604724409449,&quot;left&quot;:46.28535433070865,&quot;top&quot;:247.75,&quot;width&quot;:858.9646456692914}"/>
 </p:tagLst>
 </file>
 
-<file path=ppt/tags/tag123.xml><?xml version="1.0" encoding="utf-8"?>
-<p:tagLst xmlns:a="http://schemas.openxmlformats.org/drawingml/2006/main" xmlns:r="http://schemas.openxmlformats.org/officeDocument/2006/relationships" xmlns:p="http://schemas.openxmlformats.org/presentationml/2006/main">
-  <p:tag name="KSO_WM_DIAGRAM_VIRTUALLY_FRAME" val="{&quot;height&quot;:312.50811023622043,&quot;left&quot;:514.8,&quot;top&quot;:142.8,&quot;width&quot;:390.450010450192}"/>
-</p:tagLst>
-</file>
-
-<file path=ppt/tags/tag124.xml><?xml version="1.0" encoding="utf-8"?>
-<p:tagLst xmlns:a="http://schemas.openxmlformats.org/drawingml/2006/main" xmlns:r="http://schemas.openxmlformats.org/officeDocument/2006/relationships" xmlns:p="http://schemas.openxmlformats.org/presentationml/2006/main">
-  <p:tag name="KSO_WM_DIAGRAM_VIRTUALLY_FRAME" val="{&quot;height&quot;:312.50811023622043,&quot;left&quot;:514.8,&quot;top&quot;:142.8,&quot;width&quot;:390.450010450192}"/>
-</p:tagLst>
-</file>
-
 <file path=ppt/tags/tag125.xml><?xml version="1.0" encoding="utf-8"?>
 <p:tagLst xmlns:a="http://schemas.openxmlformats.org/drawingml/2006/main" xmlns:r="http://schemas.openxmlformats.org/officeDocument/2006/relationships" xmlns:p="http://schemas.openxmlformats.org/presentationml/2006/main">
-  <p:tag name="KSO_WM_DIAGRAM_VIRTUALLY_FRAME" val="{&quot;height&quot;:312.50811023622043,&quot;left&quot;:514.8,&quot;top&quot;:142.8,&quot;width&quot;:390.450010450192}"/>
+  <p:tag name="KSO_WM_DIAGRAM_VIRTUALLY_FRAME" val="{&quot;height&quot;:180.6536034572031,&quot;left&quot;:46.28535433070865,&quot;top&quot;:247.75,&quot;width&quot;:858.9646456692914}"/>
 </p:tagLst>
 </file>
 
 <file path=ppt/tags/tag126.xml><?xml version="1.0" encoding="utf-8"?>
 <p:tagLst xmlns:a="http://schemas.openxmlformats.org/drawingml/2006/main" xmlns:r="http://schemas.openxmlformats.org/officeDocument/2006/relationships" xmlns:p="http://schemas.openxmlformats.org/presentationml/2006/main">
-  <p:tag name="KSO_WM_DIAGRAM_VIRTUALLY_FRAME" val="{&quot;height&quot;:312.50811023622043,&quot;left&quot;:514.8,&quot;top&quot;:142.8,&quot;width&quot;:390.450010450192}"/>
+  <p:tag name="KSO_WM_DIAGRAM_VIRTUALLY_FRAME" val="{&quot;height&quot;:180.6536034572031,&quot;left&quot;:46.28535433070865,&quot;top&quot;:247.75,&quot;width&quot;:858.9646456692914}"/>
 </p:tagLst>
 </file>
 
 <file path=ppt/tags/tag127.xml><?xml version="1.0" encoding="utf-8"?>
 <p:tagLst xmlns:a="http://schemas.openxmlformats.org/drawingml/2006/main" xmlns:r="http://schemas.openxmlformats.org/officeDocument/2006/relationships" xmlns:p="http://schemas.openxmlformats.org/presentationml/2006/main">
-  <p:tag name="KSO_WM_DIAGRAM_VIRTUALLY_FRAME" val="{&quot;height&quot;:312.50811023622043,&quot;left&quot;:514.8,&quot;top&quot;:142.8,&quot;width&quot;:390.450010450192}"/>
+  <p:tag name="KSO_WM_DIAGRAM_VIRTUALLY_FRAME" val="{&quot;height&quot;:180.6536034572031,&quot;left&quot;:46.28535433070865,&quot;top&quot;:247.75,&quot;width&quot;:858.9646456692914}"/>
 </p:tagLst>
 </file>
 
 <file path=ppt/tags/tag128.xml><?xml version="1.0" encoding="utf-8"?>
 <p:tagLst xmlns:a="http://schemas.openxmlformats.org/drawingml/2006/main" xmlns:r="http://schemas.openxmlformats.org/officeDocument/2006/relationships" xmlns:p="http://schemas.openxmlformats.org/presentationml/2006/main">
-  <p:tag name="KSO_WM_DIAGRAM_VIRTUALLY_FRAME" val="{&quot;height&quot;:312.50811023622043,&quot;left&quot;:514.8,&quot;top&quot;:142.8,&quot;width&quot;:390.450010450192}"/>
+  <p:tag name="KSO_WM_DIAGRAM_VIRTUALLY_FRAME" val="{&quot;height&quot;:168.1604724409449,&quot;left&quot;:46.28535433070865,&quot;top&quot;:247.75,&quot;width&quot;:858.9646456692914}"/>
 </p:tagLst>
 </file>
 
@@ -11114,6 +11798,42 @@
 </file>
 
 <file path=ppt/tags/tag130.xml><?xml version="1.0" encoding="utf-8"?>
+<p:tagLst xmlns:a="http://schemas.openxmlformats.org/drawingml/2006/main" xmlns:r="http://schemas.openxmlformats.org/officeDocument/2006/relationships" xmlns:p="http://schemas.openxmlformats.org/presentationml/2006/main">
+  <p:tag name="KSO_WM_DIAGRAM_VIRTUALLY_FRAME" val="{&quot;height&quot;:312.50811023622043,&quot;left&quot;:514.8,&quot;top&quot;:142.8,&quot;width&quot;:390.450010450192}"/>
+</p:tagLst>
+</file>
+
+<file path=ppt/tags/tag131.xml><?xml version="1.0" encoding="utf-8"?>
+<p:tagLst xmlns:a="http://schemas.openxmlformats.org/drawingml/2006/main" xmlns:r="http://schemas.openxmlformats.org/officeDocument/2006/relationships" xmlns:p="http://schemas.openxmlformats.org/presentationml/2006/main">
+  <p:tag name="KSO_WM_DIAGRAM_VIRTUALLY_FRAME" val="{&quot;height&quot;:312.50811023622043,&quot;left&quot;:514.8,&quot;top&quot;:142.8,&quot;width&quot;:390.450010450192}"/>
+</p:tagLst>
+</file>
+
+<file path=ppt/tags/tag132.xml><?xml version="1.0" encoding="utf-8"?>
+<p:tagLst xmlns:a="http://schemas.openxmlformats.org/drawingml/2006/main" xmlns:r="http://schemas.openxmlformats.org/officeDocument/2006/relationships" xmlns:p="http://schemas.openxmlformats.org/presentationml/2006/main">
+  <p:tag name="KSO_WM_DIAGRAM_VIRTUALLY_FRAME" val="{&quot;height&quot;:312.50811023622043,&quot;left&quot;:514.8,&quot;top&quot;:142.8,&quot;width&quot;:390.450010450192}"/>
+</p:tagLst>
+</file>
+
+<file path=ppt/tags/tag133.xml><?xml version="1.0" encoding="utf-8"?>
+<p:tagLst xmlns:a="http://schemas.openxmlformats.org/drawingml/2006/main" xmlns:r="http://schemas.openxmlformats.org/officeDocument/2006/relationships" xmlns:p="http://schemas.openxmlformats.org/presentationml/2006/main">
+  <p:tag name="KSO_WM_DIAGRAM_VIRTUALLY_FRAME" val="{&quot;height&quot;:312.50811023622043,&quot;left&quot;:514.8,&quot;top&quot;:142.8,&quot;width&quot;:390.450010450192}"/>
+</p:tagLst>
+</file>
+
+<file path=ppt/tags/tag134.xml><?xml version="1.0" encoding="utf-8"?>
+<p:tagLst xmlns:a="http://schemas.openxmlformats.org/drawingml/2006/main" xmlns:r="http://schemas.openxmlformats.org/officeDocument/2006/relationships" xmlns:p="http://schemas.openxmlformats.org/presentationml/2006/main">
+  <p:tag name="KSO_WM_DIAGRAM_VIRTUALLY_FRAME" val="{&quot;height&quot;:312.50811023622043,&quot;left&quot;:514.8,&quot;top&quot;:142.8,&quot;width&quot;:390.450010450192}"/>
+</p:tagLst>
+</file>
+
+<file path=ppt/tags/tag135.xml><?xml version="1.0" encoding="utf-8"?>
+<p:tagLst xmlns:a="http://schemas.openxmlformats.org/drawingml/2006/main" xmlns:r="http://schemas.openxmlformats.org/officeDocument/2006/relationships" xmlns:p="http://schemas.openxmlformats.org/presentationml/2006/main">
+  <p:tag name="KSO_WM_DIAGRAM_VIRTUALLY_FRAME" val="{&quot;height&quot;:312.50811023622043,&quot;left&quot;:514.8,&quot;top&quot;:142.8,&quot;width&quot;:390.450010450192}"/>
+</p:tagLst>
+</file>
+
+<file path=ppt/tags/tag136.xml><?xml version="1.0" encoding="utf-8"?>
 <p:tagLst xmlns:a="http://schemas.openxmlformats.org/drawingml/2006/main" xmlns:r="http://schemas.openxmlformats.org/officeDocument/2006/relationships" xmlns:p="http://schemas.openxmlformats.org/presentationml/2006/main">
   <p:tag name="KSO_WM_DIAGRAM_VIRTUALLY_FRAME" val="{&quot;height&quot;:331.6637007874016,&quot;left&quot;:421.3802362204724,&quot;top&quot;:158.08629921259842,&quot;width&quot;:483.5697637795276}"/>
 </p:tagLst>
@@ -11827,66 +12547,19 @@
 
 <file path=ppt/tags/tag63.xml><?xml version="1.0" encoding="utf-8"?>
 <p:tagLst xmlns:a="http://schemas.openxmlformats.org/drawingml/2006/main" xmlns:r="http://schemas.openxmlformats.org/officeDocument/2006/relationships" xmlns:p="http://schemas.openxmlformats.org/presentationml/2006/main">
-  <p:tag name="KSO_WM_SLIDE_ID" val="custom20205081_1"/>
-  <p:tag name="KSO_WM_TEMPLATE_SUBCATEGORY" val="19"/>
-  <p:tag name="KSO_WM_TEMPLATE_MASTER_TYPE" val="0"/>
-  <p:tag name="KSO_WM_TEMPLATE_COLOR_TYPE" val="1"/>
-  <p:tag name="KSO_WM_SLIDE_TYPE" val="title"/>
-  <p:tag name="KSO_WM_SLIDE_SUBTYPE" val="defaultBlank"/>
-  <p:tag name="KSO_WM_SLIDE_ITEM_CNT" val="0"/>
-  <p:tag name="KSO_WM_SLIDE_INDEX" val="1"/>
-  <p:tag name="KSO_WM_TAG_VERSION" val="1.0"/>
-  <p:tag name="KSO_WM_BEAUTIFY_FLAG" val="#wm#"/>
-  <p:tag name="KSO_WM_TEMPLATE_CATEGORY" val="custom"/>
-  <p:tag name="KSO_WM_TEMPLATE_INDEX" val="20205081"/>
-  <p:tag name="KSO_WM_SLIDE_LAYOUT" val="a_b"/>
-  <p:tag name="KSO_WM_SLIDE_LAYOUT_CNT" val="1_1"/>
-  <p:tag name="KSO_WM_UNIT_SHOW_EDIT_AREA_INDICATION" val="1"/>
-  <p:tag name="KSO_WM_TEMPLATE_THUMBS_INDEX" val="1、4、7、12、13、14、15、16、17、18、20、24、25、28、33、36、40、43、44"/>
+  <p:tag name="KSO_WM_DIAGRAM_VIRTUALLY_FRAME" val="{&quot;height&quot;:155.94740157480314,&quot;left&quot;:117.46598425196851,&quot;top&quot;:62.532047244094485,&quot;width&quot;:723.7329133858267}"/>
 </p:tagLst>
 </file>
 
 <file path=ppt/tags/tag64.xml><?xml version="1.0" encoding="utf-8"?>
 <p:tagLst xmlns:a="http://schemas.openxmlformats.org/drawingml/2006/main" xmlns:r="http://schemas.openxmlformats.org/officeDocument/2006/relationships" xmlns:p="http://schemas.openxmlformats.org/presentationml/2006/main">
-  <p:tag name="KSO_WM_UNIT_ISCONTENTSTITLE" val="0"/>
-  <p:tag name="KSO_WM_UNIT_ISNUMDGMTITLE" val="0"/>
-  <p:tag name="KSO_WM_UNIT_NOCLEAR" val="0"/>
-  <p:tag name="KSO_WM_UNIT_SHOW_EDIT_AREA_INDICATION" val="1"/>
-  <p:tag name="KSO_WM_UNIT_VALUE" val="28"/>
-  <p:tag name="KSO_WM_UNIT_HIGHLIGHT" val="0"/>
-  <p:tag name="KSO_WM_UNIT_COMPATIBLE" val="0"/>
-  <p:tag name="KSO_WM_UNIT_DIAGRAM_ISNUMVISUAL" val="0"/>
-  <p:tag name="KSO_WM_UNIT_DIAGRAM_ISREFERUNIT" val="0"/>
-  <p:tag name="KSO_WM_UNIT_TYPE" val="a"/>
-  <p:tag name="KSO_WM_UNIT_INDEX" val="1"/>
-  <p:tag name="KSO_WM_UNIT_ID" val="custom20205081_1*a*1"/>
-  <p:tag name="KSO_WM_TEMPLATE_CATEGORY" val="custom"/>
-  <p:tag name="KSO_WM_TEMPLATE_INDEX" val="20205081"/>
-  <p:tag name="KSO_WM_UNIT_LAYERLEVEL" val="1"/>
-  <p:tag name="KSO_WM_TAG_VERSION" val="1.0"/>
-  <p:tag name="KSO_WM_BEAUTIFY_FLAG" val="#wm#"/>
+  <p:tag name="KSO_WM_DIAGRAM_VIRTUALLY_FRAME" val="{&quot;height&quot;:155.94740157480314,&quot;left&quot;:117.46598425196851,&quot;top&quot;:62.532047244094485,&quot;width&quot;:723.7329133858267}"/>
 </p:tagLst>
 </file>
 
 <file path=ppt/tags/tag65.xml><?xml version="1.0" encoding="utf-8"?>
 <p:tagLst xmlns:a="http://schemas.openxmlformats.org/drawingml/2006/main" xmlns:r="http://schemas.openxmlformats.org/officeDocument/2006/relationships" xmlns:p="http://schemas.openxmlformats.org/presentationml/2006/main">
-  <p:tag name="KSO_WM_UNIT_ISCONTENTSTITLE" val="0"/>
-  <p:tag name="KSO_WM_UNIT_ISNUMDGMTITLE" val="0"/>
-  <p:tag name="KSO_WM_UNIT_NOCLEAR" val="0"/>
-  <p:tag name="KSO_WM_UNIT_SHOW_EDIT_AREA_INDICATION" val="1"/>
-  <p:tag name="KSO_WM_UNIT_VALUE" val="111"/>
-  <p:tag name="KSO_WM_UNIT_HIGHLIGHT" val="0"/>
-  <p:tag name="KSO_WM_UNIT_COMPATIBLE" val="0"/>
-  <p:tag name="KSO_WM_UNIT_DIAGRAM_ISNUMVISUAL" val="0"/>
-  <p:tag name="KSO_WM_UNIT_DIAGRAM_ISREFERUNIT" val="0"/>
-  <p:tag name="KSO_WM_UNIT_TYPE" val="b"/>
-  <p:tag name="KSO_WM_UNIT_INDEX" val="1"/>
-  <p:tag name="KSO_WM_UNIT_ID" val="custom20205081_1*b*1"/>
-  <p:tag name="KSO_WM_TEMPLATE_CATEGORY" val="custom"/>
-  <p:tag name="KSO_WM_TEMPLATE_INDEX" val="20205081"/>
-  <p:tag name="KSO_WM_UNIT_LAYERLEVEL" val="1"/>
-  <p:tag name="KSO_WM_TAG_VERSION" val="1.0"/>
-  <p:tag name="KSO_WM_BEAUTIFY_FLAG" val="#wm#"/>
+  <p:tag name="KSO_WM_DIAGRAM_VIRTUALLY_FRAME" val="{&quot;height&quot;:155.94740157480314,&quot;left&quot;:117.46598425196851,&quot;top&quot;:62.532047244094485,&quot;width&quot;:723.7329133858267}"/>
 </p:tagLst>
 </file>
 
@@ -11947,19 +12620,19 @@
 
 <file path=ppt/tags/tag73.xml><?xml version="1.0" encoding="utf-8"?>
 <p:tagLst xmlns:a="http://schemas.openxmlformats.org/drawingml/2006/main" xmlns:r="http://schemas.openxmlformats.org/officeDocument/2006/relationships" xmlns:p="http://schemas.openxmlformats.org/presentationml/2006/main">
-  <p:tag name="KSO_WM_DIAGRAM_VIRTUALLY_FRAME" val="{&quot;height&quot;:155.94740157480314,&quot;left&quot;:117.46598425196851,&quot;top&quot;:62.532047244094485,&quot;width&quot;:723.7329133858267}"/>
+  <p:tag name="KSO_WM_DIAGRAM_VIRTUALLY_FRAME" val="{&quot;height&quot;:392.15519685039374,&quot;left&quot;:54.75,&quot;top&quot;:116.57039370078739,&quot;width&quot;:852.1158267716535}"/>
 </p:tagLst>
 </file>
 
 <file path=ppt/tags/tag74.xml><?xml version="1.0" encoding="utf-8"?>
 <p:tagLst xmlns:a="http://schemas.openxmlformats.org/drawingml/2006/main" xmlns:r="http://schemas.openxmlformats.org/officeDocument/2006/relationships" xmlns:p="http://schemas.openxmlformats.org/presentationml/2006/main">
-  <p:tag name="KSO_WM_DIAGRAM_VIRTUALLY_FRAME" val="{&quot;height&quot;:155.94740157480314,&quot;left&quot;:117.46598425196851,&quot;top&quot;:62.532047244094485,&quot;width&quot;:723.7329133858267}"/>
+  <p:tag name="KSO_WM_DIAGRAM_VIRTUALLY_FRAME" val="{&quot;height&quot;:392.15519685039374,&quot;left&quot;:54.75,&quot;top&quot;:116.57039370078739,&quot;width&quot;:852.1158267716535}"/>
 </p:tagLst>
 </file>
 
 <file path=ppt/tags/tag75.xml><?xml version="1.0" encoding="utf-8"?>
 <p:tagLst xmlns:a="http://schemas.openxmlformats.org/drawingml/2006/main" xmlns:r="http://schemas.openxmlformats.org/officeDocument/2006/relationships" xmlns:p="http://schemas.openxmlformats.org/presentationml/2006/main">
-  <p:tag name="KSO_WM_DIAGRAM_VIRTUALLY_FRAME" val="{&quot;height&quot;:155.94740157480314,&quot;left&quot;:117.46598425196851,&quot;top&quot;:62.532047244094485,&quot;width&quot;:723.7329133858267}"/>
+  <p:tag name="KSO_WM_DIAGRAM_VIRTUALLY_FRAME" val="{&quot;height&quot;:392.15519685039374,&quot;left&quot;:54.75,&quot;top&quot;:116.57039370078739,&quot;width&quot;:852.1158267716535}"/>
 </p:tagLst>
 </file>
 
@@ -12032,25 +12705,25 @@
 
 <file path=ppt/tags/tag85.xml><?xml version="1.0" encoding="utf-8"?>
 <p:tagLst xmlns:a="http://schemas.openxmlformats.org/drawingml/2006/main" xmlns:r="http://schemas.openxmlformats.org/officeDocument/2006/relationships" xmlns:p="http://schemas.openxmlformats.org/presentationml/2006/main">
-  <p:tag name="KSO_WM_DIAGRAM_VIRTUALLY_FRAME" val="{&quot;height&quot;:392.15519685039374,&quot;left&quot;:54.75,&quot;top&quot;:116.57039370078739,&quot;width&quot;:852.1158267716535}"/>
+  <p:tag name="KSO_WM_DIAGRAM_VIRTUALLY_FRAME" val="{&quot;height&quot;:180.6536034572031,&quot;left&quot;:46.28535433070865,&quot;top&quot;:247.75,&quot;width&quot;:858.9646456692914}"/>
 </p:tagLst>
 </file>
 
 <file path=ppt/tags/tag86.xml><?xml version="1.0" encoding="utf-8"?>
 <p:tagLst xmlns:a="http://schemas.openxmlformats.org/drawingml/2006/main" xmlns:r="http://schemas.openxmlformats.org/officeDocument/2006/relationships" xmlns:p="http://schemas.openxmlformats.org/presentationml/2006/main">
-  <p:tag name="KSO_WM_DIAGRAM_VIRTUALLY_FRAME" val="{&quot;height&quot;:392.15519685039374,&quot;left&quot;:54.75,&quot;top&quot;:116.57039370078739,&quot;width&quot;:852.1158267716535}"/>
+  <p:tag name="KSO_WM_DIAGRAM_VIRTUALLY_FRAME" val="{&quot;height&quot;:180.6536034572031,&quot;left&quot;:46.28535433070865,&quot;top&quot;:247.75,&quot;width&quot;:858.9646456692914}"/>
 </p:tagLst>
 </file>
 
 <file path=ppt/tags/tag87.xml><?xml version="1.0" encoding="utf-8"?>
 <p:tagLst xmlns:a="http://schemas.openxmlformats.org/drawingml/2006/main" xmlns:r="http://schemas.openxmlformats.org/officeDocument/2006/relationships" xmlns:p="http://schemas.openxmlformats.org/presentationml/2006/main">
-  <p:tag name="KSO_WM_DIAGRAM_VIRTUALLY_FRAME" val="{&quot;height&quot;:392.15519685039374,&quot;left&quot;:54.75,&quot;top&quot;:116.57039370078739,&quot;width&quot;:852.1158267716535}"/>
+  <p:tag name="KSO_WM_DIAGRAM_VIRTUALLY_FRAME" val="{&quot;height&quot;:180.6536034572031,&quot;left&quot;:46.28535433070865,&quot;top&quot;:247.75,&quot;width&quot;:858.9646456692914}"/>
 </p:tagLst>
 </file>
 
 <file path=ppt/tags/tag88.xml><?xml version="1.0" encoding="utf-8"?>
 <p:tagLst xmlns:a="http://schemas.openxmlformats.org/drawingml/2006/main" xmlns:r="http://schemas.openxmlformats.org/officeDocument/2006/relationships" xmlns:p="http://schemas.openxmlformats.org/presentationml/2006/main">
-  <p:tag name="KSO_WM_DIAGRAM_VIRTUALLY_FRAME" val="{&quot;height&quot;:180.6536034572031,&quot;left&quot;:46.28535433070865,&quot;top&quot;:247.75,&quot;width&quot;:858.9646456692914}"/>
+  <p:tag name="KSO_WM_DIAGRAM_VIRTUALLY_FRAME" val="{&quot;height&quot;:168.1604724409449,&quot;left&quot;:46.28535433070865,&quot;top&quot;:247.75,&quot;width&quot;:858.9646456692914}"/>
 </p:tagLst>
 </file>
 
@@ -12099,37 +12772,37 @@
 
 <file path=ppt/tags/tag94.xml><?xml version="1.0" encoding="utf-8"?>
 <p:tagLst xmlns:a="http://schemas.openxmlformats.org/drawingml/2006/main" xmlns:r="http://schemas.openxmlformats.org/officeDocument/2006/relationships" xmlns:p="http://schemas.openxmlformats.org/presentationml/2006/main">
+  <p:tag name="KSO_WM_DIAGRAM_VIRTUALLY_FRAME" val="{&quot;height&quot;:180.6536034572031,&quot;left&quot;:46.28535433070865,&quot;top&quot;:247.75,&quot;width&quot;:858.9646456692914}"/>
+</p:tagLst>
+</file>
+
+<file path=ppt/tags/tag95.xml><?xml version="1.0" encoding="utf-8"?>
+<p:tagLst xmlns:a="http://schemas.openxmlformats.org/drawingml/2006/main" xmlns:r="http://schemas.openxmlformats.org/officeDocument/2006/relationships" xmlns:p="http://schemas.openxmlformats.org/presentationml/2006/main">
   <p:tag name="KSO_WM_DIAGRAM_VIRTUALLY_FRAME" val="{&quot;height&quot;:168.1604724409449,&quot;left&quot;:46.28535433070865,&quot;top&quot;:247.75,&quot;width&quot;:858.9646456692914}"/>
 </p:tagLst>
 </file>
 
-<file path=ppt/tags/tag95.xml><?xml version="1.0" encoding="utf-8"?>
+<file path=ppt/tags/tag96.xml><?xml version="1.0" encoding="utf-8"?>
 <p:tagLst xmlns:a="http://schemas.openxmlformats.org/drawingml/2006/main" xmlns:r="http://schemas.openxmlformats.org/officeDocument/2006/relationships" xmlns:p="http://schemas.openxmlformats.org/presentationml/2006/main">
   <p:tag name="KSO_WM_DIAGRAM_VIRTUALLY_FRAME" val="{&quot;height&quot;:180.6536034572031,&quot;left&quot;:46.28535433070865,&quot;top&quot;:247.75,&quot;width&quot;:858.9646456692914}"/>
 </p:tagLst>
 </file>
 
-<file path=ppt/tags/tag96.xml><?xml version="1.0" encoding="utf-8"?>
+<file path=ppt/tags/tag97.xml><?xml version="1.0" encoding="utf-8"?>
 <p:tagLst xmlns:a="http://schemas.openxmlformats.org/drawingml/2006/main" xmlns:r="http://schemas.openxmlformats.org/officeDocument/2006/relationships" xmlns:p="http://schemas.openxmlformats.org/presentationml/2006/main">
   <p:tag name="KSO_WM_DIAGRAM_VIRTUALLY_FRAME" val="{&quot;height&quot;:180.6536034572031,&quot;left&quot;:46.28535433070865,&quot;top&quot;:247.75,&quot;width&quot;:858.9646456692914}"/>
 </p:tagLst>
 </file>
 
-<file path=ppt/tags/tag97.xml><?xml version="1.0" encoding="utf-8"?>
+<file path=ppt/tags/tag98.xml><?xml version="1.0" encoding="utf-8"?>
 <p:tagLst xmlns:a="http://schemas.openxmlformats.org/drawingml/2006/main" xmlns:r="http://schemas.openxmlformats.org/officeDocument/2006/relationships" xmlns:p="http://schemas.openxmlformats.org/presentationml/2006/main">
   <p:tag name="KSO_WM_DIAGRAM_VIRTUALLY_FRAME" val="{&quot;height&quot;:180.6536034572031,&quot;left&quot;:46.28535433070865,&quot;top&quot;:247.75,&quot;width&quot;:858.9646456692914}"/>
 </p:tagLst>
 </file>
 
-<file path=ppt/tags/tag98.xml><?xml version="1.0" encoding="utf-8"?>
+<file path=ppt/tags/tag99.xml><?xml version="1.0" encoding="utf-8"?>
 <p:tagLst xmlns:a="http://schemas.openxmlformats.org/drawingml/2006/main" xmlns:r="http://schemas.openxmlformats.org/officeDocument/2006/relationships" xmlns:p="http://schemas.openxmlformats.org/presentationml/2006/main">
   <p:tag name="KSO_WM_DIAGRAM_VIRTUALLY_FRAME" val="{&quot;height&quot;:168.1604724409449,&quot;left&quot;:46.28535433070865,&quot;top&quot;:247.75,&quot;width&quot;:858.9646456692914}"/>
-</p:tagLst>
-</file>
-
-<file path=ppt/tags/tag99.xml><?xml version="1.0" encoding="utf-8"?>
-<p:tagLst xmlns:a="http://schemas.openxmlformats.org/drawingml/2006/main" xmlns:r="http://schemas.openxmlformats.org/officeDocument/2006/relationships" xmlns:p="http://schemas.openxmlformats.org/presentationml/2006/main">
-  <p:tag name="KSO_WM_DIAGRAM_VIRTUALLY_FRAME" val="{&quot;height&quot;:180.6536034572031,&quot;left&quot;:46.28535433070865,&quot;top&quot;:247.75,&quot;width&quot;:858.9646456692914}"/>
 </p:tagLst>
 </file>
 
